--- a/Moose Presentations/SETUP.pptx
+++ b/Moose Presentations/SETUP.pptx
@@ -7,14 +7,19 @@
   <p:sldIdLst>
     <p:sldId id="256" r:id="rId2"/>
     <p:sldId id="257" r:id="rId3"/>
-    <p:sldId id="258" r:id="rId4"/>
-    <p:sldId id="259" r:id="rId5"/>
-    <p:sldId id="261" r:id="rId6"/>
-    <p:sldId id="260" r:id="rId7"/>
-    <p:sldId id="262" r:id="rId8"/>
-    <p:sldId id="263" r:id="rId9"/>
-    <p:sldId id="264" r:id="rId10"/>
-    <p:sldId id="265" r:id="rId11"/>
+    <p:sldId id="267" r:id="rId4"/>
+    <p:sldId id="269" r:id="rId5"/>
+    <p:sldId id="270" r:id="rId6"/>
+    <p:sldId id="258" r:id="rId7"/>
+    <p:sldId id="259" r:id="rId8"/>
+    <p:sldId id="264" r:id="rId9"/>
+    <p:sldId id="261" r:id="rId10"/>
+    <p:sldId id="260" r:id="rId11"/>
+    <p:sldId id="271" r:id="rId12"/>
+    <p:sldId id="272" r:id="rId13"/>
+    <p:sldId id="262" r:id="rId14"/>
+    <p:sldId id="263" r:id="rId15"/>
+    <p:sldId id="265" r:id="rId16"/>
   </p:sldIdLst>
   <p:sldSz cx="12192000" cy="6858000"/>
   <p:notesSz cx="6858000" cy="9144000"/>
@@ -301,7 +306,7 @@
           <a:p>
             <a:fld id="{96DFF08F-DC6B-4601-B491-B0F83F6DD2DA}" type="datetimeFigureOut">
               <a:rPr lang="en-US" dirty="0"/>
-              <a:t>1/24/2017</a:t>
+              <a:t>4/18/2017</a:t>
             </a:fld>
             <a:endParaRPr lang="en-US" dirty="0"/>
           </a:p>
@@ -552,7 +557,7 @@
           <a:p>
             <a:fld id="{96DFF08F-DC6B-4601-B491-B0F83F6DD2DA}" type="datetimeFigureOut">
               <a:rPr lang="en-US" dirty="0"/>
-              <a:t>1/24/2017</a:t>
+              <a:t>4/18/2017</a:t>
             </a:fld>
             <a:endParaRPr lang="en-US" dirty="0"/>
           </a:p>
@@ -789,7 +794,7 @@
           <a:p>
             <a:fld id="{96DFF08F-DC6B-4601-B491-B0F83F6DD2DA}" type="datetimeFigureOut">
               <a:rPr lang="en-US" dirty="0"/>
-              <a:t>1/24/2017</a:t>
+              <a:t>4/18/2017</a:t>
             </a:fld>
             <a:endParaRPr lang="en-US" dirty="0"/>
           </a:p>
@@ -999,7 +1004,7 @@
           <a:p>
             <a:fld id="{96DFF08F-DC6B-4601-B491-B0F83F6DD2DA}" type="datetimeFigureOut">
               <a:rPr lang="en-US" dirty="0"/>
-              <a:t>1/24/2017</a:t>
+              <a:t>4/18/2017</a:t>
             </a:fld>
             <a:endParaRPr lang="en-US" dirty="0"/>
           </a:p>
@@ -1590,7 +1595,7 @@
           <a:p>
             <a:fld id="{96DFF08F-DC6B-4601-B491-B0F83F6DD2DA}" type="datetimeFigureOut">
               <a:rPr lang="en-US" dirty="0"/>
-              <a:t>1/24/2017</a:t>
+              <a:t>4/18/2017</a:t>
             </a:fld>
             <a:endParaRPr lang="en-US" dirty="0"/>
           </a:p>
@@ -2019,7 +2024,7 @@
           <a:p>
             <a:fld id="{96DFF08F-DC6B-4601-B491-B0F83F6DD2DA}" type="datetimeFigureOut">
               <a:rPr lang="en-US" dirty="0"/>
-              <a:t>1/24/2017</a:t>
+              <a:t>4/18/2017</a:t>
             </a:fld>
             <a:endParaRPr lang="en-US" dirty="0"/>
           </a:p>
@@ -2188,7 +2193,7 @@
           <a:p>
             <a:fld id="{96DFF08F-DC6B-4601-B491-B0F83F6DD2DA}" type="datetimeFigureOut">
               <a:rPr lang="en-US" dirty="0"/>
-              <a:t>1/24/2017</a:t>
+              <a:t>4/18/2017</a:t>
             </a:fld>
             <a:endParaRPr lang="en-US" dirty="0"/>
           </a:p>
@@ -2475,7 +2480,7 @@
           <a:p>
             <a:fld id="{96DFF08F-DC6B-4601-B491-B0F83F6DD2DA}" type="datetimeFigureOut">
               <a:rPr lang="en-US" dirty="0"/>
-              <a:t>1/24/2017</a:t>
+              <a:t>4/18/2017</a:t>
             </a:fld>
             <a:endParaRPr lang="en-US" dirty="0"/>
           </a:p>
@@ -2754,7 +2759,7 @@
           <a:p>
             <a:fld id="{96DFF08F-DC6B-4601-B491-B0F83F6DD2DA}" type="datetimeFigureOut">
               <a:rPr lang="en-US" dirty="0"/>
-              <a:t>1/24/2017</a:t>
+              <a:t>4/18/2017</a:t>
             </a:fld>
             <a:endParaRPr lang="en-US" dirty="0"/>
           </a:p>
@@ -3029,7 +3034,7 @@
             <a:fld id="{96DFF08F-DC6B-4601-B491-B0F83F6DD2DA}" type="datetimeFigureOut">
               <a:rPr lang="en-US" dirty="0"/>
               <a:pPr/>
-              <a:t>1/24/2017</a:t>
+              <a:t>4/18/2017</a:t>
             </a:fld>
             <a:endParaRPr lang="en-US" dirty="0"/>
           </a:p>
@@ -3558,7 +3563,7 @@
                   <a:schemeClr val="accent1"/>
                 </a:solidFill>
               </a:rPr>
-              <a:t>setup guides</a:t>
+              <a:t>setup guides 2.0</a:t>
             </a:r>
             <a:endParaRPr lang="nl-BE" dirty="0"/>
           </a:p>
@@ -3661,6 +3666,915 @@
       </p:grpSpPr>
       <p:sp>
         <p:nvSpPr>
+          <p:cNvPr id="4" name="Titel 3"/>
+          <p:cNvSpPr>
+            <a:spLocks noGrp="1"/>
+          </p:cNvSpPr>
+          <p:nvPr>
+            <p:ph type="title"/>
+          </p:nvPr>
+        </p:nvSpPr>
+        <p:spPr>
+          <a:xfrm>
+            <a:off x="875942" y="284176"/>
+            <a:ext cx="10111057" cy="1508760"/>
+          </a:xfrm>
+        </p:spPr>
+        <p:txBody>
+          <a:bodyPr/>
+          <a:lstStyle/>
+          <a:p>
+            <a:r>
+              <a:rPr lang="nl-BE" dirty="0" err="1"/>
+              <a:t>ldt</a:t>
+            </a:r>
+            <a:r>
+              <a:rPr lang="nl-BE" dirty="0"/>
+              <a:t> setup</a:t>
+            </a:r>
+          </a:p>
+        </p:txBody>
+      </p:sp>
+      <p:pic>
+        <p:nvPicPr>
+          <p:cNvPr id="3" name="Afbeelding 2"/>
+          <p:cNvPicPr>
+            <a:picLocks noChangeAspect="1"/>
+          </p:cNvPicPr>
+          <p:nvPr/>
+        </p:nvPicPr>
+        <p:blipFill>
+          <a:blip r:embed="rId2"/>
+          <a:stretch>
+            <a:fillRect/>
+          </a:stretch>
+        </p:blipFill>
+        <p:spPr>
+          <a:xfrm>
+            <a:off x="1865953" y="1988984"/>
+            <a:ext cx="8460094" cy="4758803"/>
+          </a:xfrm>
+          <a:prstGeom prst="rect">
+            <a:avLst/>
+          </a:prstGeom>
+        </p:spPr>
+      </p:pic>
+      <p:sp>
+        <p:nvSpPr>
+          <p:cNvPr id="8" name="Rechthoek 7"/>
+          <p:cNvSpPr/>
+          <p:nvPr/>
+        </p:nvSpPr>
+        <p:spPr>
+          <a:xfrm>
+            <a:off x="5735996" y="368966"/>
+            <a:ext cx="6120068" cy="1260014"/>
+          </a:xfrm>
+          <a:prstGeom prst="rect">
+            <a:avLst/>
+          </a:prstGeom>
+          <a:noFill/>
+          <a:ln w="19050">
+            <a:noFill/>
+          </a:ln>
+        </p:spPr>
+        <p:style>
+          <a:lnRef idx="2">
+            <a:schemeClr val="accent1"/>
+          </a:lnRef>
+          <a:fillRef idx="1">
+            <a:schemeClr val="lt1"/>
+          </a:fillRef>
+          <a:effectRef idx="0">
+            <a:schemeClr val="accent1"/>
+          </a:effectRef>
+          <a:fontRef idx="minor">
+            <a:schemeClr val="dk1"/>
+          </a:fontRef>
+        </p:style>
+        <p:txBody>
+          <a:bodyPr rtlCol="0" anchor="ctr"/>
+          <a:lstStyle/>
+          <a:p>
+            <a:pPr marL="342900" indent="-342900">
+              <a:buFontTx/>
+              <a:buChar char="-"/>
+            </a:pPr>
+            <a:r>
+              <a:rPr lang="nl-BE" sz="2000" b="1" dirty="0">
+                <a:solidFill>
+                  <a:schemeClr val="accent1"/>
+                </a:solidFill>
+              </a:rPr>
+              <a:t>LDT: </a:t>
+            </a:r>
+            <a:r>
+              <a:rPr lang="nl-BE" sz="2000" b="1" dirty="0">
+                <a:solidFill>
+                  <a:schemeClr val="accent1"/>
+                </a:solidFill>
+                <a:hlinkClick r:id="rId3"/>
+              </a:rPr>
+              <a:t>https://eclipse.org/ldt/</a:t>
+            </a:r>
+            <a:endParaRPr lang="nl-BE" sz="2000" b="1" dirty="0">
+              <a:solidFill>
+                <a:schemeClr val="accent1"/>
+              </a:solidFill>
+            </a:endParaRPr>
+          </a:p>
+          <a:p>
+            <a:pPr marL="342900" indent="-342900">
+              <a:buFontTx/>
+              <a:buChar char="-"/>
+            </a:pPr>
+            <a:r>
+              <a:rPr lang="nl-BE" sz="2000" b="1" dirty="0">
+                <a:solidFill>
+                  <a:schemeClr val="accent1"/>
+                </a:solidFill>
+              </a:rPr>
+              <a:t>JAVA: </a:t>
+            </a:r>
+            <a:r>
+              <a:rPr lang="nl-BE" sz="2000" b="1" dirty="0">
+                <a:solidFill>
+                  <a:schemeClr val="accent1"/>
+                </a:solidFill>
+                <a:hlinkClick r:id="rId4"/>
+              </a:rPr>
+              <a:t>https://java.com/en/download/</a:t>
+            </a:r>
+            <a:endParaRPr lang="nl-BE" sz="2000" b="1" dirty="0">
+              <a:solidFill>
+                <a:schemeClr val="accent1"/>
+              </a:solidFill>
+            </a:endParaRPr>
+          </a:p>
+        </p:txBody>
+      </p:sp>
+    </p:spTree>
+    <p:extLst>
+      <p:ext uri="{BB962C8B-B14F-4D97-AF65-F5344CB8AC3E}">
+        <p14:creationId xmlns:p14="http://schemas.microsoft.com/office/powerpoint/2010/main" val="1719082295"/>
+      </p:ext>
+    </p:extLst>
+  </p:cSld>
+  <p:clrMapOvr>
+    <a:masterClrMapping/>
+  </p:clrMapOvr>
+  <mc:AlternateContent xmlns:mc="http://schemas.openxmlformats.org/markup-compatibility/2006" xmlns:p159="http://schemas.microsoft.com/office/powerpoint/2015/09/main">
+    <mc:Choice Requires="p159">
+      <p:transition xmlns:p14="http://schemas.microsoft.com/office/powerpoint/2010/main" spd="slow" p14:dur="2000">
+        <p159:morph option="byObject"/>
+      </p:transition>
+    </mc:Choice>
+    <mc:Fallback xmlns="">
+      <p:transition spd="slow">
+        <p:fade/>
+      </p:transition>
+    </mc:Fallback>
+  </mc:AlternateContent>
+</p:sld>
+</file>
+
+<file path=ppt/slides/slide11.xml><?xml version="1.0" encoding="utf-8"?>
+<p:sld xmlns:a="http://schemas.openxmlformats.org/drawingml/2006/main" xmlns:r="http://schemas.openxmlformats.org/officeDocument/2006/relationships" xmlns:p="http://schemas.openxmlformats.org/presentationml/2006/main">
+  <p:cSld>
+    <p:spTree>
+      <p:nvGrpSpPr>
+        <p:cNvPr id="1" name=""/>
+        <p:cNvGrpSpPr/>
+        <p:nvPr/>
+      </p:nvGrpSpPr>
+      <p:grpSpPr>
+        <a:xfrm>
+          <a:off x="0" y="0"/>
+          <a:ext cx="0" cy="0"/>
+          <a:chOff x="0" y="0"/>
+          <a:chExt cx="0" cy="0"/>
+        </a:xfrm>
+      </p:grpSpPr>
+      <p:sp>
+        <p:nvSpPr>
+          <p:cNvPr id="2" name="Titel 1"/>
+          <p:cNvSpPr>
+            <a:spLocks noGrp="1"/>
+          </p:cNvSpPr>
+          <p:nvPr>
+            <p:ph type="ctrTitle"/>
+          </p:nvPr>
+        </p:nvSpPr>
+        <p:spPr/>
+        <p:txBody>
+          <a:bodyPr>
+            <a:normAutofit/>
+          </a:bodyPr>
+          <a:lstStyle/>
+          <a:p>
+            <a:r>
+              <a:rPr lang="nl-BE" b="1" dirty="0" err="1"/>
+              <a:t>moose</a:t>
+            </a:r>
+            <a:r>
+              <a:rPr lang="nl-BE" dirty="0"/>
+              <a:t> </a:t>
+            </a:r>
+            <a:r>
+              <a:rPr lang="nl-BE" sz="4800" dirty="0" err="1"/>
+              <a:t>for</a:t>
+            </a:r>
+            <a:r>
+              <a:rPr lang="nl-BE" dirty="0"/>
+              <a:t> </a:t>
+            </a:r>
+            <a:r>
+              <a:rPr lang="nl-BE" dirty="0" err="1"/>
+              <a:t>dcs</a:t>
+            </a:r>
+            <a:r>
+              <a:rPr lang="nl-BE" dirty="0"/>
+              <a:t> </a:t>
+            </a:r>
+            <a:r>
+              <a:rPr lang="nl-BE" dirty="0" err="1"/>
+              <a:t>world</a:t>
+            </a:r>
+            <a:br>
+              <a:rPr lang="nl-BE" dirty="0"/>
+            </a:br>
+            <a:r>
+              <a:rPr lang="nl-BE" b="1" dirty="0">
+                <a:solidFill>
+                  <a:schemeClr val="accent1"/>
+                </a:solidFill>
+              </a:rPr>
+              <a:t>setup demo </a:t>
+            </a:r>
+            <a:r>
+              <a:rPr lang="nl-BE" b="1" dirty="0" err="1">
+                <a:solidFill>
+                  <a:schemeClr val="accent1"/>
+                </a:solidFill>
+              </a:rPr>
+              <a:t>missions</a:t>
+            </a:r>
+            <a:r>
+              <a:rPr lang="nl-BE" b="1" dirty="0">
+                <a:solidFill>
+                  <a:schemeClr val="accent1"/>
+                </a:solidFill>
+              </a:rPr>
+              <a:t> in </a:t>
+            </a:r>
+            <a:r>
+              <a:rPr lang="nl-BE" b="1" dirty="0" err="1">
+                <a:solidFill>
+                  <a:schemeClr val="accent1"/>
+                </a:solidFill>
+              </a:rPr>
+              <a:t>ldt</a:t>
+            </a:r>
+            <a:endParaRPr lang="nl-BE" dirty="0"/>
+          </a:p>
+        </p:txBody>
+      </p:sp>
+      <p:sp>
+        <p:nvSpPr>
+          <p:cNvPr id="3" name="Ondertitel 2"/>
+          <p:cNvSpPr>
+            <a:spLocks noGrp="1"/>
+          </p:cNvSpPr>
+          <p:nvPr>
+            <p:ph type="subTitle" idx="1"/>
+          </p:nvPr>
+        </p:nvSpPr>
+        <p:spPr>
+          <a:xfrm>
+            <a:off x="1524000" y="5359781"/>
+            <a:ext cx="9144000" cy="1309255"/>
+          </a:xfrm>
+        </p:spPr>
+        <p:txBody>
+          <a:bodyPr vert="horz" lIns="91440" tIns="45720" rIns="91440" bIns="45720" rtlCol="0" anchor="ctr">
+            <a:normAutofit/>
+          </a:bodyPr>
+          <a:lstStyle/>
+          <a:p>
+            <a:pPr algn="r">
+              <a:lnSpc>
+                <a:spcPct val="85000"/>
+              </a:lnSpc>
+              <a:spcBef>
+                <a:spcPct val="0"/>
+              </a:spcBef>
+            </a:pPr>
+            <a:r>
+              <a:rPr lang="nl-BE" sz="4000" cap="all" dirty="0">
+                <a:effectLst>
+                  <a:glow rad="228600">
+                    <a:schemeClr val="bg1">
+                      <a:alpha val="76000"/>
+                    </a:schemeClr>
+                  </a:glow>
+                  <a:outerShdw blurRad="38100" dist="38100" dir="2700000" algn="tl">
+                    <a:srgbClr val="000000">
+                      <a:alpha val="43137"/>
+                    </a:srgbClr>
+                  </a:outerShdw>
+                </a:effectLst>
+                <a:latin typeface="+mj-lt"/>
+                <a:ea typeface="+mj-ea"/>
+                <a:cs typeface="+mj-cs"/>
+              </a:rPr>
+              <a:t> </a:t>
+            </a:r>
+          </a:p>
+        </p:txBody>
+      </p:sp>
+    </p:spTree>
+    <p:extLst>
+      <p:ext uri="{BB962C8B-B14F-4D97-AF65-F5344CB8AC3E}">
+        <p14:creationId xmlns:p14="http://schemas.microsoft.com/office/powerpoint/2010/main" val="1771712195"/>
+      </p:ext>
+    </p:extLst>
+  </p:cSld>
+  <p:clrMapOvr>
+    <a:masterClrMapping/>
+  </p:clrMapOvr>
+  <mc:AlternateContent xmlns:mc="http://schemas.openxmlformats.org/markup-compatibility/2006" xmlns:p14="http://schemas.microsoft.com/office/powerpoint/2010/main">
+    <mc:Choice Requires="p14">
+      <p:transition spd="med" p14:dur="700">
+        <p:fade/>
+      </p:transition>
+    </mc:Choice>
+    <mc:Fallback xmlns="">
+      <p:transition spd="med">
+        <p:fade/>
+      </p:transition>
+    </mc:Fallback>
+  </mc:AlternateContent>
+</p:sld>
+</file>
+
+<file path=ppt/slides/slide12.xml><?xml version="1.0" encoding="utf-8"?>
+<p:sld xmlns:a="http://schemas.openxmlformats.org/drawingml/2006/main" xmlns:r="http://schemas.openxmlformats.org/officeDocument/2006/relationships" xmlns:p="http://schemas.openxmlformats.org/presentationml/2006/main">
+  <p:cSld>
+    <p:spTree>
+      <p:nvGrpSpPr>
+        <p:cNvPr id="1" name=""/>
+        <p:cNvGrpSpPr/>
+        <p:nvPr/>
+      </p:nvGrpSpPr>
+      <p:grpSpPr>
+        <a:xfrm>
+          <a:off x="0" y="0"/>
+          <a:ext cx="0" cy="0"/>
+          <a:chOff x="0" y="0"/>
+          <a:chExt cx="0" cy="0"/>
+        </a:xfrm>
+      </p:grpSpPr>
+      <p:sp>
+        <p:nvSpPr>
+          <p:cNvPr id="2" name="Titel 1"/>
+          <p:cNvSpPr>
+            <a:spLocks noGrp="1"/>
+          </p:cNvSpPr>
+          <p:nvPr>
+            <p:ph type="ctrTitle"/>
+          </p:nvPr>
+        </p:nvSpPr>
+        <p:spPr/>
+        <p:txBody>
+          <a:bodyPr>
+            <a:normAutofit/>
+          </a:bodyPr>
+          <a:lstStyle/>
+          <a:p>
+            <a:r>
+              <a:rPr lang="nl-BE" b="1" dirty="0" err="1"/>
+              <a:t>moose</a:t>
+            </a:r>
+            <a:r>
+              <a:rPr lang="nl-BE" dirty="0"/>
+              <a:t> </a:t>
+            </a:r>
+            <a:r>
+              <a:rPr lang="nl-BE" sz="4800" dirty="0" err="1"/>
+              <a:t>for</a:t>
+            </a:r>
+            <a:r>
+              <a:rPr lang="nl-BE" dirty="0"/>
+              <a:t> </a:t>
+            </a:r>
+            <a:r>
+              <a:rPr lang="nl-BE" dirty="0" err="1"/>
+              <a:t>dcs</a:t>
+            </a:r>
+            <a:r>
+              <a:rPr lang="nl-BE" dirty="0"/>
+              <a:t> </a:t>
+            </a:r>
+            <a:r>
+              <a:rPr lang="nl-BE" dirty="0" err="1"/>
+              <a:t>world</a:t>
+            </a:r>
+            <a:br>
+              <a:rPr lang="nl-BE" dirty="0"/>
+            </a:br>
+            <a:r>
+              <a:rPr lang="nl-BE" b="1" dirty="0">
+                <a:solidFill>
+                  <a:schemeClr val="accent1"/>
+                </a:solidFill>
+              </a:rPr>
+              <a:t>setup YOUR </a:t>
+            </a:r>
+            <a:r>
+              <a:rPr lang="nl-BE" b="1" dirty="0" err="1">
+                <a:solidFill>
+                  <a:schemeClr val="accent1"/>
+                </a:solidFill>
+              </a:rPr>
+              <a:t>missions</a:t>
+            </a:r>
+            <a:r>
+              <a:rPr lang="nl-BE" b="1" dirty="0">
+                <a:solidFill>
+                  <a:schemeClr val="accent1"/>
+                </a:solidFill>
+              </a:rPr>
+              <a:t> in </a:t>
+            </a:r>
+            <a:r>
+              <a:rPr lang="nl-BE" b="1" dirty="0" err="1">
+                <a:solidFill>
+                  <a:schemeClr val="accent1"/>
+                </a:solidFill>
+              </a:rPr>
+              <a:t>ldt</a:t>
+            </a:r>
+            <a:endParaRPr lang="nl-BE" dirty="0"/>
+          </a:p>
+        </p:txBody>
+      </p:sp>
+      <p:sp>
+        <p:nvSpPr>
+          <p:cNvPr id="3" name="Ondertitel 2"/>
+          <p:cNvSpPr>
+            <a:spLocks noGrp="1"/>
+          </p:cNvSpPr>
+          <p:nvPr>
+            <p:ph type="subTitle" idx="1"/>
+          </p:nvPr>
+        </p:nvSpPr>
+        <p:spPr>
+          <a:xfrm>
+            <a:off x="1524000" y="5359781"/>
+            <a:ext cx="9144000" cy="1309255"/>
+          </a:xfrm>
+        </p:spPr>
+        <p:txBody>
+          <a:bodyPr vert="horz" lIns="91440" tIns="45720" rIns="91440" bIns="45720" rtlCol="0" anchor="ctr">
+            <a:normAutofit/>
+          </a:bodyPr>
+          <a:lstStyle/>
+          <a:p>
+            <a:pPr algn="r">
+              <a:lnSpc>
+                <a:spcPct val="85000"/>
+              </a:lnSpc>
+              <a:spcBef>
+                <a:spcPct val="0"/>
+              </a:spcBef>
+            </a:pPr>
+            <a:r>
+              <a:rPr lang="nl-BE" sz="4000" cap="all" dirty="0">
+                <a:effectLst>
+                  <a:glow rad="228600">
+                    <a:schemeClr val="bg1">
+                      <a:alpha val="76000"/>
+                    </a:schemeClr>
+                  </a:glow>
+                  <a:outerShdw blurRad="38100" dist="38100" dir="2700000" algn="tl">
+                    <a:srgbClr val="000000">
+                      <a:alpha val="43137"/>
+                    </a:srgbClr>
+                  </a:outerShdw>
+                </a:effectLst>
+                <a:latin typeface="+mj-lt"/>
+                <a:ea typeface="+mj-ea"/>
+                <a:cs typeface="+mj-cs"/>
+              </a:rPr>
+              <a:t> </a:t>
+            </a:r>
+          </a:p>
+        </p:txBody>
+      </p:sp>
+    </p:spTree>
+    <p:extLst>
+      <p:ext uri="{BB962C8B-B14F-4D97-AF65-F5344CB8AC3E}">
+        <p14:creationId xmlns:p14="http://schemas.microsoft.com/office/powerpoint/2010/main" val="3948999694"/>
+      </p:ext>
+    </p:extLst>
+  </p:cSld>
+  <p:clrMapOvr>
+    <a:masterClrMapping/>
+  </p:clrMapOvr>
+  <mc:AlternateContent xmlns:mc="http://schemas.openxmlformats.org/markup-compatibility/2006" xmlns:p14="http://schemas.microsoft.com/office/powerpoint/2010/main">
+    <mc:Choice Requires="p14">
+      <p:transition spd="med" p14:dur="700">
+        <p:fade/>
+      </p:transition>
+    </mc:Choice>
+    <mc:Fallback xmlns="">
+      <p:transition spd="med">
+        <p:fade/>
+      </p:transition>
+    </mc:Fallback>
+  </mc:AlternateContent>
+</p:sld>
+</file>
+
+<file path=ppt/slides/slide13.xml><?xml version="1.0" encoding="utf-8"?>
+<p:sld xmlns:a="http://schemas.openxmlformats.org/drawingml/2006/main" xmlns:r="http://schemas.openxmlformats.org/officeDocument/2006/relationships" xmlns:p="http://schemas.openxmlformats.org/presentationml/2006/main">
+  <p:cSld>
+    <p:spTree>
+      <p:nvGrpSpPr>
+        <p:cNvPr id="1" name=""/>
+        <p:cNvGrpSpPr/>
+        <p:nvPr/>
+      </p:nvGrpSpPr>
+      <p:grpSpPr>
+        <a:xfrm>
+          <a:off x="0" y="0"/>
+          <a:ext cx="0" cy="0"/>
+          <a:chOff x="0" y="0"/>
+          <a:chExt cx="0" cy="0"/>
+        </a:xfrm>
+      </p:grpSpPr>
+      <p:sp>
+        <p:nvSpPr>
+          <p:cNvPr id="2" name="Titel 1"/>
+          <p:cNvSpPr>
+            <a:spLocks noGrp="1"/>
+          </p:cNvSpPr>
+          <p:nvPr>
+            <p:ph type="ctrTitle"/>
+          </p:nvPr>
+        </p:nvSpPr>
+        <p:spPr/>
+        <p:txBody>
+          <a:bodyPr>
+            <a:normAutofit/>
+          </a:bodyPr>
+          <a:lstStyle/>
+          <a:p>
+            <a:r>
+              <a:rPr lang="nl-BE" b="1" dirty="0" err="1"/>
+              <a:t>moose</a:t>
+            </a:r>
+            <a:r>
+              <a:rPr lang="nl-BE" dirty="0"/>
+              <a:t> </a:t>
+            </a:r>
+            <a:r>
+              <a:rPr lang="nl-BE" sz="4800" dirty="0" err="1"/>
+              <a:t>for</a:t>
+            </a:r>
+            <a:r>
+              <a:rPr lang="nl-BE" dirty="0"/>
+              <a:t> </a:t>
+            </a:r>
+            <a:r>
+              <a:rPr lang="nl-BE" dirty="0" err="1"/>
+              <a:t>dcs</a:t>
+            </a:r>
+            <a:r>
+              <a:rPr lang="nl-BE" dirty="0"/>
+              <a:t> </a:t>
+            </a:r>
+            <a:r>
+              <a:rPr lang="nl-BE" dirty="0" err="1"/>
+              <a:t>world</a:t>
+            </a:r>
+            <a:br>
+              <a:rPr lang="nl-BE" dirty="0"/>
+            </a:br>
+            <a:r>
+              <a:rPr lang="nl-BE" b="1" dirty="0">
+                <a:solidFill>
+                  <a:schemeClr val="accent1"/>
+                </a:solidFill>
+              </a:rPr>
+              <a:t>GITHUB desktop setup</a:t>
+            </a:r>
+            <a:endParaRPr lang="nl-BE" dirty="0"/>
+          </a:p>
+        </p:txBody>
+      </p:sp>
+      <p:sp>
+        <p:nvSpPr>
+          <p:cNvPr id="3" name="Ondertitel 2"/>
+          <p:cNvSpPr>
+            <a:spLocks noGrp="1"/>
+          </p:cNvSpPr>
+          <p:nvPr>
+            <p:ph type="subTitle" idx="1"/>
+          </p:nvPr>
+        </p:nvSpPr>
+        <p:spPr>
+          <a:xfrm>
+            <a:off x="1524000" y="5359781"/>
+            <a:ext cx="9144000" cy="1309255"/>
+          </a:xfrm>
+        </p:spPr>
+        <p:txBody>
+          <a:bodyPr vert="horz" lIns="91440" tIns="45720" rIns="91440" bIns="45720" rtlCol="0" anchor="ctr">
+            <a:normAutofit/>
+          </a:bodyPr>
+          <a:lstStyle/>
+          <a:p>
+            <a:pPr algn="r">
+              <a:lnSpc>
+                <a:spcPct val="85000"/>
+              </a:lnSpc>
+              <a:spcBef>
+                <a:spcPct val="0"/>
+              </a:spcBef>
+            </a:pPr>
+            <a:r>
+              <a:rPr lang="nl-BE" sz="4000" cap="all" dirty="0">
+                <a:effectLst>
+                  <a:glow rad="228600">
+                    <a:schemeClr val="bg1">
+                      <a:alpha val="76000"/>
+                    </a:schemeClr>
+                  </a:glow>
+                  <a:outerShdw blurRad="38100" dist="38100" dir="2700000" algn="tl">
+                    <a:srgbClr val="000000">
+                      <a:alpha val="43137"/>
+                    </a:srgbClr>
+                  </a:outerShdw>
+                </a:effectLst>
+                <a:latin typeface="+mj-lt"/>
+                <a:ea typeface="+mj-ea"/>
+                <a:cs typeface="+mj-cs"/>
+              </a:rPr>
+              <a:t> </a:t>
+            </a:r>
+          </a:p>
+        </p:txBody>
+      </p:sp>
+    </p:spTree>
+    <p:extLst>
+      <p:ext uri="{BB962C8B-B14F-4D97-AF65-F5344CB8AC3E}">
+        <p14:creationId xmlns:p14="http://schemas.microsoft.com/office/powerpoint/2010/main" val="1096184538"/>
+      </p:ext>
+    </p:extLst>
+  </p:cSld>
+  <p:clrMapOvr>
+    <a:masterClrMapping/>
+  </p:clrMapOvr>
+  <mc:AlternateContent xmlns:mc="http://schemas.openxmlformats.org/markup-compatibility/2006" xmlns:p14="http://schemas.microsoft.com/office/powerpoint/2010/main">
+    <mc:Choice Requires="p14">
+      <p:transition spd="med" p14:dur="700">
+        <p:fade/>
+      </p:transition>
+    </mc:Choice>
+    <mc:Fallback xmlns="">
+      <p:transition spd="med">
+        <p:fade/>
+      </p:transition>
+    </mc:Fallback>
+  </mc:AlternateContent>
+</p:sld>
+</file>
+
+<file path=ppt/slides/slide14.xml><?xml version="1.0" encoding="utf-8"?>
+<p:sld xmlns:a="http://schemas.openxmlformats.org/drawingml/2006/main" xmlns:r="http://schemas.openxmlformats.org/officeDocument/2006/relationships" xmlns:p="http://schemas.openxmlformats.org/presentationml/2006/main">
+  <p:cSld>
+    <p:spTree>
+      <p:nvGrpSpPr>
+        <p:cNvPr id="1" name=""/>
+        <p:cNvGrpSpPr/>
+        <p:nvPr/>
+      </p:nvGrpSpPr>
+      <p:grpSpPr>
+        <a:xfrm>
+          <a:off x="0" y="0"/>
+          <a:ext cx="0" cy="0"/>
+          <a:chOff x="0" y="0"/>
+          <a:chExt cx="0" cy="0"/>
+        </a:xfrm>
+      </p:grpSpPr>
+      <p:sp>
+        <p:nvSpPr>
+          <p:cNvPr id="4" name="Titel 3"/>
+          <p:cNvSpPr>
+            <a:spLocks noGrp="1"/>
+          </p:cNvSpPr>
+          <p:nvPr>
+            <p:ph type="title"/>
+          </p:nvPr>
+        </p:nvSpPr>
+        <p:spPr>
+          <a:xfrm>
+            <a:off x="875942" y="284176"/>
+            <a:ext cx="10111057" cy="1508760"/>
+          </a:xfrm>
+        </p:spPr>
+        <p:txBody>
+          <a:bodyPr/>
+          <a:lstStyle/>
+          <a:p>
+            <a:r>
+              <a:rPr lang="nl-BE" dirty="0"/>
+              <a:t>GITHUB DESKTOP</a:t>
+            </a:r>
+            <a:br>
+              <a:rPr lang="nl-BE" dirty="0"/>
+            </a:br>
+            <a:r>
+              <a:rPr lang="nl-BE" dirty="0"/>
+              <a:t>SET</a:t>
+            </a:r>
+          </a:p>
+        </p:txBody>
+      </p:sp>
+      <p:sp>
+        <p:nvSpPr>
+          <p:cNvPr id="8" name="Rechthoek 7"/>
+          <p:cNvSpPr/>
+          <p:nvPr/>
+        </p:nvSpPr>
+        <p:spPr>
+          <a:xfrm>
+            <a:off x="5735996" y="368966"/>
+            <a:ext cx="6120068" cy="1260014"/>
+          </a:xfrm>
+          <a:prstGeom prst="rect">
+            <a:avLst/>
+          </a:prstGeom>
+          <a:noFill/>
+          <a:ln w="19050">
+            <a:noFill/>
+          </a:ln>
+        </p:spPr>
+        <p:style>
+          <a:lnRef idx="2">
+            <a:schemeClr val="accent1"/>
+          </a:lnRef>
+          <a:fillRef idx="1">
+            <a:schemeClr val="lt1"/>
+          </a:fillRef>
+          <a:effectRef idx="0">
+            <a:schemeClr val="accent1"/>
+          </a:effectRef>
+          <a:fontRef idx="minor">
+            <a:schemeClr val="dk1"/>
+          </a:fontRef>
+        </p:style>
+        <p:txBody>
+          <a:bodyPr rtlCol="0" anchor="ctr"/>
+          <a:lstStyle/>
+          <a:p>
+            <a:pPr marL="342900" indent="-342900">
+              <a:buFontTx/>
+              <a:buChar char="-"/>
+            </a:pPr>
+            <a:r>
+              <a:rPr lang="nl-BE" sz="2000" b="1" dirty="0">
+                <a:solidFill>
+                  <a:schemeClr val="accent1"/>
+                </a:solidFill>
+              </a:rPr>
+              <a:t>GITHUB DESKTOP: </a:t>
+            </a:r>
+            <a:r>
+              <a:rPr lang="nl-BE" sz="2000" b="1" dirty="0">
+                <a:solidFill>
+                  <a:schemeClr val="accent1"/>
+                </a:solidFill>
+                <a:hlinkClick r:id="rId2"/>
+              </a:rPr>
+              <a:t>https://desktop.github.com/</a:t>
+            </a:r>
+            <a:endParaRPr lang="nl-BE" sz="2000" b="1" dirty="0">
+              <a:solidFill>
+                <a:schemeClr val="accent1"/>
+              </a:solidFill>
+            </a:endParaRPr>
+          </a:p>
+          <a:p>
+            <a:pPr marL="342900" indent="-342900">
+              <a:buFontTx/>
+              <a:buChar char="-"/>
+            </a:pPr>
+            <a:r>
+              <a:rPr lang="nl-BE" sz="2000" b="1" dirty="0">
+                <a:solidFill>
+                  <a:schemeClr val="accent1"/>
+                </a:solidFill>
+              </a:rPr>
+              <a:t>MOOSE: </a:t>
+            </a:r>
+            <a:r>
+              <a:rPr lang="nl-BE" sz="2000" b="1" dirty="0">
+                <a:solidFill>
+                  <a:schemeClr val="accent1"/>
+                </a:solidFill>
+                <a:hlinkClick r:id="rId3"/>
+              </a:rPr>
+              <a:t>https://github.com/FlightControl-Master/MOOSE</a:t>
+            </a:r>
+            <a:endParaRPr lang="nl-BE" sz="2000" b="1" dirty="0">
+              <a:solidFill>
+                <a:schemeClr val="accent1"/>
+              </a:solidFill>
+            </a:endParaRPr>
+          </a:p>
+          <a:p>
+            <a:pPr marL="342900" indent="-342900">
+              <a:buFontTx/>
+              <a:buChar char="-"/>
+            </a:pPr>
+            <a:endParaRPr lang="nl-BE" sz="2000" b="1" dirty="0">
+              <a:solidFill>
+                <a:schemeClr val="accent1"/>
+              </a:solidFill>
+            </a:endParaRPr>
+          </a:p>
+        </p:txBody>
+      </p:sp>
+      <p:pic>
+        <p:nvPicPr>
+          <p:cNvPr id="2" name="Afbeelding 1"/>
+          <p:cNvPicPr>
+            <a:picLocks noChangeAspect="1"/>
+          </p:cNvPicPr>
+          <p:nvPr/>
+        </p:nvPicPr>
+        <p:blipFill>
+          <a:blip r:embed="rId4"/>
+          <a:stretch>
+            <a:fillRect/>
+          </a:stretch>
+        </p:blipFill>
+        <p:spPr>
+          <a:xfrm>
+            <a:off x="2045955" y="1988984"/>
+            <a:ext cx="8480094" cy="4770053"/>
+          </a:xfrm>
+          <a:prstGeom prst="rect">
+            <a:avLst/>
+          </a:prstGeom>
+        </p:spPr>
+      </p:pic>
+    </p:spTree>
+    <p:extLst>
+      <p:ext uri="{BB962C8B-B14F-4D97-AF65-F5344CB8AC3E}">
+        <p14:creationId xmlns:p14="http://schemas.microsoft.com/office/powerpoint/2010/main" val="2804466200"/>
+      </p:ext>
+    </p:extLst>
+  </p:cSld>
+  <p:clrMapOvr>
+    <a:masterClrMapping/>
+  </p:clrMapOvr>
+  <mc:AlternateContent xmlns:mc="http://schemas.openxmlformats.org/markup-compatibility/2006" xmlns:p159="http://schemas.microsoft.com/office/powerpoint/2015/09/main">
+    <mc:Choice Requires="p159">
+      <p:transition xmlns:p14="http://schemas.microsoft.com/office/powerpoint/2010/main" spd="slow" p14:dur="2000">
+        <p159:morph option="byObject"/>
+      </p:transition>
+    </mc:Choice>
+    <mc:Fallback xmlns="">
+      <p:transition spd="slow">
+        <p:fade/>
+      </p:transition>
+    </mc:Fallback>
+  </mc:AlternateContent>
+</p:sld>
+</file>
+
+<file path=ppt/slides/slide15.xml><?xml version="1.0" encoding="utf-8"?>
+<p:sld xmlns:a="http://schemas.openxmlformats.org/drawingml/2006/main" xmlns:r="http://schemas.openxmlformats.org/officeDocument/2006/relationships" xmlns:p="http://schemas.openxmlformats.org/presentationml/2006/main">
+  <p:cSld>
+    <p:spTree>
+      <p:nvGrpSpPr>
+        <p:cNvPr id="1" name=""/>
+        <p:cNvGrpSpPr/>
+        <p:nvPr/>
+      </p:nvGrpSpPr>
+      <p:grpSpPr>
+        <a:xfrm>
+          <a:off x="0" y="0"/>
+          <a:ext cx="0" cy="0"/>
+          <a:chOff x="0" y="0"/>
+          <a:chExt cx="0" cy="0"/>
+        </a:xfrm>
+      </p:grpSpPr>
+      <p:sp>
+        <p:nvSpPr>
           <p:cNvPr id="2" name="Titel 1"/>
           <p:cNvSpPr>
             <a:spLocks noGrp="1"/>
@@ -4019,6 +4933,5526 @@
 </file>
 
 <file path=ppt/slides/slide3.xml><?xml version="1.0" encoding="utf-8"?>
+<p:sld xmlns:a="http://schemas.openxmlformats.org/drawingml/2006/main" xmlns:r="http://schemas.openxmlformats.org/officeDocument/2006/relationships" xmlns:p="http://schemas.openxmlformats.org/presentationml/2006/main">
+  <p:cSld>
+    <p:spTree>
+      <p:nvGrpSpPr>
+        <p:cNvPr id="1" name=""/>
+        <p:cNvGrpSpPr/>
+        <p:nvPr/>
+      </p:nvGrpSpPr>
+      <p:grpSpPr>
+        <a:xfrm>
+          <a:off x="0" y="0"/>
+          <a:ext cx="0" cy="0"/>
+          <a:chOff x="0" y="0"/>
+          <a:chExt cx="0" cy="0"/>
+        </a:xfrm>
+      </p:grpSpPr>
+      <p:sp>
+        <p:nvSpPr>
+          <p:cNvPr id="4" name="Titel 3"/>
+          <p:cNvSpPr>
+            <a:spLocks noGrp="1"/>
+          </p:cNvSpPr>
+          <p:nvPr>
+            <p:ph type="title"/>
+          </p:nvPr>
+        </p:nvSpPr>
+        <p:spPr/>
+        <p:txBody>
+          <a:bodyPr/>
+          <a:lstStyle/>
+          <a:p>
+            <a:r>
+              <a:rPr lang="nl-BE" dirty="0"/>
+              <a:t>different </a:t>
+            </a:r>
+            <a:r>
+              <a:rPr lang="nl-BE" dirty="0" err="1"/>
+              <a:t>repositories</a:t>
+            </a:r>
+            <a:endParaRPr lang="nl-BE" dirty="0"/>
+          </a:p>
+        </p:txBody>
+      </p:sp>
+      <p:pic>
+        <p:nvPicPr>
+          <p:cNvPr id="10" name="Afbeelding 9"/>
+          <p:cNvPicPr>
+            <a:picLocks noChangeAspect="1"/>
+          </p:cNvPicPr>
+          <p:nvPr/>
+        </p:nvPicPr>
+        <p:blipFill>
+          <a:blip r:embed="rId2"/>
+          <a:stretch>
+            <a:fillRect/>
+          </a:stretch>
+        </p:blipFill>
+        <p:spPr>
+          <a:xfrm>
+            <a:off x="335936" y="2438989"/>
+            <a:ext cx="6660074" cy="4230047"/>
+          </a:xfrm>
+          <a:prstGeom prst="rect">
+            <a:avLst/>
+          </a:prstGeom>
+          <a:ln w="12700">
+            <a:solidFill>
+              <a:schemeClr val="accent1"/>
+            </a:solidFill>
+          </a:ln>
+        </p:spPr>
+      </p:pic>
+      <p:sp>
+        <p:nvSpPr>
+          <p:cNvPr id="11" name="Rechthoek 10"/>
+          <p:cNvSpPr/>
+          <p:nvPr/>
+        </p:nvSpPr>
+        <p:spPr>
+          <a:xfrm>
+            <a:off x="319582" y="1988984"/>
+            <a:ext cx="6676428" cy="450005"/>
+          </a:xfrm>
+          <a:prstGeom prst="rect">
+            <a:avLst/>
+          </a:prstGeom>
+          <a:solidFill>
+            <a:schemeClr val="accent1"/>
+          </a:solidFill>
+          <a:ln w="12700">
+            <a:solidFill>
+              <a:schemeClr val="accent1"/>
+            </a:solidFill>
+          </a:ln>
+        </p:spPr>
+        <p:style>
+          <a:lnRef idx="2">
+            <a:schemeClr val="accent1"/>
+          </a:lnRef>
+          <a:fillRef idx="1">
+            <a:schemeClr val="lt1"/>
+          </a:fillRef>
+          <a:effectRef idx="0">
+            <a:schemeClr val="accent1"/>
+          </a:effectRef>
+          <a:fontRef idx="minor">
+            <a:schemeClr val="dk1"/>
+          </a:fontRef>
+        </p:style>
+        <p:txBody>
+          <a:bodyPr rtlCol="0" anchor="t"/>
+          <a:lstStyle/>
+          <a:p>
+            <a:pPr algn="ctr"/>
+            <a:r>
+              <a:rPr lang="nl-BE" sz="2000" b="1" dirty="0">
+                <a:solidFill>
+                  <a:schemeClr val="tx1"/>
+                </a:solidFill>
+              </a:rPr>
+              <a:t>MOOSE </a:t>
+            </a:r>
+            <a:r>
+              <a:rPr lang="nl-BE" sz="2000" b="1" dirty="0" err="1">
+                <a:solidFill>
+                  <a:schemeClr val="tx1"/>
+                </a:solidFill>
+              </a:rPr>
+              <a:t>Repositories</a:t>
+            </a:r>
+            <a:r>
+              <a:rPr lang="nl-BE" sz="2000" b="1" dirty="0">
+                <a:solidFill>
+                  <a:schemeClr val="tx1"/>
+                </a:solidFill>
+              </a:rPr>
+              <a:t> on GITHUB.COM</a:t>
+            </a:r>
+          </a:p>
+        </p:txBody>
+      </p:sp>
+      <p:sp>
+        <p:nvSpPr>
+          <p:cNvPr id="14" name="Rechthoek 13"/>
+          <p:cNvSpPr/>
+          <p:nvPr/>
+        </p:nvSpPr>
+        <p:spPr>
+          <a:xfrm>
+            <a:off x="7266013" y="1988984"/>
+            <a:ext cx="4590051" cy="450005"/>
+          </a:xfrm>
+          <a:prstGeom prst="rect">
+            <a:avLst/>
+          </a:prstGeom>
+          <a:solidFill>
+            <a:schemeClr val="accent1"/>
+          </a:solidFill>
+          <a:ln w="12700">
+            <a:solidFill>
+              <a:schemeClr val="accent1"/>
+            </a:solidFill>
+          </a:ln>
+        </p:spPr>
+        <p:style>
+          <a:lnRef idx="2">
+            <a:schemeClr val="accent1"/>
+          </a:lnRef>
+          <a:fillRef idx="1">
+            <a:schemeClr val="lt1"/>
+          </a:fillRef>
+          <a:effectRef idx="0">
+            <a:schemeClr val="accent1"/>
+          </a:effectRef>
+          <a:fontRef idx="minor">
+            <a:schemeClr val="dk1"/>
+          </a:fontRef>
+        </p:style>
+        <p:txBody>
+          <a:bodyPr rtlCol="0" anchor="t"/>
+          <a:lstStyle/>
+          <a:p>
+            <a:pPr algn="ctr"/>
+            <a:r>
+              <a:rPr lang="nl-BE" sz="2000" b="1" dirty="0">
+                <a:solidFill>
+                  <a:schemeClr val="tx1"/>
+                </a:solidFill>
+              </a:rPr>
+              <a:t>MOOSE</a:t>
+            </a:r>
+          </a:p>
+        </p:txBody>
+      </p:sp>
+      <p:sp>
+        <p:nvSpPr>
+          <p:cNvPr id="15" name="Rechthoek 14"/>
+          <p:cNvSpPr/>
+          <p:nvPr/>
+        </p:nvSpPr>
+        <p:spPr>
+          <a:xfrm>
+            <a:off x="7266013" y="3879005"/>
+            <a:ext cx="4590051" cy="450005"/>
+          </a:xfrm>
+          <a:prstGeom prst="rect">
+            <a:avLst/>
+          </a:prstGeom>
+          <a:solidFill>
+            <a:schemeClr val="accent1"/>
+          </a:solidFill>
+          <a:ln w="12700">
+            <a:solidFill>
+              <a:schemeClr val="accent1"/>
+            </a:solidFill>
+          </a:ln>
+        </p:spPr>
+        <p:style>
+          <a:lnRef idx="2">
+            <a:schemeClr val="accent1"/>
+          </a:lnRef>
+          <a:fillRef idx="1">
+            <a:schemeClr val="lt1"/>
+          </a:fillRef>
+          <a:effectRef idx="0">
+            <a:schemeClr val="accent1"/>
+          </a:effectRef>
+          <a:fontRef idx="minor">
+            <a:schemeClr val="dk1"/>
+          </a:fontRef>
+        </p:style>
+        <p:txBody>
+          <a:bodyPr rtlCol="0" anchor="t"/>
+          <a:lstStyle/>
+          <a:p>
+            <a:pPr algn="ctr"/>
+            <a:r>
+              <a:rPr lang="nl-BE" sz="2000" b="1" dirty="0">
+                <a:solidFill>
+                  <a:schemeClr val="tx1"/>
+                </a:solidFill>
+              </a:rPr>
+              <a:t>MOOSE_MISSIONS</a:t>
+            </a:r>
+          </a:p>
+        </p:txBody>
+      </p:sp>
+      <p:sp>
+        <p:nvSpPr>
+          <p:cNvPr id="16" name="Rechthoek 15"/>
+          <p:cNvSpPr/>
+          <p:nvPr/>
+        </p:nvSpPr>
+        <p:spPr>
+          <a:xfrm>
+            <a:off x="7266013" y="5229020"/>
+            <a:ext cx="4590051" cy="450005"/>
+          </a:xfrm>
+          <a:prstGeom prst="rect">
+            <a:avLst/>
+          </a:prstGeom>
+          <a:solidFill>
+            <a:schemeClr val="accent1"/>
+          </a:solidFill>
+          <a:ln w="12700">
+            <a:solidFill>
+              <a:schemeClr val="accent1"/>
+            </a:solidFill>
+          </a:ln>
+        </p:spPr>
+        <p:style>
+          <a:lnRef idx="2">
+            <a:schemeClr val="accent1"/>
+          </a:lnRef>
+          <a:fillRef idx="1">
+            <a:schemeClr val="lt1"/>
+          </a:fillRef>
+          <a:effectRef idx="0">
+            <a:schemeClr val="accent1"/>
+          </a:effectRef>
+          <a:fontRef idx="minor">
+            <a:schemeClr val="dk1"/>
+          </a:fontRef>
+        </p:style>
+        <p:txBody>
+          <a:bodyPr rtlCol="0" anchor="t"/>
+          <a:lstStyle/>
+          <a:p>
+            <a:pPr algn="ctr"/>
+            <a:r>
+              <a:rPr lang="nl-BE" sz="2000" b="1" dirty="0">
+                <a:solidFill>
+                  <a:schemeClr val="tx1"/>
+                </a:solidFill>
+              </a:rPr>
+              <a:t>MOOSE_PRESENTATIONS</a:t>
+            </a:r>
+          </a:p>
+        </p:txBody>
+      </p:sp>
+      <p:sp>
+        <p:nvSpPr>
+          <p:cNvPr id="17" name="Rechthoek 16"/>
+          <p:cNvSpPr/>
+          <p:nvPr/>
+        </p:nvSpPr>
+        <p:spPr>
+          <a:xfrm>
+            <a:off x="7266013" y="4329010"/>
+            <a:ext cx="4590051" cy="810009"/>
+          </a:xfrm>
+          <a:prstGeom prst="rect">
+            <a:avLst/>
+          </a:prstGeom>
+          <a:solidFill>
+            <a:schemeClr val="tx1"/>
+          </a:solidFill>
+          <a:ln w="19050">
+            <a:solidFill>
+              <a:schemeClr val="accent1"/>
+            </a:solidFill>
+          </a:ln>
+        </p:spPr>
+        <p:style>
+          <a:lnRef idx="2">
+            <a:schemeClr val="accent1"/>
+          </a:lnRef>
+          <a:fillRef idx="1">
+            <a:schemeClr val="lt1"/>
+          </a:fillRef>
+          <a:effectRef idx="0">
+            <a:schemeClr val="accent1"/>
+          </a:effectRef>
+          <a:fontRef idx="minor">
+            <a:schemeClr val="dk1"/>
+          </a:fontRef>
+        </p:style>
+        <p:txBody>
+          <a:bodyPr rtlCol="0" anchor="t"/>
+          <a:lstStyle/>
+          <a:p>
+            <a:pPr algn="ctr"/>
+            <a:r>
+              <a:rPr lang="nl-BE" sz="2000" b="1" dirty="0" err="1">
+                <a:solidFill>
+                  <a:schemeClr val="accent1"/>
+                </a:solidFill>
+              </a:rPr>
+              <a:t>Demonstration</a:t>
+            </a:r>
+            <a:r>
+              <a:rPr lang="nl-BE" sz="2000" b="1" dirty="0">
+                <a:solidFill>
+                  <a:schemeClr val="accent1"/>
+                </a:solidFill>
+              </a:rPr>
+              <a:t> </a:t>
+            </a:r>
+            <a:r>
+              <a:rPr lang="nl-BE" sz="2000" b="1" dirty="0" err="1">
+                <a:solidFill>
+                  <a:schemeClr val="accent1"/>
+                </a:solidFill>
+              </a:rPr>
+              <a:t>missions</a:t>
+            </a:r>
+            <a:r>
+              <a:rPr lang="nl-BE" sz="2000" b="1" dirty="0">
+                <a:solidFill>
+                  <a:schemeClr val="accent1"/>
+                </a:solidFill>
+              </a:rPr>
+              <a:t>, </a:t>
+            </a:r>
+            <a:r>
+              <a:rPr lang="nl-BE" sz="2000" b="1" dirty="0" err="1">
+                <a:solidFill>
+                  <a:schemeClr val="accent1"/>
+                </a:solidFill>
+              </a:rPr>
+              <a:t>explaining</a:t>
+            </a:r>
+            <a:r>
+              <a:rPr lang="nl-BE" sz="2000" b="1" dirty="0">
+                <a:solidFill>
+                  <a:schemeClr val="accent1"/>
+                </a:solidFill>
+              </a:rPr>
+              <a:t> </a:t>
+            </a:r>
+            <a:r>
+              <a:rPr lang="nl-BE" sz="2000" b="1" dirty="0" err="1">
+                <a:solidFill>
+                  <a:schemeClr val="accent1"/>
+                </a:solidFill>
+              </a:rPr>
+              <a:t>scenarios</a:t>
+            </a:r>
+            <a:r>
+              <a:rPr lang="nl-BE" sz="2000" b="1" dirty="0">
+                <a:solidFill>
+                  <a:schemeClr val="accent1"/>
+                </a:solidFill>
+              </a:rPr>
+              <a:t> </a:t>
+            </a:r>
+            <a:r>
+              <a:rPr lang="nl-BE" sz="2000" b="1" dirty="0" err="1">
+                <a:solidFill>
+                  <a:schemeClr val="accent1"/>
+                </a:solidFill>
+              </a:rPr>
+              <a:t>how</a:t>
+            </a:r>
+            <a:r>
+              <a:rPr lang="nl-BE" sz="2000" b="1" dirty="0">
+                <a:solidFill>
+                  <a:schemeClr val="accent1"/>
+                </a:solidFill>
+              </a:rPr>
+              <a:t> </a:t>
+            </a:r>
+            <a:r>
+              <a:rPr lang="nl-BE" sz="2000" b="1" dirty="0" err="1">
+                <a:solidFill>
+                  <a:schemeClr val="accent1"/>
+                </a:solidFill>
+              </a:rPr>
+              <a:t>to</a:t>
+            </a:r>
+            <a:r>
+              <a:rPr lang="nl-BE" sz="2000" b="1" dirty="0">
+                <a:solidFill>
+                  <a:schemeClr val="accent1"/>
+                </a:solidFill>
+              </a:rPr>
+              <a:t> </a:t>
+            </a:r>
+            <a:r>
+              <a:rPr lang="nl-BE" sz="2000" b="1" dirty="0" err="1">
+                <a:solidFill>
+                  <a:schemeClr val="accent1"/>
+                </a:solidFill>
+              </a:rPr>
+              <a:t>apply</a:t>
+            </a:r>
+            <a:r>
+              <a:rPr lang="nl-BE" sz="2000" b="1" dirty="0">
+                <a:solidFill>
+                  <a:schemeClr val="accent1"/>
+                </a:solidFill>
+              </a:rPr>
+              <a:t> </a:t>
+            </a:r>
+            <a:r>
+              <a:rPr lang="nl-BE" sz="2000" b="1" dirty="0" err="1">
+                <a:solidFill>
+                  <a:schemeClr val="accent1"/>
+                </a:solidFill>
+              </a:rPr>
+              <a:t>the</a:t>
+            </a:r>
+            <a:r>
+              <a:rPr lang="nl-BE" sz="2000" b="1" dirty="0">
+                <a:solidFill>
+                  <a:schemeClr val="accent1"/>
+                </a:solidFill>
+              </a:rPr>
+              <a:t> </a:t>
+            </a:r>
+            <a:r>
+              <a:rPr lang="nl-BE" sz="2000" b="1" dirty="0" err="1">
+                <a:solidFill>
+                  <a:schemeClr val="accent1"/>
+                </a:solidFill>
+              </a:rPr>
+              <a:t>framework</a:t>
+            </a:r>
+            <a:r>
+              <a:rPr lang="nl-BE" sz="2000" b="1" dirty="0">
+                <a:solidFill>
+                  <a:schemeClr val="accent1"/>
+                </a:solidFill>
+              </a:rPr>
+              <a:t>.</a:t>
+            </a:r>
+          </a:p>
+        </p:txBody>
+      </p:sp>
+      <p:sp>
+        <p:nvSpPr>
+          <p:cNvPr id="18" name="Rechthoek 17"/>
+          <p:cNvSpPr/>
+          <p:nvPr/>
+        </p:nvSpPr>
+        <p:spPr>
+          <a:xfrm>
+            <a:off x="7266013" y="2438989"/>
+            <a:ext cx="4590051" cy="1350015"/>
+          </a:xfrm>
+          <a:prstGeom prst="rect">
+            <a:avLst/>
+          </a:prstGeom>
+          <a:solidFill>
+            <a:schemeClr val="tx1"/>
+          </a:solidFill>
+          <a:ln w="19050">
+            <a:solidFill>
+              <a:schemeClr val="accent1"/>
+            </a:solidFill>
+          </a:ln>
+        </p:spPr>
+        <p:style>
+          <a:lnRef idx="2">
+            <a:schemeClr val="accent1"/>
+          </a:lnRef>
+          <a:fillRef idx="1">
+            <a:schemeClr val="lt1"/>
+          </a:fillRef>
+          <a:effectRef idx="0">
+            <a:schemeClr val="accent1"/>
+          </a:effectRef>
+          <a:fontRef idx="minor">
+            <a:schemeClr val="dk1"/>
+          </a:fontRef>
+        </p:style>
+        <p:txBody>
+          <a:bodyPr rtlCol="0" anchor="t"/>
+          <a:lstStyle/>
+          <a:p>
+            <a:pPr algn="ctr"/>
+            <a:r>
+              <a:rPr lang="nl-BE" sz="2000" b="1" dirty="0">
+                <a:solidFill>
+                  <a:schemeClr val="accent1"/>
+                </a:solidFill>
+              </a:rPr>
+              <a:t>The MOOSE </a:t>
+            </a:r>
+            <a:r>
+              <a:rPr lang="nl-BE" sz="2000" b="1" dirty="0" err="1">
+                <a:solidFill>
+                  <a:schemeClr val="accent1"/>
+                </a:solidFill>
+              </a:rPr>
+              <a:t>framework</a:t>
+            </a:r>
+            <a:r>
+              <a:rPr lang="nl-BE" sz="2000" b="1" dirty="0">
+                <a:solidFill>
+                  <a:schemeClr val="accent1"/>
+                </a:solidFill>
+              </a:rPr>
+              <a:t> code base </a:t>
+            </a:r>
+            <a:r>
+              <a:rPr lang="nl-BE" sz="2000" b="1" dirty="0" err="1">
+                <a:solidFill>
+                  <a:schemeClr val="accent1"/>
+                </a:solidFill>
+              </a:rPr>
+              <a:t>and</a:t>
+            </a:r>
+            <a:r>
+              <a:rPr lang="nl-BE" sz="2000" b="1" dirty="0">
+                <a:solidFill>
+                  <a:schemeClr val="accent1"/>
+                </a:solidFill>
+              </a:rPr>
+              <a:t> </a:t>
+            </a:r>
+            <a:r>
+              <a:rPr lang="nl-BE" sz="2000" b="1" dirty="0" err="1">
+                <a:solidFill>
+                  <a:schemeClr val="accent1"/>
+                </a:solidFill>
+              </a:rPr>
+              <a:t>installation</a:t>
+            </a:r>
+            <a:r>
+              <a:rPr lang="nl-BE" sz="2000" b="1" dirty="0">
+                <a:solidFill>
+                  <a:schemeClr val="accent1"/>
+                </a:solidFill>
+              </a:rPr>
+              <a:t> </a:t>
+            </a:r>
+            <a:r>
+              <a:rPr lang="nl-BE" sz="2000" b="1" dirty="0" err="1">
+                <a:solidFill>
+                  <a:schemeClr val="accent1"/>
+                </a:solidFill>
+              </a:rPr>
+              <a:t>components</a:t>
+            </a:r>
+            <a:r>
+              <a:rPr lang="nl-BE" sz="2000" b="1" dirty="0">
+                <a:solidFill>
+                  <a:schemeClr val="accent1"/>
+                </a:solidFill>
+              </a:rPr>
+              <a:t>.</a:t>
+            </a:r>
+          </a:p>
+          <a:p>
+            <a:pPr algn="ctr"/>
+            <a:r>
+              <a:rPr lang="nl-BE" sz="2000" b="1" dirty="0">
+                <a:solidFill>
+                  <a:schemeClr val="accent1"/>
+                </a:solidFill>
+              </a:rPr>
+              <a:t>The code base is </a:t>
+            </a:r>
+            <a:r>
+              <a:rPr lang="nl-BE" sz="2000" b="1" dirty="0" err="1">
+                <a:solidFill>
+                  <a:schemeClr val="accent1"/>
+                </a:solidFill>
+              </a:rPr>
+              <a:t>located</a:t>
+            </a:r>
+            <a:r>
+              <a:rPr lang="nl-BE" sz="2000" b="1" dirty="0">
+                <a:solidFill>
+                  <a:schemeClr val="accent1"/>
+                </a:solidFill>
+              </a:rPr>
+              <a:t> in </a:t>
+            </a:r>
+            <a:r>
+              <a:rPr lang="nl-BE" sz="2000" b="1" dirty="0" err="1">
+                <a:solidFill>
+                  <a:schemeClr val="accent1"/>
+                </a:solidFill>
+              </a:rPr>
+              <a:t>the</a:t>
+            </a:r>
+            <a:r>
+              <a:rPr lang="nl-BE" sz="2000" b="1" dirty="0">
+                <a:solidFill>
+                  <a:schemeClr val="accent1"/>
+                </a:solidFill>
+              </a:rPr>
+              <a:t> Moose Development folder.</a:t>
+            </a:r>
+          </a:p>
+        </p:txBody>
+      </p:sp>
+      <p:sp>
+        <p:nvSpPr>
+          <p:cNvPr id="19" name="Rechthoek 18"/>
+          <p:cNvSpPr/>
+          <p:nvPr/>
+        </p:nvSpPr>
+        <p:spPr>
+          <a:xfrm>
+            <a:off x="7266013" y="5687987"/>
+            <a:ext cx="4590051" cy="981049"/>
+          </a:xfrm>
+          <a:prstGeom prst="rect">
+            <a:avLst/>
+          </a:prstGeom>
+          <a:solidFill>
+            <a:schemeClr val="tx1"/>
+          </a:solidFill>
+          <a:ln w="19050">
+            <a:solidFill>
+              <a:schemeClr val="accent1"/>
+            </a:solidFill>
+          </a:ln>
+        </p:spPr>
+        <p:style>
+          <a:lnRef idx="2">
+            <a:schemeClr val="accent1"/>
+          </a:lnRef>
+          <a:fillRef idx="1">
+            <a:schemeClr val="lt1"/>
+          </a:fillRef>
+          <a:effectRef idx="0">
+            <a:schemeClr val="accent1"/>
+          </a:effectRef>
+          <a:fontRef idx="minor">
+            <a:schemeClr val="dk1"/>
+          </a:fontRef>
+        </p:style>
+        <p:txBody>
+          <a:bodyPr rtlCol="0" anchor="t"/>
+          <a:lstStyle/>
+          <a:p>
+            <a:pPr algn="ctr"/>
+            <a:r>
+              <a:rPr lang="nl-BE" sz="2000" b="1" dirty="0" err="1">
+                <a:solidFill>
+                  <a:schemeClr val="accent1"/>
+                </a:solidFill>
+              </a:rPr>
+              <a:t>Various</a:t>
+            </a:r>
+            <a:r>
+              <a:rPr lang="nl-BE" sz="2000" b="1" dirty="0">
+                <a:solidFill>
+                  <a:schemeClr val="accent1"/>
+                </a:solidFill>
+              </a:rPr>
+              <a:t> </a:t>
+            </a:r>
+            <a:r>
+              <a:rPr lang="nl-BE" sz="2000" b="1" dirty="0" err="1">
+                <a:solidFill>
+                  <a:schemeClr val="accent1"/>
+                </a:solidFill>
+              </a:rPr>
+              <a:t>presentations</a:t>
+            </a:r>
+            <a:r>
+              <a:rPr lang="nl-BE" sz="2000" b="1" dirty="0">
+                <a:solidFill>
+                  <a:schemeClr val="accent1"/>
+                </a:solidFill>
+              </a:rPr>
+              <a:t> </a:t>
+            </a:r>
+            <a:r>
+              <a:rPr lang="nl-BE" sz="2000" b="1" dirty="0" err="1">
+                <a:solidFill>
+                  <a:schemeClr val="accent1"/>
+                </a:solidFill>
+              </a:rPr>
+              <a:t>and</a:t>
+            </a:r>
+            <a:r>
+              <a:rPr lang="nl-BE" sz="2000" b="1" dirty="0">
+                <a:solidFill>
+                  <a:schemeClr val="accent1"/>
+                </a:solidFill>
+              </a:rPr>
+              <a:t> logo </a:t>
+            </a:r>
+            <a:r>
+              <a:rPr lang="nl-BE" sz="2000" b="1" dirty="0" err="1">
+                <a:solidFill>
+                  <a:schemeClr val="accent1"/>
+                </a:solidFill>
+              </a:rPr>
+              <a:t>materials</a:t>
+            </a:r>
+            <a:r>
+              <a:rPr lang="nl-BE" sz="2000" b="1" dirty="0">
+                <a:solidFill>
+                  <a:schemeClr val="accent1"/>
+                </a:solidFill>
+              </a:rPr>
+              <a:t> </a:t>
+            </a:r>
+            <a:r>
+              <a:rPr lang="nl-BE" sz="2000" b="1" dirty="0" err="1">
+                <a:solidFill>
+                  <a:schemeClr val="accent1"/>
+                </a:solidFill>
+              </a:rPr>
+              <a:t>used</a:t>
+            </a:r>
+            <a:r>
+              <a:rPr lang="nl-BE" sz="2000" b="1" dirty="0">
+                <a:solidFill>
+                  <a:schemeClr val="accent1"/>
+                </a:solidFill>
+              </a:rPr>
+              <a:t> in </a:t>
+            </a:r>
+            <a:r>
+              <a:rPr lang="nl-BE" sz="2000" b="1" dirty="0" err="1">
+                <a:solidFill>
+                  <a:schemeClr val="accent1"/>
+                </a:solidFill>
+              </a:rPr>
+              <a:t>publishing</a:t>
+            </a:r>
+            <a:r>
+              <a:rPr lang="nl-BE" sz="2000" b="1" dirty="0">
+                <a:solidFill>
+                  <a:schemeClr val="accent1"/>
+                </a:solidFill>
+              </a:rPr>
+              <a:t> </a:t>
+            </a:r>
+            <a:r>
+              <a:rPr lang="nl-BE" sz="2000" b="1" dirty="0" err="1">
+                <a:solidFill>
+                  <a:schemeClr val="accent1"/>
+                </a:solidFill>
+              </a:rPr>
+              <a:t>channels</a:t>
+            </a:r>
+            <a:r>
+              <a:rPr lang="nl-BE" sz="2000" b="1" dirty="0">
+                <a:solidFill>
+                  <a:schemeClr val="accent1"/>
+                </a:solidFill>
+              </a:rPr>
+              <a:t>.</a:t>
+            </a:r>
+          </a:p>
+        </p:txBody>
+      </p:sp>
+      <p:cxnSp>
+        <p:nvCxnSpPr>
+          <p:cNvPr id="21" name="Rechte verbindingslijn met pijl 20"/>
+          <p:cNvCxnSpPr>
+            <a:cxnSpLocks/>
+            <a:endCxn id="14" idx="1"/>
+          </p:cNvCxnSpPr>
+          <p:nvPr/>
+        </p:nvCxnSpPr>
+        <p:spPr>
+          <a:xfrm flipV="1">
+            <a:off x="4475982" y="2213987"/>
+            <a:ext cx="2790031" cy="1125012"/>
+          </a:xfrm>
+          <a:prstGeom prst="straightConnector1">
+            <a:avLst/>
+          </a:prstGeom>
+          <a:ln w="28575">
+            <a:solidFill>
+              <a:schemeClr val="accent1"/>
+            </a:solidFill>
+            <a:headEnd w="lg" len="lg"/>
+            <a:tailEnd type="triangle"/>
+          </a:ln>
+          <a:effectLst>
+            <a:outerShdw blurRad="50800" dist="38100" dir="2700000" algn="tl" rotWithShape="0">
+              <a:prstClr val="black">
+                <a:alpha val="40000"/>
+              </a:prstClr>
+            </a:outerShdw>
+          </a:effectLst>
+        </p:spPr>
+        <p:style>
+          <a:lnRef idx="1">
+            <a:schemeClr val="accent1"/>
+          </a:lnRef>
+          <a:fillRef idx="0">
+            <a:schemeClr val="accent1"/>
+          </a:fillRef>
+          <a:effectRef idx="0">
+            <a:schemeClr val="accent1"/>
+          </a:effectRef>
+          <a:fontRef idx="minor">
+            <a:schemeClr val="tx1"/>
+          </a:fontRef>
+        </p:style>
+      </p:cxnSp>
+      <p:cxnSp>
+        <p:nvCxnSpPr>
+          <p:cNvPr id="23" name="Rechte verbindingslijn met pijl 22"/>
+          <p:cNvCxnSpPr>
+            <a:endCxn id="16" idx="1"/>
+          </p:cNvCxnSpPr>
+          <p:nvPr/>
+        </p:nvCxnSpPr>
+        <p:spPr>
+          <a:xfrm>
+            <a:off x="6816008" y="5139019"/>
+            <a:ext cx="450005" cy="315004"/>
+          </a:xfrm>
+          <a:prstGeom prst="straightConnector1">
+            <a:avLst/>
+          </a:prstGeom>
+          <a:ln w="28575">
+            <a:solidFill>
+              <a:schemeClr val="accent1"/>
+            </a:solidFill>
+            <a:headEnd w="lg" len="lg"/>
+            <a:tailEnd type="triangle"/>
+          </a:ln>
+          <a:effectLst>
+            <a:outerShdw blurRad="50800" dist="38100" dir="2700000" algn="tl" rotWithShape="0">
+              <a:prstClr val="black">
+                <a:alpha val="40000"/>
+              </a:prstClr>
+            </a:outerShdw>
+          </a:effectLst>
+        </p:spPr>
+        <p:style>
+          <a:lnRef idx="1">
+            <a:schemeClr val="accent1"/>
+          </a:lnRef>
+          <a:fillRef idx="0">
+            <a:schemeClr val="accent1"/>
+          </a:fillRef>
+          <a:effectRef idx="0">
+            <a:schemeClr val="accent1"/>
+          </a:effectRef>
+          <a:fontRef idx="minor">
+            <a:schemeClr val="tx1"/>
+          </a:fontRef>
+        </p:style>
+      </p:cxnSp>
+      <p:cxnSp>
+        <p:nvCxnSpPr>
+          <p:cNvPr id="25" name="Rechte verbindingslijn met pijl 24"/>
+          <p:cNvCxnSpPr>
+            <a:endCxn id="15" idx="1"/>
+          </p:cNvCxnSpPr>
+          <p:nvPr/>
+        </p:nvCxnSpPr>
+        <p:spPr>
+          <a:xfrm flipV="1">
+            <a:off x="4475982" y="4104008"/>
+            <a:ext cx="2790031" cy="135001"/>
+          </a:xfrm>
+          <a:prstGeom prst="straightConnector1">
+            <a:avLst/>
+          </a:prstGeom>
+          <a:ln w="28575">
+            <a:solidFill>
+              <a:schemeClr val="accent1"/>
+            </a:solidFill>
+            <a:headEnd w="lg" len="lg"/>
+            <a:tailEnd type="triangle"/>
+          </a:ln>
+          <a:effectLst>
+            <a:outerShdw blurRad="50800" dist="38100" dir="2700000" algn="tl" rotWithShape="0">
+              <a:prstClr val="black">
+                <a:alpha val="40000"/>
+              </a:prstClr>
+            </a:outerShdw>
+          </a:effectLst>
+        </p:spPr>
+        <p:style>
+          <a:lnRef idx="1">
+            <a:schemeClr val="accent1"/>
+          </a:lnRef>
+          <a:fillRef idx="0">
+            <a:schemeClr val="accent1"/>
+          </a:fillRef>
+          <a:effectRef idx="0">
+            <a:schemeClr val="accent1"/>
+          </a:effectRef>
+          <a:fontRef idx="minor">
+            <a:schemeClr val="tx1"/>
+          </a:fontRef>
+        </p:style>
+      </p:cxnSp>
+    </p:spTree>
+    <p:extLst>
+      <p:ext uri="{BB962C8B-B14F-4D97-AF65-F5344CB8AC3E}">
+        <p14:creationId xmlns:p14="http://schemas.microsoft.com/office/powerpoint/2010/main" val="3392667833"/>
+      </p:ext>
+    </p:extLst>
+  </p:cSld>
+  <p:clrMapOvr>
+    <a:masterClrMapping/>
+  </p:clrMapOvr>
+  <mc:AlternateContent xmlns:mc="http://schemas.openxmlformats.org/markup-compatibility/2006" xmlns:p159="http://schemas.microsoft.com/office/powerpoint/2015/09/main">
+    <mc:Choice Requires="p159">
+      <p:transition xmlns:p14="http://schemas.microsoft.com/office/powerpoint/2010/main" spd="slow" p14:dur="2000">
+        <p159:morph option="byObject"/>
+      </p:transition>
+    </mc:Choice>
+    <mc:Fallback xmlns="">
+      <p:transition spd="slow">
+        <p:fade/>
+      </p:transition>
+    </mc:Fallback>
+  </mc:AlternateContent>
+</p:sld>
+</file>
+
+<file path=ppt/slides/slide4.xml><?xml version="1.0" encoding="utf-8"?>
+<p:sld xmlns:a="http://schemas.openxmlformats.org/drawingml/2006/main" xmlns:r="http://schemas.openxmlformats.org/officeDocument/2006/relationships" xmlns:p="http://schemas.openxmlformats.org/presentationml/2006/main">
+  <p:cSld>
+    <p:spTree>
+      <p:nvGrpSpPr>
+        <p:cNvPr id="1" name=""/>
+        <p:cNvGrpSpPr/>
+        <p:nvPr/>
+      </p:nvGrpSpPr>
+      <p:grpSpPr>
+        <a:xfrm>
+          <a:off x="0" y="0"/>
+          <a:ext cx="0" cy="0"/>
+          <a:chOff x="0" y="0"/>
+          <a:chExt cx="0" cy="0"/>
+        </a:xfrm>
+      </p:grpSpPr>
+      <p:sp>
+        <p:nvSpPr>
+          <p:cNvPr id="2" name="Titel 1"/>
+          <p:cNvSpPr>
+            <a:spLocks noGrp="1"/>
+          </p:cNvSpPr>
+          <p:nvPr>
+            <p:ph type="title"/>
+          </p:nvPr>
+        </p:nvSpPr>
+        <p:spPr/>
+        <p:txBody>
+          <a:bodyPr/>
+          <a:lstStyle/>
+          <a:p>
+            <a:r>
+              <a:rPr lang="nl-BE" dirty="0"/>
+              <a:t>release </a:t>
+            </a:r>
+            <a:r>
+              <a:rPr lang="nl-BE" dirty="0" err="1"/>
+              <a:t>process</a:t>
+            </a:r>
+            <a:endParaRPr lang="nl-BE" dirty="0"/>
+          </a:p>
+        </p:txBody>
+      </p:sp>
+      <p:sp>
+        <p:nvSpPr>
+          <p:cNvPr id="3" name="Rechthoek 2"/>
+          <p:cNvSpPr/>
+          <p:nvPr/>
+        </p:nvSpPr>
+        <p:spPr>
+          <a:xfrm>
+            <a:off x="335936" y="1988984"/>
+            <a:ext cx="11520128" cy="450005"/>
+          </a:xfrm>
+          <a:prstGeom prst="rect">
+            <a:avLst/>
+          </a:prstGeom>
+          <a:solidFill>
+            <a:schemeClr val="accent1"/>
+          </a:solidFill>
+          <a:ln w="12700">
+            <a:solidFill>
+              <a:schemeClr val="accent1"/>
+            </a:solidFill>
+          </a:ln>
+        </p:spPr>
+        <p:style>
+          <a:lnRef idx="2">
+            <a:schemeClr val="accent1"/>
+          </a:lnRef>
+          <a:fillRef idx="1">
+            <a:schemeClr val="lt1"/>
+          </a:fillRef>
+          <a:effectRef idx="0">
+            <a:schemeClr val="accent1"/>
+          </a:effectRef>
+          <a:fontRef idx="minor">
+            <a:schemeClr val="dk1"/>
+          </a:fontRef>
+        </p:style>
+        <p:txBody>
+          <a:bodyPr rtlCol="0" anchor="t"/>
+          <a:lstStyle/>
+          <a:p>
+            <a:pPr algn="ctr"/>
+            <a:r>
+              <a:rPr lang="nl-BE" sz="2000" b="1" dirty="0">
+                <a:solidFill>
+                  <a:schemeClr val="tx1"/>
+                </a:solidFill>
+              </a:rPr>
+              <a:t>MOOSE </a:t>
+            </a:r>
+            <a:r>
+              <a:rPr lang="nl-BE" sz="2000" b="1" dirty="0" err="1">
+                <a:solidFill>
+                  <a:schemeClr val="tx1"/>
+                </a:solidFill>
+              </a:rPr>
+              <a:t>Main</a:t>
+            </a:r>
+            <a:r>
+              <a:rPr lang="nl-BE" sz="2000" b="1" dirty="0">
+                <a:solidFill>
+                  <a:schemeClr val="tx1"/>
+                </a:solidFill>
+              </a:rPr>
+              <a:t> Release Download </a:t>
+            </a:r>
+            <a:r>
+              <a:rPr lang="nl-BE" sz="2000" b="1" dirty="0" err="1">
+                <a:solidFill>
+                  <a:schemeClr val="tx1"/>
+                </a:solidFill>
+              </a:rPr>
+              <a:t>Location</a:t>
+            </a:r>
+            <a:endParaRPr lang="nl-BE" sz="2000" b="1" dirty="0">
+              <a:solidFill>
+                <a:schemeClr val="tx1"/>
+              </a:solidFill>
+            </a:endParaRPr>
+          </a:p>
+        </p:txBody>
+      </p:sp>
+      <p:sp>
+        <p:nvSpPr>
+          <p:cNvPr id="4" name="Rechthoek 3"/>
+          <p:cNvSpPr/>
+          <p:nvPr/>
+        </p:nvSpPr>
+        <p:spPr>
+          <a:xfrm>
+            <a:off x="335936" y="2438989"/>
+            <a:ext cx="11520128" cy="4140046"/>
+          </a:xfrm>
+          <a:prstGeom prst="rect">
+            <a:avLst/>
+          </a:prstGeom>
+          <a:solidFill>
+            <a:schemeClr val="tx1"/>
+          </a:solidFill>
+          <a:ln w="19050">
+            <a:solidFill>
+              <a:schemeClr val="accent1"/>
+            </a:solidFill>
+          </a:ln>
+        </p:spPr>
+        <p:style>
+          <a:lnRef idx="2">
+            <a:schemeClr val="accent1"/>
+          </a:lnRef>
+          <a:fillRef idx="1">
+            <a:schemeClr val="lt1"/>
+          </a:fillRef>
+          <a:effectRef idx="0">
+            <a:schemeClr val="accent1"/>
+          </a:effectRef>
+          <a:fontRef idx="minor">
+            <a:schemeClr val="dk1"/>
+          </a:fontRef>
+        </p:style>
+        <p:txBody>
+          <a:bodyPr rtlCol="0" anchor="t"/>
+          <a:lstStyle/>
+          <a:p>
+            <a:r>
+              <a:rPr lang="nl-BE" sz="2000" b="1" dirty="0" err="1">
+                <a:solidFill>
+                  <a:schemeClr val="accent1"/>
+                </a:solidFill>
+              </a:rPr>
+              <a:t>Main</a:t>
+            </a:r>
+            <a:r>
+              <a:rPr lang="nl-BE" sz="2000" b="1" dirty="0">
+                <a:solidFill>
+                  <a:schemeClr val="accent1"/>
+                </a:solidFill>
+              </a:rPr>
+              <a:t> URL:</a:t>
+            </a:r>
+            <a:br>
+              <a:rPr lang="nl-BE" sz="2000" b="1" dirty="0">
+                <a:solidFill>
+                  <a:schemeClr val="accent1"/>
+                </a:solidFill>
+              </a:rPr>
+            </a:br>
+            <a:r>
+              <a:rPr lang="nl-BE" sz="1400" dirty="0">
+                <a:solidFill>
+                  <a:schemeClr val="accent1"/>
+                </a:solidFill>
+              </a:rPr>
+              <a:t>github.com/</a:t>
+            </a:r>
+            <a:r>
+              <a:rPr lang="nl-BE" sz="1400" dirty="0" err="1">
+                <a:solidFill>
+                  <a:schemeClr val="accent1"/>
+                </a:solidFill>
+              </a:rPr>
+              <a:t>FlightControl</a:t>
+            </a:r>
+            <a:r>
+              <a:rPr lang="nl-BE" sz="1400" dirty="0">
+                <a:solidFill>
+                  <a:schemeClr val="accent1"/>
+                </a:solidFill>
+              </a:rPr>
+              <a:t>-Master/MOOSE/releases</a:t>
+            </a:r>
+          </a:p>
+          <a:p>
+            <a:endParaRPr lang="nl-BE" sz="1400" dirty="0">
+              <a:solidFill>
+                <a:schemeClr val="accent1"/>
+              </a:solidFill>
+            </a:endParaRPr>
+          </a:p>
+          <a:p>
+            <a:r>
+              <a:rPr lang="nl-BE" sz="2000" b="1" dirty="0" err="1">
+                <a:solidFill>
+                  <a:srgbClr val="004274"/>
+                </a:solidFill>
+              </a:rPr>
+              <a:t>This</a:t>
+            </a:r>
+            <a:r>
+              <a:rPr lang="nl-BE" sz="2000" b="1" dirty="0">
+                <a:solidFill>
+                  <a:srgbClr val="004274"/>
+                </a:solidFill>
+              </a:rPr>
+              <a:t> is </a:t>
+            </a:r>
+            <a:r>
+              <a:rPr lang="nl-BE" sz="2000" b="1" dirty="0" err="1">
+                <a:solidFill>
+                  <a:srgbClr val="004274"/>
+                </a:solidFill>
+              </a:rPr>
+              <a:t>the</a:t>
+            </a:r>
+            <a:r>
+              <a:rPr lang="nl-BE" sz="2000" b="1" dirty="0">
+                <a:solidFill>
+                  <a:srgbClr val="004274"/>
+                </a:solidFill>
+              </a:rPr>
+              <a:t> </a:t>
+            </a:r>
+            <a:r>
+              <a:rPr lang="nl-BE" sz="2000" b="1" dirty="0" err="1">
+                <a:solidFill>
+                  <a:srgbClr val="004274"/>
+                </a:solidFill>
+              </a:rPr>
+              <a:t>main</a:t>
+            </a:r>
+            <a:r>
+              <a:rPr lang="nl-BE" sz="2000" b="1" dirty="0">
+                <a:solidFill>
+                  <a:srgbClr val="004274"/>
+                </a:solidFill>
+              </a:rPr>
+              <a:t> site </a:t>
+            </a:r>
+            <a:r>
+              <a:rPr lang="nl-BE" sz="2000" b="1" dirty="0" err="1">
+                <a:solidFill>
+                  <a:srgbClr val="004274"/>
+                </a:solidFill>
+              </a:rPr>
+              <a:t>where</a:t>
+            </a:r>
+            <a:r>
+              <a:rPr lang="nl-BE" sz="2000" b="1" dirty="0">
+                <a:solidFill>
+                  <a:srgbClr val="004274"/>
+                </a:solidFill>
+              </a:rPr>
+              <a:t> </a:t>
+            </a:r>
+            <a:r>
+              <a:rPr lang="nl-BE" sz="2000" b="1" dirty="0" err="1">
+                <a:solidFill>
+                  <a:srgbClr val="004274"/>
+                </a:solidFill>
+              </a:rPr>
+              <a:t>you</a:t>
+            </a:r>
+            <a:endParaRPr lang="nl-BE" sz="2000" b="1" dirty="0">
+              <a:solidFill>
+                <a:srgbClr val="004274"/>
+              </a:solidFill>
+            </a:endParaRPr>
+          </a:p>
+          <a:p>
+            <a:r>
+              <a:rPr lang="nl-BE" sz="2000" b="1" dirty="0" err="1">
+                <a:solidFill>
+                  <a:srgbClr val="004274"/>
+                </a:solidFill>
+              </a:rPr>
+              <a:t>need</a:t>
+            </a:r>
+            <a:r>
+              <a:rPr lang="nl-BE" sz="2000" b="1" dirty="0">
+                <a:solidFill>
+                  <a:srgbClr val="004274"/>
+                </a:solidFill>
+              </a:rPr>
+              <a:t> </a:t>
+            </a:r>
+            <a:r>
+              <a:rPr lang="nl-BE" sz="2000" b="1" dirty="0" err="1">
+                <a:solidFill>
+                  <a:srgbClr val="004274"/>
+                </a:solidFill>
+              </a:rPr>
+              <a:t>to</a:t>
+            </a:r>
+            <a:r>
+              <a:rPr lang="nl-BE" sz="2000" b="1" dirty="0">
+                <a:solidFill>
+                  <a:srgbClr val="004274"/>
+                </a:solidFill>
+              </a:rPr>
+              <a:t> download </a:t>
+            </a:r>
+            <a:r>
+              <a:rPr lang="nl-BE" sz="2000" b="1" dirty="0" err="1">
+                <a:solidFill>
+                  <a:srgbClr val="004274"/>
+                </a:solidFill>
+              </a:rPr>
+              <a:t>the</a:t>
+            </a:r>
+            <a:r>
+              <a:rPr lang="nl-BE" sz="2000" b="1" dirty="0">
+                <a:solidFill>
+                  <a:srgbClr val="004274"/>
+                </a:solidFill>
+              </a:rPr>
+              <a:t> </a:t>
+            </a:r>
+            <a:r>
+              <a:rPr lang="nl-BE" sz="2000" b="1" dirty="0" err="1">
+                <a:solidFill>
+                  <a:srgbClr val="004274"/>
+                </a:solidFill>
+              </a:rPr>
+              <a:t>moose</a:t>
+            </a:r>
+            <a:r>
+              <a:rPr lang="nl-BE" sz="2000" b="1" dirty="0">
+                <a:solidFill>
+                  <a:srgbClr val="004274"/>
+                </a:solidFill>
+              </a:rPr>
+              <a:t> </a:t>
+            </a:r>
+          </a:p>
+          <a:p>
+            <a:r>
+              <a:rPr lang="nl-BE" sz="2000" b="1" dirty="0">
+                <a:solidFill>
+                  <a:srgbClr val="004274"/>
+                </a:solidFill>
+              </a:rPr>
+              <a:t>package zip files.</a:t>
+            </a:r>
+          </a:p>
+          <a:p>
+            <a:endParaRPr lang="nl-BE" sz="2000" b="1" dirty="0">
+              <a:solidFill>
+                <a:srgbClr val="004274"/>
+              </a:solidFill>
+            </a:endParaRPr>
+          </a:p>
+          <a:p>
+            <a:r>
+              <a:rPr lang="nl-BE" sz="2000" b="1" dirty="0" err="1">
+                <a:solidFill>
+                  <a:srgbClr val="004274"/>
+                </a:solidFill>
+              </a:rPr>
+              <a:t>Each</a:t>
+            </a:r>
+            <a:r>
+              <a:rPr lang="nl-BE" sz="2000" b="1" dirty="0">
+                <a:solidFill>
+                  <a:srgbClr val="004274"/>
+                </a:solidFill>
+              </a:rPr>
+              <a:t> new release </a:t>
+            </a:r>
+            <a:r>
+              <a:rPr lang="nl-BE" sz="2000" b="1" dirty="0" err="1">
+                <a:solidFill>
+                  <a:srgbClr val="004274"/>
+                </a:solidFill>
+              </a:rPr>
+              <a:t>will</a:t>
+            </a:r>
+            <a:r>
+              <a:rPr lang="nl-BE" sz="2000" b="1" dirty="0">
+                <a:solidFill>
+                  <a:srgbClr val="004274"/>
+                </a:solidFill>
+              </a:rPr>
+              <a:t> </a:t>
+            </a:r>
+            <a:r>
+              <a:rPr lang="nl-BE" sz="2000" b="1" dirty="0" err="1">
+                <a:solidFill>
+                  <a:srgbClr val="004274"/>
+                </a:solidFill>
+              </a:rPr>
+              <a:t>be</a:t>
+            </a:r>
+            <a:r>
+              <a:rPr lang="nl-BE" sz="2000" b="1" dirty="0">
+                <a:solidFill>
+                  <a:srgbClr val="004274"/>
+                </a:solidFill>
+              </a:rPr>
+              <a:t> </a:t>
+            </a:r>
+            <a:r>
+              <a:rPr lang="nl-BE" sz="2000" b="1" dirty="0" err="1">
+                <a:solidFill>
+                  <a:srgbClr val="004274"/>
+                </a:solidFill>
+              </a:rPr>
+              <a:t>published</a:t>
+            </a:r>
+            <a:endParaRPr lang="nl-BE" sz="2000" b="1" dirty="0">
+              <a:solidFill>
+                <a:srgbClr val="004274"/>
+              </a:solidFill>
+            </a:endParaRPr>
+          </a:p>
+          <a:p>
+            <a:r>
+              <a:rPr lang="nl-BE" sz="2000" b="1" dirty="0">
+                <a:solidFill>
+                  <a:srgbClr val="004274"/>
+                </a:solidFill>
+              </a:rPr>
+              <a:t>here!</a:t>
+            </a:r>
+          </a:p>
+          <a:p>
+            <a:endParaRPr lang="nl-BE" sz="2000" b="1" dirty="0">
+              <a:solidFill>
+                <a:srgbClr val="004274"/>
+              </a:solidFill>
+            </a:endParaRPr>
+          </a:p>
+        </p:txBody>
+      </p:sp>
+      <p:pic>
+        <p:nvPicPr>
+          <p:cNvPr id="9" name="Afbeelding 8"/>
+          <p:cNvPicPr>
+            <a:picLocks noChangeAspect="1"/>
+          </p:cNvPicPr>
+          <p:nvPr/>
+        </p:nvPicPr>
+        <p:blipFill>
+          <a:blip r:embed="rId2"/>
+          <a:stretch>
+            <a:fillRect/>
+          </a:stretch>
+        </p:blipFill>
+        <p:spPr>
+          <a:xfrm>
+            <a:off x="4545732" y="2541318"/>
+            <a:ext cx="7040330" cy="3857715"/>
+          </a:xfrm>
+          <a:prstGeom prst="rect">
+            <a:avLst/>
+          </a:prstGeom>
+        </p:spPr>
+      </p:pic>
+    </p:spTree>
+    <p:extLst>
+      <p:ext uri="{BB962C8B-B14F-4D97-AF65-F5344CB8AC3E}">
+        <p14:creationId xmlns:p14="http://schemas.microsoft.com/office/powerpoint/2010/main" val="1439493176"/>
+      </p:ext>
+    </p:extLst>
+  </p:cSld>
+  <p:clrMapOvr>
+    <a:masterClrMapping/>
+  </p:clrMapOvr>
+  <mc:AlternateContent xmlns:mc="http://schemas.openxmlformats.org/markup-compatibility/2006" xmlns:p159="http://schemas.microsoft.com/office/powerpoint/2015/09/main">
+    <mc:Choice Requires="p159">
+      <p:transition xmlns:p14="http://schemas.microsoft.com/office/powerpoint/2010/main" spd="slow" p14:dur="2000">
+        <p159:morph option="byObject"/>
+      </p:transition>
+    </mc:Choice>
+    <mc:Fallback xmlns="">
+      <p:transition spd="slow">
+        <p:fade/>
+      </p:transition>
+    </mc:Fallback>
+  </mc:AlternateContent>
+</p:sld>
+</file>
+
+<file path=ppt/slides/slide5.xml><?xml version="1.0" encoding="utf-8"?>
+<p:sld xmlns:a="http://schemas.openxmlformats.org/drawingml/2006/main" xmlns:r="http://schemas.openxmlformats.org/officeDocument/2006/relationships" xmlns:p="http://schemas.openxmlformats.org/presentationml/2006/main">
+  <p:cSld>
+    <p:spTree>
+      <p:nvGrpSpPr>
+        <p:cNvPr id="1" name=""/>
+        <p:cNvGrpSpPr/>
+        <p:nvPr/>
+      </p:nvGrpSpPr>
+      <p:grpSpPr>
+        <a:xfrm>
+          <a:off x="0" y="0"/>
+          <a:ext cx="0" cy="0"/>
+          <a:chOff x="0" y="0"/>
+          <a:chExt cx="0" cy="0"/>
+        </a:xfrm>
+      </p:grpSpPr>
+      <p:sp>
+        <p:nvSpPr>
+          <p:cNvPr id="101" name="TextBox 5"/>
+          <p:cNvSpPr txBox="1"/>
+          <p:nvPr/>
+        </p:nvSpPr>
+        <p:spPr>
+          <a:xfrm>
+            <a:off x="155934" y="1650430"/>
+            <a:ext cx="11880132" cy="428555"/>
+          </a:xfrm>
+          <a:prstGeom prst="rect">
+            <a:avLst/>
+          </a:prstGeom>
+          <a:solidFill>
+            <a:schemeClr val="tx1"/>
+          </a:solidFill>
+          <a:ln>
+            <a:solidFill>
+              <a:schemeClr val="accent1"/>
+            </a:solidFill>
+          </a:ln>
+        </p:spPr>
+        <p:txBody>
+          <a:bodyPr wrap="square" rtlCol="0">
+            <a:noAutofit/>
+          </a:bodyPr>
+          <a:lstStyle/>
+          <a:p>
+            <a:r>
+              <a:rPr lang="fr-FR" sz="1400" b="1" dirty="0">
+                <a:solidFill>
+                  <a:schemeClr val="accent1"/>
+                </a:solidFill>
+              </a:rPr>
+              <a:t>Master</a:t>
+            </a:r>
+          </a:p>
+          <a:p>
+            <a:endParaRPr lang="fr-FR" sz="1400" b="1" dirty="0">
+              <a:solidFill>
+                <a:schemeClr val="accent1"/>
+              </a:solidFill>
+            </a:endParaRPr>
+          </a:p>
+        </p:txBody>
+      </p:sp>
+      <p:sp>
+        <p:nvSpPr>
+          <p:cNvPr id="99" name="TextBox 5"/>
+          <p:cNvSpPr txBox="1"/>
+          <p:nvPr/>
+        </p:nvSpPr>
+        <p:spPr>
+          <a:xfrm>
+            <a:off x="155934" y="818971"/>
+            <a:ext cx="11880132" cy="428555"/>
+          </a:xfrm>
+          <a:prstGeom prst="rect">
+            <a:avLst/>
+          </a:prstGeom>
+          <a:solidFill>
+            <a:schemeClr val="tx1"/>
+          </a:solidFill>
+          <a:ln>
+            <a:solidFill>
+              <a:schemeClr val="accent1"/>
+            </a:solidFill>
+          </a:ln>
+        </p:spPr>
+        <p:txBody>
+          <a:bodyPr wrap="square" rtlCol="0">
+            <a:noAutofit/>
+          </a:bodyPr>
+          <a:lstStyle/>
+          <a:p>
+            <a:r>
+              <a:rPr lang="fr-FR" sz="1400" b="1" dirty="0">
+                <a:solidFill>
+                  <a:schemeClr val="accent2">
+                    <a:lumMod val="75000"/>
+                  </a:schemeClr>
+                </a:solidFill>
+              </a:rPr>
+              <a:t>Master-Release</a:t>
+            </a:r>
+          </a:p>
+          <a:p>
+            <a:endParaRPr lang="fr-FR" sz="1400" b="1" dirty="0">
+              <a:solidFill>
+                <a:schemeClr val="accent2">
+                  <a:lumMod val="75000"/>
+                </a:schemeClr>
+              </a:solidFill>
+            </a:endParaRPr>
+          </a:p>
+        </p:txBody>
+      </p:sp>
+      <p:sp>
+        <p:nvSpPr>
+          <p:cNvPr id="119" name="Rectangle 118"/>
+          <p:cNvSpPr/>
+          <p:nvPr/>
+        </p:nvSpPr>
+        <p:spPr>
+          <a:xfrm>
+            <a:off x="6805609" y="0"/>
+            <a:ext cx="2327670" cy="6858000"/>
+          </a:xfrm>
+          <a:prstGeom prst="rect">
+            <a:avLst/>
+          </a:prstGeom>
+        </p:spPr>
+        <p:style>
+          <a:lnRef idx="0">
+            <a:schemeClr val="accent3"/>
+          </a:lnRef>
+          <a:fillRef idx="3">
+            <a:schemeClr val="accent3"/>
+          </a:fillRef>
+          <a:effectRef idx="3">
+            <a:schemeClr val="accent3"/>
+          </a:effectRef>
+          <a:fontRef idx="minor">
+            <a:schemeClr val="lt1"/>
+          </a:fontRef>
+        </p:style>
+        <p:txBody>
+          <a:bodyPr rtlCol="0" anchor="ctr"/>
+          <a:lstStyle/>
+          <a:p>
+            <a:pPr algn="ctr"/>
+            <a:endParaRPr lang="fr-FR"/>
+          </a:p>
+        </p:txBody>
+      </p:sp>
+      <p:cxnSp>
+        <p:nvCxnSpPr>
+          <p:cNvPr id="5" name="Straight Arrow Connector 4"/>
+          <p:cNvCxnSpPr>
+            <a:cxnSpLocks/>
+          </p:cNvCxnSpPr>
+          <p:nvPr/>
+        </p:nvCxnSpPr>
+        <p:spPr>
+          <a:xfrm>
+            <a:off x="847725" y="1104900"/>
+            <a:ext cx="10468333" cy="0"/>
+          </a:xfrm>
+          <a:prstGeom prst="straightConnector1">
+            <a:avLst/>
+          </a:prstGeom>
+          <a:ln>
+            <a:tailEnd type="triangle"/>
+          </a:ln>
+        </p:spPr>
+        <p:style>
+          <a:lnRef idx="3">
+            <a:schemeClr val="accent2"/>
+          </a:lnRef>
+          <a:fillRef idx="0">
+            <a:schemeClr val="accent2"/>
+          </a:fillRef>
+          <a:effectRef idx="2">
+            <a:schemeClr val="accent2"/>
+          </a:effectRef>
+          <a:fontRef idx="minor">
+            <a:schemeClr val="tx1"/>
+          </a:fontRef>
+        </p:style>
+      </p:cxnSp>
+      <p:cxnSp>
+        <p:nvCxnSpPr>
+          <p:cNvPr id="7" name="Straight Arrow Connector 6"/>
+          <p:cNvCxnSpPr>
+            <a:cxnSpLocks/>
+          </p:cNvCxnSpPr>
+          <p:nvPr/>
+        </p:nvCxnSpPr>
+        <p:spPr>
+          <a:xfrm>
+            <a:off x="847725" y="1898080"/>
+            <a:ext cx="10468333" cy="0"/>
+          </a:xfrm>
+          <a:prstGeom prst="straightConnector1">
+            <a:avLst/>
+          </a:prstGeom>
+          <a:ln>
+            <a:tailEnd type="triangle"/>
+          </a:ln>
+        </p:spPr>
+        <p:style>
+          <a:lnRef idx="3">
+            <a:schemeClr val="accent1"/>
+          </a:lnRef>
+          <a:fillRef idx="0">
+            <a:schemeClr val="accent1"/>
+          </a:fillRef>
+          <a:effectRef idx="2">
+            <a:schemeClr val="accent1"/>
+          </a:effectRef>
+          <a:fontRef idx="minor">
+            <a:schemeClr val="tx1"/>
+          </a:fontRef>
+        </p:style>
+      </p:cxnSp>
+      <p:cxnSp>
+        <p:nvCxnSpPr>
+          <p:cNvPr id="11" name="Straight Arrow Connector 10"/>
+          <p:cNvCxnSpPr>
+            <a:cxnSpLocks/>
+          </p:cNvCxnSpPr>
+          <p:nvPr/>
+        </p:nvCxnSpPr>
+        <p:spPr>
+          <a:xfrm>
+            <a:off x="828672" y="4461639"/>
+            <a:ext cx="10487028" cy="0"/>
+          </a:xfrm>
+          <a:prstGeom prst="straightConnector1">
+            <a:avLst/>
+          </a:prstGeom>
+          <a:ln>
+            <a:tailEnd type="triangle"/>
+          </a:ln>
+        </p:spPr>
+        <p:style>
+          <a:lnRef idx="3">
+            <a:schemeClr val="accent4"/>
+          </a:lnRef>
+          <a:fillRef idx="0">
+            <a:schemeClr val="accent4"/>
+          </a:fillRef>
+          <a:effectRef idx="2">
+            <a:schemeClr val="accent4"/>
+          </a:effectRef>
+          <a:fontRef idx="minor">
+            <a:schemeClr val="tx1"/>
+          </a:fontRef>
+        </p:style>
+      </p:cxnSp>
+      <p:sp>
+        <p:nvSpPr>
+          <p:cNvPr id="12" name="TextBox 11"/>
+          <p:cNvSpPr txBox="1"/>
+          <p:nvPr/>
+        </p:nvSpPr>
+        <p:spPr>
+          <a:xfrm>
+            <a:off x="65933" y="5150386"/>
+            <a:ext cx="483083" cy="268517"/>
+          </a:xfrm>
+          <a:prstGeom prst="rect">
+            <a:avLst/>
+          </a:prstGeom>
+          <a:solidFill>
+            <a:schemeClr val="tx1"/>
+          </a:solidFill>
+          <a:ln>
+            <a:solidFill>
+              <a:schemeClr val="accent1"/>
+            </a:solidFill>
+          </a:ln>
+        </p:spPr>
+        <p:txBody>
+          <a:bodyPr wrap="square" lIns="36000" tIns="72000" rIns="0" bIns="72000" rtlCol="0">
+            <a:spAutoFit/>
+          </a:bodyPr>
+          <a:lstStyle/>
+          <a:p>
+            <a:r>
+              <a:rPr lang="fr-FR" sz="800" dirty="0" err="1">
+                <a:solidFill>
+                  <a:schemeClr val="accent4">
+                    <a:lumMod val="75000"/>
+                  </a:schemeClr>
+                </a:solidFill>
+              </a:rPr>
+              <a:t>Features</a:t>
+            </a:r>
+            <a:endParaRPr lang="fr-FR" sz="800" dirty="0">
+              <a:solidFill>
+                <a:schemeClr val="accent4">
+                  <a:lumMod val="75000"/>
+                </a:schemeClr>
+              </a:solidFill>
+            </a:endParaRPr>
+          </a:p>
+        </p:txBody>
+      </p:sp>
+      <p:cxnSp>
+        <p:nvCxnSpPr>
+          <p:cNvPr id="13" name="Straight Arrow Connector 12"/>
+          <p:cNvCxnSpPr>
+            <a:cxnSpLocks/>
+          </p:cNvCxnSpPr>
+          <p:nvPr/>
+        </p:nvCxnSpPr>
+        <p:spPr>
+          <a:xfrm>
+            <a:off x="828672" y="5258108"/>
+            <a:ext cx="10487028" cy="0"/>
+          </a:xfrm>
+          <a:prstGeom prst="straightConnector1">
+            <a:avLst/>
+          </a:prstGeom>
+          <a:ln>
+            <a:tailEnd type="triangle"/>
+          </a:ln>
+        </p:spPr>
+        <p:style>
+          <a:lnRef idx="3">
+            <a:schemeClr val="accent4"/>
+          </a:lnRef>
+          <a:fillRef idx="0">
+            <a:schemeClr val="accent4"/>
+          </a:fillRef>
+          <a:effectRef idx="2">
+            <a:schemeClr val="accent4"/>
+          </a:effectRef>
+          <a:fontRef idx="minor">
+            <a:schemeClr val="tx1"/>
+          </a:fontRef>
+        </p:style>
+      </p:cxnSp>
+      <p:cxnSp>
+        <p:nvCxnSpPr>
+          <p:cNvPr id="17" name="Straight Arrow Connector 16"/>
+          <p:cNvCxnSpPr>
+            <a:cxnSpLocks/>
+          </p:cNvCxnSpPr>
+          <p:nvPr/>
+        </p:nvCxnSpPr>
+        <p:spPr>
+          <a:xfrm>
+            <a:off x="828672" y="6077258"/>
+            <a:ext cx="10487028" cy="0"/>
+          </a:xfrm>
+          <a:prstGeom prst="straightConnector1">
+            <a:avLst/>
+          </a:prstGeom>
+          <a:ln>
+            <a:tailEnd type="triangle"/>
+          </a:ln>
+        </p:spPr>
+        <p:style>
+          <a:lnRef idx="3">
+            <a:schemeClr val="accent4"/>
+          </a:lnRef>
+          <a:fillRef idx="0">
+            <a:schemeClr val="accent4"/>
+          </a:fillRef>
+          <a:effectRef idx="2">
+            <a:schemeClr val="accent4"/>
+          </a:effectRef>
+          <a:fontRef idx="minor">
+            <a:schemeClr val="tx1"/>
+          </a:fontRef>
+        </p:style>
+      </p:cxnSp>
+      <p:sp>
+        <p:nvSpPr>
+          <p:cNvPr id="19" name="Left Brace 18"/>
+          <p:cNvSpPr/>
+          <p:nvPr/>
+        </p:nvSpPr>
+        <p:spPr>
+          <a:xfrm>
+            <a:off x="609597" y="4461639"/>
+            <a:ext cx="142875" cy="1615619"/>
+          </a:xfrm>
+          <a:prstGeom prst="leftBrace">
+            <a:avLst/>
+          </a:prstGeom>
+        </p:spPr>
+        <p:style>
+          <a:lnRef idx="3">
+            <a:schemeClr val="accent4"/>
+          </a:lnRef>
+          <a:fillRef idx="0">
+            <a:schemeClr val="accent4"/>
+          </a:fillRef>
+          <a:effectRef idx="2">
+            <a:schemeClr val="accent4"/>
+          </a:effectRef>
+          <a:fontRef idx="minor">
+            <a:schemeClr val="tx1"/>
+          </a:fontRef>
+        </p:style>
+        <p:txBody>
+          <a:bodyPr rtlCol="0" anchor="ctr"/>
+          <a:lstStyle/>
+          <a:p>
+            <a:pPr algn="ctr"/>
+            <a:endParaRPr lang="fr-FR"/>
+          </a:p>
+        </p:txBody>
+      </p:sp>
+      <p:sp>
+        <p:nvSpPr>
+          <p:cNvPr id="20" name="Oval 19"/>
+          <p:cNvSpPr/>
+          <p:nvPr/>
+        </p:nvSpPr>
+        <p:spPr>
+          <a:xfrm>
+            <a:off x="1401344" y="1017359"/>
+            <a:ext cx="161925" cy="161925"/>
+          </a:xfrm>
+          <a:prstGeom prst="ellipse">
+            <a:avLst/>
+          </a:prstGeom>
+        </p:spPr>
+        <p:style>
+          <a:lnRef idx="2">
+            <a:schemeClr val="accent2">
+              <a:shade val="50000"/>
+            </a:schemeClr>
+          </a:lnRef>
+          <a:fillRef idx="1">
+            <a:schemeClr val="accent2"/>
+          </a:fillRef>
+          <a:effectRef idx="0">
+            <a:schemeClr val="accent2"/>
+          </a:effectRef>
+          <a:fontRef idx="minor">
+            <a:schemeClr val="lt1"/>
+          </a:fontRef>
+        </p:style>
+        <p:txBody>
+          <a:bodyPr rtlCol="0" anchor="ctr"/>
+          <a:lstStyle/>
+          <a:p>
+            <a:pPr algn="ctr"/>
+            <a:endParaRPr lang="fr-FR"/>
+          </a:p>
+        </p:txBody>
+      </p:sp>
+      <p:sp>
+        <p:nvSpPr>
+          <p:cNvPr id="21" name="Oval 20"/>
+          <p:cNvSpPr/>
+          <p:nvPr/>
+        </p:nvSpPr>
+        <p:spPr>
+          <a:xfrm>
+            <a:off x="1401344" y="1806462"/>
+            <a:ext cx="161925" cy="161925"/>
+          </a:xfrm>
+          <a:prstGeom prst="ellipse">
+            <a:avLst/>
+          </a:prstGeom>
+        </p:spPr>
+        <p:style>
+          <a:lnRef idx="2">
+            <a:schemeClr val="accent1">
+              <a:shade val="50000"/>
+            </a:schemeClr>
+          </a:lnRef>
+          <a:fillRef idx="1">
+            <a:schemeClr val="accent1"/>
+          </a:fillRef>
+          <a:effectRef idx="0">
+            <a:schemeClr val="accent1"/>
+          </a:effectRef>
+          <a:fontRef idx="minor">
+            <a:schemeClr val="lt1"/>
+          </a:fontRef>
+        </p:style>
+        <p:txBody>
+          <a:bodyPr rtlCol="0" anchor="ctr"/>
+          <a:lstStyle/>
+          <a:p>
+            <a:pPr algn="ctr"/>
+            <a:endParaRPr lang="fr-FR"/>
+          </a:p>
+        </p:txBody>
+      </p:sp>
+      <p:sp>
+        <p:nvSpPr>
+          <p:cNvPr id="22" name="Oval 21"/>
+          <p:cNvSpPr/>
+          <p:nvPr/>
+        </p:nvSpPr>
+        <p:spPr>
+          <a:xfrm>
+            <a:off x="1409697" y="4376599"/>
+            <a:ext cx="161925" cy="161925"/>
+          </a:xfrm>
+          <a:prstGeom prst="ellipse">
+            <a:avLst/>
+          </a:prstGeom>
+        </p:spPr>
+        <p:style>
+          <a:lnRef idx="2">
+            <a:schemeClr val="accent4">
+              <a:shade val="50000"/>
+            </a:schemeClr>
+          </a:lnRef>
+          <a:fillRef idx="1">
+            <a:schemeClr val="accent4"/>
+          </a:fillRef>
+          <a:effectRef idx="0">
+            <a:schemeClr val="accent4"/>
+          </a:effectRef>
+          <a:fontRef idx="minor">
+            <a:schemeClr val="lt1"/>
+          </a:fontRef>
+        </p:style>
+        <p:txBody>
+          <a:bodyPr rtlCol="0" anchor="ctr"/>
+          <a:lstStyle/>
+          <a:p>
+            <a:pPr algn="ctr"/>
+            <a:endParaRPr lang="fr-FR"/>
+          </a:p>
+        </p:txBody>
+      </p:sp>
+      <p:sp>
+        <p:nvSpPr>
+          <p:cNvPr id="23" name="Oval 22"/>
+          <p:cNvSpPr/>
+          <p:nvPr/>
+        </p:nvSpPr>
+        <p:spPr>
+          <a:xfrm>
+            <a:off x="1647822" y="4384756"/>
+            <a:ext cx="161925" cy="161925"/>
+          </a:xfrm>
+          <a:prstGeom prst="ellipse">
+            <a:avLst/>
+          </a:prstGeom>
+        </p:spPr>
+        <p:style>
+          <a:lnRef idx="2">
+            <a:schemeClr val="accent4">
+              <a:shade val="50000"/>
+            </a:schemeClr>
+          </a:lnRef>
+          <a:fillRef idx="1">
+            <a:schemeClr val="accent4"/>
+          </a:fillRef>
+          <a:effectRef idx="0">
+            <a:schemeClr val="accent4"/>
+          </a:effectRef>
+          <a:fontRef idx="minor">
+            <a:schemeClr val="lt1"/>
+          </a:fontRef>
+        </p:style>
+        <p:txBody>
+          <a:bodyPr rtlCol="0" anchor="ctr"/>
+          <a:lstStyle/>
+          <a:p>
+            <a:pPr algn="ctr"/>
+            <a:endParaRPr lang="fr-FR"/>
+          </a:p>
+        </p:txBody>
+      </p:sp>
+      <p:sp>
+        <p:nvSpPr>
+          <p:cNvPr id="24" name="Oval 23"/>
+          <p:cNvSpPr/>
+          <p:nvPr/>
+        </p:nvSpPr>
+        <p:spPr>
+          <a:xfrm>
+            <a:off x="2305047" y="4375231"/>
+            <a:ext cx="161925" cy="161925"/>
+          </a:xfrm>
+          <a:prstGeom prst="ellipse">
+            <a:avLst/>
+          </a:prstGeom>
+        </p:spPr>
+        <p:style>
+          <a:lnRef idx="2">
+            <a:schemeClr val="accent4">
+              <a:shade val="50000"/>
+            </a:schemeClr>
+          </a:lnRef>
+          <a:fillRef idx="1">
+            <a:schemeClr val="accent4"/>
+          </a:fillRef>
+          <a:effectRef idx="0">
+            <a:schemeClr val="accent4"/>
+          </a:effectRef>
+          <a:fontRef idx="minor">
+            <a:schemeClr val="lt1"/>
+          </a:fontRef>
+        </p:style>
+        <p:txBody>
+          <a:bodyPr rtlCol="0" anchor="ctr"/>
+          <a:lstStyle/>
+          <a:p>
+            <a:pPr algn="ctr"/>
+            <a:endParaRPr lang="fr-FR"/>
+          </a:p>
+        </p:txBody>
+      </p:sp>
+      <p:sp>
+        <p:nvSpPr>
+          <p:cNvPr id="25" name="Oval 24"/>
+          <p:cNvSpPr/>
+          <p:nvPr/>
+        </p:nvSpPr>
+        <p:spPr>
+          <a:xfrm>
+            <a:off x="2624134" y="4384756"/>
+            <a:ext cx="161925" cy="161925"/>
+          </a:xfrm>
+          <a:prstGeom prst="ellipse">
+            <a:avLst/>
+          </a:prstGeom>
+        </p:spPr>
+        <p:style>
+          <a:lnRef idx="2">
+            <a:schemeClr val="accent4">
+              <a:shade val="50000"/>
+            </a:schemeClr>
+          </a:lnRef>
+          <a:fillRef idx="1">
+            <a:schemeClr val="accent4"/>
+          </a:fillRef>
+          <a:effectRef idx="0">
+            <a:schemeClr val="accent4"/>
+          </a:effectRef>
+          <a:fontRef idx="minor">
+            <a:schemeClr val="lt1"/>
+          </a:fontRef>
+        </p:style>
+        <p:txBody>
+          <a:bodyPr rtlCol="0" anchor="ctr"/>
+          <a:lstStyle/>
+          <a:p>
+            <a:pPr algn="ctr"/>
+            <a:endParaRPr lang="fr-FR"/>
+          </a:p>
+        </p:txBody>
+      </p:sp>
+      <p:sp>
+        <p:nvSpPr>
+          <p:cNvPr id="26" name="Oval 25"/>
+          <p:cNvSpPr/>
+          <p:nvPr/>
+        </p:nvSpPr>
+        <p:spPr>
+          <a:xfrm>
+            <a:off x="3382422" y="4375231"/>
+            <a:ext cx="161925" cy="161925"/>
+          </a:xfrm>
+          <a:prstGeom prst="ellipse">
+            <a:avLst/>
+          </a:prstGeom>
+        </p:spPr>
+        <p:style>
+          <a:lnRef idx="2">
+            <a:schemeClr val="accent4">
+              <a:shade val="50000"/>
+            </a:schemeClr>
+          </a:lnRef>
+          <a:fillRef idx="1">
+            <a:schemeClr val="accent4"/>
+          </a:fillRef>
+          <a:effectRef idx="0">
+            <a:schemeClr val="accent4"/>
+          </a:effectRef>
+          <a:fontRef idx="minor">
+            <a:schemeClr val="lt1"/>
+          </a:fontRef>
+        </p:style>
+        <p:txBody>
+          <a:bodyPr rtlCol="0" anchor="ctr"/>
+          <a:lstStyle/>
+          <a:p>
+            <a:pPr algn="ctr"/>
+            <a:endParaRPr lang="fr-FR"/>
+          </a:p>
+        </p:txBody>
+      </p:sp>
+      <p:sp>
+        <p:nvSpPr>
+          <p:cNvPr id="27" name="Oval 26"/>
+          <p:cNvSpPr/>
+          <p:nvPr/>
+        </p:nvSpPr>
+        <p:spPr>
+          <a:xfrm>
+            <a:off x="1700212" y="1806462"/>
+            <a:ext cx="161925" cy="161925"/>
+          </a:xfrm>
+          <a:prstGeom prst="ellipse">
+            <a:avLst/>
+          </a:prstGeom>
+        </p:spPr>
+        <p:style>
+          <a:lnRef idx="2">
+            <a:schemeClr val="accent1">
+              <a:shade val="50000"/>
+            </a:schemeClr>
+          </a:lnRef>
+          <a:fillRef idx="1">
+            <a:schemeClr val="accent1"/>
+          </a:fillRef>
+          <a:effectRef idx="0">
+            <a:schemeClr val="accent1"/>
+          </a:effectRef>
+          <a:fontRef idx="minor">
+            <a:schemeClr val="lt1"/>
+          </a:fontRef>
+        </p:style>
+        <p:txBody>
+          <a:bodyPr rtlCol="0" anchor="ctr"/>
+          <a:lstStyle/>
+          <a:p>
+            <a:pPr algn="ctr"/>
+            <a:endParaRPr lang="fr-FR"/>
+          </a:p>
+        </p:txBody>
+      </p:sp>
+      <p:sp>
+        <p:nvSpPr>
+          <p:cNvPr id="29" name="Oval 28"/>
+          <p:cNvSpPr/>
+          <p:nvPr/>
+        </p:nvSpPr>
+        <p:spPr>
+          <a:xfrm>
+            <a:off x="2752724" y="1806462"/>
+            <a:ext cx="161925" cy="161925"/>
+          </a:xfrm>
+          <a:prstGeom prst="ellipse">
+            <a:avLst/>
+          </a:prstGeom>
+        </p:spPr>
+        <p:style>
+          <a:lnRef idx="2">
+            <a:schemeClr val="accent1">
+              <a:shade val="50000"/>
+            </a:schemeClr>
+          </a:lnRef>
+          <a:fillRef idx="1">
+            <a:schemeClr val="accent1"/>
+          </a:fillRef>
+          <a:effectRef idx="0">
+            <a:schemeClr val="accent1"/>
+          </a:effectRef>
+          <a:fontRef idx="minor">
+            <a:schemeClr val="lt1"/>
+          </a:fontRef>
+        </p:style>
+        <p:txBody>
+          <a:bodyPr rtlCol="0" anchor="ctr"/>
+          <a:lstStyle/>
+          <a:p>
+            <a:pPr algn="ctr"/>
+            <a:endParaRPr lang="fr-FR"/>
+          </a:p>
+        </p:txBody>
+      </p:sp>
+      <p:sp>
+        <p:nvSpPr>
+          <p:cNvPr id="30" name="Oval 29"/>
+          <p:cNvSpPr/>
+          <p:nvPr/>
+        </p:nvSpPr>
+        <p:spPr>
+          <a:xfrm>
+            <a:off x="3643311" y="1817116"/>
+            <a:ext cx="161925" cy="161925"/>
+          </a:xfrm>
+          <a:prstGeom prst="ellipse">
+            <a:avLst/>
+          </a:prstGeom>
+        </p:spPr>
+        <p:style>
+          <a:lnRef idx="2">
+            <a:schemeClr val="accent1">
+              <a:shade val="50000"/>
+            </a:schemeClr>
+          </a:lnRef>
+          <a:fillRef idx="1">
+            <a:schemeClr val="accent1"/>
+          </a:fillRef>
+          <a:effectRef idx="0">
+            <a:schemeClr val="accent1"/>
+          </a:effectRef>
+          <a:fontRef idx="minor">
+            <a:schemeClr val="lt1"/>
+          </a:fontRef>
+        </p:style>
+        <p:txBody>
+          <a:bodyPr rtlCol="0" anchor="ctr"/>
+          <a:lstStyle/>
+          <a:p>
+            <a:pPr algn="ctr"/>
+            <a:endParaRPr lang="fr-FR"/>
+          </a:p>
+        </p:txBody>
+      </p:sp>
+      <p:sp>
+        <p:nvSpPr>
+          <p:cNvPr id="31" name="Oval 30"/>
+          <p:cNvSpPr/>
+          <p:nvPr/>
+        </p:nvSpPr>
+        <p:spPr>
+          <a:xfrm>
+            <a:off x="3967161" y="1817116"/>
+            <a:ext cx="161925" cy="161925"/>
+          </a:xfrm>
+          <a:prstGeom prst="ellipse">
+            <a:avLst/>
+          </a:prstGeom>
+        </p:spPr>
+        <p:style>
+          <a:lnRef idx="2">
+            <a:schemeClr val="accent1">
+              <a:shade val="50000"/>
+            </a:schemeClr>
+          </a:lnRef>
+          <a:fillRef idx="1">
+            <a:schemeClr val="accent1"/>
+          </a:fillRef>
+          <a:effectRef idx="0">
+            <a:schemeClr val="accent1"/>
+          </a:effectRef>
+          <a:fontRef idx="minor">
+            <a:schemeClr val="lt1"/>
+          </a:fontRef>
+        </p:style>
+        <p:txBody>
+          <a:bodyPr rtlCol="0" anchor="ctr"/>
+          <a:lstStyle/>
+          <a:p>
+            <a:pPr algn="ctr"/>
+            <a:endParaRPr lang="fr-FR"/>
+          </a:p>
+        </p:txBody>
+      </p:sp>
+      <p:sp>
+        <p:nvSpPr>
+          <p:cNvPr id="32" name="Oval 31"/>
+          <p:cNvSpPr/>
+          <p:nvPr/>
+        </p:nvSpPr>
+        <p:spPr>
+          <a:xfrm>
+            <a:off x="4352922" y="1817116"/>
+            <a:ext cx="161925" cy="161925"/>
+          </a:xfrm>
+          <a:prstGeom prst="ellipse">
+            <a:avLst/>
+          </a:prstGeom>
+        </p:spPr>
+        <p:style>
+          <a:lnRef idx="2">
+            <a:schemeClr val="accent1">
+              <a:shade val="50000"/>
+            </a:schemeClr>
+          </a:lnRef>
+          <a:fillRef idx="1">
+            <a:schemeClr val="accent1"/>
+          </a:fillRef>
+          <a:effectRef idx="0">
+            <a:schemeClr val="accent1"/>
+          </a:effectRef>
+          <a:fontRef idx="minor">
+            <a:schemeClr val="lt1"/>
+          </a:fontRef>
+        </p:style>
+        <p:txBody>
+          <a:bodyPr rtlCol="0" anchor="ctr"/>
+          <a:lstStyle/>
+          <a:p>
+            <a:pPr algn="ctr"/>
+            <a:endParaRPr lang="fr-FR"/>
+          </a:p>
+        </p:txBody>
+      </p:sp>
+      <p:sp>
+        <p:nvSpPr>
+          <p:cNvPr id="33" name="Oval 32"/>
+          <p:cNvSpPr/>
+          <p:nvPr/>
+        </p:nvSpPr>
+        <p:spPr>
+          <a:xfrm>
+            <a:off x="5124447" y="1806906"/>
+            <a:ext cx="161925" cy="161925"/>
+          </a:xfrm>
+          <a:prstGeom prst="ellipse">
+            <a:avLst/>
+          </a:prstGeom>
+        </p:spPr>
+        <p:style>
+          <a:lnRef idx="2">
+            <a:schemeClr val="accent1">
+              <a:shade val="50000"/>
+            </a:schemeClr>
+          </a:lnRef>
+          <a:fillRef idx="1">
+            <a:schemeClr val="accent1"/>
+          </a:fillRef>
+          <a:effectRef idx="0">
+            <a:schemeClr val="accent1"/>
+          </a:effectRef>
+          <a:fontRef idx="minor">
+            <a:schemeClr val="lt1"/>
+          </a:fontRef>
+        </p:style>
+        <p:txBody>
+          <a:bodyPr rtlCol="0" anchor="ctr"/>
+          <a:lstStyle/>
+          <a:p>
+            <a:pPr algn="ctr"/>
+            <a:endParaRPr lang="fr-FR"/>
+          </a:p>
+        </p:txBody>
+      </p:sp>
+      <p:sp>
+        <p:nvSpPr>
+          <p:cNvPr id="34" name="Oval 33"/>
+          <p:cNvSpPr/>
+          <p:nvPr/>
+        </p:nvSpPr>
+        <p:spPr>
+          <a:xfrm>
+            <a:off x="5624513" y="1817115"/>
+            <a:ext cx="161925" cy="161925"/>
+          </a:xfrm>
+          <a:prstGeom prst="ellipse">
+            <a:avLst/>
+          </a:prstGeom>
+        </p:spPr>
+        <p:style>
+          <a:lnRef idx="2">
+            <a:schemeClr val="accent1">
+              <a:shade val="50000"/>
+            </a:schemeClr>
+          </a:lnRef>
+          <a:fillRef idx="1">
+            <a:schemeClr val="accent1"/>
+          </a:fillRef>
+          <a:effectRef idx="0">
+            <a:schemeClr val="accent1"/>
+          </a:effectRef>
+          <a:fontRef idx="minor">
+            <a:schemeClr val="lt1"/>
+          </a:fontRef>
+        </p:style>
+        <p:txBody>
+          <a:bodyPr rtlCol="0" anchor="ctr"/>
+          <a:lstStyle/>
+          <a:p>
+            <a:pPr algn="ctr"/>
+            <a:endParaRPr lang="fr-FR"/>
+          </a:p>
+        </p:txBody>
+      </p:sp>
+      <p:sp>
+        <p:nvSpPr>
+          <p:cNvPr id="35" name="Oval 34"/>
+          <p:cNvSpPr/>
+          <p:nvPr/>
+        </p:nvSpPr>
+        <p:spPr>
+          <a:xfrm>
+            <a:off x="6477000" y="1817115"/>
+            <a:ext cx="161925" cy="161925"/>
+          </a:xfrm>
+          <a:prstGeom prst="ellipse">
+            <a:avLst/>
+          </a:prstGeom>
+        </p:spPr>
+        <p:style>
+          <a:lnRef idx="2">
+            <a:schemeClr val="accent1">
+              <a:shade val="50000"/>
+            </a:schemeClr>
+          </a:lnRef>
+          <a:fillRef idx="1">
+            <a:schemeClr val="accent1"/>
+          </a:fillRef>
+          <a:effectRef idx="0">
+            <a:schemeClr val="accent1"/>
+          </a:effectRef>
+          <a:fontRef idx="minor">
+            <a:schemeClr val="lt1"/>
+          </a:fontRef>
+        </p:style>
+        <p:txBody>
+          <a:bodyPr rtlCol="0" anchor="ctr"/>
+          <a:lstStyle/>
+          <a:p>
+            <a:pPr algn="ctr"/>
+            <a:endParaRPr lang="fr-FR"/>
+          </a:p>
+        </p:txBody>
+      </p:sp>
+      <p:sp>
+        <p:nvSpPr>
+          <p:cNvPr id="36" name="Oval 35"/>
+          <p:cNvSpPr/>
+          <p:nvPr/>
+        </p:nvSpPr>
+        <p:spPr>
+          <a:xfrm>
+            <a:off x="2133592" y="5175781"/>
+            <a:ext cx="161925" cy="161925"/>
+          </a:xfrm>
+          <a:prstGeom prst="ellipse">
+            <a:avLst/>
+          </a:prstGeom>
+        </p:spPr>
+        <p:style>
+          <a:lnRef idx="2">
+            <a:schemeClr val="accent4">
+              <a:shade val="50000"/>
+            </a:schemeClr>
+          </a:lnRef>
+          <a:fillRef idx="1">
+            <a:schemeClr val="accent4"/>
+          </a:fillRef>
+          <a:effectRef idx="0">
+            <a:schemeClr val="accent4"/>
+          </a:effectRef>
+          <a:fontRef idx="minor">
+            <a:schemeClr val="lt1"/>
+          </a:fontRef>
+        </p:style>
+        <p:txBody>
+          <a:bodyPr rtlCol="0" anchor="ctr"/>
+          <a:lstStyle/>
+          <a:p>
+            <a:pPr algn="ctr"/>
+            <a:endParaRPr lang="fr-FR"/>
+          </a:p>
+        </p:txBody>
+      </p:sp>
+      <p:sp>
+        <p:nvSpPr>
+          <p:cNvPr id="37" name="Oval 36"/>
+          <p:cNvSpPr/>
+          <p:nvPr/>
+        </p:nvSpPr>
+        <p:spPr>
+          <a:xfrm>
+            <a:off x="3128958" y="5175781"/>
+            <a:ext cx="161925" cy="161925"/>
+          </a:xfrm>
+          <a:prstGeom prst="ellipse">
+            <a:avLst/>
+          </a:prstGeom>
+        </p:spPr>
+        <p:style>
+          <a:lnRef idx="2">
+            <a:schemeClr val="accent4">
+              <a:shade val="50000"/>
+            </a:schemeClr>
+          </a:lnRef>
+          <a:fillRef idx="1">
+            <a:schemeClr val="accent4"/>
+          </a:fillRef>
+          <a:effectRef idx="0">
+            <a:schemeClr val="accent4"/>
+          </a:effectRef>
+          <a:fontRef idx="minor">
+            <a:schemeClr val="lt1"/>
+          </a:fontRef>
+        </p:style>
+        <p:txBody>
+          <a:bodyPr rtlCol="0" anchor="ctr"/>
+          <a:lstStyle/>
+          <a:p>
+            <a:pPr algn="ctr"/>
+            <a:endParaRPr lang="fr-FR"/>
+          </a:p>
+        </p:txBody>
+      </p:sp>
+      <p:sp>
+        <p:nvSpPr>
+          <p:cNvPr id="38" name="Oval 37"/>
+          <p:cNvSpPr/>
+          <p:nvPr/>
+        </p:nvSpPr>
+        <p:spPr>
+          <a:xfrm>
+            <a:off x="3633782" y="5187358"/>
+            <a:ext cx="161925" cy="161925"/>
+          </a:xfrm>
+          <a:prstGeom prst="ellipse">
+            <a:avLst/>
+          </a:prstGeom>
+        </p:spPr>
+        <p:style>
+          <a:lnRef idx="2">
+            <a:schemeClr val="accent4">
+              <a:shade val="50000"/>
+            </a:schemeClr>
+          </a:lnRef>
+          <a:fillRef idx="1">
+            <a:schemeClr val="accent4"/>
+          </a:fillRef>
+          <a:effectRef idx="0">
+            <a:schemeClr val="accent4"/>
+          </a:effectRef>
+          <a:fontRef idx="minor">
+            <a:schemeClr val="lt1"/>
+          </a:fontRef>
+        </p:style>
+        <p:txBody>
+          <a:bodyPr rtlCol="0" anchor="ctr"/>
+          <a:lstStyle/>
+          <a:p>
+            <a:pPr algn="ctr"/>
+            <a:endParaRPr lang="fr-FR"/>
+          </a:p>
+        </p:txBody>
+      </p:sp>
+      <p:sp>
+        <p:nvSpPr>
+          <p:cNvPr id="39" name="Oval 38"/>
+          <p:cNvSpPr/>
+          <p:nvPr/>
+        </p:nvSpPr>
+        <p:spPr>
+          <a:xfrm>
+            <a:off x="3986206" y="5175781"/>
+            <a:ext cx="161925" cy="161925"/>
+          </a:xfrm>
+          <a:prstGeom prst="ellipse">
+            <a:avLst/>
+          </a:prstGeom>
+        </p:spPr>
+        <p:style>
+          <a:lnRef idx="2">
+            <a:schemeClr val="accent4">
+              <a:shade val="50000"/>
+            </a:schemeClr>
+          </a:lnRef>
+          <a:fillRef idx="1">
+            <a:schemeClr val="accent4"/>
+          </a:fillRef>
+          <a:effectRef idx="0">
+            <a:schemeClr val="accent4"/>
+          </a:effectRef>
+          <a:fontRef idx="minor">
+            <a:schemeClr val="lt1"/>
+          </a:fontRef>
+        </p:style>
+        <p:txBody>
+          <a:bodyPr rtlCol="0" anchor="ctr"/>
+          <a:lstStyle/>
+          <a:p>
+            <a:pPr algn="ctr"/>
+            <a:endParaRPr lang="fr-FR"/>
+          </a:p>
+        </p:txBody>
+      </p:sp>
+      <p:sp>
+        <p:nvSpPr>
+          <p:cNvPr id="40" name="Oval 39"/>
+          <p:cNvSpPr/>
+          <p:nvPr/>
+        </p:nvSpPr>
+        <p:spPr>
+          <a:xfrm>
+            <a:off x="4491030" y="5187357"/>
+            <a:ext cx="161925" cy="161925"/>
+          </a:xfrm>
+          <a:prstGeom prst="ellipse">
+            <a:avLst/>
+          </a:prstGeom>
+        </p:spPr>
+        <p:style>
+          <a:lnRef idx="2">
+            <a:schemeClr val="accent4">
+              <a:shade val="50000"/>
+            </a:schemeClr>
+          </a:lnRef>
+          <a:fillRef idx="1">
+            <a:schemeClr val="accent4"/>
+          </a:fillRef>
+          <a:effectRef idx="0">
+            <a:schemeClr val="accent4"/>
+          </a:effectRef>
+          <a:fontRef idx="minor">
+            <a:schemeClr val="lt1"/>
+          </a:fontRef>
+        </p:style>
+        <p:txBody>
+          <a:bodyPr rtlCol="0" anchor="ctr"/>
+          <a:lstStyle/>
+          <a:p>
+            <a:pPr algn="ctr"/>
+            <a:endParaRPr lang="fr-FR"/>
+          </a:p>
+        </p:txBody>
+      </p:sp>
+      <p:sp>
+        <p:nvSpPr>
+          <p:cNvPr id="41" name="Oval 40"/>
+          <p:cNvSpPr/>
+          <p:nvPr/>
+        </p:nvSpPr>
+        <p:spPr>
+          <a:xfrm>
+            <a:off x="5186356" y="5175781"/>
+            <a:ext cx="161925" cy="161925"/>
+          </a:xfrm>
+          <a:prstGeom prst="ellipse">
+            <a:avLst/>
+          </a:prstGeom>
+        </p:spPr>
+        <p:style>
+          <a:lnRef idx="2">
+            <a:schemeClr val="accent4">
+              <a:shade val="50000"/>
+            </a:schemeClr>
+          </a:lnRef>
+          <a:fillRef idx="1">
+            <a:schemeClr val="accent4"/>
+          </a:fillRef>
+          <a:effectRef idx="0">
+            <a:schemeClr val="accent4"/>
+          </a:effectRef>
+          <a:fontRef idx="minor">
+            <a:schemeClr val="lt1"/>
+          </a:fontRef>
+        </p:style>
+        <p:txBody>
+          <a:bodyPr rtlCol="0" anchor="ctr"/>
+          <a:lstStyle/>
+          <a:p>
+            <a:pPr algn="ctr"/>
+            <a:endParaRPr lang="fr-FR"/>
+          </a:p>
+        </p:txBody>
+      </p:sp>
+      <p:sp>
+        <p:nvSpPr>
+          <p:cNvPr id="42" name="Oval 41"/>
+          <p:cNvSpPr/>
+          <p:nvPr/>
+        </p:nvSpPr>
+        <p:spPr>
+          <a:xfrm>
+            <a:off x="6176956" y="5173068"/>
+            <a:ext cx="161925" cy="161925"/>
+          </a:xfrm>
+          <a:prstGeom prst="ellipse">
+            <a:avLst/>
+          </a:prstGeom>
+        </p:spPr>
+        <p:style>
+          <a:lnRef idx="2">
+            <a:schemeClr val="accent4">
+              <a:shade val="50000"/>
+            </a:schemeClr>
+          </a:lnRef>
+          <a:fillRef idx="1">
+            <a:schemeClr val="accent4"/>
+          </a:fillRef>
+          <a:effectRef idx="0">
+            <a:schemeClr val="accent4"/>
+          </a:effectRef>
+          <a:fontRef idx="minor">
+            <a:schemeClr val="lt1"/>
+          </a:fontRef>
+        </p:style>
+        <p:txBody>
+          <a:bodyPr rtlCol="0" anchor="ctr"/>
+          <a:lstStyle/>
+          <a:p>
+            <a:pPr algn="ctr"/>
+            <a:endParaRPr lang="fr-FR"/>
+          </a:p>
+        </p:txBody>
+      </p:sp>
+      <p:sp>
+        <p:nvSpPr>
+          <p:cNvPr id="43" name="Oval 42"/>
+          <p:cNvSpPr/>
+          <p:nvPr/>
+        </p:nvSpPr>
+        <p:spPr>
+          <a:xfrm>
+            <a:off x="3109908" y="5996295"/>
+            <a:ext cx="161925" cy="161925"/>
+          </a:xfrm>
+          <a:prstGeom prst="ellipse">
+            <a:avLst/>
+          </a:prstGeom>
+        </p:spPr>
+        <p:style>
+          <a:lnRef idx="2">
+            <a:schemeClr val="accent4">
+              <a:shade val="50000"/>
+            </a:schemeClr>
+          </a:lnRef>
+          <a:fillRef idx="1">
+            <a:schemeClr val="accent4"/>
+          </a:fillRef>
+          <a:effectRef idx="0">
+            <a:schemeClr val="accent4"/>
+          </a:effectRef>
+          <a:fontRef idx="minor">
+            <a:schemeClr val="lt1"/>
+          </a:fontRef>
+        </p:style>
+        <p:txBody>
+          <a:bodyPr rtlCol="0" anchor="ctr"/>
+          <a:lstStyle/>
+          <a:p>
+            <a:pPr algn="ctr"/>
+            <a:endParaRPr lang="fr-FR"/>
+          </a:p>
+        </p:txBody>
+      </p:sp>
+      <p:sp>
+        <p:nvSpPr>
+          <p:cNvPr id="44" name="Oval 43"/>
+          <p:cNvSpPr/>
+          <p:nvPr/>
+        </p:nvSpPr>
+        <p:spPr>
+          <a:xfrm>
+            <a:off x="3543295" y="5996295"/>
+            <a:ext cx="161925" cy="161925"/>
+          </a:xfrm>
+          <a:prstGeom prst="ellipse">
+            <a:avLst/>
+          </a:prstGeom>
+        </p:spPr>
+        <p:style>
+          <a:lnRef idx="2">
+            <a:schemeClr val="accent4">
+              <a:shade val="50000"/>
+            </a:schemeClr>
+          </a:lnRef>
+          <a:fillRef idx="1">
+            <a:schemeClr val="accent4"/>
+          </a:fillRef>
+          <a:effectRef idx="0">
+            <a:schemeClr val="accent4"/>
+          </a:effectRef>
+          <a:fontRef idx="minor">
+            <a:schemeClr val="lt1"/>
+          </a:fontRef>
+        </p:style>
+        <p:txBody>
+          <a:bodyPr rtlCol="0" anchor="ctr"/>
+          <a:lstStyle/>
+          <a:p>
+            <a:pPr algn="ctr"/>
+            <a:endParaRPr lang="fr-FR"/>
+          </a:p>
+        </p:txBody>
+      </p:sp>
+      <p:sp>
+        <p:nvSpPr>
+          <p:cNvPr id="45" name="Oval 44"/>
+          <p:cNvSpPr/>
+          <p:nvPr/>
+        </p:nvSpPr>
+        <p:spPr>
+          <a:xfrm>
+            <a:off x="4124319" y="6001269"/>
+            <a:ext cx="161925" cy="161925"/>
+          </a:xfrm>
+          <a:prstGeom prst="ellipse">
+            <a:avLst/>
+          </a:prstGeom>
+        </p:spPr>
+        <p:style>
+          <a:lnRef idx="2">
+            <a:schemeClr val="accent4">
+              <a:shade val="50000"/>
+            </a:schemeClr>
+          </a:lnRef>
+          <a:fillRef idx="1">
+            <a:schemeClr val="accent4"/>
+          </a:fillRef>
+          <a:effectRef idx="0">
+            <a:schemeClr val="accent4"/>
+          </a:effectRef>
+          <a:fontRef idx="minor">
+            <a:schemeClr val="lt1"/>
+          </a:fontRef>
+        </p:style>
+        <p:txBody>
+          <a:bodyPr rtlCol="0" anchor="ctr"/>
+          <a:lstStyle/>
+          <a:p>
+            <a:pPr algn="ctr"/>
+            <a:endParaRPr lang="fr-FR"/>
+          </a:p>
+        </p:txBody>
+      </p:sp>
+      <p:sp>
+        <p:nvSpPr>
+          <p:cNvPr id="46" name="Oval 45"/>
+          <p:cNvSpPr/>
+          <p:nvPr/>
+        </p:nvSpPr>
+        <p:spPr>
+          <a:xfrm>
+            <a:off x="4705343" y="5991296"/>
+            <a:ext cx="161925" cy="161925"/>
+          </a:xfrm>
+          <a:prstGeom prst="ellipse">
+            <a:avLst/>
+          </a:prstGeom>
+        </p:spPr>
+        <p:style>
+          <a:lnRef idx="2">
+            <a:schemeClr val="accent4">
+              <a:shade val="50000"/>
+            </a:schemeClr>
+          </a:lnRef>
+          <a:fillRef idx="1">
+            <a:schemeClr val="accent4"/>
+          </a:fillRef>
+          <a:effectRef idx="0">
+            <a:schemeClr val="accent4"/>
+          </a:effectRef>
+          <a:fontRef idx="minor">
+            <a:schemeClr val="lt1"/>
+          </a:fontRef>
+        </p:style>
+        <p:txBody>
+          <a:bodyPr rtlCol="0" anchor="ctr"/>
+          <a:lstStyle/>
+          <a:p>
+            <a:pPr algn="ctr"/>
+            <a:endParaRPr lang="fr-FR"/>
+          </a:p>
+        </p:txBody>
+      </p:sp>
+      <p:sp>
+        <p:nvSpPr>
+          <p:cNvPr id="47" name="Oval 46"/>
+          <p:cNvSpPr/>
+          <p:nvPr/>
+        </p:nvSpPr>
+        <p:spPr>
+          <a:xfrm>
+            <a:off x="4943468" y="5991296"/>
+            <a:ext cx="161925" cy="161925"/>
+          </a:xfrm>
+          <a:prstGeom prst="ellipse">
+            <a:avLst/>
+          </a:prstGeom>
+        </p:spPr>
+        <p:style>
+          <a:lnRef idx="2">
+            <a:schemeClr val="accent4">
+              <a:shade val="50000"/>
+            </a:schemeClr>
+          </a:lnRef>
+          <a:fillRef idx="1">
+            <a:schemeClr val="accent4"/>
+          </a:fillRef>
+          <a:effectRef idx="0">
+            <a:schemeClr val="accent4"/>
+          </a:effectRef>
+          <a:fontRef idx="minor">
+            <a:schemeClr val="lt1"/>
+          </a:fontRef>
+        </p:style>
+        <p:txBody>
+          <a:bodyPr rtlCol="0" anchor="ctr"/>
+          <a:lstStyle/>
+          <a:p>
+            <a:pPr algn="ctr"/>
+            <a:endParaRPr lang="fr-FR"/>
+          </a:p>
+        </p:txBody>
+      </p:sp>
+      <p:sp>
+        <p:nvSpPr>
+          <p:cNvPr id="48" name="Oval 47"/>
+          <p:cNvSpPr/>
+          <p:nvPr/>
+        </p:nvSpPr>
+        <p:spPr>
+          <a:xfrm>
+            <a:off x="5991218" y="5991296"/>
+            <a:ext cx="161925" cy="161925"/>
+          </a:xfrm>
+          <a:prstGeom prst="ellipse">
+            <a:avLst/>
+          </a:prstGeom>
+        </p:spPr>
+        <p:style>
+          <a:lnRef idx="2">
+            <a:schemeClr val="accent4">
+              <a:shade val="50000"/>
+            </a:schemeClr>
+          </a:lnRef>
+          <a:fillRef idx="1">
+            <a:schemeClr val="accent4"/>
+          </a:fillRef>
+          <a:effectRef idx="0">
+            <a:schemeClr val="accent4"/>
+          </a:effectRef>
+          <a:fontRef idx="minor">
+            <a:schemeClr val="lt1"/>
+          </a:fontRef>
+        </p:style>
+        <p:txBody>
+          <a:bodyPr rtlCol="0" anchor="ctr"/>
+          <a:lstStyle/>
+          <a:p>
+            <a:pPr algn="ctr"/>
+            <a:endParaRPr lang="fr-FR"/>
+          </a:p>
+        </p:txBody>
+      </p:sp>
+      <p:sp>
+        <p:nvSpPr>
+          <p:cNvPr id="49" name="Oval 48"/>
+          <p:cNvSpPr/>
+          <p:nvPr/>
+        </p:nvSpPr>
+        <p:spPr>
+          <a:xfrm>
+            <a:off x="6457946" y="5991296"/>
+            <a:ext cx="161925" cy="161925"/>
+          </a:xfrm>
+          <a:prstGeom prst="ellipse">
+            <a:avLst/>
+          </a:prstGeom>
+        </p:spPr>
+        <p:style>
+          <a:lnRef idx="2">
+            <a:schemeClr val="accent4">
+              <a:shade val="50000"/>
+            </a:schemeClr>
+          </a:lnRef>
+          <a:fillRef idx="1">
+            <a:schemeClr val="accent4"/>
+          </a:fillRef>
+          <a:effectRef idx="0">
+            <a:schemeClr val="accent4"/>
+          </a:effectRef>
+          <a:fontRef idx="minor">
+            <a:schemeClr val="lt1"/>
+          </a:fontRef>
+        </p:style>
+        <p:txBody>
+          <a:bodyPr rtlCol="0" anchor="ctr"/>
+          <a:lstStyle/>
+          <a:p>
+            <a:pPr algn="ctr"/>
+            <a:endParaRPr lang="fr-FR"/>
+          </a:p>
+        </p:txBody>
+      </p:sp>
+      <p:sp>
+        <p:nvSpPr>
+          <p:cNvPr id="50" name="Oval 49"/>
+          <p:cNvSpPr/>
+          <p:nvPr/>
+        </p:nvSpPr>
+        <p:spPr>
+          <a:xfrm>
+            <a:off x="7496166" y="5991296"/>
+            <a:ext cx="161925" cy="161925"/>
+          </a:xfrm>
+          <a:prstGeom prst="ellipse">
+            <a:avLst/>
+          </a:prstGeom>
+        </p:spPr>
+        <p:style>
+          <a:lnRef idx="2">
+            <a:schemeClr val="accent4">
+              <a:shade val="50000"/>
+            </a:schemeClr>
+          </a:lnRef>
+          <a:fillRef idx="1">
+            <a:schemeClr val="accent4"/>
+          </a:fillRef>
+          <a:effectRef idx="0">
+            <a:schemeClr val="accent4"/>
+          </a:effectRef>
+          <a:fontRef idx="minor">
+            <a:schemeClr val="lt1"/>
+          </a:fontRef>
+        </p:style>
+        <p:txBody>
+          <a:bodyPr rtlCol="0" anchor="ctr"/>
+          <a:lstStyle/>
+          <a:p>
+            <a:pPr algn="ctr"/>
+            <a:endParaRPr lang="fr-FR"/>
+          </a:p>
+        </p:txBody>
+      </p:sp>
+      <p:sp>
+        <p:nvSpPr>
+          <p:cNvPr id="51" name="Oval 50"/>
+          <p:cNvSpPr/>
+          <p:nvPr/>
+        </p:nvSpPr>
+        <p:spPr>
+          <a:xfrm>
+            <a:off x="7829546" y="6000821"/>
+            <a:ext cx="161925" cy="161925"/>
+          </a:xfrm>
+          <a:prstGeom prst="ellipse">
+            <a:avLst/>
+          </a:prstGeom>
+        </p:spPr>
+        <p:style>
+          <a:lnRef idx="2">
+            <a:schemeClr val="accent4">
+              <a:shade val="50000"/>
+            </a:schemeClr>
+          </a:lnRef>
+          <a:fillRef idx="1">
+            <a:schemeClr val="accent4"/>
+          </a:fillRef>
+          <a:effectRef idx="0">
+            <a:schemeClr val="accent4"/>
+          </a:effectRef>
+          <a:fontRef idx="minor">
+            <a:schemeClr val="lt1"/>
+          </a:fontRef>
+        </p:style>
+        <p:txBody>
+          <a:bodyPr rtlCol="0" anchor="ctr"/>
+          <a:lstStyle/>
+          <a:p>
+            <a:pPr algn="ctr"/>
+            <a:endParaRPr lang="fr-FR"/>
+          </a:p>
+        </p:txBody>
+      </p:sp>
+      <p:sp>
+        <p:nvSpPr>
+          <p:cNvPr id="52" name="Oval 51"/>
+          <p:cNvSpPr/>
+          <p:nvPr/>
+        </p:nvSpPr>
+        <p:spPr>
+          <a:xfrm>
+            <a:off x="8667744" y="6000821"/>
+            <a:ext cx="161925" cy="161925"/>
+          </a:xfrm>
+          <a:prstGeom prst="ellipse">
+            <a:avLst/>
+          </a:prstGeom>
+        </p:spPr>
+        <p:style>
+          <a:lnRef idx="2">
+            <a:schemeClr val="accent4">
+              <a:shade val="50000"/>
+            </a:schemeClr>
+          </a:lnRef>
+          <a:fillRef idx="1">
+            <a:schemeClr val="accent4"/>
+          </a:fillRef>
+          <a:effectRef idx="0">
+            <a:schemeClr val="accent4"/>
+          </a:effectRef>
+          <a:fontRef idx="minor">
+            <a:schemeClr val="lt1"/>
+          </a:fontRef>
+        </p:style>
+        <p:txBody>
+          <a:bodyPr rtlCol="0" anchor="ctr"/>
+          <a:lstStyle/>
+          <a:p>
+            <a:pPr algn="ctr"/>
+            <a:endParaRPr lang="fr-FR"/>
+          </a:p>
+        </p:txBody>
+      </p:sp>
+      <p:sp>
+        <p:nvSpPr>
+          <p:cNvPr id="57" name="Oval 56"/>
+          <p:cNvSpPr/>
+          <p:nvPr/>
+        </p:nvSpPr>
+        <p:spPr>
+          <a:xfrm>
+            <a:off x="6805608" y="1817115"/>
+            <a:ext cx="161925" cy="161925"/>
+          </a:xfrm>
+          <a:prstGeom prst="ellipse">
+            <a:avLst/>
+          </a:prstGeom>
+        </p:spPr>
+        <p:style>
+          <a:lnRef idx="2">
+            <a:schemeClr val="accent1">
+              <a:shade val="50000"/>
+            </a:schemeClr>
+          </a:lnRef>
+          <a:fillRef idx="1">
+            <a:schemeClr val="accent1"/>
+          </a:fillRef>
+          <a:effectRef idx="0">
+            <a:schemeClr val="accent1"/>
+          </a:effectRef>
+          <a:fontRef idx="minor">
+            <a:schemeClr val="lt1"/>
+          </a:fontRef>
+        </p:style>
+        <p:txBody>
+          <a:bodyPr rtlCol="0" anchor="ctr"/>
+          <a:lstStyle/>
+          <a:p>
+            <a:pPr algn="ctr"/>
+            <a:endParaRPr lang="fr-FR"/>
+          </a:p>
+        </p:txBody>
+      </p:sp>
+      <p:cxnSp>
+        <p:nvCxnSpPr>
+          <p:cNvPr id="58" name="Straight Arrow Connector 57"/>
+          <p:cNvCxnSpPr>
+            <a:cxnSpLocks/>
+          </p:cNvCxnSpPr>
+          <p:nvPr/>
+        </p:nvCxnSpPr>
+        <p:spPr>
+          <a:xfrm>
+            <a:off x="766763" y="2813267"/>
+            <a:ext cx="10549295" cy="0"/>
+          </a:xfrm>
+          <a:prstGeom prst="straightConnector1">
+            <a:avLst/>
+          </a:prstGeom>
+          <a:ln>
+            <a:tailEnd type="triangle"/>
+          </a:ln>
+        </p:spPr>
+        <p:style>
+          <a:lnRef idx="3">
+            <a:schemeClr val="accent6"/>
+          </a:lnRef>
+          <a:fillRef idx="0">
+            <a:schemeClr val="accent6"/>
+          </a:fillRef>
+          <a:effectRef idx="2">
+            <a:schemeClr val="accent6"/>
+          </a:effectRef>
+          <a:fontRef idx="minor">
+            <a:schemeClr val="tx1"/>
+          </a:fontRef>
+        </p:style>
+      </p:cxnSp>
+      <p:sp>
+        <p:nvSpPr>
+          <p:cNvPr id="59" name="TextBox 58"/>
+          <p:cNvSpPr txBox="1"/>
+          <p:nvPr/>
+        </p:nvSpPr>
+        <p:spPr>
+          <a:xfrm>
+            <a:off x="65932" y="3110130"/>
+            <a:ext cx="425937" cy="268517"/>
+          </a:xfrm>
+          <a:prstGeom prst="rect">
+            <a:avLst/>
+          </a:prstGeom>
+          <a:solidFill>
+            <a:schemeClr val="tx1"/>
+          </a:solidFill>
+          <a:ln>
+            <a:solidFill>
+              <a:schemeClr val="accent1"/>
+            </a:solidFill>
+          </a:ln>
+        </p:spPr>
+        <p:txBody>
+          <a:bodyPr wrap="square" lIns="36000" tIns="72000" rIns="0" bIns="72000" rtlCol="0">
+            <a:spAutoFit/>
+          </a:bodyPr>
+          <a:lstStyle/>
+          <a:p>
+            <a:r>
+              <a:rPr lang="fr-FR" sz="800" dirty="0" err="1">
+                <a:solidFill>
+                  <a:schemeClr val="accent6">
+                    <a:lumMod val="75000"/>
+                  </a:schemeClr>
+                </a:solidFill>
+              </a:rPr>
+              <a:t>Bugfixes</a:t>
+            </a:r>
+            <a:endParaRPr lang="fr-FR" sz="800" dirty="0">
+              <a:solidFill>
+                <a:schemeClr val="accent6">
+                  <a:lumMod val="75000"/>
+                </a:schemeClr>
+              </a:solidFill>
+            </a:endParaRPr>
+          </a:p>
+        </p:txBody>
+      </p:sp>
+      <p:sp>
+        <p:nvSpPr>
+          <p:cNvPr id="60" name="Oval 59"/>
+          <p:cNvSpPr/>
+          <p:nvPr/>
+        </p:nvSpPr>
+        <p:spPr>
+          <a:xfrm>
+            <a:off x="5457820" y="3541243"/>
+            <a:ext cx="161925" cy="161925"/>
+          </a:xfrm>
+          <a:prstGeom prst="ellipse">
+            <a:avLst/>
+          </a:prstGeom>
+        </p:spPr>
+        <p:style>
+          <a:lnRef idx="2">
+            <a:schemeClr val="accent6">
+              <a:shade val="50000"/>
+            </a:schemeClr>
+          </a:lnRef>
+          <a:fillRef idx="1">
+            <a:schemeClr val="accent6"/>
+          </a:fillRef>
+          <a:effectRef idx="0">
+            <a:schemeClr val="accent6"/>
+          </a:effectRef>
+          <a:fontRef idx="minor">
+            <a:schemeClr val="lt1"/>
+          </a:fontRef>
+        </p:style>
+        <p:txBody>
+          <a:bodyPr rtlCol="0" anchor="ctr"/>
+          <a:lstStyle/>
+          <a:p>
+            <a:pPr algn="ctr"/>
+            <a:endParaRPr lang="fr-FR"/>
+          </a:p>
+        </p:txBody>
+      </p:sp>
+      <p:sp>
+        <p:nvSpPr>
+          <p:cNvPr id="61" name="Oval 60"/>
+          <p:cNvSpPr/>
+          <p:nvPr/>
+        </p:nvSpPr>
+        <p:spPr>
+          <a:xfrm>
+            <a:off x="2557461" y="2732304"/>
+            <a:ext cx="161925" cy="161925"/>
+          </a:xfrm>
+          <a:prstGeom prst="ellipse">
+            <a:avLst/>
+          </a:prstGeom>
+        </p:spPr>
+        <p:style>
+          <a:lnRef idx="2">
+            <a:schemeClr val="accent6">
+              <a:shade val="50000"/>
+            </a:schemeClr>
+          </a:lnRef>
+          <a:fillRef idx="1">
+            <a:schemeClr val="accent6"/>
+          </a:fillRef>
+          <a:effectRef idx="0">
+            <a:schemeClr val="accent6"/>
+          </a:effectRef>
+          <a:fontRef idx="minor">
+            <a:schemeClr val="lt1"/>
+          </a:fontRef>
+        </p:style>
+        <p:txBody>
+          <a:bodyPr rtlCol="0" anchor="ctr"/>
+          <a:lstStyle/>
+          <a:p>
+            <a:pPr algn="ctr"/>
+            <a:endParaRPr lang="fr-FR"/>
+          </a:p>
+        </p:txBody>
+      </p:sp>
+      <p:sp>
+        <p:nvSpPr>
+          <p:cNvPr id="62" name="Oval 61"/>
+          <p:cNvSpPr/>
+          <p:nvPr/>
+        </p:nvSpPr>
+        <p:spPr>
+          <a:xfrm>
+            <a:off x="7298534" y="2754297"/>
+            <a:ext cx="161925" cy="161925"/>
+          </a:xfrm>
+          <a:prstGeom prst="ellipse">
+            <a:avLst/>
+          </a:prstGeom>
+        </p:spPr>
+        <p:style>
+          <a:lnRef idx="2">
+            <a:schemeClr val="accent6">
+              <a:shade val="50000"/>
+            </a:schemeClr>
+          </a:lnRef>
+          <a:fillRef idx="1">
+            <a:schemeClr val="accent6"/>
+          </a:fillRef>
+          <a:effectRef idx="0">
+            <a:schemeClr val="accent6"/>
+          </a:effectRef>
+          <a:fontRef idx="minor">
+            <a:schemeClr val="lt1"/>
+          </a:fontRef>
+        </p:style>
+        <p:txBody>
+          <a:bodyPr rtlCol="0" anchor="ctr"/>
+          <a:lstStyle/>
+          <a:p>
+            <a:pPr algn="ctr"/>
+            <a:endParaRPr lang="fr-FR"/>
+          </a:p>
+        </p:txBody>
+      </p:sp>
+      <p:sp>
+        <p:nvSpPr>
+          <p:cNvPr id="63" name="Oval 62"/>
+          <p:cNvSpPr/>
+          <p:nvPr/>
+        </p:nvSpPr>
+        <p:spPr>
+          <a:xfrm>
+            <a:off x="7848599" y="2736377"/>
+            <a:ext cx="161925" cy="161925"/>
+          </a:xfrm>
+          <a:prstGeom prst="ellipse">
+            <a:avLst/>
+          </a:prstGeom>
+        </p:spPr>
+        <p:style>
+          <a:lnRef idx="2">
+            <a:schemeClr val="accent6">
+              <a:shade val="50000"/>
+            </a:schemeClr>
+          </a:lnRef>
+          <a:fillRef idx="1">
+            <a:schemeClr val="accent6"/>
+          </a:fillRef>
+          <a:effectRef idx="0">
+            <a:schemeClr val="accent6"/>
+          </a:effectRef>
+          <a:fontRef idx="minor">
+            <a:schemeClr val="lt1"/>
+          </a:fontRef>
+        </p:style>
+        <p:txBody>
+          <a:bodyPr rtlCol="0" anchor="ctr"/>
+          <a:lstStyle/>
+          <a:p>
+            <a:pPr algn="ctr"/>
+            <a:endParaRPr lang="fr-FR"/>
+          </a:p>
+        </p:txBody>
+      </p:sp>
+      <p:cxnSp>
+        <p:nvCxnSpPr>
+          <p:cNvPr id="64" name="Straight Arrow Connector 63"/>
+          <p:cNvCxnSpPr>
+            <a:cxnSpLocks/>
+          </p:cNvCxnSpPr>
+          <p:nvPr/>
+        </p:nvCxnSpPr>
+        <p:spPr>
+          <a:xfrm>
+            <a:off x="766763" y="3622443"/>
+            <a:ext cx="10548937" cy="0"/>
+          </a:xfrm>
+          <a:prstGeom prst="straightConnector1">
+            <a:avLst/>
+          </a:prstGeom>
+          <a:ln>
+            <a:tailEnd type="triangle"/>
+          </a:ln>
+        </p:spPr>
+        <p:style>
+          <a:lnRef idx="3">
+            <a:schemeClr val="accent6"/>
+          </a:lnRef>
+          <a:fillRef idx="0">
+            <a:schemeClr val="accent6"/>
+          </a:fillRef>
+          <a:effectRef idx="2">
+            <a:schemeClr val="accent6"/>
+          </a:effectRef>
+          <a:fontRef idx="minor">
+            <a:schemeClr val="tx1"/>
+          </a:fontRef>
+        </p:style>
+      </p:cxnSp>
+      <p:sp>
+        <p:nvSpPr>
+          <p:cNvPr id="65" name="Oval 64"/>
+          <p:cNvSpPr/>
+          <p:nvPr/>
+        </p:nvSpPr>
+        <p:spPr>
+          <a:xfrm>
+            <a:off x="3128957" y="3528773"/>
+            <a:ext cx="161925" cy="161925"/>
+          </a:xfrm>
+          <a:prstGeom prst="ellipse">
+            <a:avLst/>
+          </a:prstGeom>
+        </p:spPr>
+        <p:style>
+          <a:lnRef idx="2">
+            <a:schemeClr val="accent6">
+              <a:shade val="50000"/>
+            </a:schemeClr>
+          </a:lnRef>
+          <a:fillRef idx="1">
+            <a:schemeClr val="accent6"/>
+          </a:fillRef>
+          <a:effectRef idx="0">
+            <a:schemeClr val="accent6"/>
+          </a:effectRef>
+          <a:fontRef idx="minor">
+            <a:schemeClr val="lt1"/>
+          </a:fontRef>
+        </p:style>
+        <p:txBody>
+          <a:bodyPr rtlCol="0" anchor="ctr"/>
+          <a:lstStyle/>
+          <a:p>
+            <a:pPr algn="ctr"/>
+            <a:endParaRPr lang="fr-FR"/>
+          </a:p>
+        </p:txBody>
+      </p:sp>
+      <p:sp>
+        <p:nvSpPr>
+          <p:cNvPr id="66" name="Oval 65"/>
+          <p:cNvSpPr/>
+          <p:nvPr/>
+        </p:nvSpPr>
+        <p:spPr>
+          <a:xfrm>
+            <a:off x="1940719" y="2727331"/>
+            <a:ext cx="161925" cy="161925"/>
+          </a:xfrm>
+          <a:prstGeom prst="ellipse">
+            <a:avLst/>
+          </a:prstGeom>
+        </p:spPr>
+        <p:style>
+          <a:lnRef idx="2">
+            <a:schemeClr val="accent6">
+              <a:shade val="50000"/>
+            </a:schemeClr>
+          </a:lnRef>
+          <a:fillRef idx="1">
+            <a:schemeClr val="accent6"/>
+          </a:fillRef>
+          <a:effectRef idx="0">
+            <a:schemeClr val="accent6"/>
+          </a:effectRef>
+          <a:fontRef idx="minor">
+            <a:schemeClr val="lt1"/>
+          </a:fontRef>
+        </p:style>
+        <p:txBody>
+          <a:bodyPr rtlCol="0" anchor="ctr"/>
+          <a:lstStyle/>
+          <a:p>
+            <a:pPr algn="ctr"/>
+            <a:endParaRPr lang="fr-FR"/>
+          </a:p>
+        </p:txBody>
+      </p:sp>
+      <p:sp>
+        <p:nvSpPr>
+          <p:cNvPr id="67" name="Oval 66"/>
+          <p:cNvSpPr/>
+          <p:nvPr/>
+        </p:nvSpPr>
+        <p:spPr>
+          <a:xfrm>
+            <a:off x="8131954" y="3528766"/>
+            <a:ext cx="161925" cy="161925"/>
+          </a:xfrm>
+          <a:prstGeom prst="ellipse">
+            <a:avLst/>
+          </a:prstGeom>
+        </p:spPr>
+        <p:style>
+          <a:lnRef idx="2">
+            <a:schemeClr val="accent6">
+              <a:shade val="50000"/>
+            </a:schemeClr>
+          </a:lnRef>
+          <a:fillRef idx="1">
+            <a:schemeClr val="accent6"/>
+          </a:fillRef>
+          <a:effectRef idx="0">
+            <a:schemeClr val="accent6"/>
+          </a:effectRef>
+          <a:fontRef idx="minor">
+            <a:schemeClr val="lt1"/>
+          </a:fontRef>
+        </p:style>
+        <p:txBody>
+          <a:bodyPr rtlCol="0" anchor="ctr"/>
+          <a:lstStyle/>
+          <a:p>
+            <a:pPr algn="ctr"/>
+            <a:endParaRPr lang="fr-FR"/>
+          </a:p>
+        </p:txBody>
+      </p:sp>
+      <p:sp>
+        <p:nvSpPr>
+          <p:cNvPr id="68" name="Oval 67"/>
+          <p:cNvSpPr/>
+          <p:nvPr/>
+        </p:nvSpPr>
+        <p:spPr>
+          <a:xfrm>
+            <a:off x="8627263" y="3535548"/>
+            <a:ext cx="161925" cy="161925"/>
+          </a:xfrm>
+          <a:prstGeom prst="ellipse">
+            <a:avLst/>
+          </a:prstGeom>
+        </p:spPr>
+        <p:style>
+          <a:lnRef idx="2">
+            <a:schemeClr val="accent6">
+              <a:shade val="50000"/>
+            </a:schemeClr>
+          </a:lnRef>
+          <a:fillRef idx="1">
+            <a:schemeClr val="accent6"/>
+          </a:fillRef>
+          <a:effectRef idx="0">
+            <a:schemeClr val="accent6"/>
+          </a:effectRef>
+          <a:fontRef idx="minor">
+            <a:schemeClr val="lt1"/>
+          </a:fontRef>
+        </p:style>
+        <p:txBody>
+          <a:bodyPr rtlCol="0" anchor="ctr"/>
+          <a:lstStyle/>
+          <a:p>
+            <a:pPr algn="ctr"/>
+            <a:endParaRPr lang="fr-FR"/>
+          </a:p>
+        </p:txBody>
+      </p:sp>
+      <p:sp>
+        <p:nvSpPr>
+          <p:cNvPr id="69" name="Left Brace 68"/>
+          <p:cNvSpPr/>
+          <p:nvPr/>
+        </p:nvSpPr>
+        <p:spPr>
+          <a:xfrm>
+            <a:off x="523872" y="2808949"/>
+            <a:ext cx="157162" cy="809176"/>
+          </a:xfrm>
+          <a:prstGeom prst="leftBrace">
+            <a:avLst/>
+          </a:prstGeom>
+        </p:spPr>
+        <p:style>
+          <a:lnRef idx="3">
+            <a:schemeClr val="accent6"/>
+          </a:lnRef>
+          <a:fillRef idx="0">
+            <a:schemeClr val="accent6"/>
+          </a:fillRef>
+          <a:effectRef idx="2">
+            <a:schemeClr val="accent6"/>
+          </a:effectRef>
+          <a:fontRef idx="minor">
+            <a:schemeClr val="tx1"/>
+          </a:fontRef>
+        </p:style>
+        <p:txBody>
+          <a:bodyPr rtlCol="0" anchor="ctr"/>
+          <a:lstStyle/>
+          <a:p>
+            <a:pPr algn="ctr"/>
+            <a:endParaRPr lang="fr-FR"/>
+          </a:p>
+        </p:txBody>
+      </p:sp>
+      <p:cxnSp>
+        <p:nvCxnSpPr>
+          <p:cNvPr id="73" name="Straight Arrow Connector 72"/>
+          <p:cNvCxnSpPr>
+            <a:stCxn id="21" idx="4"/>
+            <a:endCxn id="22" idx="0"/>
+          </p:cNvCxnSpPr>
+          <p:nvPr/>
+        </p:nvCxnSpPr>
+        <p:spPr>
+          <a:xfrm>
+            <a:off x="1482307" y="1968387"/>
+            <a:ext cx="8353" cy="2408212"/>
+          </a:xfrm>
+          <a:prstGeom prst="straightConnector1">
+            <a:avLst/>
+          </a:prstGeom>
+          <a:ln>
+            <a:tailEnd type="triangle"/>
+          </a:ln>
+        </p:spPr>
+        <p:style>
+          <a:lnRef idx="1">
+            <a:schemeClr val="dk1"/>
+          </a:lnRef>
+          <a:fillRef idx="0">
+            <a:schemeClr val="dk1"/>
+          </a:fillRef>
+          <a:effectRef idx="0">
+            <a:schemeClr val="dk1"/>
+          </a:effectRef>
+          <a:fontRef idx="minor">
+            <a:schemeClr val="tx1"/>
+          </a:fontRef>
+        </p:style>
+      </p:cxnSp>
+      <p:cxnSp>
+        <p:nvCxnSpPr>
+          <p:cNvPr id="75" name="Straight Arrow Connector 74"/>
+          <p:cNvCxnSpPr>
+            <a:stCxn id="27" idx="4"/>
+            <a:endCxn id="66" idx="0"/>
+          </p:cNvCxnSpPr>
+          <p:nvPr/>
+        </p:nvCxnSpPr>
+        <p:spPr>
+          <a:xfrm>
+            <a:off x="1781175" y="1968387"/>
+            <a:ext cx="240507" cy="758944"/>
+          </a:xfrm>
+          <a:prstGeom prst="straightConnector1">
+            <a:avLst/>
+          </a:prstGeom>
+          <a:ln>
+            <a:tailEnd type="triangle"/>
+          </a:ln>
+        </p:spPr>
+        <p:style>
+          <a:lnRef idx="1">
+            <a:schemeClr val="dk1"/>
+          </a:lnRef>
+          <a:fillRef idx="0">
+            <a:schemeClr val="dk1"/>
+          </a:fillRef>
+          <a:effectRef idx="0">
+            <a:schemeClr val="dk1"/>
+          </a:effectRef>
+          <a:fontRef idx="minor">
+            <a:schemeClr val="tx1"/>
+          </a:fontRef>
+        </p:style>
+      </p:cxnSp>
+      <p:cxnSp>
+        <p:nvCxnSpPr>
+          <p:cNvPr id="77" name="Straight Arrow Connector 76"/>
+          <p:cNvCxnSpPr>
+            <a:stCxn id="61" idx="0"/>
+            <a:endCxn id="29" idx="4"/>
+          </p:cNvCxnSpPr>
+          <p:nvPr/>
+        </p:nvCxnSpPr>
+        <p:spPr>
+          <a:xfrm flipV="1">
+            <a:off x="2638424" y="1968387"/>
+            <a:ext cx="195263" cy="763917"/>
+          </a:xfrm>
+          <a:prstGeom prst="straightConnector1">
+            <a:avLst/>
+          </a:prstGeom>
+          <a:ln>
+            <a:tailEnd type="triangle"/>
+          </a:ln>
+        </p:spPr>
+        <p:style>
+          <a:lnRef idx="1">
+            <a:schemeClr val="dk1"/>
+          </a:lnRef>
+          <a:fillRef idx="0">
+            <a:schemeClr val="dk1"/>
+          </a:fillRef>
+          <a:effectRef idx="0">
+            <a:schemeClr val="dk1"/>
+          </a:effectRef>
+          <a:fontRef idx="minor">
+            <a:schemeClr val="tx1"/>
+          </a:fontRef>
+        </p:style>
+      </p:cxnSp>
+      <p:cxnSp>
+        <p:nvCxnSpPr>
+          <p:cNvPr id="79" name="Straight Arrow Connector 78"/>
+          <p:cNvCxnSpPr>
+            <a:stCxn id="27" idx="4"/>
+            <a:endCxn id="36" idx="0"/>
+          </p:cNvCxnSpPr>
+          <p:nvPr/>
+        </p:nvCxnSpPr>
+        <p:spPr>
+          <a:xfrm>
+            <a:off x="1781175" y="1968387"/>
+            <a:ext cx="433380" cy="3207394"/>
+          </a:xfrm>
+          <a:prstGeom prst="straightConnector1">
+            <a:avLst/>
+          </a:prstGeom>
+          <a:ln>
+            <a:tailEnd type="triangle"/>
+          </a:ln>
+        </p:spPr>
+        <p:style>
+          <a:lnRef idx="1">
+            <a:schemeClr val="dk1"/>
+          </a:lnRef>
+          <a:fillRef idx="0">
+            <a:schemeClr val="dk1"/>
+          </a:fillRef>
+          <a:effectRef idx="0">
+            <a:schemeClr val="dk1"/>
+          </a:effectRef>
+          <a:fontRef idx="minor">
+            <a:schemeClr val="tx1"/>
+          </a:fontRef>
+        </p:style>
+      </p:cxnSp>
+      <p:cxnSp>
+        <p:nvCxnSpPr>
+          <p:cNvPr id="82" name="Straight Arrow Connector 81"/>
+          <p:cNvCxnSpPr>
+            <a:stCxn id="29" idx="4"/>
+            <a:endCxn id="65" idx="0"/>
+          </p:cNvCxnSpPr>
+          <p:nvPr/>
+        </p:nvCxnSpPr>
+        <p:spPr>
+          <a:xfrm>
+            <a:off x="2833687" y="1968387"/>
+            <a:ext cx="376233" cy="1560386"/>
+          </a:xfrm>
+          <a:prstGeom prst="straightConnector1">
+            <a:avLst/>
+          </a:prstGeom>
+          <a:ln>
+            <a:tailEnd type="triangle"/>
+          </a:ln>
+        </p:spPr>
+        <p:style>
+          <a:lnRef idx="1">
+            <a:schemeClr val="dk1"/>
+          </a:lnRef>
+          <a:fillRef idx="0">
+            <a:schemeClr val="dk1"/>
+          </a:fillRef>
+          <a:effectRef idx="0">
+            <a:schemeClr val="dk1"/>
+          </a:effectRef>
+          <a:fontRef idx="minor">
+            <a:schemeClr val="tx1"/>
+          </a:fontRef>
+        </p:style>
+      </p:cxnSp>
+      <p:sp>
+        <p:nvSpPr>
+          <p:cNvPr id="83" name="Oval 82"/>
+          <p:cNvSpPr/>
+          <p:nvPr/>
+        </p:nvSpPr>
+        <p:spPr>
+          <a:xfrm>
+            <a:off x="4145756" y="3537162"/>
+            <a:ext cx="161925" cy="161925"/>
+          </a:xfrm>
+          <a:prstGeom prst="ellipse">
+            <a:avLst/>
+          </a:prstGeom>
+        </p:spPr>
+        <p:style>
+          <a:lnRef idx="2">
+            <a:schemeClr val="accent6">
+              <a:shade val="50000"/>
+            </a:schemeClr>
+          </a:lnRef>
+          <a:fillRef idx="1">
+            <a:schemeClr val="accent6"/>
+          </a:fillRef>
+          <a:effectRef idx="0">
+            <a:schemeClr val="accent6"/>
+          </a:effectRef>
+          <a:fontRef idx="minor">
+            <a:schemeClr val="lt1"/>
+          </a:fontRef>
+        </p:style>
+        <p:txBody>
+          <a:bodyPr rtlCol="0" anchor="ctr"/>
+          <a:lstStyle/>
+          <a:p>
+            <a:pPr algn="ctr"/>
+            <a:endParaRPr lang="fr-FR"/>
+          </a:p>
+        </p:txBody>
+      </p:sp>
+      <p:cxnSp>
+        <p:nvCxnSpPr>
+          <p:cNvPr id="85" name="Straight Arrow Connector 84"/>
+          <p:cNvCxnSpPr>
+            <a:stCxn id="60" idx="0"/>
+            <a:endCxn id="34" idx="4"/>
+          </p:cNvCxnSpPr>
+          <p:nvPr/>
+        </p:nvCxnSpPr>
+        <p:spPr>
+          <a:xfrm flipV="1">
+            <a:off x="5538783" y="1979040"/>
+            <a:ext cx="166693" cy="1562203"/>
+          </a:xfrm>
+          <a:prstGeom prst="straightConnector1">
+            <a:avLst/>
+          </a:prstGeom>
+          <a:ln>
+            <a:tailEnd type="triangle"/>
+          </a:ln>
+        </p:spPr>
+        <p:style>
+          <a:lnRef idx="1">
+            <a:schemeClr val="dk1"/>
+          </a:lnRef>
+          <a:fillRef idx="0">
+            <a:schemeClr val="dk1"/>
+          </a:fillRef>
+          <a:effectRef idx="0">
+            <a:schemeClr val="dk1"/>
+          </a:effectRef>
+          <a:fontRef idx="minor">
+            <a:schemeClr val="tx1"/>
+          </a:fontRef>
+        </p:style>
+      </p:cxnSp>
+      <p:cxnSp>
+        <p:nvCxnSpPr>
+          <p:cNvPr id="89" name="Straight Arrow Connector 88"/>
+          <p:cNvCxnSpPr>
+            <a:stCxn id="26" idx="0"/>
+            <a:endCxn id="30" idx="4"/>
+          </p:cNvCxnSpPr>
+          <p:nvPr/>
+        </p:nvCxnSpPr>
+        <p:spPr>
+          <a:xfrm flipV="1">
+            <a:off x="3463385" y="1979041"/>
+            <a:ext cx="260889" cy="2396190"/>
+          </a:xfrm>
+          <a:prstGeom prst="straightConnector1">
+            <a:avLst/>
+          </a:prstGeom>
+          <a:ln>
+            <a:tailEnd type="triangle"/>
+          </a:ln>
+        </p:spPr>
+        <p:style>
+          <a:lnRef idx="1">
+            <a:schemeClr val="dk1"/>
+          </a:lnRef>
+          <a:fillRef idx="0">
+            <a:schemeClr val="dk1"/>
+          </a:fillRef>
+          <a:effectRef idx="0">
+            <a:schemeClr val="dk1"/>
+          </a:effectRef>
+          <a:fontRef idx="minor">
+            <a:schemeClr val="tx1"/>
+          </a:fontRef>
+        </p:style>
+      </p:cxnSp>
+      <p:cxnSp>
+        <p:nvCxnSpPr>
+          <p:cNvPr id="91" name="Straight Arrow Connector 90"/>
+          <p:cNvCxnSpPr>
+            <a:stCxn id="42" idx="0"/>
+            <a:endCxn id="35" idx="4"/>
+          </p:cNvCxnSpPr>
+          <p:nvPr/>
+        </p:nvCxnSpPr>
+        <p:spPr>
+          <a:xfrm flipV="1">
+            <a:off x="6257919" y="1979040"/>
+            <a:ext cx="300044" cy="3194028"/>
+          </a:xfrm>
+          <a:prstGeom prst="straightConnector1">
+            <a:avLst/>
+          </a:prstGeom>
+          <a:ln>
+            <a:tailEnd type="triangle"/>
+          </a:ln>
+        </p:spPr>
+        <p:style>
+          <a:lnRef idx="1">
+            <a:schemeClr val="dk1"/>
+          </a:lnRef>
+          <a:fillRef idx="0">
+            <a:schemeClr val="dk1"/>
+          </a:fillRef>
+          <a:effectRef idx="0">
+            <a:schemeClr val="dk1"/>
+          </a:effectRef>
+          <a:fontRef idx="minor">
+            <a:schemeClr val="tx1"/>
+          </a:fontRef>
+        </p:style>
+      </p:cxnSp>
+      <p:cxnSp>
+        <p:nvCxnSpPr>
+          <p:cNvPr id="93" name="Straight Arrow Connector 92"/>
+          <p:cNvCxnSpPr>
+            <a:stCxn id="29" idx="4"/>
+            <a:endCxn id="43" idx="0"/>
+          </p:cNvCxnSpPr>
+          <p:nvPr/>
+        </p:nvCxnSpPr>
+        <p:spPr>
+          <a:xfrm>
+            <a:off x="2833687" y="1968387"/>
+            <a:ext cx="357184" cy="4027908"/>
+          </a:xfrm>
+          <a:prstGeom prst="straightConnector1">
+            <a:avLst/>
+          </a:prstGeom>
+          <a:ln>
+            <a:tailEnd type="triangle"/>
+          </a:ln>
+        </p:spPr>
+        <p:style>
+          <a:lnRef idx="1">
+            <a:schemeClr val="dk1"/>
+          </a:lnRef>
+          <a:fillRef idx="0">
+            <a:schemeClr val="dk1"/>
+          </a:fillRef>
+          <a:effectRef idx="0">
+            <a:schemeClr val="dk1"/>
+          </a:effectRef>
+          <a:fontRef idx="minor">
+            <a:schemeClr val="tx1"/>
+          </a:fontRef>
+        </p:style>
+      </p:cxnSp>
+      <p:sp>
+        <p:nvSpPr>
+          <p:cNvPr id="94" name="Oval 93"/>
+          <p:cNvSpPr/>
+          <p:nvPr/>
+        </p:nvSpPr>
+        <p:spPr>
+          <a:xfrm>
+            <a:off x="8229604" y="2736377"/>
+            <a:ext cx="161925" cy="161925"/>
+          </a:xfrm>
+          <a:prstGeom prst="ellipse">
+            <a:avLst/>
+          </a:prstGeom>
+        </p:spPr>
+        <p:style>
+          <a:lnRef idx="2">
+            <a:schemeClr val="accent6">
+              <a:shade val="50000"/>
+            </a:schemeClr>
+          </a:lnRef>
+          <a:fillRef idx="1">
+            <a:schemeClr val="accent6"/>
+          </a:fillRef>
+          <a:effectRef idx="0">
+            <a:schemeClr val="accent6"/>
+          </a:effectRef>
+          <a:fontRef idx="minor">
+            <a:schemeClr val="lt1"/>
+          </a:fontRef>
+        </p:style>
+        <p:txBody>
+          <a:bodyPr rtlCol="0" anchor="ctr"/>
+          <a:lstStyle/>
+          <a:p>
+            <a:pPr algn="ctr"/>
+            <a:endParaRPr lang="fr-FR"/>
+          </a:p>
+        </p:txBody>
+      </p:sp>
+      <p:sp>
+        <p:nvSpPr>
+          <p:cNvPr id="95" name="Oval 94"/>
+          <p:cNvSpPr/>
+          <p:nvPr/>
+        </p:nvSpPr>
+        <p:spPr>
+          <a:xfrm>
+            <a:off x="7142547" y="1817115"/>
+            <a:ext cx="161925" cy="161925"/>
+          </a:xfrm>
+          <a:prstGeom prst="ellipse">
+            <a:avLst/>
+          </a:prstGeom>
+        </p:spPr>
+        <p:style>
+          <a:lnRef idx="2">
+            <a:schemeClr val="accent1">
+              <a:shade val="50000"/>
+            </a:schemeClr>
+          </a:lnRef>
+          <a:fillRef idx="1">
+            <a:schemeClr val="accent1"/>
+          </a:fillRef>
+          <a:effectRef idx="0">
+            <a:schemeClr val="accent1"/>
+          </a:effectRef>
+          <a:fontRef idx="minor">
+            <a:schemeClr val="lt1"/>
+          </a:fontRef>
+        </p:style>
+        <p:txBody>
+          <a:bodyPr rtlCol="0" anchor="ctr"/>
+          <a:lstStyle/>
+          <a:p>
+            <a:pPr algn="ctr"/>
+            <a:endParaRPr lang="fr-FR"/>
+          </a:p>
+        </p:txBody>
+      </p:sp>
+      <p:sp>
+        <p:nvSpPr>
+          <p:cNvPr id="96" name="Oval 95"/>
+          <p:cNvSpPr/>
+          <p:nvPr/>
+        </p:nvSpPr>
+        <p:spPr>
+          <a:xfrm>
+            <a:off x="7914072" y="1817115"/>
+            <a:ext cx="161925" cy="161925"/>
+          </a:xfrm>
+          <a:prstGeom prst="ellipse">
+            <a:avLst/>
+          </a:prstGeom>
+        </p:spPr>
+        <p:style>
+          <a:lnRef idx="2">
+            <a:schemeClr val="accent1">
+              <a:shade val="50000"/>
+            </a:schemeClr>
+          </a:lnRef>
+          <a:fillRef idx="1">
+            <a:schemeClr val="accent1"/>
+          </a:fillRef>
+          <a:effectRef idx="0">
+            <a:schemeClr val="accent1"/>
+          </a:effectRef>
+          <a:fontRef idx="minor">
+            <a:schemeClr val="lt1"/>
+          </a:fontRef>
+        </p:style>
+        <p:txBody>
+          <a:bodyPr rtlCol="0" anchor="ctr"/>
+          <a:lstStyle/>
+          <a:p>
+            <a:pPr algn="ctr"/>
+            <a:endParaRPr lang="fr-FR"/>
+          </a:p>
+        </p:txBody>
+      </p:sp>
+      <p:sp>
+        <p:nvSpPr>
+          <p:cNvPr id="97" name="Oval 96"/>
+          <p:cNvSpPr/>
+          <p:nvPr/>
+        </p:nvSpPr>
+        <p:spPr>
+          <a:xfrm>
+            <a:off x="8293879" y="1806462"/>
+            <a:ext cx="161925" cy="161925"/>
+          </a:xfrm>
+          <a:prstGeom prst="ellipse">
+            <a:avLst/>
+          </a:prstGeom>
+        </p:spPr>
+        <p:style>
+          <a:lnRef idx="2">
+            <a:schemeClr val="accent1">
+              <a:shade val="50000"/>
+            </a:schemeClr>
+          </a:lnRef>
+          <a:fillRef idx="1">
+            <a:schemeClr val="accent1"/>
+          </a:fillRef>
+          <a:effectRef idx="0">
+            <a:schemeClr val="accent1"/>
+          </a:effectRef>
+          <a:fontRef idx="minor">
+            <a:schemeClr val="lt1"/>
+          </a:fontRef>
+        </p:style>
+        <p:txBody>
+          <a:bodyPr rtlCol="0" anchor="ctr"/>
+          <a:lstStyle/>
+          <a:p>
+            <a:pPr algn="ctr"/>
+            <a:endParaRPr lang="fr-FR"/>
+          </a:p>
+        </p:txBody>
+      </p:sp>
+      <p:sp>
+        <p:nvSpPr>
+          <p:cNvPr id="98" name="Oval 97"/>
+          <p:cNvSpPr/>
+          <p:nvPr/>
+        </p:nvSpPr>
+        <p:spPr>
+          <a:xfrm>
+            <a:off x="8963029" y="1817115"/>
+            <a:ext cx="161925" cy="161925"/>
+          </a:xfrm>
+          <a:prstGeom prst="ellipse">
+            <a:avLst/>
+          </a:prstGeom>
+        </p:spPr>
+        <p:style>
+          <a:lnRef idx="2">
+            <a:schemeClr val="accent1">
+              <a:shade val="50000"/>
+            </a:schemeClr>
+          </a:lnRef>
+          <a:fillRef idx="1">
+            <a:schemeClr val="accent1"/>
+          </a:fillRef>
+          <a:effectRef idx="0">
+            <a:schemeClr val="accent1"/>
+          </a:effectRef>
+          <a:fontRef idx="minor">
+            <a:schemeClr val="lt1"/>
+          </a:fontRef>
+        </p:style>
+        <p:txBody>
+          <a:bodyPr rtlCol="0" anchor="ctr"/>
+          <a:lstStyle/>
+          <a:p>
+            <a:pPr algn="ctr"/>
+            <a:endParaRPr lang="fr-FR"/>
+          </a:p>
+        </p:txBody>
+      </p:sp>
+      <p:cxnSp>
+        <p:nvCxnSpPr>
+          <p:cNvPr id="100" name="Straight Arrow Connector 99"/>
+          <p:cNvCxnSpPr>
+            <a:stCxn id="95" idx="4"/>
+            <a:endCxn id="62" idx="0"/>
+          </p:cNvCxnSpPr>
+          <p:nvPr/>
+        </p:nvCxnSpPr>
+        <p:spPr>
+          <a:xfrm>
+            <a:off x="7223510" y="1979040"/>
+            <a:ext cx="155987" cy="775257"/>
+          </a:xfrm>
+          <a:prstGeom prst="straightConnector1">
+            <a:avLst/>
+          </a:prstGeom>
+          <a:ln>
+            <a:tailEnd type="triangle"/>
+          </a:ln>
+        </p:spPr>
+        <p:style>
+          <a:lnRef idx="1">
+            <a:schemeClr val="dk1"/>
+          </a:lnRef>
+          <a:fillRef idx="0">
+            <a:schemeClr val="dk1"/>
+          </a:fillRef>
+          <a:effectRef idx="0">
+            <a:schemeClr val="dk1"/>
+          </a:effectRef>
+          <a:fontRef idx="minor">
+            <a:schemeClr val="tx1"/>
+          </a:fontRef>
+        </p:style>
+      </p:cxnSp>
+      <p:cxnSp>
+        <p:nvCxnSpPr>
+          <p:cNvPr id="102" name="Straight Arrow Connector 101"/>
+          <p:cNvCxnSpPr>
+            <a:stCxn id="96" idx="4"/>
+            <a:endCxn id="67" idx="0"/>
+          </p:cNvCxnSpPr>
+          <p:nvPr/>
+        </p:nvCxnSpPr>
+        <p:spPr>
+          <a:xfrm>
+            <a:off x="7995035" y="1979040"/>
+            <a:ext cx="217882" cy="1549726"/>
+          </a:xfrm>
+          <a:prstGeom prst="straightConnector1">
+            <a:avLst/>
+          </a:prstGeom>
+          <a:ln>
+            <a:tailEnd type="triangle"/>
+          </a:ln>
+        </p:spPr>
+        <p:style>
+          <a:lnRef idx="1">
+            <a:schemeClr val="dk1"/>
+          </a:lnRef>
+          <a:fillRef idx="0">
+            <a:schemeClr val="dk1"/>
+          </a:fillRef>
+          <a:effectRef idx="0">
+            <a:schemeClr val="dk1"/>
+          </a:effectRef>
+          <a:fontRef idx="minor">
+            <a:schemeClr val="tx1"/>
+          </a:fontRef>
+        </p:style>
+      </p:cxnSp>
+      <p:cxnSp>
+        <p:nvCxnSpPr>
+          <p:cNvPr id="104" name="Straight Arrow Connector 103"/>
+          <p:cNvCxnSpPr>
+            <a:stCxn id="94" idx="0"/>
+            <a:endCxn id="97" idx="4"/>
+          </p:cNvCxnSpPr>
+          <p:nvPr/>
+        </p:nvCxnSpPr>
+        <p:spPr>
+          <a:xfrm flipV="1">
+            <a:off x="8310567" y="1968387"/>
+            <a:ext cx="64275" cy="767990"/>
+          </a:xfrm>
+          <a:prstGeom prst="straightConnector1">
+            <a:avLst/>
+          </a:prstGeom>
+          <a:ln>
+            <a:tailEnd type="triangle"/>
+          </a:ln>
+        </p:spPr>
+        <p:style>
+          <a:lnRef idx="1">
+            <a:schemeClr val="dk1"/>
+          </a:lnRef>
+          <a:fillRef idx="0">
+            <a:schemeClr val="dk1"/>
+          </a:fillRef>
+          <a:effectRef idx="0">
+            <a:schemeClr val="dk1"/>
+          </a:effectRef>
+          <a:fontRef idx="minor">
+            <a:schemeClr val="tx1"/>
+          </a:fontRef>
+        </p:style>
+      </p:cxnSp>
+      <p:cxnSp>
+        <p:nvCxnSpPr>
+          <p:cNvPr id="107" name="Straight Arrow Connector 106"/>
+          <p:cNvCxnSpPr>
+            <a:stCxn id="68" idx="0"/>
+            <a:endCxn id="98" idx="4"/>
+          </p:cNvCxnSpPr>
+          <p:nvPr/>
+        </p:nvCxnSpPr>
+        <p:spPr>
+          <a:xfrm flipV="1">
+            <a:off x="8708226" y="1979040"/>
+            <a:ext cx="335766" cy="1556508"/>
+          </a:xfrm>
+          <a:prstGeom prst="straightConnector1">
+            <a:avLst/>
+          </a:prstGeom>
+          <a:ln>
+            <a:tailEnd type="triangle"/>
+          </a:ln>
+        </p:spPr>
+        <p:style>
+          <a:lnRef idx="1">
+            <a:schemeClr val="dk1"/>
+          </a:lnRef>
+          <a:fillRef idx="0">
+            <a:schemeClr val="dk1"/>
+          </a:fillRef>
+          <a:effectRef idx="0">
+            <a:schemeClr val="dk1"/>
+          </a:effectRef>
+          <a:fontRef idx="minor">
+            <a:schemeClr val="tx1"/>
+          </a:fontRef>
+        </p:style>
+      </p:cxnSp>
+      <p:sp>
+        <p:nvSpPr>
+          <p:cNvPr id="108" name="Oval 107"/>
+          <p:cNvSpPr/>
+          <p:nvPr/>
+        </p:nvSpPr>
+        <p:spPr>
+          <a:xfrm>
+            <a:off x="9124954" y="1017359"/>
+            <a:ext cx="161925" cy="161925"/>
+          </a:xfrm>
+          <a:prstGeom prst="ellipse">
+            <a:avLst/>
+          </a:prstGeom>
+        </p:spPr>
+        <p:style>
+          <a:lnRef idx="2">
+            <a:schemeClr val="accent2">
+              <a:shade val="50000"/>
+            </a:schemeClr>
+          </a:lnRef>
+          <a:fillRef idx="1">
+            <a:schemeClr val="accent2"/>
+          </a:fillRef>
+          <a:effectRef idx="0">
+            <a:schemeClr val="accent2"/>
+          </a:effectRef>
+          <a:fontRef idx="minor">
+            <a:schemeClr val="lt1"/>
+          </a:fontRef>
+        </p:style>
+        <p:txBody>
+          <a:bodyPr rtlCol="0" anchor="ctr"/>
+          <a:lstStyle/>
+          <a:p>
+            <a:pPr algn="ctr"/>
+            <a:endParaRPr lang="fr-FR"/>
+          </a:p>
+        </p:txBody>
+      </p:sp>
+      <p:cxnSp>
+        <p:nvCxnSpPr>
+          <p:cNvPr id="110" name="Straight Arrow Connector 109"/>
+          <p:cNvCxnSpPr>
+            <a:stCxn id="98" idx="0"/>
+            <a:endCxn id="108" idx="4"/>
+          </p:cNvCxnSpPr>
+          <p:nvPr/>
+        </p:nvCxnSpPr>
+        <p:spPr>
+          <a:xfrm flipV="1">
+            <a:off x="9043992" y="1179284"/>
+            <a:ext cx="161925" cy="637831"/>
+          </a:xfrm>
+          <a:prstGeom prst="straightConnector1">
+            <a:avLst/>
+          </a:prstGeom>
+          <a:ln>
+            <a:tailEnd type="triangle"/>
+          </a:ln>
+        </p:spPr>
+        <p:style>
+          <a:lnRef idx="1">
+            <a:schemeClr val="dk1"/>
+          </a:lnRef>
+          <a:fillRef idx="0">
+            <a:schemeClr val="dk1"/>
+          </a:fillRef>
+          <a:effectRef idx="0">
+            <a:schemeClr val="dk1"/>
+          </a:effectRef>
+          <a:fontRef idx="minor">
+            <a:schemeClr val="tx1"/>
+          </a:fontRef>
+        </p:style>
+      </p:cxnSp>
+      <p:sp>
+        <p:nvSpPr>
+          <p:cNvPr id="111" name="Oval 110"/>
+          <p:cNvSpPr/>
+          <p:nvPr/>
+        </p:nvSpPr>
+        <p:spPr>
+          <a:xfrm>
+            <a:off x="9114230" y="5991296"/>
+            <a:ext cx="161925" cy="161925"/>
+          </a:xfrm>
+          <a:prstGeom prst="ellipse">
+            <a:avLst/>
+          </a:prstGeom>
+        </p:spPr>
+        <p:style>
+          <a:lnRef idx="2">
+            <a:schemeClr val="accent4">
+              <a:shade val="50000"/>
+            </a:schemeClr>
+          </a:lnRef>
+          <a:fillRef idx="1">
+            <a:schemeClr val="accent4"/>
+          </a:fillRef>
+          <a:effectRef idx="0">
+            <a:schemeClr val="accent4"/>
+          </a:effectRef>
+          <a:fontRef idx="minor">
+            <a:schemeClr val="lt1"/>
+          </a:fontRef>
+        </p:style>
+        <p:txBody>
+          <a:bodyPr rtlCol="0" anchor="ctr"/>
+          <a:lstStyle/>
+          <a:p>
+            <a:pPr algn="ctr"/>
+            <a:endParaRPr lang="fr-FR"/>
+          </a:p>
+        </p:txBody>
+      </p:sp>
+      <p:sp>
+        <p:nvSpPr>
+          <p:cNvPr id="112" name="Oval 111"/>
+          <p:cNvSpPr/>
+          <p:nvPr/>
+        </p:nvSpPr>
+        <p:spPr>
+          <a:xfrm>
+            <a:off x="9771452" y="6000821"/>
+            <a:ext cx="161925" cy="161925"/>
+          </a:xfrm>
+          <a:prstGeom prst="ellipse">
+            <a:avLst/>
+          </a:prstGeom>
+        </p:spPr>
+        <p:style>
+          <a:lnRef idx="2">
+            <a:schemeClr val="accent4">
+              <a:shade val="50000"/>
+            </a:schemeClr>
+          </a:lnRef>
+          <a:fillRef idx="1">
+            <a:schemeClr val="accent4"/>
+          </a:fillRef>
+          <a:effectRef idx="0">
+            <a:schemeClr val="accent4"/>
+          </a:effectRef>
+          <a:fontRef idx="minor">
+            <a:schemeClr val="lt1"/>
+          </a:fontRef>
+        </p:style>
+        <p:txBody>
+          <a:bodyPr rtlCol="0" anchor="ctr"/>
+          <a:lstStyle/>
+          <a:p>
+            <a:pPr algn="ctr"/>
+            <a:endParaRPr lang="fr-FR"/>
+          </a:p>
+        </p:txBody>
+      </p:sp>
+      <p:sp>
+        <p:nvSpPr>
+          <p:cNvPr id="113" name="Oval 112"/>
+          <p:cNvSpPr/>
+          <p:nvPr/>
+        </p:nvSpPr>
+        <p:spPr>
+          <a:xfrm>
+            <a:off x="10006009" y="1807936"/>
+            <a:ext cx="161925" cy="161925"/>
+          </a:xfrm>
+          <a:prstGeom prst="ellipse">
+            <a:avLst/>
+          </a:prstGeom>
+        </p:spPr>
+        <p:style>
+          <a:lnRef idx="2">
+            <a:schemeClr val="accent1">
+              <a:shade val="50000"/>
+            </a:schemeClr>
+          </a:lnRef>
+          <a:fillRef idx="1">
+            <a:schemeClr val="accent1"/>
+          </a:fillRef>
+          <a:effectRef idx="0">
+            <a:schemeClr val="accent1"/>
+          </a:effectRef>
+          <a:fontRef idx="minor">
+            <a:schemeClr val="lt1"/>
+          </a:fontRef>
+        </p:style>
+        <p:txBody>
+          <a:bodyPr rtlCol="0" anchor="ctr"/>
+          <a:lstStyle/>
+          <a:p>
+            <a:pPr algn="ctr"/>
+            <a:endParaRPr lang="fr-FR"/>
+          </a:p>
+        </p:txBody>
+      </p:sp>
+      <p:cxnSp>
+        <p:nvCxnSpPr>
+          <p:cNvPr id="117" name="Straight Arrow Connector 116"/>
+          <p:cNvCxnSpPr>
+            <a:stCxn id="112" idx="0"/>
+            <a:endCxn id="113" idx="4"/>
+          </p:cNvCxnSpPr>
+          <p:nvPr/>
+        </p:nvCxnSpPr>
+        <p:spPr>
+          <a:xfrm flipV="1">
+            <a:off x="9852415" y="1969861"/>
+            <a:ext cx="234557" cy="4030960"/>
+          </a:xfrm>
+          <a:prstGeom prst="straightConnector1">
+            <a:avLst/>
+          </a:prstGeom>
+          <a:ln>
+            <a:tailEnd type="triangle"/>
+          </a:ln>
+        </p:spPr>
+        <p:style>
+          <a:lnRef idx="1">
+            <a:schemeClr val="dk1"/>
+          </a:lnRef>
+          <a:fillRef idx="0">
+            <a:schemeClr val="dk1"/>
+          </a:fillRef>
+          <a:effectRef idx="0">
+            <a:schemeClr val="dk1"/>
+          </a:effectRef>
+          <a:fontRef idx="minor">
+            <a:schemeClr val="tx1"/>
+          </a:fontRef>
+        </p:style>
+      </p:cxnSp>
+      <p:sp>
+        <p:nvSpPr>
+          <p:cNvPr id="118" name="Rounded Rectangular Callout 117"/>
+          <p:cNvSpPr/>
+          <p:nvPr/>
+        </p:nvSpPr>
+        <p:spPr>
+          <a:xfrm>
+            <a:off x="1239419" y="541867"/>
+            <a:ext cx="896537" cy="329676"/>
+          </a:xfrm>
+          <a:prstGeom prst="wedgeRoundRectCallout">
+            <a:avLst/>
+          </a:prstGeom>
+        </p:spPr>
+        <p:style>
+          <a:lnRef idx="2">
+            <a:schemeClr val="dk1"/>
+          </a:lnRef>
+          <a:fillRef idx="1">
+            <a:schemeClr val="lt1"/>
+          </a:fillRef>
+          <a:effectRef idx="0">
+            <a:schemeClr val="dk1"/>
+          </a:effectRef>
+          <a:fontRef idx="minor">
+            <a:schemeClr val="dk1"/>
+          </a:fontRef>
+        </p:style>
+        <p:txBody>
+          <a:bodyPr rtlCol="0" anchor="ctr"/>
+          <a:lstStyle/>
+          <a:p>
+            <a:pPr algn="ctr"/>
+            <a:r>
+              <a:rPr lang="fr-FR" sz="1050" dirty="0"/>
+              <a:t>Release 2.0</a:t>
+            </a:r>
+          </a:p>
+        </p:txBody>
+      </p:sp>
+      <p:sp>
+        <p:nvSpPr>
+          <p:cNvPr id="121" name="TextBox 120"/>
+          <p:cNvSpPr txBox="1"/>
+          <p:nvPr/>
+        </p:nvSpPr>
+        <p:spPr>
+          <a:xfrm>
+            <a:off x="6905157" y="-3321"/>
+            <a:ext cx="2048807" cy="923330"/>
+          </a:xfrm>
+          <a:prstGeom prst="rect">
+            <a:avLst/>
+          </a:prstGeom>
+          <a:noFill/>
+        </p:spPr>
+        <p:txBody>
+          <a:bodyPr wrap="square" rtlCol="0">
+            <a:spAutoFit/>
+          </a:bodyPr>
+          <a:lstStyle/>
+          <a:p>
+            <a:pPr algn="ctr"/>
+            <a:r>
+              <a:rPr lang="fr-FR" b="1" cap="small" dirty="0" err="1"/>
+              <a:t>Feature</a:t>
+            </a:r>
+            <a:r>
+              <a:rPr lang="fr-FR" b="1" cap="small" dirty="0"/>
+              <a:t> </a:t>
+            </a:r>
+            <a:r>
+              <a:rPr lang="fr-FR" b="1" cap="small" dirty="0" err="1"/>
+              <a:t>Freeze</a:t>
+            </a:r>
+            <a:endParaRPr lang="fr-FR" b="1" cap="small" dirty="0"/>
+          </a:p>
+          <a:p>
+            <a:pPr algn="ctr"/>
+            <a:r>
+              <a:rPr lang="fr-FR" b="1" cap="small" dirty="0"/>
+              <a:t>-</a:t>
+            </a:r>
+          </a:p>
+          <a:p>
+            <a:pPr algn="ctr"/>
+            <a:r>
+              <a:rPr lang="fr-FR" b="1" cap="small" dirty="0" err="1"/>
+              <a:t>Pre</a:t>
+            </a:r>
+            <a:r>
+              <a:rPr lang="fr-FR" b="1" cap="small" dirty="0"/>
+              <a:t> Release</a:t>
+            </a:r>
+          </a:p>
+        </p:txBody>
+      </p:sp>
+      <p:sp>
+        <p:nvSpPr>
+          <p:cNvPr id="122" name="Rounded Rectangular Callout 121"/>
+          <p:cNvSpPr/>
+          <p:nvPr/>
+        </p:nvSpPr>
+        <p:spPr>
+          <a:xfrm>
+            <a:off x="8965678" y="456401"/>
+            <a:ext cx="896537" cy="329676"/>
+          </a:xfrm>
+          <a:prstGeom prst="wedgeRoundRectCallout">
+            <a:avLst/>
+          </a:prstGeom>
+        </p:spPr>
+        <p:style>
+          <a:lnRef idx="2">
+            <a:schemeClr val="dk1"/>
+          </a:lnRef>
+          <a:fillRef idx="1">
+            <a:schemeClr val="lt1"/>
+          </a:fillRef>
+          <a:effectRef idx="0">
+            <a:schemeClr val="dk1"/>
+          </a:effectRef>
+          <a:fontRef idx="minor">
+            <a:schemeClr val="dk1"/>
+          </a:fontRef>
+        </p:style>
+        <p:txBody>
+          <a:bodyPr rtlCol="0" anchor="ctr"/>
+          <a:lstStyle/>
+          <a:p>
+            <a:pPr algn="ctr"/>
+            <a:r>
+              <a:rPr lang="fr-FR" sz="1050" dirty="0"/>
+              <a:t>Release 2.1</a:t>
+            </a:r>
+          </a:p>
+        </p:txBody>
+      </p:sp>
+      <p:sp>
+        <p:nvSpPr>
+          <p:cNvPr id="123" name="Oval 122"/>
+          <p:cNvSpPr/>
+          <p:nvPr/>
+        </p:nvSpPr>
+        <p:spPr>
+          <a:xfrm>
+            <a:off x="2638951" y="1025721"/>
+            <a:ext cx="161925" cy="161925"/>
+          </a:xfrm>
+          <a:prstGeom prst="ellipse">
+            <a:avLst/>
+          </a:prstGeom>
+        </p:spPr>
+        <p:style>
+          <a:lnRef idx="2">
+            <a:schemeClr val="accent2">
+              <a:shade val="50000"/>
+            </a:schemeClr>
+          </a:lnRef>
+          <a:fillRef idx="1">
+            <a:schemeClr val="accent2"/>
+          </a:fillRef>
+          <a:effectRef idx="0">
+            <a:schemeClr val="accent2"/>
+          </a:effectRef>
+          <a:fontRef idx="minor">
+            <a:schemeClr val="lt1"/>
+          </a:fontRef>
+        </p:style>
+        <p:txBody>
+          <a:bodyPr rtlCol="0" anchor="ctr"/>
+          <a:lstStyle/>
+          <a:p>
+            <a:pPr algn="ctr"/>
+            <a:endParaRPr lang="fr-FR"/>
+          </a:p>
+        </p:txBody>
+      </p:sp>
+      <p:sp>
+        <p:nvSpPr>
+          <p:cNvPr id="124" name="Rounded Rectangular Callout 123"/>
+          <p:cNvSpPr/>
+          <p:nvPr/>
+        </p:nvSpPr>
+        <p:spPr>
+          <a:xfrm>
+            <a:off x="2431719" y="549021"/>
+            <a:ext cx="965859" cy="329676"/>
+          </a:xfrm>
+          <a:prstGeom prst="wedgeRoundRectCallout">
+            <a:avLst/>
+          </a:prstGeom>
+        </p:spPr>
+        <p:style>
+          <a:lnRef idx="2">
+            <a:schemeClr val="dk1"/>
+          </a:lnRef>
+          <a:fillRef idx="1">
+            <a:schemeClr val="lt1"/>
+          </a:fillRef>
+          <a:effectRef idx="0">
+            <a:schemeClr val="dk1"/>
+          </a:effectRef>
+          <a:fontRef idx="minor">
+            <a:schemeClr val="dk1"/>
+          </a:fontRef>
+        </p:style>
+        <p:txBody>
+          <a:bodyPr rtlCol="0" anchor="ctr"/>
+          <a:lstStyle/>
+          <a:p>
+            <a:pPr algn="ctr"/>
+            <a:r>
+              <a:rPr lang="fr-FR" sz="1050" dirty="0" err="1"/>
+              <a:t>Hotfix</a:t>
+            </a:r>
+            <a:r>
+              <a:rPr lang="fr-FR" sz="1050" dirty="0"/>
+              <a:t> Release 2.0.1</a:t>
+            </a:r>
+          </a:p>
+        </p:txBody>
+      </p:sp>
+      <p:cxnSp>
+        <p:nvCxnSpPr>
+          <p:cNvPr id="126" name="Straight Arrow Connector 125"/>
+          <p:cNvCxnSpPr>
+            <a:stCxn id="123" idx="4"/>
+            <a:endCxn id="29" idx="0"/>
+          </p:cNvCxnSpPr>
+          <p:nvPr/>
+        </p:nvCxnSpPr>
+        <p:spPr>
+          <a:xfrm>
+            <a:off x="2719914" y="1187646"/>
+            <a:ext cx="113773" cy="618816"/>
+          </a:xfrm>
+          <a:prstGeom prst="straightConnector1">
+            <a:avLst/>
+          </a:prstGeom>
+          <a:ln>
+            <a:tailEnd type="triangle"/>
+          </a:ln>
+        </p:spPr>
+        <p:style>
+          <a:lnRef idx="1">
+            <a:schemeClr val="dk1"/>
+          </a:lnRef>
+          <a:fillRef idx="0">
+            <a:schemeClr val="dk1"/>
+          </a:fillRef>
+          <a:effectRef idx="0">
+            <a:schemeClr val="dk1"/>
+          </a:effectRef>
+          <a:fontRef idx="minor">
+            <a:schemeClr val="tx1"/>
+          </a:fontRef>
+        </p:style>
+      </p:cxnSp>
+      <p:sp>
+        <p:nvSpPr>
+          <p:cNvPr id="129" name="Rounded Rectangular Callout 128"/>
+          <p:cNvSpPr/>
+          <p:nvPr/>
+        </p:nvSpPr>
+        <p:spPr>
+          <a:xfrm>
+            <a:off x="6250041" y="5503032"/>
+            <a:ext cx="965859" cy="329676"/>
+          </a:xfrm>
+          <a:prstGeom prst="wedgeRoundRectCallout">
+            <a:avLst/>
+          </a:prstGeom>
+        </p:spPr>
+        <p:style>
+          <a:lnRef idx="2">
+            <a:schemeClr val="dk1"/>
+          </a:lnRef>
+          <a:fillRef idx="1">
+            <a:schemeClr val="lt1"/>
+          </a:fillRef>
+          <a:effectRef idx="0">
+            <a:schemeClr val="dk1"/>
+          </a:effectRef>
+          <a:fontRef idx="minor">
+            <a:schemeClr val="dk1"/>
+          </a:fontRef>
+        </p:style>
+        <p:txBody>
+          <a:bodyPr rtlCol="0" anchor="ctr"/>
+          <a:lstStyle/>
+          <a:p>
+            <a:pPr algn="ctr"/>
+            <a:r>
+              <a:rPr lang="fr-FR" sz="1050" dirty="0" err="1"/>
+              <a:t>Feature</a:t>
+            </a:r>
+            <a:r>
+              <a:rPr lang="fr-FR" sz="1050" dirty="0"/>
+              <a:t> not </a:t>
+            </a:r>
+            <a:r>
+              <a:rPr lang="fr-FR" sz="1050" dirty="0" err="1"/>
+              <a:t>ready</a:t>
+            </a:r>
+            <a:r>
+              <a:rPr lang="fr-FR" sz="1050" dirty="0"/>
+              <a:t> for 2.1</a:t>
+            </a:r>
+          </a:p>
+        </p:txBody>
+      </p:sp>
+      <p:sp>
+        <p:nvSpPr>
+          <p:cNvPr id="130" name="Rounded Rectangular Callout 129"/>
+          <p:cNvSpPr/>
+          <p:nvPr/>
+        </p:nvSpPr>
+        <p:spPr>
+          <a:xfrm>
+            <a:off x="7530329" y="4842933"/>
+            <a:ext cx="1312804" cy="989775"/>
+          </a:xfrm>
+          <a:prstGeom prst="wedgeRoundRectCallout">
+            <a:avLst/>
+          </a:prstGeom>
+        </p:spPr>
+        <p:style>
+          <a:lnRef idx="2">
+            <a:schemeClr val="dk1"/>
+          </a:lnRef>
+          <a:fillRef idx="1">
+            <a:schemeClr val="lt1"/>
+          </a:fillRef>
+          <a:effectRef idx="0">
+            <a:schemeClr val="dk1"/>
+          </a:effectRef>
+          <a:fontRef idx="minor">
+            <a:schemeClr val="dk1"/>
+          </a:fontRef>
+        </p:style>
+        <p:txBody>
+          <a:bodyPr rtlCol="0" anchor="ctr"/>
+          <a:lstStyle/>
+          <a:p>
+            <a:pPr algn="ctr"/>
+            <a:r>
+              <a:rPr lang="fr-FR" sz="1050" dirty="0"/>
+              <a:t>People </a:t>
+            </a:r>
+            <a:r>
+              <a:rPr lang="fr-FR" sz="1050" dirty="0" err="1"/>
+              <a:t>can</a:t>
+            </a:r>
+            <a:r>
+              <a:rPr lang="fr-FR" sz="1050" dirty="0"/>
+              <a:t> </a:t>
+            </a:r>
+            <a:r>
+              <a:rPr lang="fr-FR" sz="1050" dirty="0" err="1"/>
+              <a:t>still</a:t>
+            </a:r>
+            <a:r>
+              <a:rPr lang="fr-FR" sz="1050" dirty="0"/>
+              <a:t> </a:t>
+            </a:r>
+            <a:r>
+              <a:rPr lang="fr-FR" sz="1050" dirty="0" err="1"/>
+              <a:t>work</a:t>
+            </a:r>
+            <a:r>
+              <a:rPr lang="fr-FR" sz="1050" dirty="0"/>
+              <a:t> on new </a:t>
+            </a:r>
+            <a:r>
+              <a:rPr lang="fr-FR" sz="1050" dirty="0" err="1"/>
+              <a:t>features</a:t>
+            </a:r>
+            <a:r>
+              <a:rPr lang="fr-FR" sz="1050" dirty="0"/>
+              <a:t>, but no </a:t>
+            </a:r>
+            <a:r>
+              <a:rPr lang="fr-FR" sz="1050" dirty="0" err="1"/>
+              <a:t>merge</a:t>
+            </a:r>
+            <a:r>
+              <a:rPr lang="fr-FR" sz="1050" dirty="0"/>
+              <a:t> to master </a:t>
+            </a:r>
+            <a:r>
+              <a:rPr lang="fr-FR" sz="1050" dirty="0" err="1"/>
+              <a:t>allowed</a:t>
+            </a:r>
+            <a:r>
+              <a:rPr lang="fr-FR" sz="1050" dirty="0"/>
+              <a:t> </a:t>
+            </a:r>
+            <a:r>
+              <a:rPr lang="fr-FR" sz="1050" dirty="0" err="1"/>
+              <a:t>during</a:t>
+            </a:r>
+            <a:r>
+              <a:rPr lang="fr-FR" sz="1050" dirty="0"/>
+              <a:t> </a:t>
+            </a:r>
+            <a:r>
+              <a:rPr lang="fr-FR" sz="1050" dirty="0" err="1"/>
+              <a:t>feature</a:t>
+            </a:r>
+            <a:r>
+              <a:rPr lang="fr-FR" sz="1050" dirty="0"/>
+              <a:t> </a:t>
+            </a:r>
+            <a:r>
+              <a:rPr lang="fr-FR" sz="1050" dirty="0" err="1"/>
+              <a:t>freeze</a:t>
+            </a:r>
+            <a:endParaRPr lang="fr-FR" sz="1050" dirty="0"/>
+          </a:p>
+        </p:txBody>
+      </p:sp>
+      <p:sp>
+        <p:nvSpPr>
+          <p:cNvPr id="135" name="Rounded Rectangular Callout 134"/>
+          <p:cNvSpPr/>
+          <p:nvPr/>
+        </p:nvSpPr>
+        <p:spPr>
+          <a:xfrm>
+            <a:off x="8816011" y="1283786"/>
+            <a:ext cx="1189998" cy="423648"/>
+          </a:xfrm>
+          <a:prstGeom prst="wedgeRoundRectCallout">
+            <a:avLst/>
+          </a:prstGeom>
+        </p:spPr>
+        <p:style>
+          <a:lnRef idx="2">
+            <a:schemeClr val="dk1"/>
+          </a:lnRef>
+          <a:fillRef idx="1">
+            <a:schemeClr val="lt1"/>
+          </a:fillRef>
+          <a:effectRef idx="0">
+            <a:schemeClr val="dk1"/>
+          </a:effectRef>
+          <a:fontRef idx="minor">
+            <a:schemeClr val="dk1"/>
+          </a:fontRef>
+        </p:style>
+        <p:txBody>
+          <a:bodyPr rtlCol="0" anchor="ctr"/>
+          <a:lstStyle/>
+          <a:p>
+            <a:pPr algn="ctr"/>
+            <a:r>
+              <a:rPr lang="fr-FR" sz="1050" dirty="0"/>
+              <a:t>All issues </a:t>
+            </a:r>
+            <a:r>
+              <a:rPr lang="fr-FR" sz="1050" dirty="0" err="1"/>
+              <a:t>closed</a:t>
+            </a:r>
+            <a:r>
+              <a:rPr lang="fr-FR" sz="1050" dirty="0"/>
+              <a:t> for 2.1 </a:t>
+            </a:r>
+            <a:r>
+              <a:rPr lang="fr-FR" sz="1050" dirty="0" err="1"/>
+              <a:t>Milestone</a:t>
+            </a:r>
+            <a:endParaRPr lang="fr-FR" sz="1050" dirty="0"/>
+          </a:p>
+        </p:txBody>
+      </p:sp>
+      <p:sp>
+        <p:nvSpPr>
+          <p:cNvPr id="140" name="Right Brace 139"/>
+          <p:cNvSpPr/>
+          <p:nvPr/>
+        </p:nvSpPr>
+        <p:spPr>
+          <a:xfrm rot="5400000">
+            <a:off x="1761956" y="5381425"/>
+            <a:ext cx="76201" cy="1972004"/>
+          </a:xfrm>
+          <a:prstGeom prst="rightBrace">
+            <a:avLst/>
+          </a:prstGeom>
+        </p:spPr>
+        <p:style>
+          <a:lnRef idx="1">
+            <a:schemeClr val="accent3"/>
+          </a:lnRef>
+          <a:fillRef idx="0">
+            <a:schemeClr val="accent3"/>
+          </a:fillRef>
+          <a:effectRef idx="0">
+            <a:schemeClr val="accent3"/>
+          </a:effectRef>
+          <a:fontRef idx="minor">
+            <a:schemeClr val="tx1"/>
+          </a:fontRef>
+        </p:style>
+        <p:txBody>
+          <a:bodyPr rtlCol="0" anchor="ctr"/>
+          <a:lstStyle/>
+          <a:p>
+            <a:pPr algn="ctr"/>
+            <a:endParaRPr lang="fr-FR"/>
+          </a:p>
+        </p:txBody>
+      </p:sp>
+      <p:sp>
+        <p:nvSpPr>
+          <p:cNvPr id="141" name="TextBox 140"/>
+          <p:cNvSpPr txBox="1"/>
+          <p:nvPr/>
+        </p:nvSpPr>
+        <p:spPr>
+          <a:xfrm>
+            <a:off x="1142465" y="6463977"/>
+            <a:ext cx="1443495" cy="369332"/>
+          </a:xfrm>
+          <a:prstGeom prst="rect">
+            <a:avLst/>
+          </a:prstGeom>
+          <a:noFill/>
+        </p:spPr>
+        <p:txBody>
+          <a:bodyPr wrap="square" rtlCol="0">
+            <a:spAutoFit/>
+          </a:bodyPr>
+          <a:lstStyle/>
+          <a:p>
+            <a:pPr marL="171450" indent="-171450">
+              <a:buFont typeface="Arial" panose="020B0604020202020204" pitchFamily="34" charset="0"/>
+              <a:buChar char="•"/>
+            </a:pPr>
+            <a:r>
+              <a:rPr lang="fr-FR" sz="900" dirty="0" err="1">
+                <a:solidFill>
+                  <a:schemeClr val="tx1">
+                    <a:lumMod val="65000"/>
+                    <a:lumOff val="35000"/>
+                  </a:schemeClr>
+                </a:solidFill>
+              </a:rPr>
+              <a:t>Current</a:t>
+            </a:r>
+            <a:r>
+              <a:rPr lang="fr-FR" sz="900" dirty="0">
+                <a:solidFill>
+                  <a:schemeClr val="tx1">
+                    <a:lumMod val="65000"/>
+                    <a:lumOff val="35000"/>
+                  </a:schemeClr>
+                </a:solidFill>
+              </a:rPr>
+              <a:t> Release : 2.0</a:t>
+            </a:r>
+          </a:p>
+          <a:p>
+            <a:pPr marL="171450" indent="-171450">
+              <a:buFont typeface="Arial" panose="020B0604020202020204" pitchFamily="34" charset="0"/>
+              <a:buChar char="•"/>
+            </a:pPr>
+            <a:r>
+              <a:rPr lang="fr-FR" sz="900" dirty="0" err="1">
+                <a:solidFill>
+                  <a:schemeClr val="tx1">
+                    <a:lumMod val="65000"/>
+                    <a:lumOff val="35000"/>
+                  </a:schemeClr>
+                </a:solidFill>
+              </a:rPr>
+              <a:t>Next</a:t>
+            </a:r>
+            <a:r>
+              <a:rPr lang="fr-FR" sz="900" dirty="0">
+                <a:solidFill>
+                  <a:schemeClr val="tx1">
+                    <a:lumMod val="65000"/>
+                    <a:lumOff val="35000"/>
+                  </a:schemeClr>
+                </a:solidFill>
+              </a:rPr>
+              <a:t> Release : 2.1</a:t>
+            </a:r>
+          </a:p>
+        </p:txBody>
+      </p:sp>
+      <p:sp>
+        <p:nvSpPr>
+          <p:cNvPr id="144" name="Right Brace 143"/>
+          <p:cNvSpPr/>
+          <p:nvPr/>
+        </p:nvSpPr>
+        <p:spPr>
+          <a:xfrm rot="5400000">
+            <a:off x="6008307" y="3362283"/>
+            <a:ext cx="61081" cy="6010287"/>
+          </a:xfrm>
+          <a:prstGeom prst="rightBrace">
+            <a:avLst/>
+          </a:prstGeom>
+        </p:spPr>
+        <p:style>
+          <a:lnRef idx="1">
+            <a:schemeClr val="accent3"/>
+          </a:lnRef>
+          <a:fillRef idx="0">
+            <a:schemeClr val="accent3"/>
+          </a:fillRef>
+          <a:effectRef idx="0">
+            <a:schemeClr val="accent3"/>
+          </a:effectRef>
+          <a:fontRef idx="minor">
+            <a:schemeClr val="tx1"/>
+          </a:fontRef>
+        </p:style>
+        <p:txBody>
+          <a:bodyPr rtlCol="0" anchor="ctr"/>
+          <a:lstStyle/>
+          <a:p>
+            <a:pPr algn="ctr"/>
+            <a:endParaRPr lang="fr-FR"/>
+          </a:p>
+        </p:txBody>
+      </p:sp>
+      <p:sp>
+        <p:nvSpPr>
+          <p:cNvPr id="145" name="TextBox 144"/>
+          <p:cNvSpPr txBox="1"/>
+          <p:nvPr/>
+        </p:nvSpPr>
+        <p:spPr>
+          <a:xfrm>
+            <a:off x="5338227" y="6463977"/>
+            <a:ext cx="1548343" cy="369332"/>
+          </a:xfrm>
+          <a:prstGeom prst="rect">
+            <a:avLst/>
+          </a:prstGeom>
+          <a:noFill/>
+        </p:spPr>
+        <p:txBody>
+          <a:bodyPr wrap="square" rtlCol="0">
+            <a:spAutoFit/>
+          </a:bodyPr>
+          <a:lstStyle/>
+          <a:p>
+            <a:pPr marL="171450" indent="-171450">
+              <a:buFont typeface="Arial" panose="020B0604020202020204" pitchFamily="34" charset="0"/>
+              <a:buChar char="•"/>
+            </a:pPr>
+            <a:r>
+              <a:rPr lang="fr-FR" sz="900" dirty="0" err="1">
+                <a:solidFill>
+                  <a:schemeClr val="tx1">
+                    <a:lumMod val="65000"/>
+                    <a:lumOff val="35000"/>
+                  </a:schemeClr>
+                </a:solidFill>
+              </a:rPr>
+              <a:t>Current</a:t>
+            </a:r>
+            <a:r>
+              <a:rPr lang="fr-FR" sz="900" dirty="0">
+                <a:solidFill>
+                  <a:schemeClr val="tx1">
+                    <a:lumMod val="65000"/>
+                    <a:lumOff val="35000"/>
+                  </a:schemeClr>
+                </a:solidFill>
+              </a:rPr>
+              <a:t> Release : 2.0.1</a:t>
+            </a:r>
+          </a:p>
+          <a:p>
+            <a:pPr marL="171450" indent="-171450">
+              <a:buFont typeface="Arial" panose="020B0604020202020204" pitchFamily="34" charset="0"/>
+              <a:buChar char="•"/>
+            </a:pPr>
+            <a:r>
+              <a:rPr lang="fr-FR" sz="900" dirty="0" err="1">
+                <a:solidFill>
+                  <a:schemeClr val="tx1">
+                    <a:lumMod val="65000"/>
+                    <a:lumOff val="35000"/>
+                  </a:schemeClr>
+                </a:solidFill>
+              </a:rPr>
+              <a:t>Next</a:t>
+            </a:r>
+            <a:r>
+              <a:rPr lang="fr-FR" sz="900" dirty="0">
+                <a:solidFill>
+                  <a:schemeClr val="tx1">
+                    <a:lumMod val="65000"/>
+                    <a:lumOff val="35000"/>
+                  </a:schemeClr>
+                </a:solidFill>
+              </a:rPr>
+              <a:t> Release : 2.1</a:t>
+            </a:r>
+          </a:p>
+        </p:txBody>
+      </p:sp>
+      <p:sp>
+        <p:nvSpPr>
+          <p:cNvPr id="146" name="Right Brace 145"/>
+          <p:cNvSpPr/>
+          <p:nvPr/>
+        </p:nvSpPr>
+        <p:spPr>
+          <a:xfrm rot="5400000">
+            <a:off x="10072514" y="5381425"/>
+            <a:ext cx="76201" cy="1972004"/>
+          </a:xfrm>
+          <a:prstGeom prst="rightBrace">
+            <a:avLst/>
+          </a:prstGeom>
+        </p:spPr>
+        <p:style>
+          <a:lnRef idx="1">
+            <a:schemeClr val="accent3"/>
+          </a:lnRef>
+          <a:fillRef idx="0">
+            <a:schemeClr val="accent3"/>
+          </a:fillRef>
+          <a:effectRef idx="0">
+            <a:schemeClr val="accent3"/>
+          </a:effectRef>
+          <a:fontRef idx="minor">
+            <a:schemeClr val="tx1"/>
+          </a:fontRef>
+        </p:style>
+        <p:txBody>
+          <a:bodyPr rtlCol="0" anchor="ctr"/>
+          <a:lstStyle/>
+          <a:p>
+            <a:pPr algn="ctr"/>
+            <a:endParaRPr lang="fr-FR"/>
+          </a:p>
+        </p:txBody>
+      </p:sp>
+      <p:sp>
+        <p:nvSpPr>
+          <p:cNvPr id="147" name="TextBox 146"/>
+          <p:cNvSpPr txBox="1"/>
+          <p:nvPr/>
+        </p:nvSpPr>
+        <p:spPr>
+          <a:xfrm>
+            <a:off x="9453024" y="6463977"/>
+            <a:ext cx="1324506" cy="369332"/>
+          </a:xfrm>
+          <a:prstGeom prst="rect">
+            <a:avLst/>
+          </a:prstGeom>
+          <a:noFill/>
+        </p:spPr>
+        <p:txBody>
+          <a:bodyPr wrap="square" rtlCol="0">
+            <a:spAutoFit/>
+          </a:bodyPr>
+          <a:lstStyle/>
+          <a:p>
+            <a:pPr marL="171450" indent="-171450">
+              <a:buFont typeface="Arial" panose="020B0604020202020204" pitchFamily="34" charset="0"/>
+              <a:buChar char="•"/>
+            </a:pPr>
+            <a:r>
+              <a:rPr lang="fr-FR" sz="900" dirty="0" err="1">
+                <a:solidFill>
+                  <a:schemeClr val="tx1">
+                    <a:lumMod val="65000"/>
+                    <a:lumOff val="35000"/>
+                  </a:schemeClr>
+                </a:solidFill>
+              </a:rPr>
+              <a:t>Current</a:t>
+            </a:r>
+            <a:r>
+              <a:rPr lang="fr-FR" sz="900" dirty="0">
+                <a:solidFill>
+                  <a:schemeClr val="tx1">
+                    <a:lumMod val="65000"/>
+                    <a:lumOff val="35000"/>
+                  </a:schemeClr>
+                </a:solidFill>
+              </a:rPr>
+              <a:t> Release : 2.1</a:t>
+            </a:r>
+          </a:p>
+          <a:p>
+            <a:pPr marL="171450" indent="-171450">
+              <a:buFont typeface="Arial" panose="020B0604020202020204" pitchFamily="34" charset="0"/>
+              <a:buChar char="•"/>
+            </a:pPr>
+            <a:r>
+              <a:rPr lang="fr-FR" sz="900" dirty="0" err="1">
+                <a:solidFill>
+                  <a:schemeClr val="tx1">
+                    <a:lumMod val="65000"/>
+                    <a:lumOff val="35000"/>
+                  </a:schemeClr>
+                </a:solidFill>
+              </a:rPr>
+              <a:t>Next</a:t>
+            </a:r>
+            <a:r>
+              <a:rPr lang="fr-FR" sz="900" dirty="0">
+                <a:solidFill>
+                  <a:schemeClr val="tx1">
+                    <a:lumMod val="65000"/>
+                    <a:lumOff val="35000"/>
+                  </a:schemeClr>
+                </a:solidFill>
+              </a:rPr>
+              <a:t> Release : 2.2</a:t>
+            </a:r>
+          </a:p>
+        </p:txBody>
+      </p:sp>
+      <p:sp>
+        <p:nvSpPr>
+          <p:cNvPr id="148" name="TextBox 147"/>
+          <p:cNvSpPr txBox="1"/>
+          <p:nvPr/>
+        </p:nvSpPr>
+        <p:spPr>
+          <a:xfrm>
+            <a:off x="3035966" y="0"/>
+            <a:ext cx="3669049" cy="461665"/>
+          </a:xfrm>
+          <a:prstGeom prst="rect">
+            <a:avLst/>
+          </a:prstGeom>
+          <a:noFill/>
+        </p:spPr>
+        <p:txBody>
+          <a:bodyPr wrap="square" rtlCol="0">
+            <a:spAutoFit/>
+          </a:bodyPr>
+          <a:lstStyle/>
+          <a:p>
+            <a:r>
+              <a:rPr lang="fr-FR" sz="2400" b="1" cap="small" dirty="0"/>
+              <a:t>GIT Branch Management</a:t>
+            </a:r>
+          </a:p>
+        </p:txBody>
+      </p:sp>
+    </p:spTree>
+    <p:extLst>
+      <p:ext uri="{BB962C8B-B14F-4D97-AF65-F5344CB8AC3E}">
+        <p14:creationId xmlns:p14="http://schemas.microsoft.com/office/powerpoint/2010/main" val="3491833983"/>
+      </p:ext>
+    </p:extLst>
+  </p:cSld>
+  <p:clrMapOvr>
+    <a:masterClrMapping/>
+  </p:clrMapOvr>
+  <mc:AlternateContent xmlns:mc="http://schemas.openxmlformats.org/markup-compatibility/2006" xmlns:p159="http://schemas.microsoft.com/office/powerpoint/2015/09/main">
+    <mc:Choice Requires="p159">
+      <p:transition xmlns:p14="http://schemas.microsoft.com/office/powerpoint/2010/main" spd="slow" p14:dur="2000">
+        <p159:morph option="byObject"/>
+      </p:transition>
+    </mc:Choice>
+    <mc:Fallback xmlns="">
+      <p:transition spd="slow">
+        <p:fade/>
+      </p:transition>
+    </mc:Fallback>
+  </mc:AlternateContent>
+</p:sld>
+</file>
+
+<file path=ppt/slides/slide6.xml><?xml version="1.0" encoding="utf-8"?>
 <p:sld xmlns:a="http://schemas.openxmlformats.org/drawingml/2006/main" xmlns:r="http://schemas.openxmlformats.org/officeDocument/2006/relationships" xmlns:p="http://schemas.openxmlformats.org/presentationml/2006/main">
   <p:cSld>
     <p:spTree>
@@ -5022,7 +11456,7 @@
 </p:sld>
 </file>
 
-<file path=ppt/slides/slide4.xml><?xml version="1.0" encoding="utf-8"?>
+<file path=ppt/slides/slide7.xml><?xml version="1.0" encoding="utf-8"?>
 <p:sld xmlns:a="http://schemas.openxmlformats.org/drawingml/2006/main" xmlns:r="http://schemas.openxmlformats.org/officeDocument/2006/relationships" xmlns:p="http://schemas.openxmlformats.org/presentationml/2006/main">
   <p:cSld>
     <p:spTree>
@@ -5109,507 +11543,6 @@
 </p:sld>
 </file>
 
-<file path=ppt/slides/slide5.xml><?xml version="1.0" encoding="utf-8"?>
-<p:sld xmlns:a="http://schemas.openxmlformats.org/drawingml/2006/main" xmlns:r="http://schemas.openxmlformats.org/officeDocument/2006/relationships" xmlns:p="http://schemas.openxmlformats.org/presentationml/2006/main">
-  <p:cSld>
-    <p:spTree>
-      <p:nvGrpSpPr>
-        <p:cNvPr id="1" name=""/>
-        <p:cNvGrpSpPr/>
-        <p:nvPr/>
-      </p:nvGrpSpPr>
-      <p:grpSpPr>
-        <a:xfrm>
-          <a:off x="0" y="0"/>
-          <a:ext cx="0" cy="0"/>
-          <a:chOff x="0" y="0"/>
-          <a:chExt cx="0" cy="0"/>
-        </a:xfrm>
-      </p:grpSpPr>
-      <p:sp>
-        <p:nvSpPr>
-          <p:cNvPr id="2" name="Titel 1"/>
-          <p:cNvSpPr>
-            <a:spLocks noGrp="1"/>
-          </p:cNvSpPr>
-          <p:nvPr>
-            <p:ph type="ctrTitle"/>
-          </p:nvPr>
-        </p:nvSpPr>
-        <p:spPr/>
-        <p:txBody>
-          <a:bodyPr>
-            <a:normAutofit/>
-          </a:bodyPr>
-          <a:lstStyle/>
-          <a:p>
-            <a:r>
-              <a:rPr lang="nl-BE" b="1" dirty="0" err="1"/>
-              <a:t>moose</a:t>
-            </a:r>
-            <a:r>
-              <a:rPr lang="nl-BE" dirty="0"/>
-              <a:t> </a:t>
-            </a:r>
-            <a:r>
-              <a:rPr lang="nl-BE" sz="4800" dirty="0" err="1"/>
-              <a:t>for</a:t>
-            </a:r>
-            <a:r>
-              <a:rPr lang="nl-BE" dirty="0"/>
-              <a:t> </a:t>
-            </a:r>
-            <a:r>
-              <a:rPr lang="nl-BE" dirty="0" err="1"/>
-              <a:t>dcs</a:t>
-            </a:r>
-            <a:r>
-              <a:rPr lang="nl-BE" dirty="0"/>
-              <a:t> </a:t>
-            </a:r>
-            <a:r>
-              <a:rPr lang="nl-BE" dirty="0" err="1"/>
-              <a:t>world</a:t>
-            </a:r>
-            <a:br>
-              <a:rPr lang="nl-BE" dirty="0"/>
-            </a:br>
-            <a:r>
-              <a:rPr lang="nl-BE" b="1" dirty="0">
-                <a:solidFill>
-                  <a:schemeClr val="accent1"/>
-                </a:solidFill>
-              </a:rPr>
-              <a:t>LUA DEV TOOLS (LDT) SETUP</a:t>
-            </a:r>
-            <a:endParaRPr lang="nl-BE" dirty="0"/>
-          </a:p>
-        </p:txBody>
-      </p:sp>
-      <p:sp>
-        <p:nvSpPr>
-          <p:cNvPr id="3" name="Ondertitel 2"/>
-          <p:cNvSpPr>
-            <a:spLocks noGrp="1"/>
-          </p:cNvSpPr>
-          <p:nvPr>
-            <p:ph type="subTitle" idx="1"/>
-          </p:nvPr>
-        </p:nvSpPr>
-        <p:spPr>
-          <a:xfrm>
-            <a:off x="1524000" y="5359781"/>
-            <a:ext cx="9144000" cy="1309255"/>
-          </a:xfrm>
-        </p:spPr>
-        <p:txBody>
-          <a:bodyPr vert="horz" lIns="91440" tIns="45720" rIns="91440" bIns="45720" rtlCol="0" anchor="ctr">
-            <a:normAutofit/>
-          </a:bodyPr>
-          <a:lstStyle/>
-          <a:p>
-            <a:pPr algn="r">
-              <a:lnSpc>
-                <a:spcPct val="85000"/>
-              </a:lnSpc>
-              <a:spcBef>
-                <a:spcPct val="0"/>
-              </a:spcBef>
-            </a:pPr>
-            <a:r>
-              <a:rPr lang="nl-BE" sz="4000" cap="all" dirty="0">
-                <a:effectLst>
-                  <a:glow rad="228600">
-                    <a:schemeClr val="bg1">
-                      <a:alpha val="76000"/>
-                    </a:schemeClr>
-                  </a:glow>
-                  <a:outerShdw blurRad="38100" dist="38100" dir="2700000" algn="tl">
-                    <a:srgbClr val="000000">
-                      <a:alpha val="43137"/>
-                    </a:srgbClr>
-                  </a:outerShdw>
-                </a:effectLst>
-                <a:latin typeface="+mj-lt"/>
-                <a:ea typeface="+mj-ea"/>
-                <a:cs typeface="+mj-cs"/>
-              </a:rPr>
-              <a:t> </a:t>
-            </a:r>
-          </a:p>
-        </p:txBody>
-      </p:sp>
-    </p:spTree>
-    <p:extLst>
-      <p:ext uri="{BB962C8B-B14F-4D97-AF65-F5344CB8AC3E}">
-        <p14:creationId xmlns:p14="http://schemas.microsoft.com/office/powerpoint/2010/main" val="369238133"/>
-      </p:ext>
-    </p:extLst>
-  </p:cSld>
-  <p:clrMapOvr>
-    <a:masterClrMapping/>
-  </p:clrMapOvr>
-  <mc:AlternateContent xmlns:mc="http://schemas.openxmlformats.org/markup-compatibility/2006" xmlns:p14="http://schemas.microsoft.com/office/powerpoint/2010/main">
-    <mc:Choice Requires="p14">
-      <p:transition spd="med" p14:dur="700">
-        <p:fade/>
-      </p:transition>
-    </mc:Choice>
-    <mc:Fallback xmlns="">
-      <p:transition spd="med">
-        <p:fade/>
-      </p:transition>
-    </mc:Fallback>
-  </mc:AlternateContent>
-</p:sld>
-</file>
-
-<file path=ppt/slides/slide6.xml><?xml version="1.0" encoding="utf-8"?>
-<p:sld xmlns:a="http://schemas.openxmlformats.org/drawingml/2006/main" xmlns:r="http://schemas.openxmlformats.org/officeDocument/2006/relationships" xmlns:p="http://schemas.openxmlformats.org/presentationml/2006/main">
-  <p:cSld>
-    <p:spTree>
-      <p:nvGrpSpPr>
-        <p:cNvPr id="1" name=""/>
-        <p:cNvGrpSpPr/>
-        <p:nvPr/>
-      </p:nvGrpSpPr>
-      <p:grpSpPr>
-        <a:xfrm>
-          <a:off x="0" y="0"/>
-          <a:ext cx="0" cy="0"/>
-          <a:chOff x="0" y="0"/>
-          <a:chExt cx="0" cy="0"/>
-        </a:xfrm>
-      </p:grpSpPr>
-      <p:sp>
-        <p:nvSpPr>
-          <p:cNvPr id="4" name="Titel 3"/>
-          <p:cNvSpPr>
-            <a:spLocks noGrp="1"/>
-          </p:cNvSpPr>
-          <p:nvPr>
-            <p:ph type="title"/>
-          </p:nvPr>
-        </p:nvSpPr>
-        <p:spPr>
-          <a:xfrm>
-            <a:off x="875942" y="284176"/>
-            <a:ext cx="10111057" cy="1508760"/>
-          </a:xfrm>
-        </p:spPr>
-        <p:txBody>
-          <a:bodyPr/>
-          <a:lstStyle/>
-          <a:p>
-            <a:r>
-              <a:rPr lang="nl-BE" dirty="0" err="1"/>
-              <a:t>ldt</a:t>
-            </a:r>
-            <a:r>
-              <a:rPr lang="nl-BE" dirty="0"/>
-              <a:t> setup</a:t>
-            </a:r>
-          </a:p>
-        </p:txBody>
-      </p:sp>
-      <p:pic>
-        <p:nvPicPr>
-          <p:cNvPr id="3" name="Afbeelding 2"/>
-          <p:cNvPicPr>
-            <a:picLocks noChangeAspect="1"/>
-          </p:cNvPicPr>
-          <p:nvPr/>
-        </p:nvPicPr>
-        <p:blipFill>
-          <a:blip r:embed="rId2"/>
-          <a:stretch>
-            <a:fillRect/>
-          </a:stretch>
-        </p:blipFill>
-        <p:spPr>
-          <a:xfrm>
-            <a:off x="1865953" y="1988984"/>
-            <a:ext cx="8460094" cy="4758803"/>
-          </a:xfrm>
-          <a:prstGeom prst="rect">
-            <a:avLst/>
-          </a:prstGeom>
-        </p:spPr>
-      </p:pic>
-      <p:sp>
-        <p:nvSpPr>
-          <p:cNvPr id="8" name="Rechthoek 7"/>
-          <p:cNvSpPr/>
-          <p:nvPr/>
-        </p:nvSpPr>
-        <p:spPr>
-          <a:xfrm>
-            <a:off x="5735996" y="368966"/>
-            <a:ext cx="6120068" cy="1260014"/>
-          </a:xfrm>
-          <a:prstGeom prst="rect">
-            <a:avLst/>
-          </a:prstGeom>
-          <a:noFill/>
-          <a:ln w="19050">
-            <a:noFill/>
-          </a:ln>
-        </p:spPr>
-        <p:style>
-          <a:lnRef idx="2">
-            <a:schemeClr val="accent1"/>
-          </a:lnRef>
-          <a:fillRef idx="1">
-            <a:schemeClr val="lt1"/>
-          </a:fillRef>
-          <a:effectRef idx="0">
-            <a:schemeClr val="accent1"/>
-          </a:effectRef>
-          <a:fontRef idx="minor">
-            <a:schemeClr val="dk1"/>
-          </a:fontRef>
-        </p:style>
-        <p:txBody>
-          <a:bodyPr rtlCol="0" anchor="ctr"/>
-          <a:lstStyle/>
-          <a:p>
-            <a:pPr marL="342900" indent="-342900">
-              <a:buFontTx/>
-              <a:buChar char="-"/>
-            </a:pPr>
-            <a:r>
-              <a:rPr lang="nl-BE" sz="2000" b="1" dirty="0">
-                <a:solidFill>
-                  <a:schemeClr val="accent1"/>
-                </a:solidFill>
-              </a:rPr>
-              <a:t>LDT: </a:t>
-            </a:r>
-            <a:r>
-              <a:rPr lang="nl-BE" sz="2000" b="1" dirty="0">
-                <a:solidFill>
-                  <a:schemeClr val="accent1"/>
-                </a:solidFill>
-                <a:hlinkClick r:id="rId3"/>
-              </a:rPr>
-              <a:t>https://eclipse.org/ldt/</a:t>
-            </a:r>
-            <a:endParaRPr lang="nl-BE" sz="2000" b="1" dirty="0">
-              <a:solidFill>
-                <a:schemeClr val="accent1"/>
-              </a:solidFill>
-            </a:endParaRPr>
-          </a:p>
-          <a:p>
-            <a:pPr marL="342900" indent="-342900">
-              <a:buFontTx/>
-              <a:buChar char="-"/>
-            </a:pPr>
-            <a:r>
-              <a:rPr lang="nl-BE" sz="2000" b="1" dirty="0">
-                <a:solidFill>
-                  <a:schemeClr val="accent1"/>
-                </a:solidFill>
-              </a:rPr>
-              <a:t>JAVA: </a:t>
-            </a:r>
-            <a:r>
-              <a:rPr lang="nl-BE" sz="2000" b="1" dirty="0">
-                <a:solidFill>
-                  <a:schemeClr val="accent1"/>
-                </a:solidFill>
-                <a:hlinkClick r:id="rId4"/>
-              </a:rPr>
-              <a:t>https://java.com/en/download/</a:t>
-            </a:r>
-            <a:endParaRPr lang="nl-BE" sz="2000" b="1" dirty="0">
-              <a:solidFill>
-                <a:schemeClr val="accent1"/>
-              </a:solidFill>
-            </a:endParaRPr>
-          </a:p>
-        </p:txBody>
-      </p:sp>
-    </p:spTree>
-    <p:extLst>
-      <p:ext uri="{BB962C8B-B14F-4D97-AF65-F5344CB8AC3E}">
-        <p14:creationId xmlns:p14="http://schemas.microsoft.com/office/powerpoint/2010/main" val="1719082295"/>
-      </p:ext>
-    </p:extLst>
-  </p:cSld>
-  <p:clrMapOvr>
-    <a:masterClrMapping/>
-  </p:clrMapOvr>
-  <mc:AlternateContent xmlns:mc="http://schemas.openxmlformats.org/markup-compatibility/2006" xmlns:p159="http://schemas.microsoft.com/office/powerpoint/2015/09/main">
-    <mc:Choice Requires="p159">
-      <p:transition xmlns:p14="http://schemas.microsoft.com/office/powerpoint/2010/main" spd="slow" p14:dur="2000">
-        <p159:morph option="byObject"/>
-      </p:transition>
-    </mc:Choice>
-    <mc:Fallback xmlns="">
-      <p:transition spd="slow">
-        <p:fade/>
-      </p:transition>
-    </mc:Fallback>
-  </mc:AlternateContent>
-</p:sld>
-</file>
-
-<file path=ppt/slides/slide7.xml><?xml version="1.0" encoding="utf-8"?>
-<p:sld xmlns:a="http://schemas.openxmlformats.org/drawingml/2006/main" xmlns:r="http://schemas.openxmlformats.org/officeDocument/2006/relationships" xmlns:p="http://schemas.openxmlformats.org/presentationml/2006/main">
-  <p:cSld>
-    <p:spTree>
-      <p:nvGrpSpPr>
-        <p:cNvPr id="1" name=""/>
-        <p:cNvGrpSpPr/>
-        <p:nvPr/>
-      </p:nvGrpSpPr>
-      <p:grpSpPr>
-        <a:xfrm>
-          <a:off x="0" y="0"/>
-          <a:ext cx="0" cy="0"/>
-          <a:chOff x="0" y="0"/>
-          <a:chExt cx="0" cy="0"/>
-        </a:xfrm>
-      </p:grpSpPr>
-      <p:sp>
-        <p:nvSpPr>
-          <p:cNvPr id="2" name="Titel 1"/>
-          <p:cNvSpPr>
-            <a:spLocks noGrp="1"/>
-          </p:cNvSpPr>
-          <p:nvPr>
-            <p:ph type="ctrTitle"/>
-          </p:nvPr>
-        </p:nvSpPr>
-        <p:spPr/>
-        <p:txBody>
-          <a:bodyPr>
-            <a:normAutofit/>
-          </a:bodyPr>
-          <a:lstStyle/>
-          <a:p>
-            <a:r>
-              <a:rPr lang="nl-BE" b="1" dirty="0" err="1"/>
-              <a:t>moose</a:t>
-            </a:r>
-            <a:r>
-              <a:rPr lang="nl-BE" dirty="0"/>
-              <a:t> </a:t>
-            </a:r>
-            <a:r>
-              <a:rPr lang="nl-BE" sz="4800" dirty="0" err="1"/>
-              <a:t>for</a:t>
-            </a:r>
-            <a:r>
-              <a:rPr lang="nl-BE" dirty="0"/>
-              <a:t> </a:t>
-            </a:r>
-            <a:r>
-              <a:rPr lang="nl-BE" dirty="0" err="1"/>
-              <a:t>dcs</a:t>
-            </a:r>
-            <a:r>
-              <a:rPr lang="nl-BE" dirty="0"/>
-              <a:t> </a:t>
-            </a:r>
-            <a:r>
-              <a:rPr lang="nl-BE" dirty="0" err="1"/>
-              <a:t>world</a:t>
-            </a:r>
-            <a:br>
-              <a:rPr lang="nl-BE" dirty="0"/>
-            </a:br>
-            <a:r>
-              <a:rPr lang="nl-BE" b="1" dirty="0">
-                <a:solidFill>
-                  <a:schemeClr val="accent1"/>
-                </a:solidFill>
-              </a:rPr>
-              <a:t>GITHUB desktop setup</a:t>
-            </a:r>
-            <a:endParaRPr lang="nl-BE" dirty="0"/>
-          </a:p>
-        </p:txBody>
-      </p:sp>
-      <p:sp>
-        <p:nvSpPr>
-          <p:cNvPr id="3" name="Ondertitel 2"/>
-          <p:cNvSpPr>
-            <a:spLocks noGrp="1"/>
-          </p:cNvSpPr>
-          <p:nvPr>
-            <p:ph type="subTitle" idx="1"/>
-          </p:nvPr>
-        </p:nvSpPr>
-        <p:spPr>
-          <a:xfrm>
-            <a:off x="1524000" y="5359781"/>
-            <a:ext cx="9144000" cy="1309255"/>
-          </a:xfrm>
-        </p:spPr>
-        <p:txBody>
-          <a:bodyPr vert="horz" lIns="91440" tIns="45720" rIns="91440" bIns="45720" rtlCol="0" anchor="ctr">
-            <a:normAutofit/>
-          </a:bodyPr>
-          <a:lstStyle/>
-          <a:p>
-            <a:pPr algn="r">
-              <a:lnSpc>
-                <a:spcPct val="85000"/>
-              </a:lnSpc>
-              <a:spcBef>
-                <a:spcPct val="0"/>
-              </a:spcBef>
-            </a:pPr>
-            <a:r>
-              <a:rPr lang="nl-BE" sz="4000" cap="all" dirty="0">
-                <a:effectLst>
-                  <a:glow rad="228600">
-                    <a:schemeClr val="bg1">
-                      <a:alpha val="76000"/>
-                    </a:schemeClr>
-                  </a:glow>
-                  <a:outerShdw blurRad="38100" dist="38100" dir="2700000" algn="tl">
-                    <a:srgbClr val="000000">
-                      <a:alpha val="43137"/>
-                    </a:srgbClr>
-                  </a:outerShdw>
-                </a:effectLst>
-                <a:latin typeface="+mj-lt"/>
-                <a:ea typeface="+mj-ea"/>
-                <a:cs typeface="+mj-cs"/>
-              </a:rPr>
-              <a:t> </a:t>
-            </a:r>
-          </a:p>
-        </p:txBody>
-      </p:sp>
-    </p:spTree>
-    <p:extLst>
-      <p:ext uri="{BB962C8B-B14F-4D97-AF65-F5344CB8AC3E}">
-        <p14:creationId xmlns:p14="http://schemas.microsoft.com/office/powerpoint/2010/main" val="1096184538"/>
-      </p:ext>
-    </p:extLst>
-  </p:cSld>
-  <p:clrMapOvr>
-    <a:masterClrMapping/>
-  </p:clrMapOvr>
-  <mc:AlternateContent xmlns:mc="http://schemas.openxmlformats.org/markup-compatibility/2006" xmlns:p14="http://schemas.microsoft.com/office/powerpoint/2010/main">
-    <mc:Choice Requires="p14">
-      <p:transition spd="med" p14:dur="700">
-        <p:fade/>
-      </p:transition>
-    </mc:Choice>
-    <mc:Fallback xmlns="">
-      <p:transition spd="med">
-        <p:fade/>
-      </p:transition>
-    </mc:Fallback>
-  </mc:AlternateContent>
-</p:sld>
-</file>
-
 <file path=ppt/slides/slide8.xml><?xml version="1.0" encoding="utf-8"?>
 <p:sld xmlns:a="http://schemas.openxmlformats.org/drawingml/2006/main" xmlns:r="http://schemas.openxmlformats.org/officeDocument/2006/relationships" xmlns:p="http://schemas.openxmlformats.org/presentationml/2006/main">
   <p:cSld>
@@ -5629,185 +11562,167 @@
       </p:grpSpPr>
       <p:sp>
         <p:nvSpPr>
-          <p:cNvPr id="4" name="Titel 3"/>
+          <p:cNvPr id="2" name="Titel 1"/>
           <p:cNvSpPr>
             <a:spLocks noGrp="1"/>
           </p:cNvSpPr>
           <p:nvPr>
-            <p:ph type="title"/>
+            <p:ph type="ctrTitle"/>
           </p:nvPr>
         </p:nvSpPr>
-        <p:spPr>
-          <a:xfrm>
-            <a:off x="875942" y="284176"/>
-            <a:ext cx="10111057" cy="1508760"/>
-          </a:xfrm>
-        </p:spPr>
-        <p:txBody>
-          <a:bodyPr/>
-          <a:lstStyle/>
-          <a:p>
+        <p:spPr/>
+        <p:txBody>
+          <a:bodyPr>
+            <a:normAutofit/>
+          </a:bodyPr>
+          <a:lstStyle/>
+          <a:p>
+            <a:r>
+              <a:rPr lang="nl-BE" b="1" dirty="0" err="1"/>
+              <a:t>moose</a:t>
+            </a:r>
             <a:r>
               <a:rPr lang="nl-BE" dirty="0"/>
-              <a:t>GITHUB DESKTOP</a:t>
+              <a:t> </a:t>
+            </a:r>
+            <a:r>
+              <a:rPr lang="nl-BE" sz="4800" dirty="0" err="1"/>
+              <a:t>for</a:t>
+            </a:r>
+            <a:r>
+              <a:rPr lang="nl-BE" dirty="0"/>
+              <a:t> </a:t>
+            </a:r>
+            <a:r>
+              <a:rPr lang="nl-BE" dirty="0" err="1"/>
+              <a:t>dcs</a:t>
+            </a:r>
+            <a:r>
+              <a:rPr lang="nl-BE" dirty="0"/>
+              <a:t> </a:t>
+            </a:r>
+            <a:r>
+              <a:rPr lang="nl-BE" dirty="0" err="1"/>
+              <a:t>world</a:t>
             </a:r>
             <a:br>
               <a:rPr lang="nl-BE" dirty="0"/>
             </a:br>
             <a:r>
-              <a:rPr lang="nl-BE" dirty="0"/>
-              <a:t>SET</a:t>
-            </a:r>
-          </a:p>
-        </p:txBody>
-      </p:sp>
-      <p:sp>
-        <p:nvSpPr>
-          <p:cNvPr id="8" name="Rechthoek 7"/>
-          <p:cNvSpPr/>
-          <p:nvPr/>
-        </p:nvSpPr>
-        <p:spPr>
-          <a:xfrm>
-            <a:off x="5735996" y="368966"/>
-            <a:ext cx="6120068" cy="1260014"/>
-          </a:xfrm>
-          <a:prstGeom prst="rect">
-            <a:avLst/>
-          </a:prstGeom>
-          <a:noFill/>
-          <a:ln w="19050">
-            <a:noFill/>
-          </a:ln>
-        </p:spPr>
-        <p:style>
-          <a:lnRef idx="2">
-            <a:schemeClr val="accent1"/>
-          </a:lnRef>
-          <a:fillRef idx="1">
-            <a:schemeClr val="lt1"/>
-          </a:fillRef>
-          <a:effectRef idx="0">
-            <a:schemeClr val="accent1"/>
-          </a:effectRef>
-          <a:fontRef idx="minor">
-            <a:schemeClr val="dk1"/>
-          </a:fontRef>
-        </p:style>
-        <p:txBody>
-          <a:bodyPr rtlCol="0" anchor="ctr"/>
-          <a:lstStyle/>
-          <a:p>
-            <a:pPr marL="342900" indent="-342900">
-              <a:buFontTx/>
-              <a:buChar char="-"/>
+              <a:rPr lang="nl-BE" dirty="0">
+                <a:solidFill>
+                  <a:schemeClr val="accent1"/>
+                </a:solidFill>
+              </a:rPr>
+              <a:t>setup </a:t>
+            </a:r>
+            <a:r>
+              <a:rPr lang="nl-BE" dirty="0" err="1">
+                <a:solidFill>
+                  <a:schemeClr val="accent1"/>
+                </a:solidFill>
+              </a:rPr>
+              <a:t>for</a:t>
+            </a:r>
+            <a:r>
+              <a:rPr lang="nl-BE" dirty="0">
+                <a:solidFill>
+                  <a:schemeClr val="accent1"/>
+                </a:solidFill>
+              </a:rPr>
+              <a:t> a </a:t>
+            </a:r>
+            <a:r>
+              <a:rPr lang="nl-BE" dirty="0" err="1">
+                <a:solidFill>
+                  <a:schemeClr val="accent1"/>
+                </a:solidFill>
+              </a:rPr>
+              <a:t>normal</a:t>
+            </a:r>
+            <a:r>
+              <a:rPr lang="nl-BE" dirty="0">
+                <a:solidFill>
+                  <a:schemeClr val="accent1"/>
+                </a:solidFill>
+              </a:rPr>
+              <a:t> user</a:t>
+            </a:r>
+            <a:endParaRPr lang="nl-BE" dirty="0"/>
+          </a:p>
+        </p:txBody>
+      </p:sp>
+      <p:sp>
+        <p:nvSpPr>
+          <p:cNvPr id="3" name="Ondertitel 2"/>
+          <p:cNvSpPr>
+            <a:spLocks noGrp="1"/>
+          </p:cNvSpPr>
+          <p:nvPr>
+            <p:ph type="subTitle" idx="1"/>
+          </p:nvPr>
+        </p:nvSpPr>
+        <p:spPr>
+          <a:xfrm>
+            <a:off x="1524000" y="5359781"/>
+            <a:ext cx="9144000" cy="1309255"/>
+          </a:xfrm>
+        </p:spPr>
+        <p:txBody>
+          <a:bodyPr vert="horz" lIns="91440" tIns="45720" rIns="91440" bIns="45720" rtlCol="0" anchor="ctr">
+            <a:normAutofit/>
+          </a:bodyPr>
+          <a:lstStyle/>
+          <a:p>
+            <a:pPr algn="r">
+              <a:lnSpc>
+                <a:spcPct val="85000"/>
+              </a:lnSpc>
+              <a:spcBef>
+                <a:spcPct val="0"/>
+              </a:spcBef>
             </a:pPr>
             <a:r>
-              <a:rPr lang="nl-BE" sz="2000" b="1" dirty="0">
-                <a:solidFill>
-                  <a:schemeClr val="accent1"/>
-                </a:solidFill>
-              </a:rPr>
-              <a:t>GITHUB DESKTOP: </a:t>
-            </a:r>
-            <a:r>
-              <a:rPr lang="nl-BE" sz="2000" b="1" dirty="0">
-                <a:solidFill>
-                  <a:schemeClr val="accent1"/>
-                </a:solidFill>
-                <a:hlinkClick r:id="rId2"/>
-              </a:rPr>
-              <a:t>https://desktop.github.com/</a:t>
-            </a:r>
-            <a:endParaRPr lang="nl-BE" sz="2000" b="1" dirty="0">
-              <a:solidFill>
-                <a:schemeClr val="accent1"/>
-              </a:solidFill>
-            </a:endParaRPr>
-          </a:p>
-          <a:p>
-            <a:pPr marL="342900" indent="-342900">
-              <a:buFontTx/>
-              <a:buChar char="-"/>
-            </a:pPr>
-            <a:r>
-              <a:rPr lang="nl-BE" sz="2000" b="1" dirty="0">
-                <a:solidFill>
-                  <a:schemeClr val="accent1"/>
-                </a:solidFill>
-              </a:rPr>
-              <a:t>MOOSE: </a:t>
-            </a:r>
-            <a:r>
-              <a:rPr lang="nl-BE" sz="2000" b="1" dirty="0">
-                <a:solidFill>
-                  <a:schemeClr val="accent1"/>
-                </a:solidFill>
-                <a:hlinkClick r:id="rId3"/>
-              </a:rPr>
-              <a:t>https://github.com/FlightControl-Master/MOOSE</a:t>
-            </a:r>
-            <a:endParaRPr lang="nl-BE" sz="2000" b="1" dirty="0">
-              <a:solidFill>
-                <a:schemeClr val="accent1"/>
-              </a:solidFill>
-            </a:endParaRPr>
-          </a:p>
-          <a:p>
-            <a:pPr marL="342900" indent="-342900">
-              <a:buFontTx/>
-              <a:buChar char="-"/>
-            </a:pPr>
-            <a:endParaRPr lang="nl-BE" sz="2000" b="1" dirty="0">
-              <a:solidFill>
-                <a:schemeClr val="accent1"/>
-              </a:solidFill>
-            </a:endParaRPr>
-          </a:p>
-        </p:txBody>
-      </p:sp>
-      <p:pic>
-        <p:nvPicPr>
-          <p:cNvPr id="2" name="Afbeelding 1"/>
-          <p:cNvPicPr>
-            <a:picLocks noChangeAspect="1"/>
-          </p:cNvPicPr>
-          <p:nvPr/>
-        </p:nvPicPr>
-        <p:blipFill>
-          <a:blip r:embed="rId4"/>
-          <a:stretch>
-            <a:fillRect/>
-          </a:stretch>
-        </p:blipFill>
-        <p:spPr>
-          <a:xfrm>
-            <a:off x="2045955" y="1988984"/>
-            <a:ext cx="8480094" cy="4770053"/>
-          </a:xfrm>
-          <a:prstGeom prst="rect">
-            <a:avLst/>
-          </a:prstGeom>
-        </p:spPr>
-      </p:pic>
+              <a:rPr lang="nl-BE" sz="4000" cap="all" dirty="0">
+                <a:effectLst>
+                  <a:glow rad="228600">
+                    <a:schemeClr val="bg1">
+                      <a:alpha val="76000"/>
+                    </a:schemeClr>
+                  </a:glow>
+                  <a:outerShdw blurRad="38100" dist="38100" dir="2700000" algn="tl">
+                    <a:srgbClr val="000000">
+                      <a:alpha val="43137"/>
+                    </a:srgbClr>
+                  </a:outerShdw>
+                </a:effectLst>
+                <a:latin typeface="+mj-lt"/>
+                <a:ea typeface="+mj-ea"/>
+                <a:cs typeface="+mj-cs"/>
+              </a:rPr>
+              <a:t> </a:t>
+            </a:r>
+          </a:p>
+        </p:txBody>
+      </p:sp>
     </p:spTree>
     <p:extLst>
       <p:ext uri="{BB962C8B-B14F-4D97-AF65-F5344CB8AC3E}">
-        <p14:creationId xmlns:p14="http://schemas.microsoft.com/office/powerpoint/2010/main" val="2804466200"/>
+        <p14:creationId xmlns:p14="http://schemas.microsoft.com/office/powerpoint/2010/main" val="503677364"/>
       </p:ext>
     </p:extLst>
   </p:cSld>
   <p:clrMapOvr>
     <a:masterClrMapping/>
   </p:clrMapOvr>
-  <mc:AlternateContent xmlns:mc="http://schemas.openxmlformats.org/markup-compatibility/2006" xmlns:p159="http://schemas.microsoft.com/office/powerpoint/2015/09/main">
-    <mc:Choice Requires="p159">
-      <p:transition xmlns:p14="http://schemas.microsoft.com/office/powerpoint/2010/main" spd="slow" p14:dur="2000">
-        <p159:morph option="byObject"/>
+  <mc:AlternateContent xmlns:mc="http://schemas.openxmlformats.org/markup-compatibility/2006" xmlns:p14="http://schemas.microsoft.com/office/powerpoint/2010/main">
+    <mc:Choice Requires="p14">
+      <p:transition spd="med" p14:dur="700">
+        <p:fade/>
       </p:transition>
     </mc:Choice>
     <mc:Fallback xmlns="">
-      <p:transition spd="slow">
+      <p:transition spd="med">
         <p:fade/>
       </p:transition>
     </mc:Fallback>
@@ -5881,12 +11796,12 @@
               <a:rPr lang="nl-BE" dirty="0"/>
             </a:br>
             <a:r>
-              <a:rPr lang="nl-BE" dirty="0">
+              <a:rPr lang="nl-BE" b="1" dirty="0">
                 <a:solidFill>
                   <a:schemeClr val="accent1"/>
                 </a:solidFill>
               </a:rPr>
-              <a:t>CONFIGURE MOOSE in LDT</a:t>
+              <a:t>LUA DEV TOOLS (LDT) SETUP</a:t>
             </a:r>
             <a:endParaRPr lang="nl-BE" dirty="0"/>
           </a:p>
@@ -5948,7 +11863,7 @@
     </p:spTree>
     <p:extLst>
       <p:ext uri="{BB962C8B-B14F-4D97-AF65-F5344CB8AC3E}">
-        <p14:creationId xmlns:p14="http://schemas.microsoft.com/office/powerpoint/2010/main" val="503677364"/>
+        <p14:creationId xmlns:p14="http://schemas.microsoft.com/office/powerpoint/2010/main" val="369238133"/>
       </p:ext>
     </p:extLst>
   </p:cSld>

--- a/Moose Presentations/SETUP.pptx
+++ b/Moose Presentations/SETUP.pptx
@@ -20,6 +20,13 @@
     <p:sldId id="262" r:id="rId14"/>
     <p:sldId id="263" r:id="rId15"/>
     <p:sldId id="265" r:id="rId16"/>
+    <p:sldId id="274" r:id="rId17"/>
+    <p:sldId id="273" r:id="rId18"/>
+    <p:sldId id="275" r:id="rId19"/>
+    <p:sldId id="276" r:id="rId20"/>
+    <p:sldId id="277" r:id="rId21"/>
+    <p:sldId id="278" r:id="rId22"/>
+    <p:sldId id="280" r:id="rId23"/>
   </p:sldIdLst>
   <p:sldSz cx="12192000" cy="6858000"/>
   <p:notesSz cx="6858000" cy="9144000"/>
@@ -306,7 +313,7 @@
           <a:p>
             <a:fld id="{96DFF08F-DC6B-4601-B491-B0F83F6DD2DA}" type="datetimeFigureOut">
               <a:rPr lang="en-US" dirty="0"/>
-              <a:t>4/18/2017</a:t>
+              <a:t>2/19/2018</a:t>
             </a:fld>
             <a:endParaRPr lang="en-US" dirty="0"/>
           </a:p>
@@ -557,7 +564,7 @@
           <a:p>
             <a:fld id="{96DFF08F-DC6B-4601-B491-B0F83F6DD2DA}" type="datetimeFigureOut">
               <a:rPr lang="en-US" dirty="0"/>
-              <a:t>4/18/2017</a:t>
+              <a:t>2/19/2018</a:t>
             </a:fld>
             <a:endParaRPr lang="en-US" dirty="0"/>
           </a:p>
@@ -794,7 +801,7 @@
           <a:p>
             <a:fld id="{96DFF08F-DC6B-4601-B491-B0F83F6DD2DA}" type="datetimeFigureOut">
               <a:rPr lang="en-US" dirty="0"/>
-              <a:t>4/18/2017</a:t>
+              <a:t>2/19/2018</a:t>
             </a:fld>
             <a:endParaRPr lang="en-US" dirty="0"/>
           </a:p>
@@ -1004,7 +1011,7 @@
           <a:p>
             <a:fld id="{96DFF08F-DC6B-4601-B491-B0F83F6DD2DA}" type="datetimeFigureOut">
               <a:rPr lang="en-US" dirty="0"/>
-              <a:t>4/18/2017</a:t>
+              <a:t>2/19/2018</a:t>
             </a:fld>
             <a:endParaRPr lang="en-US" dirty="0"/>
           </a:p>
@@ -1595,7 +1602,7 @@
           <a:p>
             <a:fld id="{96DFF08F-DC6B-4601-B491-B0F83F6DD2DA}" type="datetimeFigureOut">
               <a:rPr lang="en-US" dirty="0"/>
-              <a:t>4/18/2017</a:t>
+              <a:t>2/19/2018</a:t>
             </a:fld>
             <a:endParaRPr lang="en-US" dirty="0"/>
           </a:p>
@@ -2024,7 +2031,7 @@
           <a:p>
             <a:fld id="{96DFF08F-DC6B-4601-B491-B0F83F6DD2DA}" type="datetimeFigureOut">
               <a:rPr lang="en-US" dirty="0"/>
-              <a:t>4/18/2017</a:t>
+              <a:t>2/19/2018</a:t>
             </a:fld>
             <a:endParaRPr lang="en-US" dirty="0"/>
           </a:p>
@@ -2193,7 +2200,7 @@
           <a:p>
             <a:fld id="{96DFF08F-DC6B-4601-B491-B0F83F6DD2DA}" type="datetimeFigureOut">
               <a:rPr lang="en-US" dirty="0"/>
-              <a:t>4/18/2017</a:t>
+              <a:t>2/19/2018</a:t>
             </a:fld>
             <a:endParaRPr lang="en-US" dirty="0"/>
           </a:p>
@@ -2480,7 +2487,7 @@
           <a:p>
             <a:fld id="{96DFF08F-DC6B-4601-B491-B0F83F6DD2DA}" type="datetimeFigureOut">
               <a:rPr lang="en-US" dirty="0"/>
-              <a:t>4/18/2017</a:t>
+              <a:t>2/19/2018</a:t>
             </a:fld>
             <a:endParaRPr lang="en-US" dirty="0"/>
           </a:p>
@@ -2759,7 +2766,7 @@
           <a:p>
             <a:fld id="{96DFF08F-DC6B-4601-B491-B0F83F6DD2DA}" type="datetimeFigureOut">
               <a:rPr lang="en-US" dirty="0"/>
-              <a:t>4/18/2017</a:t>
+              <a:t>2/19/2018</a:t>
             </a:fld>
             <a:endParaRPr lang="en-US" dirty="0"/>
           </a:p>
@@ -3034,7 +3041,7 @@
             <a:fld id="{96DFF08F-DC6B-4601-B491-B0F83F6DD2DA}" type="datetimeFigureOut">
               <a:rPr lang="en-US" dirty="0"/>
               <a:pPr/>
-              <a:t>4/18/2017</a:t>
+              <a:t>2/19/2018</a:t>
             </a:fld>
             <a:endParaRPr lang="en-US" dirty="0"/>
           </a:p>
@@ -4782,6 +4789,579 @@
 </p:sld>
 </file>
 
+<file path=ppt/slides/slide16.xml><?xml version="1.0" encoding="utf-8"?>
+<p:sld xmlns:a="http://schemas.openxmlformats.org/drawingml/2006/main" xmlns:r="http://schemas.openxmlformats.org/officeDocument/2006/relationships" xmlns:p="http://schemas.openxmlformats.org/presentationml/2006/main">
+  <p:cSld>
+    <p:spTree>
+      <p:nvGrpSpPr>
+        <p:cNvPr id="1" name=""/>
+        <p:cNvGrpSpPr/>
+        <p:nvPr/>
+      </p:nvGrpSpPr>
+      <p:grpSpPr>
+        <a:xfrm>
+          <a:off x="0" y="0"/>
+          <a:ext cx="0" cy="0"/>
+          <a:chOff x="0" y="0"/>
+          <a:chExt cx="0" cy="0"/>
+        </a:xfrm>
+      </p:grpSpPr>
+      <p:sp>
+        <p:nvSpPr>
+          <p:cNvPr id="4" name="Titel 3">
+            <a:extLst>
+              <a:ext uri="{FF2B5EF4-FFF2-40B4-BE49-F238E27FC236}">
+                <a16:creationId xmlns:a16="http://schemas.microsoft.com/office/drawing/2014/main" id="{FA08FCEC-CF1D-4018-878E-789FD1BC1791}"/>
+              </a:ext>
+            </a:extLst>
+          </p:cNvPr>
+          <p:cNvSpPr>
+            <a:spLocks noGrp="1"/>
+          </p:cNvSpPr>
+          <p:nvPr>
+            <p:ph type="title"/>
+          </p:nvPr>
+        </p:nvSpPr>
+        <p:spPr/>
+        <p:txBody>
+          <a:bodyPr/>
+          <a:lstStyle/>
+          <a:p>
+            <a:r>
+              <a:rPr lang="nl-BE" dirty="0" err="1"/>
+              <a:t>work</a:t>
+            </a:r>
+            <a:r>
+              <a:rPr lang="nl-BE" dirty="0"/>
+              <a:t> in </a:t>
+            </a:r>
+            <a:r>
+              <a:rPr lang="nl-BE" dirty="0" err="1"/>
+              <a:t>progress</a:t>
+            </a:r>
+            <a:r>
+              <a:rPr lang="nl-BE" dirty="0"/>
+              <a:t> 1</a:t>
+            </a:r>
+          </a:p>
+        </p:txBody>
+      </p:sp>
+      <p:sp>
+        <p:nvSpPr>
+          <p:cNvPr id="5" name="Tijdelijke aanduiding voor tekst 4">
+            <a:extLst>
+              <a:ext uri="{FF2B5EF4-FFF2-40B4-BE49-F238E27FC236}">
+                <a16:creationId xmlns:a16="http://schemas.microsoft.com/office/drawing/2014/main" id="{20AA36D0-B2A3-4E44-8CC3-5F1B2D89E553}"/>
+              </a:ext>
+            </a:extLst>
+          </p:cNvPr>
+          <p:cNvSpPr>
+            <a:spLocks noGrp="1"/>
+          </p:cNvSpPr>
+          <p:nvPr>
+            <p:ph type="body" idx="1"/>
+          </p:nvPr>
+        </p:nvSpPr>
+        <p:spPr/>
+        <p:txBody>
+          <a:bodyPr/>
+          <a:lstStyle/>
+          <a:p>
+            <a:endParaRPr lang="nl-BE"/>
+          </a:p>
+        </p:txBody>
+      </p:sp>
+    </p:spTree>
+    <p:extLst>
+      <p:ext uri="{BB962C8B-B14F-4D97-AF65-F5344CB8AC3E}">
+        <p14:creationId xmlns:p14="http://schemas.microsoft.com/office/powerpoint/2010/main" val="3348891479"/>
+      </p:ext>
+    </p:extLst>
+  </p:cSld>
+  <p:clrMapOvr>
+    <a:masterClrMapping/>
+  </p:clrMapOvr>
+  <mc:AlternateContent xmlns:mc="http://schemas.openxmlformats.org/markup-compatibility/2006" xmlns:p159="http://schemas.microsoft.com/office/powerpoint/2015/09/main">
+    <mc:Choice Requires="p159">
+      <p:transition xmlns:p14="http://schemas.microsoft.com/office/powerpoint/2010/main" spd="slow" p14:dur="2000">
+        <p159:morph option="byObject"/>
+      </p:transition>
+    </mc:Choice>
+    <mc:Fallback xmlns="">
+      <p:transition spd="slow">
+        <p:fade/>
+      </p:transition>
+    </mc:Fallback>
+  </mc:AlternateContent>
+</p:sld>
+</file>
+
+<file path=ppt/slides/slide17.xml><?xml version="1.0" encoding="utf-8"?>
+<p:sld xmlns:a="http://schemas.openxmlformats.org/drawingml/2006/main" xmlns:r="http://schemas.openxmlformats.org/officeDocument/2006/relationships" xmlns:p="http://schemas.openxmlformats.org/presentationml/2006/main">
+  <p:cSld>
+    <p:spTree>
+      <p:nvGrpSpPr>
+        <p:cNvPr id="1" name=""/>
+        <p:cNvGrpSpPr/>
+        <p:nvPr/>
+      </p:nvGrpSpPr>
+      <p:grpSpPr>
+        <a:xfrm>
+          <a:off x="0" y="0"/>
+          <a:ext cx="0" cy="0"/>
+          <a:chOff x="0" y="0"/>
+          <a:chExt cx="0" cy="0"/>
+        </a:xfrm>
+      </p:grpSpPr>
+      <p:sp>
+        <p:nvSpPr>
+          <p:cNvPr id="2" name="Titel 1"/>
+          <p:cNvSpPr>
+            <a:spLocks noGrp="1"/>
+          </p:cNvSpPr>
+          <p:nvPr>
+            <p:ph type="ctrTitle"/>
+          </p:nvPr>
+        </p:nvSpPr>
+        <p:spPr/>
+        <p:txBody>
+          <a:bodyPr>
+            <a:normAutofit/>
+          </a:bodyPr>
+          <a:lstStyle/>
+          <a:p>
+            <a:r>
+              <a:rPr lang="nl-BE" b="1" dirty="0" err="1"/>
+              <a:t>moose</a:t>
+            </a:r>
+            <a:r>
+              <a:rPr lang="nl-BE" dirty="0"/>
+              <a:t> </a:t>
+            </a:r>
+            <a:r>
+              <a:rPr lang="nl-BE" sz="4800" dirty="0" err="1"/>
+              <a:t>for</a:t>
+            </a:r>
+            <a:r>
+              <a:rPr lang="nl-BE" dirty="0"/>
+              <a:t> </a:t>
+            </a:r>
+            <a:r>
+              <a:rPr lang="nl-BE" dirty="0" err="1"/>
+              <a:t>dcs</a:t>
+            </a:r>
+            <a:r>
+              <a:rPr lang="nl-BE" dirty="0"/>
+              <a:t> </a:t>
+            </a:r>
+            <a:r>
+              <a:rPr lang="nl-BE" dirty="0" err="1"/>
+              <a:t>world</a:t>
+            </a:r>
+            <a:br>
+              <a:rPr lang="nl-BE" dirty="0"/>
+            </a:br>
+            <a:r>
+              <a:rPr lang="nl-BE" sz="5300" dirty="0" err="1">
+                <a:solidFill>
+                  <a:schemeClr val="accent1"/>
+                </a:solidFill>
+              </a:rPr>
+              <a:t>interactive</a:t>
+            </a:r>
+            <a:r>
+              <a:rPr lang="nl-BE" sz="5300" dirty="0">
+                <a:solidFill>
+                  <a:schemeClr val="accent1"/>
+                </a:solidFill>
+              </a:rPr>
+              <a:t> debug in </a:t>
+            </a:r>
+            <a:r>
+              <a:rPr lang="nl-BE" sz="5300" dirty="0" err="1">
+                <a:solidFill>
+                  <a:schemeClr val="accent1"/>
+                </a:solidFill>
+              </a:rPr>
+              <a:t>ldt</a:t>
+            </a:r>
+            <a:endParaRPr lang="nl-BE" dirty="0"/>
+          </a:p>
+        </p:txBody>
+      </p:sp>
+      <p:sp>
+        <p:nvSpPr>
+          <p:cNvPr id="3" name="Ondertitel 2"/>
+          <p:cNvSpPr>
+            <a:spLocks noGrp="1"/>
+          </p:cNvSpPr>
+          <p:nvPr>
+            <p:ph type="subTitle" idx="1"/>
+          </p:nvPr>
+        </p:nvSpPr>
+        <p:spPr>
+          <a:xfrm>
+            <a:off x="1524000" y="5359781"/>
+            <a:ext cx="9144000" cy="1309255"/>
+          </a:xfrm>
+        </p:spPr>
+        <p:txBody>
+          <a:bodyPr vert="horz" lIns="91440" tIns="45720" rIns="91440" bIns="45720" rtlCol="0" anchor="ctr">
+            <a:normAutofit/>
+          </a:bodyPr>
+          <a:lstStyle/>
+          <a:p>
+            <a:pPr algn="r">
+              <a:lnSpc>
+                <a:spcPct val="85000"/>
+              </a:lnSpc>
+              <a:spcBef>
+                <a:spcPct val="0"/>
+              </a:spcBef>
+            </a:pPr>
+            <a:r>
+              <a:rPr lang="nl-BE" sz="4000" cap="all" dirty="0">
+                <a:effectLst>
+                  <a:glow rad="228600">
+                    <a:schemeClr val="bg1">
+                      <a:alpha val="76000"/>
+                    </a:schemeClr>
+                  </a:glow>
+                  <a:outerShdw blurRad="38100" dist="38100" dir="2700000" algn="tl">
+                    <a:srgbClr val="000000">
+                      <a:alpha val="43137"/>
+                    </a:srgbClr>
+                  </a:outerShdw>
+                </a:effectLst>
+                <a:latin typeface="+mj-lt"/>
+                <a:ea typeface="+mj-ea"/>
+                <a:cs typeface="+mj-cs"/>
+              </a:rPr>
+              <a:t> </a:t>
+            </a:r>
+          </a:p>
+        </p:txBody>
+      </p:sp>
+    </p:spTree>
+    <p:extLst>
+      <p:ext uri="{BB962C8B-B14F-4D97-AF65-F5344CB8AC3E}">
+        <p14:creationId xmlns:p14="http://schemas.microsoft.com/office/powerpoint/2010/main" val="2338108826"/>
+      </p:ext>
+    </p:extLst>
+  </p:cSld>
+  <p:clrMapOvr>
+    <a:masterClrMapping/>
+  </p:clrMapOvr>
+  <mc:AlternateContent xmlns:mc="http://schemas.openxmlformats.org/markup-compatibility/2006" xmlns:p14="http://schemas.microsoft.com/office/powerpoint/2010/main">
+    <mc:Choice Requires="p14">
+      <p:transition spd="med" p14:dur="700">
+        <p:fade/>
+      </p:transition>
+    </mc:Choice>
+    <mc:Fallback xmlns="">
+      <p:transition spd="med">
+        <p:fade/>
+      </p:transition>
+    </mc:Fallback>
+  </mc:AlternateContent>
+</p:sld>
+</file>
+
+<file path=ppt/slides/slide18.xml><?xml version="1.0" encoding="utf-8"?>
+<p:sld xmlns:a="http://schemas.openxmlformats.org/drawingml/2006/main" xmlns:r="http://schemas.openxmlformats.org/officeDocument/2006/relationships" xmlns:p="http://schemas.openxmlformats.org/presentationml/2006/main">
+  <p:cSld>
+    <p:spTree>
+      <p:nvGrpSpPr>
+        <p:cNvPr id="1" name=""/>
+        <p:cNvGrpSpPr/>
+        <p:nvPr/>
+      </p:nvGrpSpPr>
+      <p:grpSpPr>
+        <a:xfrm>
+          <a:off x="0" y="0"/>
+          <a:ext cx="0" cy="0"/>
+          <a:chOff x="0" y="0"/>
+          <a:chExt cx="0" cy="0"/>
+        </a:xfrm>
+      </p:grpSpPr>
+      <p:sp>
+        <p:nvSpPr>
+          <p:cNvPr id="4" name="Titel 3">
+            <a:extLst>
+              <a:ext uri="{FF2B5EF4-FFF2-40B4-BE49-F238E27FC236}">
+                <a16:creationId xmlns:a16="http://schemas.microsoft.com/office/drawing/2014/main" id="{FA08FCEC-CF1D-4018-878E-789FD1BC1791}"/>
+              </a:ext>
+            </a:extLst>
+          </p:cNvPr>
+          <p:cNvSpPr>
+            <a:spLocks noGrp="1"/>
+          </p:cNvSpPr>
+          <p:nvPr>
+            <p:ph type="title"/>
+          </p:nvPr>
+        </p:nvSpPr>
+        <p:spPr/>
+        <p:txBody>
+          <a:bodyPr>
+            <a:normAutofit/>
+          </a:bodyPr>
+          <a:lstStyle/>
+          <a:p>
+            <a:r>
+              <a:rPr lang="nl-BE" dirty="0" err="1"/>
+              <a:t>work</a:t>
+            </a:r>
+            <a:r>
+              <a:rPr lang="nl-BE" dirty="0"/>
+              <a:t> in </a:t>
+            </a:r>
+            <a:r>
+              <a:rPr lang="nl-BE" dirty="0" err="1"/>
+              <a:t>progress</a:t>
+            </a:r>
+            <a:r>
+              <a:rPr lang="nl-BE" dirty="0"/>
+              <a:t> 2</a:t>
+            </a:r>
+          </a:p>
+        </p:txBody>
+      </p:sp>
+      <p:sp>
+        <p:nvSpPr>
+          <p:cNvPr id="5" name="Tijdelijke aanduiding voor tekst 4">
+            <a:extLst>
+              <a:ext uri="{FF2B5EF4-FFF2-40B4-BE49-F238E27FC236}">
+                <a16:creationId xmlns:a16="http://schemas.microsoft.com/office/drawing/2014/main" id="{20AA36D0-B2A3-4E44-8CC3-5F1B2D89E553}"/>
+              </a:ext>
+            </a:extLst>
+          </p:cNvPr>
+          <p:cNvSpPr>
+            <a:spLocks noGrp="1"/>
+          </p:cNvSpPr>
+          <p:nvPr>
+            <p:ph type="body" idx="1"/>
+          </p:nvPr>
+        </p:nvSpPr>
+        <p:spPr>
+          <a:xfrm>
+            <a:off x="875942" y="4689014"/>
+            <a:ext cx="10515600" cy="1174639"/>
+          </a:xfrm>
+          <a:solidFill>
+            <a:srgbClr val="004274">
+              <a:alpha val="74902"/>
+            </a:srgbClr>
+          </a:solidFill>
+        </p:spPr>
+        <p:txBody>
+          <a:bodyPr anchor="ctr">
+            <a:normAutofit/>
+          </a:bodyPr>
+          <a:lstStyle/>
+          <a:p>
+            <a:r>
+              <a:rPr lang="nl-BE" sz="3200" b="1" dirty="0"/>
+              <a:t>WE CAN NOW WALK THROUGH THE CODE!!!</a:t>
+            </a:r>
+          </a:p>
+        </p:txBody>
+      </p:sp>
+    </p:spTree>
+    <p:extLst>
+      <p:ext uri="{BB962C8B-B14F-4D97-AF65-F5344CB8AC3E}">
+        <p14:creationId xmlns:p14="http://schemas.microsoft.com/office/powerpoint/2010/main" val="4112351521"/>
+      </p:ext>
+    </p:extLst>
+  </p:cSld>
+  <p:clrMapOvr>
+    <a:masterClrMapping/>
+  </p:clrMapOvr>
+  <mc:AlternateContent xmlns:mc="http://schemas.openxmlformats.org/markup-compatibility/2006" xmlns:p159="http://schemas.microsoft.com/office/powerpoint/2015/09/main">
+    <mc:Choice Requires="p159">
+      <p:transition xmlns:p14="http://schemas.microsoft.com/office/powerpoint/2010/main" spd="slow" p14:dur="2000">
+        <p159:morph option="byObject"/>
+      </p:transition>
+    </mc:Choice>
+    <mc:Fallback xmlns="">
+      <p:transition spd="slow">
+        <p:fade/>
+      </p:transition>
+    </mc:Fallback>
+  </mc:AlternateContent>
+</p:sld>
+</file>
+
+<file path=ppt/slides/slide19.xml><?xml version="1.0" encoding="utf-8"?>
+<p:sld xmlns:a="http://schemas.openxmlformats.org/drawingml/2006/main" xmlns:r="http://schemas.openxmlformats.org/officeDocument/2006/relationships" xmlns:p="http://schemas.openxmlformats.org/presentationml/2006/main">
+  <p:cSld>
+    <p:spTree>
+      <p:nvGrpSpPr>
+        <p:cNvPr id="1" name=""/>
+        <p:cNvGrpSpPr/>
+        <p:nvPr/>
+      </p:nvGrpSpPr>
+      <p:grpSpPr>
+        <a:xfrm>
+          <a:off x="0" y="0"/>
+          <a:ext cx="0" cy="0"/>
+          <a:chOff x="0" y="0"/>
+          <a:chExt cx="0" cy="0"/>
+        </a:xfrm>
+      </p:grpSpPr>
+      <p:sp>
+        <p:nvSpPr>
+          <p:cNvPr id="2" name="Titel 1"/>
+          <p:cNvSpPr>
+            <a:spLocks noGrp="1"/>
+          </p:cNvSpPr>
+          <p:nvPr>
+            <p:ph type="ctrTitle"/>
+          </p:nvPr>
+        </p:nvSpPr>
+        <p:spPr/>
+        <p:txBody>
+          <a:bodyPr>
+            <a:normAutofit/>
+          </a:bodyPr>
+          <a:lstStyle/>
+          <a:p>
+            <a:r>
+              <a:rPr lang="nl-BE" b="1" dirty="0" err="1"/>
+              <a:t>moose</a:t>
+            </a:r>
+            <a:r>
+              <a:rPr lang="nl-BE" dirty="0"/>
+              <a:t> </a:t>
+            </a:r>
+            <a:r>
+              <a:rPr lang="nl-BE" sz="4800" dirty="0" err="1"/>
+              <a:t>for</a:t>
+            </a:r>
+            <a:r>
+              <a:rPr lang="nl-BE" dirty="0"/>
+              <a:t> </a:t>
+            </a:r>
+            <a:r>
+              <a:rPr lang="nl-BE" dirty="0" err="1"/>
+              <a:t>dcs</a:t>
+            </a:r>
+            <a:r>
+              <a:rPr lang="nl-BE" dirty="0"/>
+              <a:t> </a:t>
+            </a:r>
+            <a:r>
+              <a:rPr lang="nl-BE" dirty="0" err="1"/>
+              <a:t>world</a:t>
+            </a:r>
+            <a:br>
+              <a:rPr lang="nl-BE" dirty="0"/>
+            </a:br>
+            <a:r>
+              <a:rPr lang="nl-BE" sz="5300" dirty="0" err="1">
+                <a:solidFill>
+                  <a:schemeClr val="accent1"/>
+                </a:solidFill>
+              </a:rPr>
+              <a:t>dynamic</a:t>
+            </a:r>
+            <a:r>
+              <a:rPr lang="nl-BE" sz="5300" dirty="0">
+                <a:solidFill>
+                  <a:schemeClr val="accent1"/>
+                </a:solidFill>
+              </a:rPr>
+              <a:t> </a:t>
+            </a:r>
+            <a:r>
+              <a:rPr lang="nl-BE" sz="5300" dirty="0" err="1">
+                <a:solidFill>
+                  <a:schemeClr val="accent1"/>
+                </a:solidFill>
+              </a:rPr>
+              <a:t>loading</a:t>
+            </a:r>
+            <a:endParaRPr lang="nl-BE" dirty="0"/>
+          </a:p>
+        </p:txBody>
+      </p:sp>
+      <p:sp>
+        <p:nvSpPr>
+          <p:cNvPr id="3" name="Ondertitel 2"/>
+          <p:cNvSpPr>
+            <a:spLocks noGrp="1"/>
+          </p:cNvSpPr>
+          <p:nvPr>
+            <p:ph type="subTitle" idx="1"/>
+          </p:nvPr>
+        </p:nvSpPr>
+        <p:spPr>
+          <a:xfrm>
+            <a:off x="1524000" y="5359781"/>
+            <a:ext cx="9144000" cy="1309255"/>
+          </a:xfrm>
+        </p:spPr>
+        <p:txBody>
+          <a:bodyPr vert="horz" lIns="91440" tIns="45720" rIns="91440" bIns="45720" rtlCol="0" anchor="ctr">
+            <a:normAutofit/>
+          </a:bodyPr>
+          <a:lstStyle/>
+          <a:p>
+            <a:pPr algn="r">
+              <a:lnSpc>
+                <a:spcPct val="85000"/>
+              </a:lnSpc>
+              <a:spcBef>
+                <a:spcPct val="0"/>
+              </a:spcBef>
+            </a:pPr>
+            <a:r>
+              <a:rPr lang="nl-BE" sz="4000" cap="all" dirty="0">
+                <a:effectLst>
+                  <a:glow rad="228600">
+                    <a:schemeClr val="bg1">
+                      <a:alpha val="76000"/>
+                    </a:schemeClr>
+                  </a:glow>
+                  <a:outerShdw blurRad="38100" dist="38100" dir="2700000" algn="tl">
+                    <a:srgbClr val="000000">
+                      <a:alpha val="43137"/>
+                    </a:srgbClr>
+                  </a:outerShdw>
+                </a:effectLst>
+                <a:latin typeface="+mj-lt"/>
+                <a:ea typeface="+mj-ea"/>
+                <a:cs typeface="+mj-cs"/>
+              </a:rPr>
+              <a:t> </a:t>
+            </a:r>
+          </a:p>
+        </p:txBody>
+      </p:sp>
+    </p:spTree>
+    <p:extLst>
+      <p:ext uri="{BB962C8B-B14F-4D97-AF65-F5344CB8AC3E}">
+        <p14:creationId xmlns:p14="http://schemas.microsoft.com/office/powerpoint/2010/main" val="562680955"/>
+      </p:ext>
+    </p:extLst>
+  </p:cSld>
+  <p:clrMapOvr>
+    <a:masterClrMapping/>
+  </p:clrMapOvr>
+  <mc:AlternateContent xmlns:mc="http://schemas.openxmlformats.org/markup-compatibility/2006" xmlns:p14="http://schemas.microsoft.com/office/powerpoint/2010/main">
+    <mc:Choice Requires="p14">
+      <p:transition spd="med" p14:dur="700">
+        <p:fade/>
+      </p:transition>
+    </mc:Choice>
+    <mc:Fallback xmlns="">
+      <p:transition spd="med">
+        <p:fade/>
+      </p:transition>
+    </mc:Fallback>
+  </mc:AlternateContent>
+</p:sld>
+</file>
+
 <file path=ppt/slides/slide2.xml><?xml version="1.0" encoding="utf-8"?>
 <p:sld xmlns:a="http://schemas.openxmlformats.org/drawingml/2006/main" xmlns:r="http://schemas.openxmlformats.org/officeDocument/2006/relationships" xmlns:p="http://schemas.openxmlformats.org/presentationml/2006/main">
   <p:cSld>
@@ -4911,6 +5491,3893 @@
     <p:extLst>
       <p:ext uri="{BB962C8B-B14F-4D97-AF65-F5344CB8AC3E}">
         <p14:creationId xmlns:p14="http://schemas.microsoft.com/office/powerpoint/2010/main" val="1494464708"/>
+      </p:ext>
+    </p:extLst>
+  </p:cSld>
+  <p:clrMapOvr>
+    <a:masterClrMapping/>
+  </p:clrMapOvr>
+  <mc:AlternateContent xmlns:mc="http://schemas.openxmlformats.org/markup-compatibility/2006" xmlns:p159="http://schemas.microsoft.com/office/powerpoint/2015/09/main">
+    <mc:Choice Requires="p159">
+      <p:transition xmlns:p14="http://schemas.microsoft.com/office/powerpoint/2010/main" spd="slow" p14:dur="2000">
+        <p159:morph option="byObject"/>
+      </p:transition>
+    </mc:Choice>
+    <mc:Fallback xmlns="">
+      <p:transition spd="slow">
+        <p:fade/>
+      </p:transition>
+    </mc:Fallback>
+  </mc:AlternateContent>
+</p:sld>
+</file>
+
+<file path=ppt/slides/slide20.xml><?xml version="1.0" encoding="utf-8"?>
+<p:sld xmlns:a="http://schemas.openxmlformats.org/drawingml/2006/main" xmlns:r="http://schemas.openxmlformats.org/officeDocument/2006/relationships" xmlns:p="http://schemas.openxmlformats.org/presentationml/2006/main">
+  <p:cSld>
+    <p:spTree>
+      <p:nvGrpSpPr>
+        <p:cNvPr id="1" name=""/>
+        <p:cNvGrpSpPr/>
+        <p:nvPr/>
+      </p:nvGrpSpPr>
+      <p:grpSpPr>
+        <a:xfrm>
+          <a:off x="0" y="0"/>
+          <a:ext cx="0" cy="0"/>
+          <a:chOff x="0" y="0"/>
+          <a:chExt cx="0" cy="0"/>
+        </a:xfrm>
+      </p:grpSpPr>
+      <p:sp>
+        <p:nvSpPr>
+          <p:cNvPr id="12" name="Tijdelijke aanduiding voor tekst 4">
+            <a:extLst>
+              <a:ext uri="{FF2B5EF4-FFF2-40B4-BE49-F238E27FC236}">
+                <a16:creationId xmlns:a16="http://schemas.microsoft.com/office/drawing/2014/main" id="{F8D8DE39-6DC0-4C0E-B119-ADF4FE7F0DE3}"/>
+              </a:ext>
+            </a:extLst>
+          </p:cNvPr>
+          <p:cNvSpPr txBox="1">
+            <a:spLocks/>
+          </p:cNvSpPr>
+          <p:nvPr/>
+        </p:nvSpPr>
+        <p:spPr>
+          <a:xfrm>
+            <a:off x="2495960" y="2078985"/>
+            <a:ext cx="5760064" cy="4500050"/>
+          </a:xfrm>
+          <a:prstGeom prst="rect">
+            <a:avLst/>
+          </a:prstGeom>
+          <a:solidFill>
+            <a:schemeClr val="tx1">
+              <a:alpha val="74902"/>
+            </a:schemeClr>
+          </a:solidFill>
+          <a:ln w="28575">
+            <a:solidFill>
+              <a:schemeClr val="tx1"/>
+            </a:solidFill>
+          </a:ln>
+        </p:spPr>
+        <p:txBody>
+          <a:bodyPr anchor="t">
+            <a:normAutofit/>
+          </a:bodyPr>
+          <a:lstStyle>
+            <a:defPPr>
+              <a:defRPr lang="en-US"/>
+            </a:defPPr>
+            <a:lvl1pPr indent="0" algn="ctr" defTabSz="914400">
+              <a:lnSpc>
+                <a:spcPct val="90000"/>
+              </a:lnSpc>
+              <a:spcBef>
+                <a:spcPts val="1200"/>
+              </a:spcBef>
+              <a:spcAft>
+                <a:spcPts val="200"/>
+              </a:spcAft>
+              <a:buClr>
+                <a:schemeClr val="tx1"/>
+              </a:buClr>
+              <a:buFont typeface="Wingdings" pitchFamily="2" charset="2"/>
+              <a:buNone/>
+              <a:defRPr sz="3200" b="1">
+                <a:solidFill>
+                  <a:schemeClr val="accent1"/>
+                </a:solidFill>
+              </a:defRPr>
+            </a:lvl1pPr>
+            <a:lvl2pPr marL="411480" indent="-182880" defTabSz="914400">
+              <a:lnSpc>
+                <a:spcPct val="90000"/>
+              </a:lnSpc>
+              <a:spcBef>
+                <a:spcPts val="200"/>
+              </a:spcBef>
+              <a:spcAft>
+                <a:spcPts val="400"/>
+              </a:spcAft>
+              <a:buClr>
+                <a:schemeClr val="tx1"/>
+              </a:buClr>
+              <a:buFont typeface="Wingdings" pitchFamily="2" charset="2"/>
+              <a:buChar char=""/>
+              <a:defRPr sz="2000"/>
+            </a:lvl2pPr>
+            <a:lvl3pPr marL="640080" indent="-182880" defTabSz="914400">
+              <a:lnSpc>
+                <a:spcPct val="90000"/>
+              </a:lnSpc>
+              <a:spcBef>
+                <a:spcPts val="200"/>
+              </a:spcBef>
+              <a:spcAft>
+                <a:spcPts val="400"/>
+              </a:spcAft>
+              <a:buClr>
+                <a:schemeClr val="tx1"/>
+              </a:buClr>
+              <a:buFont typeface="Wingdings" pitchFamily="2" charset="2"/>
+              <a:buChar char=""/>
+            </a:lvl3pPr>
+            <a:lvl4pPr marL="868680" indent="-182880" defTabSz="914400">
+              <a:lnSpc>
+                <a:spcPct val="90000"/>
+              </a:lnSpc>
+              <a:spcBef>
+                <a:spcPts val="200"/>
+              </a:spcBef>
+              <a:spcAft>
+                <a:spcPts val="400"/>
+              </a:spcAft>
+              <a:buClr>
+                <a:schemeClr val="tx1"/>
+              </a:buClr>
+              <a:buFont typeface="Wingdings" pitchFamily="2" charset="2"/>
+              <a:buChar char=""/>
+              <a:defRPr sz="1600"/>
+            </a:lvl4pPr>
+            <a:lvl5pPr marL="1097280" indent="-182880" defTabSz="914400">
+              <a:lnSpc>
+                <a:spcPct val="90000"/>
+              </a:lnSpc>
+              <a:spcBef>
+                <a:spcPts val="200"/>
+              </a:spcBef>
+              <a:spcAft>
+                <a:spcPts val="400"/>
+              </a:spcAft>
+              <a:buClr>
+                <a:schemeClr val="tx1"/>
+              </a:buClr>
+              <a:buFont typeface="Wingdings" pitchFamily="2" charset="2"/>
+              <a:buChar char=""/>
+              <a:defRPr sz="1600"/>
+            </a:lvl5pPr>
+            <a:lvl6pPr marL="1284600" indent="-228600" defTabSz="914400">
+              <a:lnSpc>
+                <a:spcPct val="90000"/>
+              </a:lnSpc>
+              <a:spcBef>
+                <a:spcPts val="200"/>
+              </a:spcBef>
+              <a:spcAft>
+                <a:spcPts val="400"/>
+              </a:spcAft>
+              <a:buClr>
+                <a:schemeClr val="tx1"/>
+              </a:buClr>
+              <a:buFont typeface="Wingdings" pitchFamily="2" charset="2"/>
+              <a:buChar char=""/>
+              <a:defRPr sz="1600"/>
+            </a:lvl6pPr>
+            <a:lvl7pPr marL="1471800" indent="-228600" defTabSz="914400">
+              <a:lnSpc>
+                <a:spcPct val="90000"/>
+              </a:lnSpc>
+              <a:spcBef>
+                <a:spcPts val="200"/>
+              </a:spcBef>
+              <a:spcAft>
+                <a:spcPts val="400"/>
+              </a:spcAft>
+              <a:buClr>
+                <a:schemeClr val="tx1"/>
+              </a:buClr>
+              <a:buFont typeface="Wingdings" pitchFamily="2" charset="2"/>
+              <a:buChar char=""/>
+              <a:defRPr sz="1600"/>
+            </a:lvl7pPr>
+            <a:lvl8pPr marL="1629000" indent="-228600" defTabSz="914400">
+              <a:lnSpc>
+                <a:spcPct val="90000"/>
+              </a:lnSpc>
+              <a:spcBef>
+                <a:spcPts val="200"/>
+              </a:spcBef>
+              <a:spcAft>
+                <a:spcPts val="400"/>
+              </a:spcAft>
+              <a:buClr>
+                <a:schemeClr val="tx1"/>
+              </a:buClr>
+              <a:buFont typeface="Wingdings" pitchFamily="2" charset="2"/>
+              <a:buChar char=""/>
+              <a:defRPr sz="1600"/>
+            </a:lvl8pPr>
+            <a:lvl9pPr marL="1806200" indent="-228600" defTabSz="914400">
+              <a:lnSpc>
+                <a:spcPct val="90000"/>
+              </a:lnSpc>
+              <a:spcBef>
+                <a:spcPts val="200"/>
+              </a:spcBef>
+              <a:spcAft>
+                <a:spcPts val="400"/>
+              </a:spcAft>
+              <a:buClr>
+                <a:schemeClr val="tx1"/>
+              </a:buClr>
+              <a:buFont typeface="Wingdings" pitchFamily="2" charset="2"/>
+              <a:buChar char=""/>
+              <a:defRPr sz="1600"/>
+            </a:lvl9pPr>
+          </a:lstStyle>
+          <a:p>
+            <a:r>
+              <a:rPr lang="nl-BE" dirty="0"/>
+              <a:t>DCS WORLD</a:t>
+            </a:r>
+          </a:p>
+        </p:txBody>
+      </p:sp>
+      <p:sp>
+        <p:nvSpPr>
+          <p:cNvPr id="14" name="Rechthoek 13">
+            <a:extLst>
+              <a:ext uri="{FF2B5EF4-FFF2-40B4-BE49-F238E27FC236}">
+                <a16:creationId xmlns:a16="http://schemas.microsoft.com/office/drawing/2014/main" id="{2B9BC4E8-0A5F-41B2-8C55-D07FDC100BAD}"/>
+              </a:ext>
+            </a:extLst>
+          </p:cNvPr>
+          <p:cNvSpPr/>
+          <p:nvPr/>
+        </p:nvSpPr>
+        <p:spPr>
+          <a:xfrm>
+            <a:off x="2855964" y="2618992"/>
+            <a:ext cx="5040056" cy="2880032"/>
+          </a:xfrm>
+          <a:prstGeom prst="rect">
+            <a:avLst/>
+          </a:prstGeom>
+          <a:solidFill>
+            <a:schemeClr val="tx1">
+              <a:alpha val="74902"/>
+            </a:schemeClr>
+          </a:solidFill>
+          <a:ln w="28575">
+            <a:solidFill>
+              <a:schemeClr val="accent1"/>
+            </a:solidFill>
+          </a:ln>
+        </p:spPr>
+        <p:txBody>
+          <a:bodyPr anchor="t">
+            <a:normAutofit/>
+          </a:bodyPr>
+          <a:lstStyle/>
+          <a:p>
+            <a:pPr algn="ctr" defTabSz="914400">
+              <a:lnSpc>
+                <a:spcPct val="90000"/>
+              </a:lnSpc>
+              <a:spcBef>
+                <a:spcPts val="1200"/>
+              </a:spcBef>
+              <a:spcAft>
+                <a:spcPts val="200"/>
+              </a:spcAft>
+              <a:buClr>
+                <a:schemeClr val="tx1"/>
+              </a:buClr>
+            </a:pPr>
+            <a:r>
+              <a:rPr lang="nl-BE" sz="3200" b="1" dirty="0">
+                <a:solidFill>
+                  <a:schemeClr val="accent1"/>
+                </a:solidFill>
+              </a:rPr>
+              <a:t>LUA Environment</a:t>
+            </a:r>
+          </a:p>
+        </p:txBody>
+      </p:sp>
+      <p:sp>
+        <p:nvSpPr>
+          <p:cNvPr id="2" name="Titel 1">
+            <a:extLst>
+              <a:ext uri="{FF2B5EF4-FFF2-40B4-BE49-F238E27FC236}">
+                <a16:creationId xmlns:a16="http://schemas.microsoft.com/office/drawing/2014/main" id="{AF9CF329-7F18-410E-BD43-F21BD3674B8C}"/>
+              </a:ext>
+            </a:extLst>
+          </p:cNvPr>
+          <p:cNvSpPr>
+            <a:spLocks noGrp="1"/>
+          </p:cNvSpPr>
+          <p:nvPr>
+            <p:ph type="title"/>
+          </p:nvPr>
+        </p:nvSpPr>
+        <p:spPr/>
+        <p:txBody>
+          <a:bodyPr/>
+          <a:lstStyle/>
+          <a:p>
+            <a:r>
+              <a:rPr lang="nl-BE" dirty="0" err="1"/>
+              <a:t>What</a:t>
+            </a:r>
+            <a:r>
+              <a:rPr lang="nl-BE" dirty="0"/>
+              <a:t> is MOOSE </a:t>
+            </a:r>
+            <a:r>
+              <a:rPr lang="nl-BE" dirty="0" err="1"/>
+              <a:t>dynamic</a:t>
+            </a:r>
+            <a:r>
+              <a:rPr lang="nl-BE" dirty="0"/>
+              <a:t> </a:t>
+            </a:r>
+            <a:r>
+              <a:rPr lang="nl-BE" dirty="0" err="1"/>
+              <a:t>loading</a:t>
+            </a:r>
+            <a:r>
+              <a:rPr lang="nl-BE" dirty="0"/>
+              <a:t>?</a:t>
+            </a:r>
+          </a:p>
+        </p:txBody>
+      </p:sp>
+      <p:sp>
+        <p:nvSpPr>
+          <p:cNvPr id="10" name="Tijdelijke aanduiding voor tekst 4">
+            <a:extLst>
+              <a:ext uri="{FF2B5EF4-FFF2-40B4-BE49-F238E27FC236}">
+                <a16:creationId xmlns:a16="http://schemas.microsoft.com/office/drawing/2014/main" id="{03B5161F-D77E-42A8-88C0-C84A61E97A3C}"/>
+              </a:ext>
+            </a:extLst>
+          </p:cNvPr>
+          <p:cNvSpPr txBox="1">
+            <a:spLocks/>
+          </p:cNvSpPr>
+          <p:nvPr/>
+        </p:nvSpPr>
+        <p:spPr>
+          <a:xfrm>
+            <a:off x="3215968" y="3158997"/>
+            <a:ext cx="4320048" cy="1980022"/>
+          </a:xfrm>
+          <a:prstGeom prst="rect">
+            <a:avLst/>
+          </a:prstGeom>
+          <a:solidFill>
+            <a:schemeClr val="accent1">
+              <a:alpha val="74902"/>
+            </a:schemeClr>
+          </a:solidFill>
+          <a:ln w="28575">
+            <a:solidFill>
+              <a:schemeClr val="accent1"/>
+            </a:solidFill>
+          </a:ln>
+        </p:spPr>
+        <p:txBody>
+          <a:bodyPr anchor="t">
+            <a:normAutofit/>
+          </a:bodyPr>
+          <a:lstStyle>
+            <a:defPPr>
+              <a:defRPr lang="en-US"/>
+            </a:defPPr>
+            <a:lvl1pPr indent="0" algn="ctr" defTabSz="914400">
+              <a:lnSpc>
+                <a:spcPct val="90000"/>
+              </a:lnSpc>
+              <a:spcBef>
+                <a:spcPts val="1200"/>
+              </a:spcBef>
+              <a:spcAft>
+                <a:spcPts val="200"/>
+              </a:spcAft>
+              <a:buClr>
+                <a:schemeClr val="tx1"/>
+              </a:buClr>
+              <a:buFont typeface="Wingdings" pitchFamily="2" charset="2"/>
+              <a:buNone/>
+              <a:defRPr sz="3200" b="1"/>
+            </a:lvl1pPr>
+            <a:lvl2pPr marL="411480" indent="-182880" defTabSz="914400">
+              <a:lnSpc>
+                <a:spcPct val="90000"/>
+              </a:lnSpc>
+              <a:spcBef>
+                <a:spcPts val="200"/>
+              </a:spcBef>
+              <a:spcAft>
+                <a:spcPts val="400"/>
+              </a:spcAft>
+              <a:buClr>
+                <a:schemeClr val="tx1"/>
+              </a:buClr>
+              <a:buFont typeface="Wingdings" pitchFamily="2" charset="2"/>
+              <a:buChar char=""/>
+              <a:defRPr sz="2000"/>
+            </a:lvl2pPr>
+            <a:lvl3pPr marL="640080" indent="-182880" defTabSz="914400">
+              <a:lnSpc>
+                <a:spcPct val="90000"/>
+              </a:lnSpc>
+              <a:spcBef>
+                <a:spcPts val="200"/>
+              </a:spcBef>
+              <a:spcAft>
+                <a:spcPts val="400"/>
+              </a:spcAft>
+              <a:buClr>
+                <a:schemeClr val="tx1"/>
+              </a:buClr>
+              <a:buFont typeface="Wingdings" pitchFamily="2" charset="2"/>
+              <a:buChar char=""/>
+            </a:lvl3pPr>
+            <a:lvl4pPr marL="868680" indent="-182880" defTabSz="914400">
+              <a:lnSpc>
+                <a:spcPct val="90000"/>
+              </a:lnSpc>
+              <a:spcBef>
+                <a:spcPts val="200"/>
+              </a:spcBef>
+              <a:spcAft>
+                <a:spcPts val="400"/>
+              </a:spcAft>
+              <a:buClr>
+                <a:schemeClr val="tx1"/>
+              </a:buClr>
+              <a:buFont typeface="Wingdings" pitchFamily="2" charset="2"/>
+              <a:buChar char=""/>
+              <a:defRPr sz="1600"/>
+            </a:lvl4pPr>
+            <a:lvl5pPr marL="1097280" indent="-182880" defTabSz="914400">
+              <a:lnSpc>
+                <a:spcPct val="90000"/>
+              </a:lnSpc>
+              <a:spcBef>
+                <a:spcPts val="200"/>
+              </a:spcBef>
+              <a:spcAft>
+                <a:spcPts val="400"/>
+              </a:spcAft>
+              <a:buClr>
+                <a:schemeClr val="tx1"/>
+              </a:buClr>
+              <a:buFont typeface="Wingdings" pitchFamily="2" charset="2"/>
+              <a:buChar char=""/>
+              <a:defRPr sz="1600"/>
+            </a:lvl5pPr>
+            <a:lvl6pPr marL="1284600" indent="-228600" defTabSz="914400">
+              <a:lnSpc>
+                <a:spcPct val="90000"/>
+              </a:lnSpc>
+              <a:spcBef>
+                <a:spcPts val="200"/>
+              </a:spcBef>
+              <a:spcAft>
+                <a:spcPts val="400"/>
+              </a:spcAft>
+              <a:buClr>
+                <a:schemeClr val="tx1"/>
+              </a:buClr>
+              <a:buFont typeface="Wingdings" pitchFamily="2" charset="2"/>
+              <a:buChar char=""/>
+              <a:defRPr sz="1600"/>
+            </a:lvl6pPr>
+            <a:lvl7pPr marL="1471800" indent="-228600" defTabSz="914400">
+              <a:lnSpc>
+                <a:spcPct val="90000"/>
+              </a:lnSpc>
+              <a:spcBef>
+                <a:spcPts val="200"/>
+              </a:spcBef>
+              <a:spcAft>
+                <a:spcPts val="400"/>
+              </a:spcAft>
+              <a:buClr>
+                <a:schemeClr val="tx1"/>
+              </a:buClr>
+              <a:buFont typeface="Wingdings" pitchFamily="2" charset="2"/>
+              <a:buChar char=""/>
+              <a:defRPr sz="1600"/>
+            </a:lvl7pPr>
+            <a:lvl8pPr marL="1629000" indent="-228600" defTabSz="914400">
+              <a:lnSpc>
+                <a:spcPct val="90000"/>
+              </a:lnSpc>
+              <a:spcBef>
+                <a:spcPts val="200"/>
+              </a:spcBef>
+              <a:spcAft>
+                <a:spcPts val="400"/>
+              </a:spcAft>
+              <a:buClr>
+                <a:schemeClr val="tx1"/>
+              </a:buClr>
+              <a:buFont typeface="Wingdings" pitchFamily="2" charset="2"/>
+              <a:buChar char=""/>
+              <a:defRPr sz="1600"/>
+            </a:lvl8pPr>
+            <a:lvl9pPr marL="1806200" indent="-228600" defTabSz="914400">
+              <a:lnSpc>
+                <a:spcPct val="90000"/>
+              </a:lnSpc>
+              <a:spcBef>
+                <a:spcPts val="200"/>
+              </a:spcBef>
+              <a:spcAft>
+                <a:spcPts val="400"/>
+              </a:spcAft>
+              <a:buClr>
+                <a:schemeClr val="tx1"/>
+              </a:buClr>
+              <a:buFont typeface="Wingdings" pitchFamily="2" charset="2"/>
+              <a:buChar char=""/>
+              <a:defRPr sz="1600"/>
+            </a:lvl9pPr>
+          </a:lstStyle>
+          <a:p>
+            <a:r>
+              <a:rPr lang="nl-BE" dirty="0" err="1"/>
+              <a:t>Mission.miz</a:t>
+            </a:r>
+            <a:endParaRPr lang="nl-BE" dirty="0"/>
+          </a:p>
+        </p:txBody>
+      </p:sp>
+      <p:sp>
+        <p:nvSpPr>
+          <p:cNvPr id="11" name="Rechthoek 10">
+            <a:extLst>
+              <a:ext uri="{FF2B5EF4-FFF2-40B4-BE49-F238E27FC236}">
+                <a16:creationId xmlns:a16="http://schemas.microsoft.com/office/drawing/2014/main" id="{20EC1335-CBB7-43C9-B0BD-4849D3571B19}"/>
+              </a:ext>
+            </a:extLst>
+          </p:cNvPr>
+          <p:cNvSpPr/>
+          <p:nvPr/>
+        </p:nvSpPr>
+        <p:spPr>
+          <a:xfrm>
+            <a:off x="3935976" y="3699002"/>
+            <a:ext cx="2880032" cy="1080013"/>
+          </a:xfrm>
+          <a:prstGeom prst="rect">
+            <a:avLst/>
+          </a:prstGeom>
+          <a:solidFill>
+            <a:schemeClr val="tx1">
+              <a:alpha val="74902"/>
+            </a:schemeClr>
+          </a:solidFill>
+          <a:ln w="28575">
+            <a:solidFill>
+              <a:schemeClr val="accent1"/>
+            </a:solidFill>
+          </a:ln>
+        </p:spPr>
+        <p:txBody>
+          <a:bodyPr anchor="ctr">
+            <a:normAutofit/>
+          </a:bodyPr>
+          <a:lstStyle/>
+          <a:p>
+            <a:pPr algn="ctr" defTabSz="914400">
+              <a:lnSpc>
+                <a:spcPct val="90000"/>
+              </a:lnSpc>
+              <a:spcBef>
+                <a:spcPts val="1200"/>
+              </a:spcBef>
+              <a:spcAft>
+                <a:spcPts val="200"/>
+              </a:spcAft>
+              <a:buClr>
+                <a:schemeClr val="tx1"/>
+              </a:buClr>
+            </a:pPr>
+            <a:r>
+              <a:rPr lang="nl-BE" dirty="0">
+                <a:solidFill>
+                  <a:schemeClr val="accent1"/>
+                </a:solidFill>
+              </a:rPr>
+              <a:t>DO SCRIPT FILE trigger</a:t>
+            </a:r>
+            <a:br>
+              <a:rPr lang="nl-BE" b="1" dirty="0">
+                <a:solidFill>
+                  <a:schemeClr val="accent1"/>
+                </a:solidFill>
+              </a:rPr>
+            </a:br>
+            <a:r>
+              <a:rPr lang="nl-BE" b="1" dirty="0" err="1">
+                <a:solidFill>
+                  <a:schemeClr val="accent1"/>
+                </a:solidFill>
+              </a:rPr>
+              <a:t>Moose.lua</a:t>
+            </a:r>
+            <a:endParaRPr lang="nl-BE" b="1" dirty="0">
+              <a:solidFill>
+                <a:schemeClr val="accent1"/>
+              </a:solidFill>
+            </a:endParaRPr>
+          </a:p>
+        </p:txBody>
+      </p:sp>
+      <p:sp>
+        <p:nvSpPr>
+          <p:cNvPr id="13" name="Cilinder 12">
+            <a:extLst>
+              <a:ext uri="{FF2B5EF4-FFF2-40B4-BE49-F238E27FC236}">
+                <a16:creationId xmlns:a16="http://schemas.microsoft.com/office/drawing/2014/main" id="{A8A8638E-3DEA-4776-8A26-5FF4CF467B72}"/>
+              </a:ext>
+            </a:extLst>
+          </p:cNvPr>
+          <p:cNvSpPr/>
+          <p:nvPr/>
+        </p:nvSpPr>
+        <p:spPr>
+          <a:xfrm>
+            <a:off x="3035966" y="5769026"/>
+            <a:ext cx="4680052" cy="720008"/>
+          </a:xfrm>
+          <a:prstGeom prst="can">
+            <a:avLst/>
+          </a:prstGeom>
+          <a:solidFill>
+            <a:schemeClr val="tx1">
+              <a:alpha val="74902"/>
+            </a:schemeClr>
+          </a:solidFill>
+          <a:ln w="28575">
+            <a:solidFill>
+              <a:schemeClr val="accent1"/>
+            </a:solidFill>
+          </a:ln>
+        </p:spPr>
+        <p:txBody>
+          <a:bodyPr rot="0" spcFirstLastPara="0" vertOverflow="overflow" horzOverflow="overflow" vert="horz" wrap="square" lIns="91440" tIns="45720" rIns="91440" bIns="45720" numCol="1" spcCol="0" rtlCol="0" fromWordArt="0" anchor="ctr" anchorCtr="0" forceAA="0" compatLnSpc="1">
+            <a:prstTxWarp prst="textNoShape">
+              <a:avLst/>
+            </a:prstTxWarp>
+            <a:normAutofit fontScale="85000" lnSpcReduction="10000"/>
+          </a:bodyPr>
+          <a:lstStyle/>
+          <a:p>
+            <a:pPr algn="ctr" defTabSz="914400">
+              <a:lnSpc>
+                <a:spcPct val="90000"/>
+              </a:lnSpc>
+              <a:spcBef>
+                <a:spcPts val="1200"/>
+              </a:spcBef>
+              <a:spcAft>
+                <a:spcPts val="200"/>
+              </a:spcAft>
+              <a:buClr>
+                <a:schemeClr val="tx1"/>
+              </a:buClr>
+            </a:pPr>
+            <a:r>
+              <a:rPr lang="nl-BE" dirty="0">
+                <a:solidFill>
+                  <a:schemeClr val="accent1"/>
+                </a:solidFill>
+              </a:rPr>
+              <a:t>X:\PF\Eagle Dynamics\DCS World\Scripts\</a:t>
+            </a:r>
+            <a:r>
+              <a:rPr lang="nl-BE" b="1" dirty="0">
+                <a:solidFill>
+                  <a:schemeClr val="accent1"/>
+                </a:solidFill>
+              </a:rPr>
+              <a:t>Moose\*.</a:t>
+            </a:r>
+            <a:r>
+              <a:rPr lang="nl-BE" b="1" dirty="0" err="1">
+                <a:solidFill>
+                  <a:schemeClr val="accent1"/>
+                </a:solidFill>
+              </a:rPr>
+              <a:t>lua</a:t>
+            </a:r>
+            <a:endParaRPr lang="nl-BE" b="1" dirty="0">
+              <a:solidFill>
+                <a:schemeClr val="accent1"/>
+              </a:solidFill>
+            </a:endParaRPr>
+          </a:p>
+        </p:txBody>
+      </p:sp>
+      <p:sp>
+        <p:nvSpPr>
+          <p:cNvPr id="15" name="Pijl: omhoog 14">
+            <a:extLst>
+              <a:ext uri="{FF2B5EF4-FFF2-40B4-BE49-F238E27FC236}">
+                <a16:creationId xmlns:a16="http://schemas.microsoft.com/office/drawing/2014/main" id="{829D5505-042F-47C5-A455-75DBAF778632}"/>
+              </a:ext>
+            </a:extLst>
+          </p:cNvPr>
+          <p:cNvSpPr/>
+          <p:nvPr/>
+        </p:nvSpPr>
+        <p:spPr>
+          <a:xfrm>
+            <a:off x="4475982" y="5319021"/>
+            <a:ext cx="1800020" cy="540006"/>
+          </a:xfrm>
+          <a:prstGeom prst="upArrow">
+            <a:avLst/>
+          </a:prstGeom>
+          <a:solidFill>
+            <a:schemeClr val="accent4"/>
+          </a:solidFill>
+          <a:ln w="19050">
+            <a:solidFill>
+              <a:schemeClr val="accent1"/>
+            </a:solidFill>
+          </a:ln>
+        </p:spPr>
+        <p:style>
+          <a:lnRef idx="2">
+            <a:schemeClr val="accent1"/>
+          </a:lnRef>
+          <a:fillRef idx="1">
+            <a:schemeClr val="lt1"/>
+          </a:fillRef>
+          <a:effectRef idx="0">
+            <a:schemeClr val="accent1"/>
+          </a:effectRef>
+          <a:fontRef idx="minor">
+            <a:schemeClr val="dk1"/>
+          </a:fontRef>
+        </p:style>
+        <p:txBody>
+          <a:bodyPr rtlCol="0" anchor="t"/>
+          <a:lstStyle/>
+          <a:p>
+            <a:pPr algn="ctr"/>
+            <a:r>
+              <a:rPr lang="nl-BE" sz="2000" b="1" dirty="0">
+                <a:solidFill>
+                  <a:schemeClr val="tx1"/>
+                </a:solidFill>
+              </a:rPr>
+              <a:t>Load</a:t>
+            </a:r>
+          </a:p>
+        </p:txBody>
+      </p:sp>
+      <p:sp>
+        <p:nvSpPr>
+          <p:cNvPr id="16" name="Ovaal 15">
+            <a:extLst>
+              <a:ext uri="{FF2B5EF4-FFF2-40B4-BE49-F238E27FC236}">
+                <a16:creationId xmlns:a16="http://schemas.microsoft.com/office/drawing/2014/main" id="{39D47EC6-2885-47F3-976C-3E60C1794B2B}"/>
+              </a:ext>
+            </a:extLst>
+          </p:cNvPr>
+          <p:cNvSpPr/>
+          <p:nvPr/>
+        </p:nvSpPr>
+        <p:spPr>
+          <a:xfrm>
+            <a:off x="2765963" y="5589024"/>
+            <a:ext cx="540006" cy="540006"/>
+          </a:xfrm>
+          <a:prstGeom prst="ellipse">
+            <a:avLst/>
+          </a:prstGeom>
+          <a:solidFill>
+            <a:schemeClr val="accent4"/>
+          </a:solidFill>
+          <a:ln w="19050">
+            <a:solidFill>
+              <a:schemeClr val="tx1"/>
+            </a:solidFill>
+          </a:ln>
+        </p:spPr>
+        <p:style>
+          <a:lnRef idx="2">
+            <a:schemeClr val="accent1"/>
+          </a:lnRef>
+          <a:fillRef idx="1">
+            <a:schemeClr val="lt1"/>
+          </a:fillRef>
+          <a:effectRef idx="0">
+            <a:schemeClr val="accent1"/>
+          </a:effectRef>
+          <a:fontRef idx="minor">
+            <a:schemeClr val="dk1"/>
+          </a:fontRef>
+        </p:style>
+        <p:txBody>
+          <a:bodyPr lIns="0" tIns="0" rIns="0" bIns="0" rtlCol="0" anchor="t"/>
+          <a:lstStyle/>
+          <a:p>
+            <a:pPr algn="ctr"/>
+            <a:r>
+              <a:rPr lang="nl-BE" sz="2400" b="1" dirty="0">
+                <a:solidFill>
+                  <a:schemeClr val="tx1"/>
+                </a:solidFill>
+              </a:rPr>
+              <a:t>1</a:t>
+            </a:r>
+          </a:p>
+        </p:txBody>
+      </p:sp>
+      <p:sp>
+        <p:nvSpPr>
+          <p:cNvPr id="17" name="Rechthoek: met één afgeronde hoek 16">
+            <a:extLst>
+              <a:ext uri="{FF2B5EF4-FFF2-40B4-BE49-F238E27FC236}">
+                <a16:creationId xmlns:a16="http://schemas.microsoft.com/office/drawing/2014/main" id="{D33044C2-23B5-4DF5-AFFC-DDB6875A315E}"/>
+              </a:ext>
+            </a:extLst>
+          </p:cNvPr>
+          <p:cNvSpPr/>
+          <p:nvPr/>
+        </p:nvSpPr>
+        <p:spPr>
+          <a:xfrm>
+            <a:off x="335936" y="5229020"/>
+            <a:ext cx="1800020" cy="1170013"/>
+          </a:xfrm>
+          <a:prstGeom prst="round1Rect">
+            <a:avLst/>
+          </a:prstGeom>
+          <a:solidFill>
+            <a:schemeClr val="accent4"/>
+          </a:solidFill>
+          <a:ln w="19050">
+            <a:solidFill>
+              <a:schemeClr val="tx1"/>
+            </a:solidFill>
+          </a:ln>
+        </p:spPr>
+        <p:style>
+          <a:lnRef idx="2">
+            <a:schemeClr val="accent1"/>
+          </a:lnRef>
+          <a:fillRef idx="1">
+            <a:schemeClr val="lt1"/>
+          </a:fillRef>
+          <a:effectRef idx="0">
+            <a:schemeClr val="accent1"/>
+          </a:effectRef>
+          <a:fontRef idx="minor">
+            <a:schemeClr val="dk1"/>
+          </a:fontRef>
+        </p:style>
+        <p:txBody>
+          <a:bodyPr rtlCol="0" anchor="t"/>
+          <a:lstStyle/>
+          <a:p>
+            <a:pPr algn="ctr"/>
+            <a:r>
+              <a:rPr lang="nl-BE" sz="1600" b="1" dirty="0">
+                <a:solidFill>
+                  <a:schemeClr val="tx1"/>
+                </a:solidFill>
+              </a:rPr>
+              <a:t>Moose </a:t>
+            </a:r>
+            <a:r>
+              <a:rPr lang="nl-BE" sz="1600" dirty="0">
+                <a:solidFill>
+                  <a:schemeClr val="tx1"/>
+                </a:solidFill>
+              </a:rPr>
+              <a:t>folder is </a:t>
+            </a:r>
+            <a:r>
+              <a:rPr lang="nl-BE" sz="1600" i="1" dirty="0" err="1">
+                <a:solidFill>
+                  <a:schemeClr val="tx1"/>
+                </a:solidFill>
+              </a:rPr>
+              <a:t>added</a:t>
+            </a:r>
+            <a:r>
+              <a:rPr lang="nl-BE" sz="1600" dirty="0">
+                <a:solidFill>
+                  <a:schemeClr val="tx1"/>
+                </a:solidFill>
+              </a:rPr>
+              <a:t> to ED </a:t>
+            </a:r>
+            <a:r>
+              <a:rPr lang="nl-BE" sz="1600" dirty="0" err="1">
+                <a:solidFill>
+                  <a:schemeClr val="tx1"/>
+                </a:solidFill>
+              </a:rPr>
+              <a:t>installation</a:t>
+            </a:r>
+            <a:r>
+              <a:rPr lang="nl-BE" sz="1600" dirty="0">
+                <a:solidFill>
+                  <a:schemeClr val="tx1"/>
+                </a:solidFill>
+              </a:rPr>
+              <a:t> </a:t>
+            </a:r>
+            <a:r>
+              <a:rPr lang="nl-BE" sz="1600" b="1" dirty="0">
+                <a:solidFill>
+                  <a:schemeClr val="tx1"/>
+                </a:solidFill>
+              </a:rPr>
+              <a:t>Scripts</a:t>
+            </a:r>
+            <a:r>
+              <a:rPr lang="nl-BE" sz="1600" dirty="0">
+                <a:solidFill>
+                  <a:schemeClr val="tx1"/>
+                </a:solidFill>
+              </a:rPr>
+              <a:t> folder</a:t>
+            </a:r>
+          </a:p>
+        </p:txBody>
+      </p:sp>
+      <p:cxnSp>
+        <p:nvCxnSpPr>
+          <p:cNvPr id="19" name="Rechte verbindingslijn met pijl 18">
+            <a:extLst>
+              <a:ext uri="{FF2B5EF4-FFF2-40B4-BE49-F238E27FC236}">
+                <a16:creationId xmlns:a16="http://schemas.microsoft.com/office/drawing/2014/main" id="{8F317889-57B5-4688-AAC7-DE3FDBCD9F02}"/>
+              </a:ext>
+            </a:extLst>
+          </p:cNvPr>
+          <p:cNvCxnSpPr>
+            <a:stCxn id="17" idx="3"/>
+            <a:endCxn id="16" idx="2"/>
+          </p:cNvCxnSpPr>
+          <p:nvPr/>
+        </p:nvCxnSpPr>
+        <p:spPr>
+          <a:xfrm>
+            <a:off x="2135956" y="5814027"/>
+            <a:ext cx="630007" cy="45000"/>
+          </a:xfrm>
+          <a:prstGeom prst="straightConnector1">
+            <a:avLst/>
+          </a:prstGeom>
+          <a:ln w="28575">
+            <a:solidFill>
+              <a:schemeClr val="tx1"/>
+            </a:solidFill>
+            <a:headEnd type="oval" w="med" len="med"/>
+            <a:tailEnd type="oval" w="med" len="med"/>
+          </a:ln>
+        </p:spPr>
+        <p:style>
+          <a:lnRef idx="1">
+            <a:schemeClr val="accent1"/>
+          </a:lnRef>
+          <a:fillRef idx="0">
+            <a:schemeClr val="accent1"/>
+          </a:fillRef>
+          <a:effectRef idx="0">
+            <a:schemeClr val="accent1"/>
+          </a:effectRef>
+          <a:fontRef idx="minor">
+            <a:schemeClr val="tx1"/>
+          </a:fontRef>
+        </p:style>
+      </p:cxnSp>
+    </p:spTree>
+    <p:extLst>
+      <p:ext uri="{BB962C8B-B14F-4D97-AF65-F5344CB8AC3E}">
+        <p14:creationId xmlns:p14="http://schemas.microsoft.com/office/powerpoint/2010/main" val="2465554891"/>
+      </p:ext>
+    </p:extLst>
+  </p:cSld>
+  <p:clrMapOvr>
+    <a:masterClrMapping/>
+  </p:clrMapOvr>
+  <mc:AlternateContent xmlns:mc="http://schemas.openxmlformats.org/markup-compatibility/2006" xmlns:p159="http://schemas.microsoft.com/office/powerpoint/2015/09/main">
+    <mc:Choice Requires="p159">
+      <p:transition xmlns:p14="http://schemas.microsoft.com/office/powerpoint/2010/main" spd="slow" p14:dur="2000">
+        <p159:morph option="byObject"/>
+      </p:transition>
+    </mc:Choice>
+    <mc:Fallback xmlns="">
+      <p:transition spd="slow">
+        <p:fade/>
+      </p:transition>
+    </mc:Fallback>
+  </mc:AlternateContent>
+</p:sld>
+</file>
+
+<file path=ppt/slides/slide21.xml><?xml version="1.0" encoding="utf-8"?>
+<p:sld xmlns:a="http://schemas.openxmlformats.org/drawingml/2006/main" xmlns:r="http://schemas.openxmlformats.org/officeDocument/2006/relationships" xmlns:p="http://schemas.openxmlformats.org/presentationml/2006/main">
+  <p:cSld>
+    <p:spTree>
+      <p:nvGrpSpPr>
+        <p:cNvPr id="1" name=""/>
+        <p:cNvGrpSpPr/>
+        <p:nvPr/>
+      </p:nvGrpSpPr>
+      <p:grpSpPr>
+        <a:xfrm>
+          <a:off x="0" y="0"/>
+          <a:ext cx="0" cy="0"/>
+          <a:chOff x="0" y="0"/>
+          <a:chExt cx="0" cy="0"/>
+        </a:xfrm>
+      </p:grpSpPr>
+      <p:sp>
+        <p:nvSpPr>
+          <p:cNvPr id="12" name="Tijdelijke aanduiding voor tekst 4">
+            <a:extLst>
+              <a:ext uri="{FF2B5EF4-FFF2-40B4-BE49-F238E27FC236}">
+                <a16:creationId xmlns:a16="http://schemas.microsoft.com/office/drawing/2014/main" id="{39C924F0-9186-4852-9A29-B4E39FAB2B7B}"/>
+              </a:ext>
+            </a:extLst>
+          </p:cNvPr>
+          <p:cNvSpPr txBox="1">
+            <a:spLocks/>
+          </p:cNvSpPr>
+          <p:nvPr/>
+        </p:nvSpPr>
+        <p:spPr>
+          <a:xfrm>
+            <a:off x="6456004" y="2078985"/>
+            <a:ext cx="5040056" cy="4500050"/>
+          </a:xfrm>
+          <a:prstGeom prst="rect">
+            <a:avLst/>
+          </a:prstGeom>
+          <a:solidFill>
+            <a:schemeClr val="accent3">
+              <a:lumMod val="60000"/>
+              <a:lumOff val="40000"/>
+              <a:alpha val="74902"/>
+            </a:schemeClr>
+          </a:solidFill>
+          <a:ln w="28575">
+            <a:solidFill>
+              <a:schemeClr val="tx1"/>
+            </a:solidFill>
+          </a:ln>
+        </p:spPr>
+        <p:txBody>
+          <a:bodyPr anchor="t">
+            <a:normAutofit/>
+          </a:bodyPr>
+          <a:lstStyle>
+            <a:defPPr>
+              <a:defRPr lang="en-US"/>
+            </a:defPPr>
+            <a:lvl1pPr indent="0" algn="ctr" defTabSz="914400">
+              <a:lnSpc>
+                <a:spcPct val="90000"/>
+              </a:lnSpc>
+              <a:spcBef>
+                <a:spcPts val="1200"/>
+              </a:spcBef>
+              <a:spcAft>
+                <a:spcPts val="200"/>
+              </a:spcAft>
+              <a:buClr>
+                <a:schemeClr val="tx1"/>
+              </a:buClr>
+              <a:buFont typeface="Wingdings" pitchFamily="2" charset="2"/>
+              <a:buNone/>
+              <a:defRPr sz="3200" b="1">
+                <a:solidFill>
+                  <a:schemeClr val="accent1"/>
+                </a:solidFill>
+              </a:defRPr>
+            </a:lvl1pPr>
+            <a:lvl2pPr marL="411480" indent="-182880" defTabSz="914400">
+              <a:lnSpc>
+                <a:spcPct val="90000"/>
+              </a:lnSpc>
+              <a:spcBef>
+                <a:spcPts val="200"/>
+              </a:spcBef>
+              <a:spcAft>
+                <a:spcPts val="400"/>
+              </a:spcAft>
+              <a:buClr>
+                <a:schemeClr val="tx1"/>
+              </a:buClr>
+              <a:buFont typeface="Wingdings" pitchFamily="2" charset="2"/>
+              <a:buChar char=""/>
+              <a:defRPr sz="2000"/>
+            </a:lvl2pPr>
+            <a:lvl3pPr marL="640080" indent="-182880" defTabSz="914400">
+              <a:lnSpc>
+                <a:spcPct val="90000"/>
+              </a:lnSpc>
+              <a:spcBef>
+                <a:spcPts val="200"/>
+              </a:spcBef>
+              <a:spcAft>
+                <a:spcPts val="400"/>
+              </a:spcAft>
+              <a:buClr>
+                <a:schemeClr val="tx1"/>
+              </a:buClr>
+              <a:buFont typeface="Wingdings" pitchFamily="2" charset="2"/>
+              <a:buChar char=""/>
+            </a:lvl3pPr>
+            <a:lvl4pPr marL="868680" indent="-182880" defTabSz="914400">
+              <a:lnSpc>
+                <a:spcPct val="90000"/>
+              </a:lnSpc>
+              <a:spcBef>
+                <a:spcPts val="200"/>
+              </a:spcBef>
+              <a:spcAft>
+                <a:spcPts val="400"/>
+              </a:spcAft>
+              <a:buClr>
+                <a:schemeClr val="tx1"/>
+              </a:buClr>
+              <a:buFont typeface="Wingdings" pitchFamily="2" charset="2"/>
+              <a:buChar char=""/>
+              <a:defRPr sz="1600"/>
+            </a:lvl4pPr>
+            <a:lvl5pPr marL="1097280" indent="-182880" defTabSz="914400">
+              <a:lnSpc>
+                <a:spcPct val="90000"/>
+              </a:lnSpc>
+              <a:spcBef>
+                <a:spcPts val="200"/>
+              </a:spcBef>
+              <a:spcAft>
+                <a:spcPts val="400"/>
+              </a:spcAft>
+              <a:buClr>
+                <a:schemeClr val="tx1"/>
+              </a:buClr>
+              <a:buFont typeface="Wingdings" pitchFamily="2" charset="2"/>
+              <a:buChar char=""/>
+              <a:defRPr sz="1600"/>
+            </a:lvl5pPr>
+            <a:lvl6pPr marL="1284600" indent="-228600" defTabSz="914400">
+              <a:lnSpc>
+                <a:spcPct val="90000"/>
+              </a:lnSpc>
+              <a:spcBef>
+                <a:spcPts val="200"/>
+              </a:spcBef>
+              <a:spcAft>
+                <a:spcPts val="400"/>
+              </a:spcAft>
+              <a:buClr>
+                <a:schemeClr val="tx1"/>
+              </a:buClr>
+              <a:buFont typeface="Wingdings" pitchFamily="2" charset="2"/>
+              <a:buChar char=""/>
+              <a:defRPr sz="1600"/>
+            </a:lvl6pPr>
+            <a:lvl7pPr marL="1471800" indent="-228600" defTabSz="914400">
+              <a:lnSpc>
+                <a:spcPct val="90000"/>
+              </a:lnSpc>
+              <a:spcBef>
+                <a:spcPts val="200"/>
+              </a:spcBef>
+              <a:spcAft>
+                <a:spcPts val="400"/>
+              </a:spcAft>
+              <a:buClr>
+                <a:schemeClr val="tx1"/>
+              </a:buClr>
+              <a:buFont typeface="Wingdings" pitchFamily="2" charset="2"/>
+              <a:buChar char=""/>
+              <a:defRPr sz="1600"/>
+            </a:lvl7pPr>
+            <a:lvl8pPr marL="1629000" indent="-228600" defTabSz="914400">
+              <a:lnSpc>
+                <a:spcPct val="90000"/>
+              </a:lnSpc>
+              <a:spcBef>
+                <a:spcPts val="200"/>
+              </a:spcBef>
+              <a:spcAft>
+                <a:spcPts val="400"/>
+              </a:spcAft>
+              <a:buClr>
+                <a:schemeClr val="tx1"/>
+              </a:buClr>
+              <a:buFont typeface="Wingdings" pitchFamily="2" charset="2"/>
+              <a:buChar char=""/>
+              <a:defRPr sz="1600"/>
+            </a:lvl8pPr>
+            <a:lvl9pPr marL="1806200" indent="-228600" defTabSz="914400">
+              <a:lnSpc>
+                <a:spcPct val="90000"/>
+              </a:lnSpc>
+              <a:spcBef>
+                <a:spcPts val="200"/>
+              </a:spcBef>
+              <a:spcAft>
+                <a:spcPts val="400"/>
+              </a:spcAft>
+              <a:buClr>
+                <a:schemeClr val="tx1"/>
+              </a:buClr>
+              <a:buFont typeface="Wingdings" pitchFamily="2" charset="2"/>
+              <a:buChar char=""/>
+              <a:defRPr sz="1600"/>
+            </a:lvl9pPr>
+          </a:lstStyle>
+          <a:p>
+            <a:r>
+              <a:rPr lang="nl-BE" dirty="0"/>
+              <a:t>GITHUB</a:t>
+            </a:r>
+          </a:p>
+        </p:txBody>
+      </p:sp>
+      <p:sp>
+        <p:nvSpPr>
+          <p:cNvPr id="2" name="Titel 1">
+            <a:extLst>
+              <a:ext uri="{FF2B5EF4-FFF2-40B4-BE49-F238E27FC236}">
+                <a16:creationId xmlns:a16="http://schemas.microsoft.com/office/drawing/2014/main" id="{2C7DF980-75F0-4D5F-BAC5-658F13F1EE15}"/>
+              </a:ext>
+            </a:extLst>
+          </p:cNvPr>
+          <p:cNvSpPr>
+            <a:spLocks noGrp="1"/>
+          </p:cNvSpPr>
+          <p:nvPr>
+            <p:ph type="title"/>
+          </p:nvPr>
+        </p:nvSpPr>
+        <p:spPr/>
+        <p:txBody>
+          <a:bodyPr/>
+          <a:lstStyle/>
+          <a:p>
+            <a:r>
+              <a:rPr lang="nl-BE" dirty="0"/>
+              <a:t>advantage (1) – </a:t>
+            </a:r>
+            <a:r>
+              <a:rPr lang="nl-BE" dirty="0" err="1"/>
+              <a:t>github</a:t>
+            </a:r>
+            <a:r>
+              <a:rPr lang="nl-BE" dirty="0"/>
+              <a:t> updates</a:t>
+            </a:r>
+          </a:p>
+        </p:txBody>
+      </p:sp>
+      <p:sp>
+        <p:nvSpPr>
+          <p:cNvPr id="4" name="Tijdelijke aanduiding voor tekst 4">
+            <a:extLst>
+              <a:ext uri="{FF2B5EF4-FFF2-40B4-BE49-F238E27FC236}">
+                <a16:creationId xmlns:a16="http://schemas.microsoft.com/office/drawing/2014/main" id="{8D961377-B0E0-46CF-991F-D95A579200EB}"/>
+              </a:ext>
+            </a:extLst>
+          </p:cNvPr>
+          <p:cNvSpPr txBox="1">
+            <a:spLocks/>
+          </p:cNvSpPr>
+          <p:nvPr/>
+        </p:nvSpPr>
+        <p:spPr>
+          <a:xfrm>
+            <a:off x="335936" y="2078985"/>
+            <a:ext cx="5760064" cy="4500050"/>
+          </a:xfrm>
+          <a:prstGeom prst="rect">
+            <a:avLst/>
+          </a:prstGeom>
+          <a:solidFill>
+            <a:schemeClr val="tx1">
+              <a:alpha val="74902"/>
+            </a:schemeClr>
+          </a:solidFill>
+          <a:ln w="28575">
+            <a:solidFill>
+              <a:schemeClr val="tx1"/>
+            </a:solidFill>
+          </a:ln>
+        </p:spPr>
+        <p:txBody>
+          <a:bodyPr anchor="t">
+            <a:normAutofit/>
+          </a:bodyPr>
+          <a:lstStyle>
+            <a:defPPr>
+              <a:defRPr lang="en-US"/>
+            </a:defPPr>
+            <a:lvl1pPr indent="0" algn="ctr" defTabSz="914400">
+              <a:lnSpc>
+                <a:spcPct val="90000"/>
+              </a:lnSpc>
+              <a:spcBef>
+                <a:spcPts val="1200"/>
+              </a:spcBef>
+              <a:spcAft>
+                <a:spcPts val="200"/>
+              </a:spcAft>
+              <a:buClr>
+                <a:schemeClr val="tx1"/>
+              </a:buClr>
+              <a:buFont typeface="Wingdings" pitchFamily="2" charset="2"/>
+              <a:buNone/>
+              <a:defRPr sz="3200" b="1">
+                <a:solidFill>
+                  <a:schemeClr val="accent1"/>
+                </a:solidFill>
+              </a:defRPr>
+            </a:lvl1pPr>
+            <a:lvl2pPr marL="411480" indent="-182880" defTabSz="914400">
+              <a:lnSpc>
+                <a:spcPct val="90000"/>
+              </a:lnSpc>
+              <a:spcBef>
+                <a:spcPts val="200"/>
+              </a:spcBef>
+              <a:spcAft>
+                <a:spcPts val="400"/>
+              </a:spcAft>
+              <a:buClr>
+                <a:schemeClr val="tx1"/>
+              </a:buClr>
+              <a:buFont typeface="Wingdings" pitchFamily="2" charset="2"/>
+              <a:buChar char=""/>
+              <a:defRPr sz="2000"/>
+            </a:lvl2pPr>
+            <a:lvl3pPr marL="640080" indent="-182880" defTabSz="914400">
+              <a:lnSpc>
+                <a:spcPct val="90000"/>
+              </a:lnSpc>
+              <a:spcBef>
+                <a:spcPts val="200"/>
+              </a:spcBef>
+              <a:spcAft>
+                <a:spcPts val="400"/>
+              </a:spcAft>
+              <a:buClr>
+                <a:schemeClr val="tx1"/>
+              </a:buClr>
+              <a:buFont typeface="Wingdings" pitchFamily="2" charset="2"/>
+              <a:buChar char=""/>
+            </a:lvl3pPr>
+            <a:lvl4pPr marL="868680" indent="-182880" defTabSz="914400">
+              <a:lnSpc>
+                <a:spcPct val="90000"/>
+              </a:lnSpc>
+              <a:spcBef>
+                <a:spcPts val="200"/>
+              </a:spcBef>
+              <a:spcAft>
+                <a:spcPts val="400"/>
+              </a:spcAft>
+              <a:buClr>
+                <a:schemeClr val="tx1"/>
+              </a:buClr>
+              <a:buFont typeface="Wingdings" pitchFamily="2" charset="2"/>
+              <a:buChar char=""/>
+              <a:defRPr sz="1600"/>
+            </a:lvl4pPr>
+            <a:lvl5pPr marL="1097280" indent="-182880" defTabSz="914400">
+              <a:lnSpc>
+                <a:spcPct val="90000"/>
+              </a:lnSpc>
+              <a:spcBef>
+                <a:spcPts val="200"/>
+              </a:spcBef>
+              <a:spcAft>
+                <a:spcPts val="400"/>
+              </a:spcAft>
+              <a:buClr>
+                <a:schemeClr val="tx1"/>
+              </a:buClr>
+              <a:buFont typeface="Wingdings" pitchFamily="2" charset="2"/>
+              <a:buChar char=""/>
+              <a:defRPr sz="1600"/>
+            </a:lvl5pPr>
+            <a:lvl6pPr marL="1284600" indent="-228600" defTabSz="914400">
+              <a:lnSpc>
+                <a:spcPct val="90000"/>
+              </a:lnSpc>
+              <a:spcBef>
+                <a:spcPts val="200"/>
+              </a:spcBef>
+              <a:spcAft>
+                <a:spcPts val="400"/>
+              </a:spcAft>
+              <a:buClr>
+                <a:schemeClr val="tx1"/>
+              </a:buClr>
+              <a:buFont typeface="Wingdings" pitchFamily="2" charset="2"/>
+              <a:buChar char=""/>
+              <a:defRPr sz="1600"/>
+            </a:lvl6pPr>
+            <a:lvl7pPr marL="1471800" indent="-228600" defTabSz="914400">
+              <a:lnSpc>
+                <a:spcPct val="90000"/>
+              </a:lnSpc>
+              <a:spcBef>
+                <a:spcPts val="200"/>
+              </a:spcBef>
+              <a:spcAft>
+                <a:spcPts val="400"/>
+              </a:spcAft>
+              <a:buClr>
+                <a:schemeClr val="tx1"/>
+              </a:buClr>
+              <a:buFont typeface="Wingdings" pitchFamily="2" charset="2"/>
+              <a:buChar char=""/>
+              <a:defRPr sz="1600"/>
+            </a:lvl7pPr>
+            <a:lvl8pPr marL="1629000" indent="-228600" defTabSz="914400">
+              <a:lnSpc>
+                <a:spcPct val="90000"/>
+              </a:lnSpc>
+              <a:spcBef>
+                <a:spcPts val="200"/>
+              </a:spcBef>
+              <a:spcAft>
+                <a:spcPts val="400"/>
+              </a:spcAft>
+              <a:buClr>
+                <a:schemeClr val="tx1"/>
+              </a:buClr>
+              <a:buFont typeface="Wingdings" pitchFamily="2" charset="2"/>
+              <a:buChar char=""/>
+              <a:defRPr sz="1600"/>
+            </a:lvl8pPr>
+            <a:lvl9pPr marL="1806200" indent="-228600" defTabSz="914400">
+              <a:lnSpc>
+                <a:spcPct val="90000"/>
+              </a:lnSpc>
+              <a:spcBef>
+                <a:spcPts val="200"/>
+              </a:spcBef>
+              <a:spcAft>
+                <a:spcPts val="400"/>
+              </a:spcAft>
+              <a:buClr>
+                <a:schemeClr val="tx1"/>
+              </a:buClr>
+              <a:buFont typeface="Wingdings" pitchFamily="2" charset="2"/>
+              <a:buChar char=""/>
+              <a:defRPr sz="1600"/>
+            </a:lvl9pPr>
+          </a:lstStyle>
+          <a:p>
+            <a:r>
+              <a:rPr lang="nl-BE" dirty="0"/>
+              <a:t>DCS WORLD</a:t>
+            </a:r>
+          </a:p>
+        </p:txBody>
+      </p:sp>
+      <p:sp>
+        <p:nvSpPr>
+          <p:cNvPr id="5" name="Rechthoek 4">
+            <a:extLst>
+              <a:ext uri="{FF2B5EF4-FFF2-40B4-BE49-F238E27FC236}">
+                <a16:creationId xmlns:a16="http://schemas.microsoft.com/office/drawing/2014/main" id="{44516684-110A-4BC3-BB35-51A719B3148C}"/>
+              </a:ext>
+            </a:extLst>
+          </p:cNvPr>
+          <p:cNvSpPr/>
+          <p:nvPr/>
+        </p:nvSpPr>
+        <p:spPr>
+          <a:xfrm>
+            <a:off x="695940" y="2618992"/>
+            <a:ext cx="5040056" cy="2880032"/>
+          </a:xfrm>
+          <a:prstGeom prst="rect">
+            <a:avLst/>
+          </a:prstGeom>
+          <a:solidFill>
+            <a:schemeClr val="tx1">
+              <a:alpha val="74902"/>
+            </a:schemeClr>
+          </a:solidFill>
+          <a:ln w="28575">
+            <a:solidFill>
+              <a:schemeClr val="accent1"/>
+            </a:solidFill>
+          </a:ln>
+        </p:spPr>
+        <p:txBody>
+          <a:bodyPr anchor="t">
+            <a:normAutofit/>
+          </a:bodyPr>
+          <a:lstStyle/>
+          <a:p>
+            <a:pPr algn="ctr" defTabSz="914400">
+              <a:lnSpc>
+                <a:spcPct val="90000"/>
+              </a:lnSpc>
+              <a:spcBef>
+                <a:spcPts val="1200"/>
+              </a:spcBef>
+              <a:spcAft>
+                <a:spcPts val="200"/>
+              </a:spcAft>
+              <a:buClr>
+                <a:schemeClr val="tx1"/>
+              </a:buClr>
+            </a:pPr>
+            <a:r>
+              <a:rPr lang="nl-BE" sz="3200" b="1" dirty="0">
+                <a:solidFill>
+                  <a:schemeClr val="accent1"/>
+                </a:solidFill>
+              </a:rPr>
+              <a:t>LUA Environment</a:t>
+            </a:r>
+          </a:p>
+        </p:txBody>
+      </p:sp>
+      <p:sp>
+        <p:nvSpPr>
+          <p:cNvPr id="6" name="Tijdelijke aanduiding voor tekst 4">
+            <a:extLst>
+              <a:ext uri="{FF2B5EF4-FFF2-40B4-BE49-F238E27FC236}">
+                <a16:creationId xmlns:a16="http://schemas.microsoft.com/office/drawing/2014/main" id="{B3B0ED23-A2CF-4BC2-B746-6DCD6ED931B5}"/>
+              </a:ext>
+            </a:extLst>
+          </p:cNvPr>
+          <p:cNvSpPr txBox="1">
+            <a:spLocks/>
+          </p:cNvSpPr>
+          <p:nvPr/>
+        </p:nvSpPr>
+        <p:spPr>
+          <a:xfrm>
+            <a:off x="1055944" y="3158997"/>
+            <a:ext cx="4320048" cy="1980022"/>
+          </a:xfrm>
+          <a:prstGeom prst="rect">
+            <a:avLst/>
+          </a:prstGeom>
+          <a:solidFill>
+            <a:schemeClr val="accent1">
+              <a:alpha val="74902"/>
+            </a:schemeClr>
+          </a:solidFill>
+          <a:ln w="28575">
+            <a:solidFill>
+              <a:schemeClr val="accent1"/>
+            </a:solidFill>
+          </a:ln>
+        </p:spPr>
+        <p:txBody>
+          <a:bodyPr anchor="t">
+            <a:normAutofit/>
+          </a:bodyPr>
+          <a:lstStyle>
+            <a:defPPr>
+              <a:defRPr lang="en-US"/>
+            </a:defPPr>
+            <a:lvl1pPr indent="0" algn="ctr" defTabSz="914400">
+              <a:lnSpc>
+                <a:spcPct val="90000"/>
+              </a:lnSpc>
+              <a:spcBef>
+                <a:spcPts val="1200"/>
+              </a:spcBef>
+              <a:spcAft>
+                <a:spcPts val="200"/>
+              </a:spcAft>
+              <a:buClr>
+                <a:schemeClr val="tx1"/>
+              </a:buClr>
+              <a:buFont typeface="Wingdings" pitchFamily="2" charset="2"/>
+              <a:buNone/>
+              <a:defRPr sz="3200" b="1"/>
+            </a:lvl1pPr>
+            <a:lvl2pPr marL="411480" indent="-182880" defTabSz="914400">
+              <a:lnSpc>
+                <a:spcPct val="90000"/>
+              </a:lnSpc>
+              <a:spcBef>
+                <a:spcPts val="200"/>
+              </a:spcBef>
+              <a:spcAft>
+                <a:spcPts val="400"/>
+              </a:spcAft>
+              <a:buClr>
+                <a:schemeClr val="tx1"/>
+              </a:buClr>
+              <a:buFont typeface="Wingdings" pitchFamily="2" charset="2"/>
+              <a:buChar char=""/>
+              <a:defRPr sz="2000"/>
+            </a:lvl2pPr>
+            <a:lvl3pPr marL="640080" indent="-182880" defTabSz="914400">
+              <a:lnSpc>
+                <a:spcPct val="90000"/>
+              </a:lnSpc>
+              <a:spcBef>
+                <a:spcPts val="200"/>
+              </a:spcBef>
+              <a:spcAft>
+                <a:spcPts val="400"/>
+              </a:spcAft>
+              <a:buClr>
+                <a:schemeClr val="tx1"/>
+              </a:buClr>
+              <a:buFont typeface="Wingdings" pitchFamily="2" charset="2"/>
+              <a:buChar char=""/>
+            </a:lvl3pPr>
+            <a:lvl4pPr marL="868680" indent="-182880" defTabSz="914400">
+              <a:lnSpc>
+                <a:spcPct val="90000"/>
+              </a:lnSpc>
+              <a:spcBef>
+                <a:spcPts val="200"/>
+              </a:spcBef>
+              <a:spcAft>
+                <a:spcPts val="400"/>
+              </a:spcAft>
+              <a:buClr>
+                <a:schemeClr val="tx1"/>
+              </a:buClr>
+              <a:buFont typeface="Wingdings" pitchFamily="2" charset="2"/>
+              <a:buChar char=""/>
+              <a:defRPr sz="1600"/>
+            </a:lvl4pPr>
+            <a:lvl5pPr marL="1097280" indent="-182880" defTabSz="914400">
+              <a:lnSpc>
+                <a:spcPct val="90000"/>
+              </a:lnSpc>
+              <a:spcBef>
+                <a:spcPts val="200"/>
+              </a:spcBef>
+              <a:spcAft>
+                <a:spcPts val="400"/>
+              </a:spcAft>
+              <a:buClr>
+                <a:schemeClr val="tx1"/>
+              </a:buClr>
+              <a:buFont typeface="Wingdings" pitchFamily="2" charset="2"/>
+              <a:buChar char=""/>
+              <a:defRPr sz="1600"/>
+            </a:lvl5pPr>
+            <a:lvl6pPr marL="1284600" indent="-228600" defTabSz="914400">
+              <a:lnSpc>
+                <a:spcPct val="90000"/>
+              </a:lnSpc>
+              <a:spcBef>
+                <a:spcPts val="200"/>
+              </a:spcBef>
+              <a:spcAft>
+                <a:spcPts val="400"/>
+              </a:spcAft>
+              <a:buClr>
+                <a:schemeClr val="tx1"/>
+              </a:buClr>
+              <a:buFont typeface="Wingdings" pitchFamily="2" charset="2"/>
+              <a:buChar char=""/>
+              <a:defRPr sz="1600"/>
+            </a:lvl6pPr>
+            <a:lvl7pPr marL="1471800" indent="-228600" defTabSz="914400">
+              <a:lnSpc>
+                <a:spcPct val="90000"/>
+              </a:lnSpc>
+              <a:spcBef>
+                <a:spcPts val="200"/>
+              </a:spcBef>
+              <a:spcAft>
+                <a:spcPts val="400"/>
+              </a:spcAft>
+              <a:buClr>
+                <a:schemeClr val="tx1"/>
+              </a:buClr>
+              <a:buFont typeface="Wingdings" pitchFamily="2" charset="2"/>
+              <a:buChar char=""/>
+              <a:defRPr sz="1600"/>
+            </a:lvl7pPr>
+            <a:lvl8pPr marL="1629000" indent="-228600" defTabSz="914400">
+              <a:lnSpc>
+                <a:spcPct val="90000"/>
+              </a:lnSpc>
+              <a:spcBef>
+                <a:spcPts val="200"/>
+              </a:spcBef>
+              <a:spcAft>
+                <a:spcPts val="400"/>
+              </a:spcAft>
+              <a:buClr>
+                <a:schemeClr val="tx1"/>
+              </a:buClr>
+              <a:buFont typeface="Wingdings" pitchFamily="2" charset="2"/>
+              <a:buChar char=""/>
+              <a:defRPr sz="1600"/>
+            </a:lvl8pPr>
+            <a:lvl9pPr marL="1806200" indent="-228600" defTabSz="914400">
+              <a:lnSpc>
+                <a:spcPct val="90000"/>
+              </a:lnSpc>
+              <a:spcBef>
+                <a:spcPts val="200"/>
+              </a:spcBef>
+              <a:spcAft>
+                <a:spcPts val="400"/>
+              </a:spcAft>
+              <a:buClr>
+                <a:schemeClr val="tx1"/>
+              </a:buClr>
+              <a:buFont typeface="Wingdings" pitchFamily="2" charset="2"/>
+              <a:buChar char=""/>
+              <a:defRPr sz="1600"/>
+            </a:lvl9pPr>
+          </a:lstStyle>
+          <a:p>
+            <a:r>
+              <a:rPr lang="nl-BE" dirty="0" err="1"/>
+              <a:t>Mission.miz</a:t>
+            </a:r>
+            <a:endParaRPr lang="nl-BE" dirty="0"/>
+          </a:p>
+        </p:txBody>
+      </p:sp>
+      <p:sp>
+        <p:nvSpPr>
+          <p:cNvPr id="7" name="Rechthoek 6">
+            <a:extLst>
+              <a:ext uri="{FF2B5EF4-FFF2-40B4-BE49-F238E27FC236}">
+                <a16:creationId xmlns:a16="http://schemas.microsoft.com/office/drawing/2014/main" id="{91DB5396-6A71-4D23-9B73-57F547FA770F}"/>
+              </a:ext>
+            </a:extLst>
+          </p:cNvPr>
+          <p:cNvSpPr/>
+          <p:nvPr/>
+        </p:nvSpPr>
+        <p:spPr>
+          <a:xfrm>
+            <a:off x="1775952" y="3699002"/>
+            <a:ext cx="2880032" cy="1080013"/>
+          </a:xfrm>
+          <a:prstGeom prst="rect">
+            <a:avLst/>
+          </a:prstGeom>
+          <a:solidFill>
+            <a:schemeClr val="tx1">
+              <a:alpha val="74902"/>
+            </a:schemeClr>
+          </a:solidFill>
+          <a:ln w="28575">
+            <a:solidFill>
+              <a:schemeClr val="accent1"/>
+            </a:solidFill>
+          </a:ln>
+        </p:spPr>
+        <p:txBody>
+          <a:bodyPr rot="0" spcFirstLastPara="0" vertOverflow="overflow" horzOverflow="overflow" vert="horz" wrap="square" lIns="91440" tIns="45720" rIns="91440" bIns="45720" numCol="1" spcCol="0" rtlCol="0" fromWordArt="0" anchor="ctr" anchorCtr="0" forceAA="0" compatLnSpc="1">
+            <a:prstTxWarp prst="textNoShape">
+              <a:avLst/>
+            </a:prstTxWarp>
+            <a:normAutofit/>
+          </a:bodyPr>
+          <a:lstStyle/>
+          <a:p>
+            <a:pPr algn="ctr" defTabSz="914400">
+              <a:lnSpc>
+                <a:spcPct val="90000"/>
+              </a:lnSpc>
+              <a:spcBef>
+                <a:spcPts val="1200"/>
+              </a:spcBef>
+              <a:spcAft>
+                <a:spcPts val="200"/>
+              </a:spcAft>
+              <a:buClr>
+                <a:schemeClr val="tx1"/>
+              </a:buClr>
+            </a:pPr>
+            <a:r>
+              <a:rPr lang="nl-BE" dirty="0">
+                <a:solidFill>
+                  <a:schemeClr val="accent1"/>
+                </a:solidFill>
+              </a:rPr>
+              <a:t>DO SCRIPT FILE trigger</a:t>
+            </a:r>
+            <a:br>
+              <a:rPr lang="nl-BE" dirty="0">
+                <a:solidFill>
+                  <a:schemeClr val="accent1"/>
+                </a:solidFill>
+              </a:rPr>
+            </a:br>
+            <a:r>
+              <a:rPr lang="nl-BE" dirty="0" err="1">
+                <a:solidFill>
+                  <a:schemeClr val="accent1"/>
+                </a:solidFill>
+              </a:rPr>
+              <a:t>Moose.lua</a:t>
+            </a:r>
+            <a:endParaRPr lang="nl-BE" dirty="0">
+              <a:solidFill>
+                <a:schemeClr val="accent1"/>
+              </a:solidFill>
+            </a:endParaRPr>
+          </a:p>
+        </p:txBody>
+      </p:sp>
+      <p:sp>
+        <p:nvSpPr>
+          <p:cNvPr id="10" name="Cilinder 9">
+            <a:extLst>
+              <a:ext uri="{FF2B5EF4-FFF2-40B4-BE49-F238E27FC236}">
+                <a16:creationId xmlns:a16="http://schemas.microsoft.com/office/drawing/2014/main" id="{210F9DD8-AA00-453B-81CD-98AC2D461643}"/>
+              </a:ext>
+            </a:extLst>
+          </p:cNvPr>
+          <p:cNvSpPr/>
+          <p:nvPr/>
+        </p:nvSpPr>
+        <p:spPr>
+          <a:xfrm>
+            <a:off x="6816008" y="5769026"/>
+            <a:ext cx="4320048" cy="540006"/>
+          </a:xfrm>
+          <a:prstGeom prst="can">
+            <a:avLst/>
+          </a:prstGeom>
+          <a:solidFill>
+            <a:schemeClr val="tx1">
+              <a:alpha val="74902"/>
+            </a:schemeClr>
+          </a:solidFill>
+          <a:ln w="28575">
+            <a:solidFill>
+              <a:schemeClr val="accent1"/>
+            </a:solidFill>
+          </a:ln>
+        </p:spPr>
+        <p:txBody>
+          <a:bodyPr rot="0" spcFirstLastPara="0" vertOverflow="overflow" horzOverflow="overflow" vert="horz" wrap="square" lIns="91440" tIns="45720" rIns="91440" bIns="45720" numCol="1" spcCol="0" rtlCol="0" fromWordArt="0" anchor="ctr" anchorCtr="0" forceAA="0" compatLnSpc="1">
+            <a:prstTxWarp prst="textNoShape">
+              <a:avLst/>
+            </a:prstTxWarp>
+            <a:normAutofit lnSpcReduction="10000"/>
+          </a:bodyPr>
+          <a:lstStyle/>
+          <a:p>
+            <a:pPr algn="ctr" defTabSz="914400">
+              <a:lnSpc>
+                <a:spcPct val="90000"/>
+              </a:lnSpc>
+              <a:spcBef>
+                <a:spcPts val="1200"/>
+              </a:spcBef>
+              <a:spcAft>
+                <a:spcPts val="200"/>
+              </a:spcAft>
+              <a:buClr>
+                <a:schemeClr val="tx1"/>
+              </a:buClr>
+            </a:pPr>
+            <a:r>
+              <a:rPr lang="nl-BE" dirty="0">
+                <a:solidFill>
+                  <a:schemeClr val="accent1"/>
+                </a:solidFill>
+              </a:rPr>
+              <a:t>Y:\MOOSE\Moose Development\</a:t>
+            </a:r>
+            <a:r>
+              <a:rPr lang="nl-BE" b="1" dirty="0">
+                <a:solidFill>
+                  <a:schemeClr val="accent1"/>
+                </a:solidFill>
+              </a:rPr>
+              <a:t>Moose</a:t>
+            </a:r>
+          </a:p>
+        </p:txBody>
+      </p:sp>
+      <p:sp>
+        <p:nvSpPr>
+          <p:cNvPr id="11" name="Wolk 10">
+            <a:extLst>
+              <a:ext uri="{FF2B5EF4-FFF2-40B4-BE49-F238E27FC236}">
+                <a16:creationId xmlns:a16="http://schemas.microsoft.com/office/drawing/2014/main" id="{8F43BC29-3DDC-49A7-ABBB-6C211B995A65}"/>
+              </a:ext>
+            </a:extLst>
+          </p:cNvPr>
+          <p:cNvSpPr/>
+          <p:nvPr/>
+        </p:nvSpPr>
+        <p:spPr>
+          <a:xfrm>
+            <a:off x="7266013" y="2798993"/>
+            <a:ext cx="3780042" cy="1890021"/>
+          </a:xfrm>
+          <a:prstGeom prst="cloud">
+            <a:avLst/>
+          </a:prstGeom>
+          <a:gradFill flip="none" rotWithShape="1">
+            <a:gsLst>
+              <a:gs pos="0">
+                <a:schemeClr val="tx1">
+                  <a:alpha val="20000"/>
+                </a:schemeClr>
+              </a:gs>
+              <a:gs pos="100000">
+                <a:srgbClr val="FFFFFF"/>
+              </a:gs>
+              <a:gs pos="34000">
+                <a:schemeClr val="tx1">
+                  <a:alpha val="35000"/>
+                </a:schemeClr>
+              </a:gs>
+              <a:gs pos="100000">
+                <a:schemeClr val="tx1"/>
+              </a:gs>
+            </a:gsLst>
+            <a:lin ang="16200000" scaled="1"/>
+            <a:tileRect/>
+          </a:gradFill>
+          <a:ln w="19050">
+            <a:solidFill>
+              <a:schemeClr val="accent1"/>
+            </a:solidFill>
+          </a:ln>
+        </p:spPr>
+        <p:style>
+          <a:lnRef idx="2">
+            <a:schemeClr val="accent1"/>
+          </a:lnRef>
+          <a:fillRef idx="1">
+            <a:schemeClr val="lt1"/>
+          </a:fillRef>
+          <a:effectRef idx="0">
+            <a:schemeClr val="accent1"/>
+          </a:effectRef>
+          <a:fontRef idx="minor">
+            <a:schemeClr val="dk1"/>
+          </a:fontRef>
+        </p:style>
+        <p:txBody>
+          <a:bodyPr rtlCol="0" anchor="ctr"/>
+          <a:lstStyle/>
+          <a:p>
+            <a:pPr algn="ctr"/>
+            <a:r>
+              <a:rPr lang="nl-BE" sz="3600" b="1" dirty="0">
+                <a:solidFill>
+                  <a:schemeClr val="accent1"/>
+                </a:solidFill>
+              </a:rPr>
+              <a:t>MOOSE</a:t>
+            </a:r>
+            <a:endParaRPr lang="nl-BE" sz="2000" b="1" dirty="0">
+              <a:solidFill>
+                <a:schemeClr val="accent1"/>
+              </a:solidFill>
+            </a:endParaRPr>
+          </a:p>
+        </p:txBody>
+      </p:sp>
+      <p:sp>
+        <p:nvSpPr>
+          <p:cNvPr id="15" name="Pijl: omlaag 14">
+            <a:extLst>
+              <a:ext uri="{FF2B5EF4-FFF2-40B4-BE49-F238E27FC236}">
+                <a16:creationId xmlns:a16="http://schemas.microsoft.com/office/drawing/2014/main" id="{00A1F8F5-66DC-4A34-B33D-397F95D863A7}"/>
+              </a:ext>
+            </a:extLst>
+          </p:cNvPr>
+          <p:cNvSpPr/>
+          <p:nvPr/>
+        </p:nvSpPr>
+        <p:spPr>
+          <a:xfrm>
+            <a:off x="8436026" y="4239010"/>
+            <a:ext cx="1080012" cy="1620018"/>
+          </a:xfrm>
+          <a:prstGeom prst="downArrow">
+            <a:avLst/>
+          </a:prstGeom>
+          <a:solidFill>
+            <a:schemeClr val="accent4"/>
+          </a:solidFill>
+          <a:ln w="19050">
+            <a:solidFill>
+              <a:schemeClr val="accent1"/>
+            </a:solidFill>
+          </a:ln>
+        </p:spPr>
+        <p:style>
+          <a:lnRef idx="2">
+            <a:schemeClr val="accent1"/>
+          </a:lnRef>
+          <a:fillRef idx="1">
+            <a:schemeClr val="lt1"/>
+          </a:fillRef>
+          <a:effectRef idx="0">
+            <a:schemeClr val="accent1"/>
+          </a:effectRef>
+          <a:fontRef idx="minor">
+            <a:schemeClr val="dk1"/>
+          </a:fontRef>
+        </p:style>
+        <p:txBody>
+          <a:bodyPr rot="0" spcFirstLastPara="0" vertOverflow="overflow" horzOverflow="overflow" vert="vert" wrap="square" lIns="91440" tIns="45720" rIns="91440" bIns="45720" numCol="1" spcCol="0" rtlCol="0" fromWordArt="0" anchor="t" anchorCtr="0" forceAA="0" compatLnSpc="1">
+            <a:prstTxWarp prst="textNoShape">
+              <a:avLst/>
+            </a:prstTxWarp>
+            <a:noAutofit/>
+          </a:bodyPr>
+          <a:lstStyle/>
+          <a:p>
+            <a:pPr algn="ctr"/>
+            <a:r>
+              <a:rPr lang="nl-BE" sz="2000" b="1" dirty="0">
+                <a:solidFill>
+                  <a:schemeClr val="tx1"/>
+                </a:solidFill>
+              </a:rPr>
+              <a:t>Pull (Sync)</a:t>
+            </a:r>
+          </a:p>
+        </p:txBody>
+      </p:sp>
+      <p:sp>
+        <p:nvSpPr>
+          <p:cNvPr id="17" name="Cilinder 16">
+            <a:extLst>
+              <a:ext uri="{FF2B5EF4-FFF2-40B4-BE49-F238E27FC236}">
+                <a16:creationId xmlns:a16="http://schemas.microsoft.com/office/drawing/2014/main" id="{354A0803-8916-4E41-9C88-69EC59282F23}"/>
+              </a:ext>
+            </a:extLst>
+          </p:cNvPr>
+          <p:cNvSpPr/>
+          <p:nvPr/>
+        </p:nvSpPr>
+        <p:spPr>
+          <a:xfrm>
+            <a:off x="875942" y="5769026"/>
+            <a:ext cx="4680052" cy="720008"/>
+          </a:xfrm>
+          <a:prstGeom prst="can">
+            <a:avLst/>
+          </a:prstGeom>
+          <a:solidFill>
+            <a:schemeClr val="tx1">
+              <a:alpha val="74902"/>
+            </a:schemeClr>
+          </a:solidFill>
+          <a:ln w="28575">
+            <a:solidFill>
+              <a:schemeClr val="accent1"/>
+            </a:solidFill>
+          </a:ln>
+        </p:spPr>
+        <p:txBody>
+          <a:bodyPr rot="0" spcFirstLastPara="0" vertOverflow="overflow" horzOverflow="overflow" vert="horz" wrap="square" lIns="91440" tIns="45720" rIns="91440" bIns="45720" numCol="1" spcCol="0" rtlCol="0" fromWordArt="0" anchor="ctr" anchorCtr="0" forceAA="0" compatLnSpc="1">
+            <a:prstTxWarp prst="textNoShape">
+              <a:avLst/>
+            </a:prstTxWarp>
+            <a:normAutofit fontScale="85000" lnSpcReduction="10000"/>
+          </a:bodyPr>
+          <a:lstStyle/>
+          <a:p>
+            <a:pPr algn="ctr" defTabSz="914400">
+              <a:lnSpc>
+                <a:spcPct val="90000"/>
+              </a:lnSpc>
+              <a:spcBef>
+                <a:spcPts val="1200"/>
+              </a:spcBef>
+              <a:spcAft>
+                <a:spcPts val="200"/>
+              </a:spcAft>
+              <a:buClr>
+                <a:schemeClr val="tx1"/>
+              </a:buClr>
+            </a:pPr>
+            <a:r>
+              <a:rPr lang="nl-BE" dirty="0">
+                <a:solidFill>
+                  <a:schemeClr val="accent1"/>
+                </a:solidFill>
+              </a:rPr>
+              <a:t>X:\PF\Eagle Dynamics\DCS World\Scripts\</a:t>
+            </a:r>
+            <a:r>
+              <a:rPr lang="nl-BE" b="1" dirty="0">
+                <a:solidFill>
+                  <a:schemeClr val="accent1"/>
+                </a:solidFill>
+              </a:rPr>
+              <a:t>Moose\*.</a:t>
+            </a:r>
+            <a:r>
+              <a:rPr lang="nl-BE" b="1" dirty="0" err="1">
+                <a:solidFill>
+                  <a:schemeClr val="accent1"/>
+                </a:solidFill>
+              </a:rPr>
+              <a:t>lua</a:t>
+            </a:r>
+            <a:endParaRPr lang="nl-BE" b="1" dirty="0">
+              <a:solidFill>
+                <a:schemeClr val="accent1"/>
+              </a:solidFill>
+            </a:endParaRPr>
+          </a:p>
+        </p:txBody>
+      </p:sp>
+      <p:sp>
+        <p:nvSpPr>
+          <p:cNvPr id="16" name="Pijl: omhoog 15">
+            <a:extLst>
+              <a:ext uri="{FF2B5EF4-FFF2-40B4-BE49-F238E27FC236}">
+                <a16:creationId xmlns:a16="http://schemas.microsoft.com/office/drawing/2014/main" id="{52133AAA-59E6-41A3-B5BC-536FFF67EC53}"/>
+              </a:ext>
+            </a:extLst>
+          </p:cNvPr>
+          <p:cNvSpPr/>
+          <p:nvPr/>
+        </p:nvSpPr>
+        <p:spPr>
+          <a:xfrm>
+            <a:off x="2315958" y="5319021"/>
+            <a:ext cx="1800020" cy="540006"/>
+          </a:xfrm>
+          <a:prstGeom prst="upArrow">
+            <a:avLst/>
+          </a:prstGeom>
+          <a:solidFill>
+            <a:schemeClr val="accent4"/>
+          </a:solidFill>
+          <a:ln w="19050">
+            <a:solidFill>
+              <a:schemeClr val="accent1"/>
+            </a:solidFill>
+          </a:ln>
+        </p:spPr>
+        <p:style>
+          <a:lnRef idx="2">
+            <a:schemeClr val="accent1"/>
+          </a:lnRef>
+          <a:fillRef idx="1">
+            <a:schemeClr val="lt1"/>
+          </a:fillRef>
+          <a:effectRef idx="0">
+            <a:schemeClr val="accent1"/>
+          </a:effectRef>
+          <a:fontRef idx="minor">
+            <a:schemeClr val="dk1"/>
+          </a:fontRef>
+        </p:style>
+        <p:txBody>
+          <a:bodyPr rtlCol="0" anchor="t"/>
+          <a:lstStyle/>
+          <a:p>
+            <a:pPr algn="ctr"/>
+            <a:r>
+              <a:rPr lang="nl-BE" sz="2000" b="1" dirty="0">
+                <a:solidFill>
+                  <a:schemeClr val="tx1"/>
+                </a:solidFill>
+              </a:rPr>
+              <a:t>Load</a:t>
+            </a:r>
+          </a:p>
+        </p:txBody>
+      </p:sp>
+      <p:sp>
+        <p:nvSpPr>
+          <p:cNvPr id="14" name="Pijl: links/rechts 13">
+            <a:extLst>
+              <a:ext uri="{FF2B5EF4-FFF2-40B4-BE49-F238E27FC236}">
+                <a16:creationId xmlns:a16="http://schemas.microsoft.com/office/drawing/2014/main" id="{8D8F0E0E-1555-49F3-A2E9-D5CFA28CB8B7}"/>
+              </a:ext>
+            </a:extLst>
+          </p:cNvPr>
+          <p:cNvSpPr/>
+          <p:nvPr/>
+        </p:nvSpPr>
+        <p:spPr>
+          <a:xfrm>
+            <a:off x="5375992" y="5589025"/>
+            <a:ext cx="1620018" cy="720007"/>
+          </a:xfrm>
+          <a:prstGeom prst="leftRightArrow">
+            <a:avLst/>
+          </a:prstGeom>
+          <a:solidFill>
+            <a:schemeClr val="accent4"/>
+          </a:solidFill>
+          <a:ln w="19050">
+            <a:solidFill>
+              <a:schemeClr val="accent1"/>
+            </a:solidFill>
+          </a:ln>
+        </p:spPr>
+        <p:style>
+          <a:lnRef idx="2">
+            <a:schemeClr val="accent1"/>
+          </a:lnRef>
+          <a:fillRef idx="1">
+            <a:schemeClr val="lt1"/>
+          </a:fillRef>
+          <a:effectRef idx="0">
+            <a:schemeClr val="accent1"/>
+          </a:effectRef>
+          <a:fontRef idx="minor">
+            <a:schemeClr val="dk1"/>
+          </a:fontRef>
+        </p:style>
+        <p:txBody>
+          <a:bodyPr rot="0" spcFirstLastPara="0" vertOverflow="overflow" horzOverflow="overflow" vert="horz" wrap="square" lIns="91440" tIns="45720" rIns="91440" bIns="45720" numCol="1" spcCol="0" rtlCol="0" fromWordArt="0" anchor="t" anchorCtr="0" forceAA="0" compatLnSpc="1">
+            <a:prstTxWarp prst="textNoShape">
+              <a:avLst/>
+            </a:prstTxWarp>
+            <a:noAutofit/>
+          </a:bodyPr>
+          <a:lstStyle/>
+          <a:p>
+            <a:pPr algn="ctr"/>
+            <a:r>
+              <a:rPr lang="nl-BE" sz="2000" b="1" dirty="0">
+                <a:solidFill>
+                  <a:schemeClr val="tx1"/>
+                </a:solidFill>
+              </a:rPr>
+              <a:t>Link</a:t>
+            </a:r>
+          </a:p>
+        </p:txBody>
+      </p:sp>
+      <p:sp>
+        <p:nvSpPr>
+          <p:cNvPr id="18" name="Ovaal 17">
+            <a:extLst>
+              <a:ext uri="{FF2B5EF4-FFF2-40B4-BE49-F238E27FC236}">
+                <a16:creationId xmlns:a16="http://schemas.microsoft.com/office/drawing/2014/main" id="{9FDE9183-57A5-4C10-BD84-664F9F559F72}"/>
+              </a:ext>
+            </a:extLst>
+          </p:cNvPr>
+          <p:cNvSpPr/>
+          <p:nvPr/>
+        </p:nvSpPr>
+        <p:spPr>
+          <a:xfrm>
+            <a:off x="6005999" y="5139019"/>
+            <a:ext cx="540006" cy="540006"/>
+          </a:xfrm>
+          <a:prstGeom prst="ellipse">
+            <a:avLst/>
+          </a:prstGeom>
+          <a:solidFill>
+            <a:schemeClr val="accent4"/>
+          </a:solidFill>
+          <a:ln w="28575">
+            <a:solidFill>
+              <a:schemeClr val="tx1"/>
+            </a:solidFill>
+          </a:ln>
+        </p:spPr>
+        <p:style>
+          <a:lnRef idx="2">
+            <a:schemeClr val="accent1"/>
+          </a:lnRef>
+          <a:fillRef idx="1">
+            <a:schemeClr val="lt1"/>
+          </a:fillRef>
+          <a:effectRef idx="0">
+            <a:schemeClr val="accent1"/>
+          </a:effectRef>
+          <a:fontRef idx="minor">
+            <a:schemeClr val="dk1"/>
+          </a:fontRef>
+        </p:style>
+        <p:txBody>
+          <a:bodyPr lIns="0" tIns="0" rIns="0" bIns="0" rtlCol="0" anchor="t"/>
+          <a:lstStyle/>
+          <a:p>
+            <a:pPr algn="ctr"/>
+            <a:r>
+              <a:rPr lang="nl-BE" sz="2400" b="1" dirty="0">
+                <a:solidFill>
+                  <a:schemeClr val="tx1"/>
+                </a:solidFill>
+              </a:rPr>
+              <a:t>2</a:t>
+            </a:r>
+          </a:p>
+        </p:txBody>
+      </p:sp>
+      <p:sp>
+        <p:nvSpPr>
+          <p:cNvPr id="19" name="Ovaal 18">
+            <a:extLst>
+              <a:ext uri="{FF2B5EF4-FFF2-40B4-BE49-F238E27FC236}">
+                <a16:creationId xmlns:a16="http://schemas.microsoft.com/office/drawing/2014/main" id="{0A7C16D5-5035-4EE5-9E8A-569156CB2003}"/>
+              </a:ext>
+            </a:extLst>
+          </p:cNvPr>
+          <p:cNvSpPr/>
+          <p:nvPr/>
+        </p:nvSpPr>
+        <p:spPr>
+          <a:xfrm>
+            <a:off x="9606039" y="5139019"/>
+            <a:ext cx="540006" cy="540006"/>
+          </a:xfrm>
+          <a:prstGeom prst="ellipse">
+            <a:avLst/>
+          </a:prstGeom>
+          <a:solidFill>
+            <a:schemeClr val="accent4"/>
+          </a:solidFill>
+          <a:ln w="28575">
+            <a:solidFill>
+              <a:schemeClr val="tx1"/>
+            </a:solidFill>
+          </a:ln>
+        </p:spPr>
+        <p:style>
+          <a:lnRef idx="2">
+            <a:schemeClr val="accent1"/>
+          </a:lnRef>
+          <a:fillRef idx="1">
+            <a:schemeClr val="lt1"/>
+          </a:fillRef>
+          <a:effectRef idx="0">
+            <a:schemeClr val="accent1"/>
+          </a:effectRef>
+          <a:fontRef idx="minor">
+            <a:schemeClr val="dk1"/>
+          </a:fontRef>
+        </p:style>
+        <p:txBody>
+          <a:bodyPr lIns="0" tIns="0" rIns="0" bIns="0" rtlCol="0" anchor="t"/>
+          <a:lstStyle/>
+          <a:p>
+            <a:pPr algn="ctr"/>
+            <a:r>
+              <a:rPr lang="nl-BE" sz="2400" b="1" dirty="0">
+                <a:solidFill>
+                  <a:schemeClr val="tx1"/>
+                </a:solidFill>
+              </a:rPr>
+              <a:t>3</a:t>
+            </a:r>
+          </a:p>
+        </p:txBody>
+      </p:sp>
+    </p:spTree>
+    <p:extLst>
+      <p:ext uri="{BB962C8B-B14F-4D97-AF65-F5344CB8AC3E}">
+        <p14:creationId xmlns:p14="http://schemas.microsoft.com/office/powerpoint/2010/main" val="2695125024"/>
+      </p:ext>
+    </p:extLst>
+  </p:cSld>
+  <p:clrMapOvr>
+    <a:masterClrMapping/>
+  </p:clrMapOvr>
+  <mc:AlternateContent xmlns:mc="http://schemas.openxmlformats.org/markup-compatibility/2006" xmlns:p159="http://schemas.microsoft.com/office/powerpoint/2015/09/main">
+    <mc:Choice Requires="p159">
+      <p:transition xmlns:p14="http://schemas.microsoft.com/office/powerpoint/2010/main" spd="slow" p14:dur="2000">
+        <p159:morph option="byObject"/>
+      </p:transition>
+    </mc:Choice>
+    <mc:Fallback xmlns="">
+      <p:transition spd="slow">
+        <p:fade/>
+      </p:transition>
+    </mc:Fallback>
+  </mc:AlternateContent>
+</p:sld>
+</file>
+
+<file path=ppt/slides/slide22.xml><?xml version="1.0" encoding="utf-8"?>
+<p:sld xmlns:a="http://schemas.openxmlformats.org/drawingml/2006/main" xmlns:r="http://schemas.openxmlformats.org/officeDocument/2006/relationships" xmlns:p="http://schemas.openxmlformats.org/presentationml/2006/main">
+  <p:cSld>
+    <p:spTree>
+      <p:nvGrpSpPr>
+        <p:cNvPr id="1" name=""/>
+        <p:cNvGrpSpPr/>
+        <p:nvPr/>
+      </p:nvGrpSpPr>
+      <p:grpSpPr>
+        <a:xfrm>
+          <a:off x="0" y="0"/>
+          <a:ext cx="0" cy="0"/>
+          <a:chOff x="0" y="0"/>
+          <a:chExt cx="0" cy="0"/>
+        </a:xfrm>
+      </p:grpSpPr>
+      <p:sp>
+        <p:nvSpPr>
+          <p:cNvPr id="12" name="Tijdelijke aanduiding voor tekst 4">
+            <a:extLst>
+              <a:ext uri="{FF2B5EF4-FFF2-40B4-BE49-F238E27FC236}">
+                <a16:creationId xmlns:a16="http://schemas.microsoft.com/office/drawing/2014/main" id="{39C924F0-9186-4852-9A29-B4E39FAB2B7B}"/>
+              </a:ext>
+            </a:extLst>
+          </p:cNvPr>
+          <p:cNvSpPr txBox="1">
+            <a:spLocks/>
+          </p:cNvSpPr>
+          <p:nvPr/>
+        </p:nvSpPr>
+        <p:spPr>
+          <a:xfrm>
+            <a:off x="6456004" y="2078985"/>
+            <a:ext cx="5040056" cy="4500050"/>
+          </a:xfrm>
+          <a:prstGeom prst="rect">
+            <a:avLst/>
+          </a:prstGeom>
+          <a:solidFill>
+            <a:schemeClr val="accent3">
+              <a:lumMod val="60000"/>
+              <a:lumOff val="40000"/>
+              <a:alpha val="74902"/>
+            </a:schemeClr>
+          </a:solidFill>
+          <a:ln w="28575">
+            <a:solidFill>
+              <a:schemeClr val="tx1"/>
+            </a:solidFill>
+          </a:ln>
+        </p:spPr>
+        <p:txBody>
+          <a:bodyPr anchor="t">
+            <a:normAutofit/>
+          </a:bodyPr>
+          <a:lstStyle>
+            <a:lvl1pPr marL="182880" indent="-182880" algn="l" defTabSz="914400" rtl="0" eaLnBrk="1" latinLnBrk="0" hangingPunct="1">
+              <a:lnSpc>
+                <a:spcPct val="90000"/>
+              </a:lnSpc>
+              <a:spcBef>
+                <a:spcPts val="1200"/>
+              </a:spcBef>
+              <a:spcAft>
+                <a:spcPts val="200"/>
+              </a:spcAft>
+              <a:buClr>
+                <a:schemeClr val="tx1"/>
+              </a:buClr>
+              <a:buFont typeface="Wingdings" pitchFamily="2" charset="2"/>
+              <a:buChar char=""/>
+              <a:defRPr sz="2200" kern="1200">
+                <a:solidFill>
+                  <a:schemeClr val="tx1"/>
+                </a:solidFill>
+                <a:latin typeface="+mn-lt"/>
+                <a:ea typeface="+mn-ea"/>
+                <a:cs typeface="+mn-cs"/>
+              </a:defRPr>
+            </a:lvl1pPr>
+            <a:lvl2pPr marL="411480" indent="-182880" algn="l" defTabSz="914400" rtl="0" eaLnBrk="1" latinLnBrk="0" hangingPunct="1">
+              <a:lnSpc>
+                <a:spcPct val="90000"/>
+              </a:lnSpc>
+              <a:spcBef>
+                <a:spcPts val="200"/>
+              </a:spcBef>
+              <a:spcAft>
+                <a:spcPts val="400"/>
+              </a:spcAft>
+              <a:buClr>
+                <a:schemeClr val="tx1"/>
+              </a:buClr>
+              <a:buFont typeface="Wingdings" pitchFamily="2" charset="2"/>
+              <a:buChar char=""/>
+              <a:defRPr sz="2000" kern="1200">
+                <a:solidFill>
+                  <a:schemeClr val="tx1"/>
+                </a:solidFill>
+                <a:latin typeface="+mn-lt"/>
+                <a:ea typeface="+mn-ea"/>
+                <a:cs typeface="+mn-cs"/>
+              </a:defRPr>
+            </a:lvl2pPr>
+            <a:lvl3pPr marL="640080" indent="-182880" algn="l" defTabSz="914400" rtl="0" eaLnBrk="1" latinLnBrk="0" hangingPunct="1">
+              <a:lnSpc>
+                <a:spcPct val="90000"/>
+              </a:lnSpc>
+              <a:spcBef>
+                <a:spcPts val="200"/>
+              </a:spcBef>
+              <a:spcAft>
+                <a:spcPts val="400"/>
+              </a:spcAft>
+              <a:buClr>
+                <a:schemeClr val="tx1"/>
+              </a:buClr>
+              <a:buFont typeface="Wingdings" pitchFamily="2" charset="2"/>
+              <a:buChar char=""/>
+              <a:defRPr sz="1800" kern="1200">
+                <a:solidFill>
+                  <a:schemeClr val="tx1"/>
+                </a:solidFill>
+                <a:latin typeface="+mn-lt"/>
+                <a:ea typeface="+mn-ea"/>
+                <a:cs typeface="+mn-cs"/>
+              </a:defRPr>
+            </a:lvl3pPr>
+            <a:lvl4pPr marL="868680" indent="-182880" algn="l" defTabSz="914400" rtl="0" eaLnBrk="1" latinLnBrk="0" hangingPunct="1">
+              <a:lnSpc>
+                <a:spcPct val="90000"/>
+              </a:lnSpc>
+              <a:spcBef>
+                <a:spcPts val="200"/>
+              </a:spcBef>
+              <a:spcAft>
+                <a:spcPts val="400"/>
+              </a:spcAft>
+              <a:buClr>
+                <a:schemeClr val="tx1"/>
+              </a:buClr>
+              <a:buFont typeface="Wingdings" pitchFamily="2" charset="2"/>
+              <a:buChar char=""/>
+              <a:defRPr sz="1600" kern="1200">
+                <a:solidFill>
+                  <a:schemeClr val="tx1"/>
+                </a:solidFill>
+                <a:latin typeface="+mn-lt"/>
+                <a:ea typeface="+mn-ea"/>
+                <a:cs typeface="+mn-cs"/>
+              </a:defRPr>
+            </a:lvl4pPr>
+            <a:lvl5pPr marL="1097280" indent="-182880" algn="l" defTabSz="914400" rtl="0" eaLnBrk="1" latinLnBrk="0" hangingPunct="1">
+              <a:lnSpc>
+                <a:spcPct val="90000"/>
+              </a:lnSpc>
+              <a:spcBef>
+                <a:spcPts val="200"/>
+              </a:spcBef>
+              <a:spcAft>
+                <a:spcPts val="400"/>
+              </a:spcAft>
+              <a:buClr>
+                <a:schemeClr val="tx1"/>
+              </a:buClr>
+              <a:buFont typeface="Wingdings" pitchFamily="2" charset="2"/>
+              <a:buChar char=""/>
+              <a:defRPr sz="1600" kern="1200">
+                <a:solidFill>
+                  <a:schemeClr val="tx1"/>
+                </a:solidFill>
+                <a:latin typeface="+mn-lt"/>
+                <a:ea typeface="+mn-ea"/>
+                <a:cs typeface="+mn-cs"/>
+              </a:defRPr>
+            </a:lvl5pPr>
+            <a:lvl6pPr marL="1284600" indent="-228600" algn="l" defTabSz="914400" rtl="0" eaLnBrk="1" latinLnBrk="0" hangingPunct="1">
+              <a:lnSpc>
+                <a:spcPct val="90000"/>
+              </a:lnSpc>
+              <a:spcBef>
+                <a:spcPts val="200"/>
+              </a:spcBef>
+              <a:spcAft>
+                <a:spcPts val="400"/>
+              </a:spcAft>
+              <a:buClr>
+                <a:schemeClr val="tx1"/>
+              </a:buClr>
+              <a:buFont typeface="Wingdings" pitchFamily="2" charset="2"/>
+              <a:buChar char=""/>
+              <a:defRPr sz="1600" kern="1200">
+                <a:solidFill>
+                  <a:schemeClr val="tx1"/>
+                </a:solidFill>
+                <a:latin typeface="+mn-lt"/>
+                <a:ea typeface="+mn-ea"/>
+                <a:cs typeface="+mn-cs"/>
+              </a:defRPr>
+            </a:lvl6pPr>
+            <a:lvl7pPr marL="1471800" indent="-228600" algn="l" defTabSz="914400" rtl="0" eaLnBrk="1" latinLnBrk="0" hangingPunct="1">
+              <a:lnSpc>
+                <a:spcPct val="90000"/>
+              </a:lnSpc>
+              <a:spcBef>
+                <a:spcPts val="200"/>
+              </a:spcBef>
+              <a:spcAft>
+                <a:spcPts val="400"/>
+              </a:spcAft>
+              <a:buClr>
+                <a:schemeClr val="tx1"/>
+              </a:buClr>
+              <a:buFont typeface="Wingdings" pitchFamily="2" charset="2"/>
+              <a:buChar char=""/>
+              <a:defRPr sz="1600" kern="1200">
+                <a:solidFill>
+                  <a:schemeClr val="tx1"/>
+                </a:solidFill>
+                <a:latin typeface="+mn-lt"/>
+                <a:ea typeface="+mn-ea"/>
+                <a:cs typeface="+mn-cs"/>
+              </a:defRPr>
+            </a:lvl7pPr>
+            <a:lvl8pPr marL="1629000" indent="-228600" algn="l" defTabSz="914400" rtl="0" eaLnBrk="1" latinLnBrk="0" hangingPunct="1">
+              <a:lnSpc>
+                <a:spcPct val="90000"/>
+              </a:lnSpc>
+              <a:spcBef>
+                <a:spcPts val="200"/>
+              </a:spcBef>
+              <a:spcAft>
+                <a:spcPts val="400"/>
+              </a:spcAft>
+              <a:buClr>
+                <a:schemeClr val="tx1"/>
+              </a:buClr>
+              <a:buFont typeface="Wingdings" pitchFamily="2" charset="2"/>
+              <a:buChar char=""/>
+              <a:defRPr sz="1600" kern="1200">
+                <a:solidFill>
+                  <a:schemeClr val="tx1"/>
+                </a:solidFill>
+                <a:latin typeface="+mn-lt"/>
+                <a:ea typeface="+mn-ea"/>
+                <a:cs typeface="+mn-cs"/>
+              </a:defRPr>
+            </a:lvl8pPr>
+            <a:lvl9pPr marL="1806200" indent="-228600" algn="l" defTabSz="914400" rtl="0" eaLnBrk="1" latinLnBrk="0" hangingPunct="1">
+              <a:lnSpc>
+                <a:spcPct val="90000"/>
+              </a:lnSpc>
+              <a:spcBef>
+                <a:spcPts val="200"/>
+              </a:spcBef>
+              <a:spcAft>
+                <a:spcPts val="400"/>
+              </a:spcAft>
+              <a:buClr>
+                <a:schemeClr val="tx1"/>
+              </a:buClr>
+              <a:buFont typeface="Wingdings" pitchFamily="2" charset="2"/>
+              <a:buChar char=""/>
+              <a:defRPr sz="1600" kern="1200">
+                <a:solidFill>
+                  <a:schemeClr val="tx1"/>
+                </a:solidFill>
+                <a:latin typeface="+mn-lt"/>
+                <a:ea typeface="+mn-ea"/>
+                <a:cs typeface="+mn-cs"/>
+              </a:defRPr>
+            </a:lvl9pPr>
+          </a:lstStyle>
+          <a:p>
+            <a:pPr marL="0" indent="0" algn="ctr">
+              <a:buNone/>
+            </a:pPr>
+            <a:r>
+              <a:rPr lang="nl-BE" sz="3200" b="1" dirty="0" err="1">
+                <a:solidFill>
+                  <a:schemeClr val="accent1"/>
+                </a:solidFill>
+              </a:rPr>
+              <a:t>Develop</a:t>
+            </a:r>
+            <a:r>
+              <a:rPr lang="nl-BE" sz="3200" b="1" dirty="0">
+                <a:solidFill>
+                  <a:schemeClr val="accent1"/>
+                </a:solidFill>
+              </a:rPr>
+              <a:t> (</a:t>
+            </a:r>
+            <a:r>
+              <a:rPr lang="nl-BE" sz="3200" b="1" dirty="0" err="1">
+                <a:solidFill>
+                  <a:schemeClr val="accent1"/>
+                </a:solidFill>
+              </a:rPr>
+              <a:t>Eclipse</a:t>
+            </a:r>
+            <a:r>
+              <a:rPr lang="nl-BE" sz="3200" b="1" dirty="0">
+                <a:solidFill>
+                  <a:schemeClr val="accent1"/>
+                </a:solidFill>
+              </a:rPr>
+              <a:t> LDT)</a:t>
+            </a:r>
+          </a:p>
+        </p:txBody>
+      </p:sp>
+      <p:pic>
+        <p:nvPicPr>
+          <p:cNvPr id="18" name="Afbeelding 17">
+            <a:extLst>
+              <a:ext uri="{FF2B5EF4-FFF2-40B4-BE49-F238E27FC236}">
+                <a16:creationId xmlns:a16="http://schemas.microsoft.com/office/drawing/2014/main" id="{DB0114DB-496F-4528-9C3A-EA24A26D912B}"/>
+              </a:ext>
+            </a:extLst>
+          </p:cNvPr>
+          <p:cNvPicPr>
+            <a:picLocks noChangeAspect="1"/>
+          </p:cNvPicPr>
+          <p:nvPr/>
+        </p:nvPicPr>
+        <p:blipFill>
+          <a:blip r:embed="rId2"/>
+          <a:stretch>
+            <a:fillRect/>
+          </a:stretch>
+        </p:blipFill>
+        <p:spPr>
+          <a:xfrm>
+            <a:off x="6996010" y="2798993"/>
+            <a:ext cx="3980044" cy="2238775"/>
+          </a:xfrm>
+          <a:prstGeom prst="rect">
+            <a:avLst/>
+          </a:prstGeom>
+          <a:ln w="28575">
+            <a:solidFill>
+              <a:schemeClr val="accent1"/>
+            </a:solidFill>
+          </a:ln>
+        </p:spPr>
+      </p:pic>
+      <p:sp>
+        <p:nvSpPr>
+          <p:cNvPr id="2" name="Titel 1">
+            <a:extLst>
+              <a:ext uri="{FF2B5EF4-FFF2-40B4-BE49-F238E27FC236}">
+                <a16:creationId xmlns:a16="http://schemas.microsoft.com/office/drawing/2014/main" id="{2C7DF980-75F0-4D5F-BAC5-658F13F1EE15}"/>
+              </a:ext>
+            </a:extLst>
+          </p:cNvPr>
+          <p:cNvSpPr>
+            <a:spLocks noGrp="1"/>
+          </p:cNvSpPr>
+          <p:nvPr>
+            <p:ph type="title"/>
+          </p:nvPr>
+        </p:nvSpPr>
+        <p:spPr/>
+        <p:txBody>
+          <a:bodyPr/>
+          <a:lstStyle/>
+          <a:p>
+            <a:r>
+              <a:rPr lang="nl-BE" dirty="0"/>
+              <a:t>advantage (2) – development</a:t>
+            </a:r>
+          </a:p>
+        </p:txBody>
+      </p:sp>
+      <p:sp>
+        <p:nvSpPr>
+          <p:cNvPr id="4" name="Tijdelijke aanduiding voor tekst 4">
+            <a:extLst>
+              <a:ext uri="{FF2B5EF4-FFF2-40B4-BE49-F238E27FC236}">
+                <a16:creationId xmlns:a16="http://schemas.microsoft.com/office/drawing/2014/main" id="{8D961377-B0E0-46CF-991F-D95A579200EB}"/>
+              </a:ext>
+            </a:extLst>
+          </p:cNvPr>
+          <p:cNvSpPr txBox="1">
+            <a:spLocks/>
+          </p:cNvSpPr>
+          <p:nvPr/>
+        </p:nvSpPr>
+        <p:spPr>
+          <a:xfrm>
+            <a:off x="335936" y="2078985"/>
+            <a:ext cx="5760064" cy="4500050"/>
+          </a:xfrm>
+          <a:prstGeom prst="rect">
+            <a:avLst/>
+          </a:prstGeom>
+          <a:solidFill>
+            <a:schemeClr val="tx1">
+              <a:alpha val="74902"/>
+            </a:schemeClr>
+          </a:solidFill>
+          <a:ln w="28575">
+            <a:solidFill>
+              <a:schemeClr val="tx1"/>
+            </a:solidFill>
+          </a:ln>
+        </p:spPr>
+        <p:txBody>
+          <a:bodyPr anchor="t">
+            <a:normAutofit/>
+          </a:bodyPr>
+          <a:lstStyle>
+            <a:lvl1pPr marL="182880" indent="-182880" algn="l" defTabSz="914400" rtl="0" eaLnBrk="1" latinLnBrk="0" hangingPunct="1">
+              <a:lnSpc>
+                <a:spcPct val="90000"/>
+              </a:lnSpc>
+              <a:spcBef>
+                <a:spcPts val="1200"/>
+              </a:spcBef>
+              <a:spcAft>
+                <a:spcPts val="200"/>
+              </a:spcAft>
+              <a:buClr>
+                <a:schemeClr val="tx1"/>
+              </a:buClr>
+              <a:buFont typeface="Wingdings" pitchFamily="2" charset="2"/>
+              <a:buChar char=""/>
+              <a:defRPr sz="2200" kern="1200">
+                <a:solidFill>
+                  <a:schemeClr val="tx1"/>
+                </a:solidFill>
+                <a:latin typeface="+mn-lt"/>
+                <a:ea typeface="+mn-ea"/>
+                <a:cs typeface="+mn-cs"/>
+              </a:defRPr>
+            </a:lvl1pPr>
+            <a:lvl2pPr marL="411480" indent="-182880" algn="l" defTabSz="914400" rtl="0" eaLnBrk="1" latinLnBrk="0" hangingPunct="1">
+              <a:lnSpc>
+                <a:spcPct val="90000"/>
+              </a:lnSpc>
+              <a:spcBef>
+                <a:spcPts val="200"/>
+              </a:spcBef>
+              <a:spcAft>
+                <a:spcPts val="400"/>
+              </a:spcAft>
+              <a:buClr>
+                <a:schemeClr val="tx1"/>
+              </a:buClr>
+              <a:buFont typeface="Wingdings" pitchFamily="2" charset="2"/>
+              <a:buChar char=""/>
+              <a:defRPr sz="2000" kern="1200">
+                <a:solidFill>
+                  <a:schemeClr val="tx1"/>
+                </a:solidFill>
+                <a:latin typeface="+mn-lt"/>
+                <a:ea typeface="+mn-ea"/>
+                <a:cs typeface="+mn-cs"/>
+              </a:defRPr>
+            </a:lvl2pPr>
+            <a:lvl3pPr marL="640080" indent="-182880" algn="l" defTabSz="914400" rtl="0" eaLnBrk="1" latinLnBrk="0" hangingPunct="1">
+              <a:lnSpc>
+                <a:spcPct val="90000"/>
+              </a:lnSpc>
+              <a:spcBef>
+                <a:spcPts val="200"/>
+              </a:spcBef>
+              <a:spcAft>
+                <a:spcPts val="400"/>
+              </a:spcAft>
+              <a:buClr>
+                <a:schemeClr val="tx1"/>
+              </a:buClr>
+              <a:buFont typeface="Wingdings" pitchFamily="2" charset="2"/>
+              <a:buChar char=""/>
+              <a:defRPr sz="1800" kern="1200">
+                <a:solidFill>
+                  <a:schemeClr val="tx1"/>
+                </a:solidFill>
+                <a:latin typeface="+mn-lt"/>
+                <a:ea typeface="+mn-ea"/>
+                <a:cs typeface="+mn-cs"/>
+              </a:defRPr>
+            </a:lvl3pPr>
+            <a:lvl4pPr marL="868680" indent="-182880" algn="l" defTabSz="914400" rtl="0" eaLnBrk="1" latinLnBrk="0" hangingPunct="1">
+              <a:lnSpc>
+                <a:spcPct val="90000"/>
+              </a:lnSpc>
+              <a:spcBef>
+                <a:spcPts val="200"/>
+              </a:spcBef>
+              <a:spcAft>
+                <a:spcPts val="400"/>
+              </a:spcAft>
+              <a:buClr>
+                <a:schemeClr val="tx1"/>
+              </a:buClr>
+              <a:buFont typeface="Wingdings" pitchFamily="2" charset="2"/>
+              <a:buChar char=""/>
+              <a:defRPr sz="1600" kern="1200">
+                <a:solidFill>
+                  <a:schemeClr val="tx1"/>
+                </a:solidFill>
+                <a:latin typeface="+mn-lt"/>
+                <a:ea typeface="+mn-ea"/>
+                <a:cs typeface="+mn-cs"/>
+              </a:defRPr>
+            </a:lvl4pPr>
+            <a:lvl5pPr marL="1097280" indent="-182880" algn="l" defTabSz="914400" rtl="0" eaLnBrk="1" latinLnBrk="0" hangingPunct="1">
+              <a:lnSpc>
+                <a:spcPct val="90000"/>
+              </a:lnSpc>
+              <a:spcBef>
+                <a:spcPts val="200"/>
+              </a:spcBef>
+              <a:spcAft>
+                <a:spcPts val="400"/>
+              </a:spcAft>
+              <a:buClr>
+                <a:schemeClr val="tx1"/>
+              </a:buClr>
+              <a:buFont typeface="Wingdings" pitchFamily="2" charset="2"/>
+              <a:buChar char=""/>
+              <a:defRPr sz="1600" kern="1200">
+                <a:solidFill>
+                  <a:schemeClr val="tx1"/>
+                </a:solidFill>
+                <a:latin typeface="+mn-lt"/>
+                <a:ea typeface="+mn-ea"/>
+                <a:cs typeface="+mn-cs"/>
+              </a:defRPr>
+            </a:lvl5pPr>
+            <a:lvl6pPr marL="1284600" indent="-228600" algn="l" defTabSz="914400" rtl="0" eaLnBrk="1" latinLnBrk="0" hangingPunct="1">
+              <a:lnSpc>
+                <a:spcPct val="90000"/>
+              </a:lnSpc>
+              <a:spcBef>
+                <a:spcPts val="200"/>
+              </a:spcBef>
+              <a:spcAft>
+                <a:spcPts val="400"/>
+              </a:spcAft>
+              <a:buClr>
+                <a:schemeClr val="tx1"/>
+              </a:buClr>
+              <a:buFont typeface="Wingdings" pitchFamily="2" charset="2"/>
+              <a:buChar char=""/>
+              <a:defRPr sz="1600" kern="1200">
+                <a:solidFill>
+                  <a:schemeClr val="tx1"/>
+                </a:solidFill>
+                <a:latin typeface="+mn-lt"/>
+                <a:ea typeface="+mn-ea"/>
+                <a:cs typeface="+mn-cs"/>
+              </a:defRPr>
+            </a:lvl6pPr>
+            <a:lvl7pPr marL="1471800" indent="-228600" algn="l" defTabSz="914400" rtl="0" eaLnBrk="1" latinLnBrk="0" hangingPunct="1">
+              <a:lnSpc>
+                <a:spcPct val="90000"/>
+              </a:lnSpc>
+              <a:spcBef>
+                <a:spcPts val="200"/>
+              </a:spcBef>
+              <a:spcAft>
+                <a:spcPts val="400"/>
+              </a:spcAft>
+              <a:buClr>
+                <a:schemeClr val="tx1"/>
+              </a:buClr>
+              <a:buFont typeface="Wingdings" pitchFamily="2" charset="2"/>
+              <a:buChar char=""/>
+              <a:defRPr sz="1600" kern="1200">
+                <a:solidFill>
+                  <a:schemeClr val="tx1"/>
+                </a:solidFill>
+                <a:latin typeface="+mn-lt"/>
+                <a:ea typeface="+mn-ea"/>
+                <a:cs typeface="+mn-cs"/>
+              </a:defRPr>
+            </a:lvl7pPr>
+            <a:lvl8pPr marL="1629000" indent="-228600" algn="l" defTabSz="914400" rtl="0" eaLnBrk="1" latinLnBrk="0" hangingPunct="1">
+              <a:lnSpc>
+                <a:spcPct val="90000"/>
+              </a:lnSpc>
+              <a:spcBef>
+                <a:spcPts val="200"/>
+              </a:spcBef>
+              <a:spcAft>
+                <a:spcPts val="400"/>
+              </a:spcAft>
+              <a:buClr>
+                <a:schemeClr val="tx1"/>
+              </a:buClr>
+              <a:buFont typeface="Wingdings" pitchFamily="2" charset="2"/>
+              <a:buChar char=""/>
+              <a:defRPr sz="1600" kern="1200">
+                <a:solidFill>
+                  <a:schemeClr val="tx1"/>
+                </a:solidFill>
+                <a:latin typeface="+mn-lt"/>
+                <a:ea typeface="+mn-ea"/>
+                <a:cs typeface="+mn-cs"/>
+              </a:defRPr>
+            </a:lvl8pPr>
+            <a:lvl9pPr marL="1806200" indent="-228600" algn="l" defTabSz="914400" rtl="0" eaLnBrk="1" latinLnBrk="0" hangingPunct="1">
+              <a:lnSpc>
+                <a:spcPct val="90000"/>
+              </a:lnSpc>
+              <a:spcBef>
+                <a:spcPts val="200"/>
+              </a:spcBef>
+              <a:spcAft>
+                <a:spcPts val="400"/>
+              </a:spcAft>
+              <a:buClr>
+                <a:schemeClr val="tx1"/>
+              </a:buClr>
+              <a:buFont typeface="Wingdings" pitchFamily="2" charset="2"/>
+              <a:buChar char=""/>
+              <a:defRPr sz="1600" kern="1200">
+                <a:solidFill>
+                  <a:schemeClr val="tx1"/>
+                </a:solidFill>
+                <a:latin typeface="+mn-lt"/>
+                <a:ea typeface="+mn-ea"/>
+                <a:cs typeface="+mn-cs"/>
+              </a:defRPr>
+            </a:lvl9pPr>
+          </a:lstStyle>
+          <a:p>
+            <a:pPr marL="0" indent="0" algn="ctr">
+              <a:buNone/>
+            </a:pPr>
+            <a:r>
+              <a:rPr lang="nl-BE" sz="3200" b="1" dirty="0">
+                <a:solidFill>
+                  <a:schemeClr val="accent1"/>
+                </a:solidFill>
+              </a:rPr>
+              <a:t>DCS WORLD</a:t>
+            </a:r>
+          </a:p>
+        </p:txBody>
+      </p:sp>
+      <p:sp>
+        <p:nvSpPr>
+          <p:cNvPr id="5" name="Rechthoek 4">
+            <a:extLst>
+              <a:ext uri="{FF2B5EF4-FFF2-40B4-BE49-F238E27FC236}">
+                <a16:creationId xmlns:a16="http://schemas.microsoft.com/office/drawing/2014/main" id="{44516684-110A-4BC3-BB35-51A719B3148C}"/>
+              </a:ext>
+            </a:extLst>
+          </p:cNvPr>
+          <p:cNvSpPr/>
+          <p:nvPr/>
+        </p:nvSpPr>
+        <p:spPr>
+          <a:xfrm>
+            <a:off x="695940" y="2618992"/>
+            <a:ext cx="5040056" cy="2880032"/>
+          </a:xfrm>
+          <a:prstGeom prst="rect">
+            <a:avLst/>
+          </a:prstGeom>
+          <a:solidFill>
+            <a:schemeClr val="tx1">
+              <a:alpha val="74902"/>
+            </a:schemeClr>
+          </a:solidFill>
+          <a:ln w="28575">
+            <a:solidFill>
+              <a:schemeClr val="accent1"/>
+            </a:solidFill>
+          </a:ln>
+        </p:spPr>
+        <p:txBody>
+          <a:bodyPr anchor="t">
+            <a:normAutofit/>
+          </a:bodyPr>
+          <a:lstStyle/>
+          <a:p>
+            <a:pPr algn="ctr" defTabSz="914400">
+              <a:lnSpc>
+                <a:spcPct val="90000"/>
+              </a:lnSpc>
+              <a:spcBef>
+                <a:spcPts val="1200"/>
+              </a:spcBef>
+              <a:spcAft>
+                <a:spcPts val="200"/>
+              </a:spcAft>
+              <a:buClr>
+                <a:schemeClr val="tx1"/>
+              </a:buClr>
+            </a:pPr>
+            <a:r>
+              <a:rPr lang="nl-BE" sz="3200" b="1" dirty="0">
+                <a:solidFill>
+                  <a:schemeClr val="accent1"/>
+                </a:solidFill>
+              </a:rPr>
+              <a:t>LUA Environment</a:t>
+            </a:r>
+          </a:p>
+        </p:txBody>
+      </p:sp>
+      <p:sp>
+        <p:nvSpPr>
+          <p:cNvPr id="6" name="Tijdelijke aanduiding voor tekst 4">
+            <a:extLst>
+              <a:ext uri="{FF2B5EF4-FFF2-40B4-BE49-F238E27FC236}">
+                <a16:creationId xmlns:a16="http://schemas.microsoft.com/office/drawing/2014/main" id="{B3B0ED23-A2CF-4BC2-B746-6DCD6ED931B5}"/>
+              </a:ext>
+            </a:extLst>
+          </p:cNvPr>
+          <p:cNvSpPr txBox="1">
+            <a:spLocks/>
+          </p:cNvSpPr>
+          <p:nvPr/>
+        </p:nvSpPr>
+        <p:spPr>
+          <a:xfrm>
+            <a:off x="1055944" y="3158997"/>
+            <a:ext cx="4320048" cy="1980022"/>
+          </a:xfrm>
+          <a:prstGeom prst="rect">
+            <a:avLst/>
+          </a:prstGeom>
+          <a:solidFill>
+            <a:schemeClr val="accent1">
+              <a:alpha val="74902"/>
+            </a:schemeClr>
+          </a:solidFill>
+          <a:ln w="28575">
+            <a:solidFill>
+              <a:schemeClr val="accent1"/>
+            </a:solidFill>
+          </a:ln>
+        </p:spPr>
+        <p:txBody>
+          <a:bodyPr anchor="t">
+            <a:normAutofit/>
+          </a:bodyPr>
+          <a:lstStyle>
+            <a:lvl1pPr marL="182880" indent="-182880" algn="l" defTabSz="914400" rtl="0" eaLnBrk="1" latinLnBrk="0" hangingPunct="1">
+              <a:lnSpc>
+                <a:spcPct val="90000"/>
+              </a:lnSpc>
+              <a:spcBef>
+                <a:spcPts val="1200"/>
+              </a:spcBef>
+              <a:spcAft>
+                <a:spcPts val="200"/>
+              </a:spcAft>
+              <a:buClr>
+                <a:schemeClr val="tx1"/>
+              </a:buClr>
+              <a:buFont typeface="Wingdings" pitchFamily="2" charset="2"/>
+              <a:buChar char=""/>
+              <a:defRPr sz="2200" kern="1200">
+                <a:solidFill>
+                  <a:schemeClr val="tx1"/>
+                </a:solidFill>
+                <a:latin typeface="+mn-lt"/>
+                <a:ea typeface="+mn-ea"/>
+                <a:cs typeface="+mn-cs"/>
+              </a:defRPr>
+            </a:lvl1pPr>
+            <a:lvl2pPr marL="411480" indent="-182880" algn="l" defTabSz="914400" rtl="0" eaLnBrk="1" latinLnBrk="0" hangingPunct="1">
+              <a:lnSpc>
+                <a:spcPct val="90000"/>
+              </a:lnSpc>
+              <a:spcBef>
+                <a:spcPts val="200"/>
+              </a:spcBef>
+              <a:spcAft>
+                <a:spcPts val="400"/>
+              </a:spcAft>
+              <a:buClr>
+                <a:schemeClr val="tx1"/>
+              </a:buClr>
+              <a:buFont typeface="Wingdings" pitchFamily="2" charset="2"/>
+              <a:buChar char=""/>
+              <a:defRPr sz="2000" kern="1200">
+                <a:solidFill>
+                  <a:schemeClr val="tx1"/>
+                </a:solidFill>
+                <a:latin typeface="+mn-lt"/>
+                <a:ea typeface="+mn-ea"/>
+                <a:cs typeface="+mn-cs"/>
+              </a:defRPr>
+            </a:lvl2pPr>
+            <a:lvl3pPr marL="640080" indent="-182880" algn="l" defTabSz="914400" rtl="0" eaLnBrk="1" latinLnBrk="0" hangingPunct="1">
+              <a:lnSpc>
+                <a:spcPct val="90000"/>
+              </a:lnSpc>
+              <a:spcBef>
+                <a:spcPts val="200"/>
+              </a:spcBef>
+              <a:spcAft>
+                <a:spcPts val="400"/>
+              </a:spcAft>
+              <a:buClr>
+                <a:schemeClr val="tx1"/>
+              </a:buClr>
+              <a:buFont typeface="Wingdings" pitchFamily="2" charset="2"/>
+              <a:buChar char=""/>
+              <a:defRPr sz="1800" kern="1200">
+                <a:solidFill>
+                  <a:schemeClr val="tx1"/>
+                </a:solidFill>
+                <a:latin typeface="+mn-lt"/>
+                <a:ea typeface="+mn-ea"/>
+                <a:cs typeface="+mn-cs"/>
+              </a:defRPr>
+            </a:lvl3pPr>
+            <a:lvl4pPr marL="868680" indent="-182880" algn="l" defTabSz="914400" rtl="0" eaLnBrk="1" latinLnBrk="0" hangingPunct="1">
+              <a:lnSpc>
+                <a:spcPct val="90000"/>
+              </a:lnSpc>
+              <a:spcBef>
+                <a:spcPts val="200"/>
+              </a:spcBef>
+              <a:spcAft>
+                <a:spcPts val="400"/>
+              </a:spcAft>
+              <a:buClr>
+                <a:schemeClr val="tx1"/>
+              </a:buClr>
+              <a:buFont typeface="Wingdings" pitchFamily="2" charset="2"/>
+              <a:buChar char=""/>
+              <a:defRPr sz="1600" kern="1200">
+                <a:solidFill>
+                  <a:schemeClr val="tx1"/>
+                </a:solidFill>
+                <a:latin typeface="+mn-lt"/>
+                <a:ea typeface="+mn-ea"/>
+                <a:cs typeface="+mn-cs"/>
+              </a:defRPr>
+            </a:lvl4pPr>
+            <a:lvl5pPr marL="1097280" indent="-182880" algn="l" defTabSz="914400" rtl="0" eaLnBrk="1" latinLnBrk="0" hangingPunct="1">
+              <a:lnSpc>
+                <a:spcPct val="90000"/>
+              </a:lnSpc>
+              <a:spcBef>
+                <a:spcPts val="200"/>
+              </a:spcBef>
+              <a:spcAft>
+                <a:spcPts val="400"/>
+              </a:spcAft>
+              <a:buClr>
+                <a:schemeClr val="tx1"/>
+              </a:buClr>
+              <a:buFont typeface="Wingdings" pitchFamily="2" charset="2"/>
+              <a:buChar char=""/>
+              <a:defRPr sz="1600" kern="1200">
+                <a:solidFill>
+                  <a:schemeClr val="tx1"/>
+                </a:solidFill>
+                <a:latin typeface="+mn-lt"/>
+                <a:ea typeface="+mn-ea"/>
+                <a:cs typeface="+mn-cs"/>
+              </a:defRPr>
+            </a:lvl5pPr>
+            <a:lvl6pPr marL="1284600" indent="-228600" algn="l" defTabSz="914400" rtl="0" eaLnBrk="1" latinLnBrk="0" hangingPunct="1">
+              <a:lnSpc>
+                <a:spcPct val="90000"/>
+              </a:lnSpc>
+              <a:spcBef>
+                <a:spcPts val="200"/>
+              </a:spcBef>
+              <a:spcAft>
+                <a:spcPts val="400"/>
+              </a:spcAft>
+              <a:buClr>
+                <a:schemeClr val="tx1"/>
+              </a:buClr>
+              <a:buFont typeface="Wingdings" pitchFamily="2" charset="2"/>
+              <a:buChar char=""/>
+              <a:defRPr sz="1600" kern="1200">
+                <a:solidFill>
+                  <a:schemeClr val="tx1"/>
+                </a:solidFill>
+                <a:latin typeface="+mn-lt"/>
+                <a:ea typeface="+mn-ea"/>
+                <a:cs typeface="+mn-cs"/>
+              </a:defRPr>
+            </a:lvl6pPr>
+            <a:lvl7pPr marL="1471800" indent="-228600" algn="l" defTabSz="914400" rtl="0" eaLnBrk="1" latinLnBrk="0" hangingPunct="1">
+              <a:lnSpc>
+                <a:spcPct val="90000"/>
+              </a:lnSpc>
+              <a:spcBef>
+                <a:spcPts val="200"/>
+              </a:spcBef>
+              <a:spcAft>
+                <a:spcPts val="400"/>
+              </a:spcAft>
+              <a:buClr>
+                <a:schemeClr val="tx1"/>
+              </a:buClr>
+              <a:buFont typeface="Wingdings" pitchFamily="2" charset="2"/>
+              <a:buChar char=""/>
+              <a:defRPr sz="1600" kern="1200">
+                <a:solidFill>
+                  <a:schemeClr val="tx1"/>
+                </a:solidFill>
+                <a:latin typeface="+mn-lt"/>
+                <a:ea typeface="+mn-ea"/>
+                <a:cs typeface="+mn-cs"/>
+              </a:defRPr>
+            </a:lvl7pPr>
+            <a:lvl8pPr marL="1629000" indent="-228600" algn="l" defTabSz="914400" rtl="0" eaLnBrk="1" latinLnBrk="0" hangingPunct="1">
+              <a:lnSpc>
+                <a:spcPct val="90000"/>
+              </a:lnSpc>
+              <a:spcBef>
+                <a:spcPts val="200"/>
+              </a:spcBef>
+              <a:spcAft>
+                <a:spcPts val="400"/>
+              </a:spcAft>
+              <a:buClr>
+                <a:schemeClr val="tx1"/>
+              </a:buClr>
+              <a:buFont typeface="Wingdings" pitchFamily="2" charset="2"/>
+              <a:buChar char=""/>
+              <a:defRPr sz="1600" kern="1200">
+                <a:solidFill>
+                  <a:schemeClr val="tx1"/>
+                </a:solidFill>
+                <a:latin typeface="+mn-lt"/>
+                <a:ea typeface="+mn-ea"/>
+                <a:cs typeface="+mn-cs"/>
+              </a:defRPr>
+            </a:lvl8pPr>
+            <a:lvl9pPr marL="1806200" indent="-228600" algn="l" defTabSz="914400" rtl="0" eaLnBrk="1" latinLnBrk="0" hangingPunct="1">
+              <a:lnSpc>
+                <a:spcPct val="90000"/>
+              </a:lnSpc>
+              <a:spcBef>
+                <a:spcPts val="200"/>
+              </a:spcBef>
+              <a:spcAft>
+                <a:spcPts val="400"/>
+              </a:spcAft>
+              <a:buClr>
+                <a:schemeClr val="tx1"/>
+              </a:buClr>
+              <a:buFont typeface="Wingdings" pitchFamily="2" charset="2"/>
+              <a:buChar char=""/>
+              <a:defRPr sz="1600" kern="1200">
+                <a:solidFill>
+                  <a:schemeClr val="tx1"/>
+                </a:solidFill>
+                <a:latin typeface="+mn-lt"/>
+                <a:ea typeface="+mn-ea"/>
+                <a:cs typeface="+mn-cs"/>
+              </a:defRPr>
+            </a:lvl9pPr>
+          </a:lstStyle>
+          <a:p>
+            <a:pPr marL="0" indent="0" algn="ctr">
+              <a:buNone/>
+            </a:pPr>
+            <a:r>
+              <a:rPr lang="nl-BE" sz="3200" b="1" dirty="0" err="1"/>
+              <a:t>Mission.miz</a:t>
+            </a:r>
+            <a:endParaRPr lang="nl-BE" sz="3200" b="1" dirty="0"/>
+          </a:p>
+        </p:txBody>
+      </p:sp>
+      <p:sp>
+        <p:nvSpPr>
+          <p:cNvPr id="7" name="Rechthoek 6">
+            <a:extLst>
+              <a:ext uri="{FF2B5EF4-FFF2-40B4-BE49-F238E27FC236}">
+                <a16:creationId xmlns:a16="http://schemas.microsoft.com/office/drawing/2014/main" id="{91DB5396-6A71-4D23-9B73-57F547FA770F}"/>
+              </a:ext>
+            </a:extLst>
+          </p:cNvPr>
+          <p:cNvSpPr/>
+          <p:nvPr/>
+        </p:nvSpPr>
+        <p:spPr>
+          <a:xfrm>
+            <a:off x="1775952" y="3699002"/>
+            <a:ext cx="2880032" cy="1080013"/>
+          </a:xfrm>
+          <a:prstGeom prst="rect">
+            <a:avLst/>
+          </a:prstGeom>
+          <a:solidFill>
+            <a:schemeClr val="tx1">
+              <a:alpha val="74902"/>
+            </a:schemeClr>
+          </a:solidFill>
+          <a:ln w="28575">
+            <a:solidFill>
+              <a:schemeClr val="accent1"/>
+            </a:solidFill>
+          </a:ln>
+        </p:spPr>
+        <p:txBody>
+          <a:bodyPr rot="0" spcFirstLastPara="0" vertOverflow="overflow" horzOverflow="overflow" vert="horz" wrap="square" lIns="91440" tIns="45720" rIns="91440" bIns="45720" numCol="1" spcCol="0" rtlCol="0" fromWordArt="0" anchor="ctr" anchorCtr="0" forceAA="0" compatLnSpc="1">
+            <a:prstTxWarp prst="textNoShape">
+              <a:avLst/>
+            </a:prstTxWarp>
+            <a:normAutofit/>
+          </a:bodyPr>
+          <a:lstStyle/>
+          <a:p>
+            <a:pPr algn="ctr" defTabSz="914400">
+              <a:lnSpc>
+                <a:spcPct val="90000"/>
+              </a:lnSpc>
+              <a:spcBef>
+                <a:spcPts val="1200"/>
+              </a:spcBef>
+              <a:spcAft>
+                <a:spcPts val="200"/>
+              </a:spcAft>
+              <a:buClr>
+                <a:schemeClr val="tx1"/>
+              </a:buClr>
+            </a:pPr>
+            <a:r>
+              <a:rPr lang="nl-BE" dirty="0">
+                <a:solidFill>
+                  <a:schemeClr val="accent1"/>
+                </a:solidFill>
+              </a:rPr>
+              <a:t>DO SCRIPT FILE trigger</a:t>
+            </a:r>
+            <a:br>
+              <a:rPr lang="nl-BE" dirty="0">
+                <a:solidFill>
+                  <a:schemeClr val="accent1"/>
+                </a:solidFill>
+              </a:rPr>
+            </a:br>
+            <a:r>
+              <a:rPr lang="nl-BE" dirty="0" err="1">
+                <a:solidFill>
+                  <a:schemeClr val="accent1"/>
+                </a:solidFill>
+              </a:rPr>
+              <a:t>Moose.lua</a:t>
+            </a:r>
+            <a:endParaRPr lang="nl-BE" dirty="0">
+              <a:solidFill>
+                <a:schemeClr val="accent1"/>
+              </a:solidFill>
+            </a:endParaRPr>
+          </a:p>
+        </p:txBody>
+      </p:sp>
+      <p:sp>
+        <p:nvSpPr>
+          <p:cNvPr id="10" name="Cilinder 9">
+            <a:extLst>
+              <a:ext uri="{FF2B5EF4-FFF2-40B4-BE49-F238E27FC236}">
+                <a16:creationId xmlns:a16="http://schemas.microsoft.com/office/drawing/2014/main" id="{210F9DD8-AA00-453B-81CD-98AC2D461643}"/>
+              </a:ext>
+            </a:extLst>
+          </p:cNvPr>
+          <p:cNvSpPr/>
+          <p:nvPr/>
+        </p:nvSpPr>
+        <p:spPr>
+          <a:xfrm>
+            <a:off x="6816008" y="5769026"/>
+            <a:ext cx="4320048" cy="540006"/>
+          </a:xfrm>
+          <a:prstGeom prst="can">
+            <a:avLst/>
+          </a:prstGeom>
+          <a:solidFill>
+            <a:schemeClr val="tx1">
+              <a:alpha val="74902"/>
+            </a:schemeClr>
+          </a:solidFill>
+          <a:ln w="28575">
+            <a:solidFill>
+              <a:schemeClr val="accent1"/>
+            </a:solidFill>
+          </a:ln>
+        </p:spPr>
+        <p:txBody>
+          <a:bodyPr rot="0" spcFirstLastPara="0" vertOverflow="overflow" horzOverflow="overflow" vert="horz" wrap="square" lIns="91440" tIns="45720" rIns="91440" bIns="45720" numCol="1" spcCol="0" rtlCol="0" fromWordArt="0" anchor="ctr" anchorCtr="0" forceAA="0" compatLnSpc="1">
+            <a:prstTxWarp prst="textNoShape">
+              <a:avLst/>
+            </a:prstTxWarp>
+            <a:normAutofit lnSpcReduction="10000"/>
+          </a:bodyPr>
+          <a:lstStyle/>
+          <a:p>
+            <a:pPr algn="ctr" defTabSz="914400">
+              <a:lnSpc>
+                <a:spcPct val="90000"/>
+              </a:lnSpc>
+              <a:spcBef>
+                <a:spcPts val="1200"/>
+              </a:spcBef>
+              <a:spcAft>
+                <a:spcPts val="200"/>
+              </a:spcAft>
+              <a:buClr>
+                <a:schemeClr val="tx1"/>
+              </a:buClr>
+            </a:pPr>
+            <a:r>
+              <a:rPr lang="nl-BE" dirty="0">
+                <a:solidFill>
+                  <a:schemeClr val="accent1"/>
+                </a:solidFill>
+              </a:rPr>
+              <a:t>Y:\MOOSE\Moose Development\</a:t>
+            </a:r>
+            <a:r>
+              <a:rPr lang="nl-BE" b="1" dirty="0">
+                <a:solidFill>
+                  <a:schemeClr val="accent1"/>
+                </a:solidFill>
+              </a:rPr>
+              <a:t>Moose</a:t>
+            </a:r>
+          </a:p>
+        </p:txBody>
+      </p:sp>
+      <p:sp>
+        <p:nvSpPr>
+          <p:cNvPr id="17" name="Pijl: omlaag 16">
+            <a:extLst>
+              <a:ext uri="{FF2B5EF4-FFF2-40B4-BE49-F238E27FC236}">
+                <a16:creationId xmlns:a16="http://schemas.microsoft.com/office/drawing/2014/main" id="{46E88565-414E-49F9-8E29-392C6B22616A}"/>
+              </a:ext>
+            </a:extLst>
+          </p:cNvPr>
+          <p:cNvSpPr/>
+          <p:nvPr/>
+        </p:nvSpPr>
+        <p:spPr>
+          <a:xfrm>
+            <a:off x="8436026" y="3609002"/>
+            <a:ext cx="1080012" cy="2250026"/>
+          </a:xfrm>
+          <a:prstGeom prst="downArrow">
+            <a:avLst/>
+          </a:prstGeom>
+          <a:solidFill>
+            <a:schemeClr val="accent4"/>
+          </a:solidFill>
+          <a:ln w="19050">
+            <a:solidFill>
+              <a:schemeClr val="accent1"/>
+            </a:solidFill>
+          </a:ln>
+        </p:spPr>
+        <p:style>
+          <a:lnRef idx="2">
+            <a:schemeClr val="accent1"/>
+          </a:lnRef>
+          <a:fillRef idx="1">
+            <a:schemeClr val="lt1"/>
+          </a:fillRef>
+          <a:effectRef idx="0">
+            <a:schemeClr val="accent1"/>
+          </a:effectRef>
+          <a:fontRef idx="minor">
+            <a:schemeClr val="dk1"/>
+          </a:fontRef>
+        </p:style>
+        <p:txBody>
+          <a:bodyPr rot="0" spcFirstLastPara="0" vertOverflow="overflow" horzOverflow="overflow" vert="vert" wrap="square" lIns="91440" tIns="45720" rIns="91440" bIns="45720" numCol="1" spcCol="0" rtlCol="0" fromWordArt="0" anchor="t" anchorCtr="0" forceAA="0" compatLnSpc="1">
+            <a:prstTxWarp prst="textNoShape">
+              <a:avLst/>
+            </a:prstTxWarp>
+            <a:noAutofit/>
+          </a:bodyPr>
+          <a:lstStyle/>
+          <a:p>
+            <a:pPr algn="ctr"/>
+            <a:r>
+              <a:rPr lang="nl-BE" sz="2000" b="1" dirty="0">
+                <a:solidFill>
+                  <a:schemeClr val="tx1"/>
+                </a:solidFill>
+              </a:rPr>
+              <a:t>Development</a:t>
+            </a:r>
+          </a:p>
+        </p:txBody>
+      </p:sp>
+      <p:sp>
+        <p:nvSpPr>
+          <p:cNvPr id="19" name="Cilinder 18">
+            <a:extLst>
+              <a:ext uri="{FF2B5EF4-FFF2-40B4-BE49-F238E27FC236}">
+                <a16:creationId xmlns:a16="http://schemas.microsoft.com/office/drawing/2014/main" id="{B029D8A1-D5D6-433C-98B7-A709B7A0A49E}"/>
+              </a:ext>
+            </a:extLst>
+          </p:cNvPr>
+          <p:cNvSpPr/>
+          <p:nvPr/>
+        </p:nvSpPr>
+        <p:spPr>
+          <a:xfrm>
+            <a:off x="875942" y="5769026"/>
+            <a:ext cx="4680052" cy="720008"/>
+          </a:xfrm>
+          <a:prstGeom prst="can">
+            <a:avLst/>
+          </a:prstGeom>
+          <a:solidFill>
+            <a:schemeClr val="tx1">
+              <a:alpha val="74902"/>
+            </a:schemeClr>
+          </a:solidFill>
+          <a:ln w="28575">
+            <a:solidFill>
+              <a:schemeClr val="accent1"/>
+            </a:solidFill>
+          </a:ln>
+        </p:spPr>
+        <p:txBody>
+          <a:bodyPr rot="0" spcFirstLastPara="0" vertOverflow="overflow" horzOverflow="overflow" vert="horz" wrap="square" lIns="91440" tIns="45720" rIns="91440" bIns="45720" numCol="1" spcCol="0" rtlCol="0" fromWordArt="0" anchor="ctr" anchorCtr="0" forceAA="0" compatLnSpc="1">
+            <a:prstTxWarp prst="textNoShape">
+              <a:avLst/>
+            </a:prstTxWarp>
+            <a:normAutofit fontScale="85000" lnSpcReduction="10000"/>
+          </a:bodyPr>
+          <a:lstStyle/>
+          <a:p>
+            <a:pPr algn="ctr" defTabSz="914400">
+              <a:lnSpc>
+                <a:spcPct val="90000"/>
+              </a:lnSpc>
+              <a:spcBef>
+                <a:spcPts val="1200"/>
+              </a:spcBef>
+              <a:spcAft>
+                <a:spcPts val="200"/>
+              </a:spcAft>
+              <a:buClr>
+                <a:schemeClr val="tx1"/>
+              </a:buClr>
+            </a:pPr>
+            <a:r>
+              <a:rPr lang="nl-BE" dirty="0">
+                <a:solidFill>
+                  <a:schemeClr val="accent1"/>
+                </a:solidFill>
+              </a:rPr>
+              <a:t>X:\PF\Eagle Dynamics\DCS World\Scripts\</a:t>
+            </a:r>
+            <a:r>
+              <a:rPr lang="nl-BE" b="1" dirty="0">
+                <a:solidFill>
+                  <a:schemeClr val="accent1"/>
+                </a:solidFill>
+              </a:rPr>
+              <a:t>Moose\*.</a:t>
+            </a:r>
+            <a:r>
+              <a:rPr lang="nl-BE" b="1" dirty="0" err="1">
+                <a:solidFill>
+                  <a:schemeClr val="accent1"/>
+                </a:solidFill>
+              </a:rPr>
+              <a:t>lua</a:t>
+            </a:r>
+            <a:endParaRPr lang="nl-BE" b="1" dirty="0">
+              <a:solidFill>
+                <a:schemeClr val="accent1"/>
+              </a:solidFill>
+            </a:endParaRPr>
+          </a:p>
+        </p:txBody>
+      </p:sp>
+      <p:sp>
+        <p:nvSpPr>
+          <p:cNvPr id="14" name="Pijl: links/rechts 13">
+            <a:extLst>
+              <a:ext uri="{FF2B5EF4-FFF2-40B4-BE49-F238E27FC236}">
+                <a16:creationId xmlns:a16="http://schemas.microsoft.com/office/drawing/2014/main" id="{8D8F0E0E-1555-49F3-A2E9-D5CFA28CB8B7}"/>
+              </a:ext>
+            </a:extLst>
+          </p:cNvPr>
+          <p:cNvSpPr/>
+          <p:nvPr/>
+        </p:nvSpPr>
+        <p:spPr>
+          <a:xfrm>
+            <a:off x="5375992" y="5589025"/>
+            <a:ext cx="1620018" cy="720007"/>
+          </a:xfrm>
+          <a:prstGeom prst="leftRightArrow">
+            <a:avLst/>
+          </a:prstGeom>
+          <a:solidFill>
+            <a:schemeClr val="accent4"/>
+          </a:solidFill>
+          <a:ln w="19050">
+            <a:solidFill>
+              <a:schemeClr val="accent1"/>
+            </a:solidFill>
+          </a:ln>
+        </p:spPr>
+        <p:style>
+          <a:lnRef idx="2">
+            <a:schemeClr val="accent1"/>
+          </a:lnRef>
+          <a:fillRef idx="1">
+            <a:schemeClr val="lt1"/>
+          </a:fillRef>
+          <a:effectRef idx="0">
+            <a:schemeClr val="accent1"/>
+          </a:effectRef>
+          <a:fontRef idx="minor">
+            <a:schemeClr val="dk1"/>
+          </a:fontRef>
+        </p:style>
+        <p:txBody>
+          <a:bodyPr rot="0" spcFirstLastPara="0" vertOverflow="overflow" horzOverflow="overflow" vert="horz" wrap="square" lIns="91440" tIns="45720" rIns="91440" bIns="45720" numCol="1" spcCol="0" rtlCol="0" fromWordArt="0" anchor="t" anchorCtr="0" forceAA="0" compatLnSpc="1">
+            <a:prstTxWarp prst="textNoShape">
+              <a:avLst/>
+            </a:prstTxWarp>
+            <a:noAutofit/>
+          </a:bodyPr>
+          <a:lstStyle/>
+          <a:p>
+            <a:pPr algn="ctr"/>
+            <a:r>
+              <a:rPr lang="nl-BE" sz="2000" b="1" dirty="0">
+                <a:solidFill>
+                  <a:schemeClr val="tx1"/>
+                </a:solidFill>
+              </a:rPr>
+              <a:t>Link</a:t>
+            </a:r>
+          </a:p>
+        </p:txBody>
+      </p:sp>
+      <p:sp>
+        <p:nvSpPr>
+          <p:cNvPr id="16" name="Pijl: omhoog 15">
+            <a:extLst>
+              <a:ext uri="{FF2B5EF4-FFF2-40B4-BE49-F238E27FC236}">
+                <a16:creationId xmlns:a16="http://schemas.microsoft.com/office/drawing/2014/main" id="{52133AAA-59E6-41A3-B5BC-536FFF67EC53}"/>
+              </a:ext>
+            </a:extLst>
+          </p:cNvPr>
+          <p:cNvSpPr/>
+          <p:nvPr/>
+        </p:nvSpPr>
+        <p:spPr>
+          <a:xfrm>
+            <a:off x="2315958" y="5319021"/>
+            <a:ext cx="1800020" cy="540006"/>
+          </a:xfrm>
+          <a:prstGeom prst="upArrow">
+            <a:avLst/>
+          </a:prstGeom>
+          <a:solidFill>
+            <a:schemeClr val="accent4"/>
+          </a:solidFill>
+          <a:ln w="19050">
+            <a:solidFill>
+              <a:schemeClr val="accent1"/>
+            </a:solidFill>
+          </a:ln>
+        </p:spPr>
+        <p:style>
+          <a:lnRef idx="2">
+            <a:schemeClr val="accent1"/>
+          </a:lnRef>
+          <a:fillRef idx="1">
+            <a:schemeClr val="lt1"/>
+          </a:fillRef>
+          <a:effectRef idx="0">
+            <a:schemeClr val="accent1"/>
+          </a:effectRef>
+          <a:fontRef idx="minor">
+            <a:schemeClr val="dk1"/>
+          </a:fontRef>
+        </p:style>
+        <p:txBody>
+          <a:bodyPr rtlCol="0" anchor="t"/>
+          <a:lstStyle/>
+          <a:p>
+            <a:pPr algn="ctr"/>
+            <a:r>
+              <a:rPr lang="nl-BE" sz="2000" b="1" dirty="0">
+                <a:solidFill>
+                  <a:schemeClr val="tx1"/>
+                </a:solidFill>
+              </a:rPr>
+              <a:t>Load</a:t>
+            </a:r>
+          </a:p>
+        </p:txBody>
+      </p:sp>
+      <p:sp>
+        <p:nvSpPr>
+          <p:cNvPr id="20" name="Ovaal 19">
+            <a:extLst>
+              <a:ext uri="{FF2B5EF4-FFF2-40B4-BE49-F238E27FC236}">
+                <a16:creationId xmlns:a16="http://schemas.microsoft.com/office/drawing/2014/main" id="{5793AA40-C44E-4D86-9FF9-856F4DE48B93}"/>
+              </a:ext>
+            </a:extLst>
+          </p:cNvPr>
+          <p:cNvSpPr/>
+          <p:nvPr/>
+        </p:nvSpPr>
+        <p:spPr>
+          <a:xfrm>
+            <a:off x="9606039" y="5139019"/>
+            <a:ext cx="540006" cy="540006"/>
+          </a:xfrm>
+          <a:prstGeom prst="ellipse">
+            <a:avLst/>
+          </a:prstGeom>
+          <a:solidFill>
+            <a:schemeClr val="accent4"/>
+          </a:solidFill>
+          <a:ln w="28575">
+            <a:solidFill>
+              <a:schemeClr val="tx1"/>
+            </a:solidFill>
+          </a:ln>
+        </p:spPr>
+        <p:style>
+          <a:lnRef idx="2">
+            <a:schemeClr val="accent1"/>
+          </a:lnRef>
+          <a:fillRef idx="1">
+            <a:schemeClr val="lt1"/>
+          </a:fillRef>
+          <a:effectRef idx="0">
+            <a:schemeClr val="accent1"/>
+          </a:effectRef>
+          <a:fontRef idx="minor">
+            <a:schemeClr val="dk1"/>
+          </a:fontRef>
+        </p:style>
+        <p:txBody>
+          <a:bodyPr lIns="0" tIns="0" rIns="0" bIns="0" rtlCol="0" anchor="t"/>
+          <a:lstStyle/>
+          <a:p>
+            <a:pPr algn="ctr"/>
+            <a:r>
+              <a:rPr lang="nl-BE" sz="2400" b="1" dirty="0">
+                <a:solidFill>
+                  <a:schemeClr val="tx1"/>
+                </a:solidFill>
+              </a:rPr>
+              <a:t>4</a:t>
+            </a:r>
+          </a:p>
+        </p:txBody>
+      </p:sp>
+    </p:spTree>
+    <p:extLst>
+      <p:ext uri="{BB962C8B-B14F-4D97-AF65-F5344CB8AC3E}">
+        <p14:creationId xmlns:p14="http://schemas.microsoft.com/office/powerpoint/2010/main" val="3031228242"/>
       </p:ext>
     </p:extLst>
   </p:cSld>
